--- a/Stakeholder Presentation.pptx
+++ b/Stakeholder Presentation.pptx
@@ -5,34 +5,31 @@
     <p:sldMasterId id="2147483648" r:id="rId1"/>
   </p:sldMasterIdLst>
   <p:notesMasterIdLst>
-    <p:notesMasterId r:id="rId19"/>
+    <p:notesMasterId r:id="rId16"/>
   </p:notesMasterIdLst>
   <p:handoutMasterIdLst>
-    <p:handoutMasterId r:id="rId20"/>
+    <p:handoutMasterId r:id="rId17"/>
   </p:handoutMasterIdLst>
   <p:sldIdLst>
     <p:sldId id="265" r:id="rId2"/>
     <p:sldId id="310" r:id="rId3"/>
-    <p:sldId id="330" r:id="rId4"/>
-    <p:sldId id="321" r:id="rId5"/>
-    <p:sldId id="311" r:id="rId6"/>
-    <p:sldId id="333" r:id="rId7"/>
-    <p:sldId id="334" r:id="rId8"/>
-    <p:sldId id="327" r:id="rId9"/>
-    <p:sldId id="325" r:id="rId10"/>
-    <p:sldId id="322" r:id="rId11"/>
-    <p:sldId id="324" r:id="rId12"/>
-    <p:sldId id="320" r:id="rId13"/>
-    <p:sldId id="332" r:id="rId14"/>
-    <p:sldId id="328" r:id="rId15"/>
-    <p:sldId id="326" r:id="rId16"/>
-    <p:sldId id="331" r:id="rId17"/>
-    <p:sldId id="329" r:id="rId18"/>
+    <p:sldId id="336" r:id="rId4"/>
+    <p:sldId id="330" r:id="rId5"/>
+    <p:sldId id="321" r:id="rId6"/>
+    <p:sldId id="311" r:id="rId7"/>
+    <p:sldId id="333" r:id="rId8"/>
+    <p:sldId id="334" r:id="rId9"/>
+    <p:sldId id="335" r:id="rId10"/>
+    <p:sldId id="337" r:id="rId11"/>
+    <p:sldId id="320" r:id="rId12"/>
+    <p:sldId id="326" r:id="rId13"/>
+    <p:sldId id="331" r:id="rId14"/>
+    <p:sldId id="329" r:id="rId15"/>
   </p:sldIdLst>
   <p:sldSz cx="12188825" cy="6858000"/>
   <p:notesSz cx="6858000" cy="9144000"/>
   <p:custDataLst>
-    <p:tags r:id="rId21"/>
+    <p:tags r:id="rId18"/>
   </p:custDataLst>
   <p:defaultTextStyle>
     <a:defPPr>
@@ -233,7 +230,7 @@
           <a:p>
             <a:fld id="{59088EAF-6ECA-4616-85EF-35AA19C641F3}" type="datetimeFigureOut">
               <a:rPr lang="en-US"/>
-              <a:t>5/22/21</a:t>
+              <a:t>5/23/21</a:t>
             </a:fld>
             <a:endParaRPr/>
           </a:p>
@@ -398,7 +395,7 @@
           <a:p>
             <a:fld id="{3ABD2D7A-D230-4F91-BD59-0A39C2703BA8}" type="datetimeFigureOut">
               <a:rPr lang="en-US"/>
-              <a:t>5/22/21</a:t>
+              <a:t>5/23/21</a:t>
             </a:fld>
             <a:endParaRPr/>
           </a:p>
@@ -728,7 +725,7 @@
           <a:p>
             <a:fld id="{F93199CD-3E1B-4AE6-990F-76F925F5EA9F}" type="slidenum">
               <a:rPr lang="en-US" smtClean="0"/>
-              <a:t>12</a:t>
+              <a:t>11</a:t>
             </a:fld>
             <a:endParaRPr lang="en-US"/>
           </a:p>
@@ -738,180 +735,6 @@
     <p:extLst>
       <p:ext uri="{BB962C8B-B14F-4D97-AF65-F5344CB8AC3E}">
         <p14:creationId xmlns:p14="http://schemas.microsoft.com/office/powerpoint/2010/main" val="1355584658"/>
-      </p:ext>
-    </p:extLst>
-  </p:cSld>
-  <p:clrMapOvr>
-    <a:masterClrMapping/>
-  </p:clrMapOvr>
-</p:notes>
-</file>
-
-<file path=ppt/notesSlides/notesSlide2.xml><?xml version="1.0" encoding="utf-8"?>
-<p:notes xmlns:a="http://schemas.openxmlformats.org/drawingml/2006/main" xmlns:r="http://schemas.openxmlformats.org/officeDocument/2006/relationships" xmlns:p="http://schemas.openxmlformats.org/presentationml/2006/main">
-  <p:cSld>
-    <p:spTree>
-      <p:nvGrpSpPr>
-        <p:cNvPr id="1" name=""/>
-        <p:cNvGrpSpPr/>
-        <p:nvPr/>
-      </p:nvGrpSpPr>
-      <p:grpSpPr>
-        <a:xfrm>
-          <a:off x="0" y="0"/>
-          <a:ext cx="0" cy="0"/>
-          <a:chOff x="0" y="0"/>
-          <a:chExt cx="0" cy="0"/>
-        </a:xfrm>
-      </p:grpSpPr>
-      <p:sp>
-        <p:nvSpPr>
-          <p:cNvPr id="2" name="Slide Image Placeholder 1"/>
-          <p:cNvSpPr>
-            <a:spLocks noGrp="1" noRot="1" noChangeAspect="1"/>
-          </p:cNvSpPr>
-          <p:nvPr>
-            <p:ph type="sldImg"/>
-          </p:nvPr>
-        </p:nvSpPr>
-        <p:spPr/>
-      </p:sp>
-      <p:sp>
-        <p:nvSpPr>
-          <p:cNvPr id="3" name="Notes Placeholder 2"/>
-          <p:cNvSpPr>
-            <a:spLocks noGrp="1"/>
-          </p:cNvSpPr>
-          <p:nvPr>
-            <p:ph type="body" idx="1"/>
-          </p:nvPr>
-        </p:nvSpPr>
-        <p:spPr/>
-        <p:txBody>
-          <a:bodyPr/>
-          <a:lstStyle/>
-          <a:p>
-            <a:r>
-              <a:rPr lang="en-US" dirty="0"/>
-              <a:t>The estimates for full bathroom square feet from an online search for ”average full bathroom size”. </a:t>
-            </a:r>
-          </a:p>
-        </p:txBody>
-      </p:sp>
-      <p:sp>
-        <p:nvSpPr>
-          <p:cNvPr id="4" name="Slide Number Placeholder 3"/>
-          <p:cNvSpPr>
-            <a:spLocks noGrp="1"/>
-          </p:cNvSpPr>
-          <p:nvPr>
-            <p:ph type="sldNum" sz="quarter" idx="5"/>
-          </p:nvPr>
-        </p:nvSpPr>
-        <p:spPr/>
-        <p:txBody>
-          <a:bodyPr/>
-          <a:lstStyle/>
-          <a:p>
-            <a:fld id="{F93199CD-3E1B-4AE6-990F-76F925F5EA9F}" type="slidenum">
-              <a:rPr lang="en-US" smtClean="0"/>
-              <a:t>13</a:t>
-            </a:fld>
-            <a:endParaRPr lang="en-US"/>
-          </a:p>
-        </p:txBody>
-      </p:sp>
-    </p:spTree>
-    <p:extLst>
-      <p:ext uri="{BB962C8B-B14F-4D97-AF65-F5344CB8AC3E}">
-        <p14:creationId xmlns:p14="http://schemas.microsoft.com/office/powerpoint/2010/main" val="2160604707"/>
-      </p:ext>
-    </p:extLst>
-  </p:cSld>
-  <p:clrMapOvr>
-    <a:masterClrMapping/>
-  </p:clrMapOvr>
-</p:notes>
-</file>
-
-<file path=ppt/notesSlides/notesSlide3.xml><?xml version="1.0" encoding="utf-8"?>
-<p:notes xmlns:a="http://schemas.openxmlformats.org/drawingml/2006/main" xmlns:r="http://schemas.openxmlformats.org/officeDocument/2006/relationships" xmlns:p="http://schemas.openxmlformats.org/presentationml/2006/main">
-  <p:cSld>
-    <p:spTree>
-      <p:nvGrpSpPr>
-        <p:cNvPr id="1" name=""/>
-        <p:cNvGrpSpPr/>
-        <p:nvPr/>
-      </p:nvGrpSpPr>
-      <p:grpSpPr>
-        <a:xfrm>
-          <a:off x="0" y="0"/>
-          <a:ext cx="0" cy="0"/>
-          <a:chOff x="0" y="0"/>
-          <a:chExt cx="0" cy="0"/>
-        </a:xfrm>
-      </p:grpSpPr>
-      <p:sp>
-        <p:nvSpPr>
-          <p:cNvPr id="2" name="Slide Image Placeholder 1"/>
-          <p:cNvSpPr>
-            <a:spLocks noGrp="1" noRot="1" noChangeAspect="1"/>
-          </p:cNvSpPr>
-          <p:nvPr>
-            <p:ph type="sldImg"/>
-          </p:nvPr>
-        </p:nvSpPr>
-        <p:spPr/>
-      </p:sp>
-      <p:sp>
-        <p:nvSpPr>
-          <p:cNvPr id="3" name="Notes Placeholder 2"/>
-          <p:cNvSpPr>
-            <a:spLocks noGrp="1"/>
-          </p:cNvSpPr>
-          <p:nvPr>
-            <p:ph type="body" idx="1"/>
-          </p:nvPr>
-        </p:nvSpPr>
-        <p:spPr/>
-        <p:txBody>
-          <a:bodyPr/>
-          <a:lstStyle/>
-          <a:p>
-            <a:r>
-              <a:rPr lang="en-US" dirty="0"/>
-              <a:t>The estimates for full bathroom square feet from an online search for ”average full bathroom size”. </a:t>
-            </a:r>
-          </a:p>
-        </p:txBody>
-      </p:sp>
-      <p:sp>
-        <p:nvSpPr>
-          <p:cNvPr id="4" name="Slide Number Placeholder 3"/>
-          <p:cNvSpPr>
-            <a:spLocks noGrp="1"/>
-          </p:cNvSpPr>
-          <p:nvPr>
-            <p:ph type="sldNum" sz="quarter" idx="5"/>
-          </p:nvPr>
-        </p:nvSpPr>
-        <p:spPr/>
-        <p:txBody>
-          <a:bodyPr/>
-          <a:lstStyle/>
-          <a:p>
-            <a:fld id="{F93199CD-3E1B-4AE6-990F-76F925F5EA9F}" type="slidenum">
-              <a:rPr lang="en-US" smtClean="0"/>
-              <a:t>14</a:t>
-            </a:fld>
-            <a:endParaRPr lang="en-US"/>
-          </a:p>
-        </p:txBody>
-      </p:sp>
-    </p:spTree>
-    <p:extLst>
-      <p:ext uri="{BB962C8B-B14F-4D97-AF65-F5344CB8AC3E}">
-        <p14:creationId xmlns:p14="http://schemas.microsoft.com/office/powerpoint/2010/main" val="1854481995"/>
       </p:ext>
     </p:extLst>
   </p:cSld>
@@ -1268,7 +1091,7 @@
           <a:p>
             <a:fld id="{03F41C87-7AD9-4845-A077-840E4A0F3F06}" type="datetimeFigureOut">
               <a:rPr lang="en-US"/>
-              <a:t>5/22/21</a:t>
+              <a:t>5/23/21</a:t>
             </a:fld>
             <a:endParaRPr/>
           </a:p>
@@ -1460,7 +1283,7 @@
           <a:p>
             <a:fld id="{03F41C87-7AD9-4845-A077-840E4A0F3F06}" type="datetimeFigureOut">
               <a:rPr lang="en-US"/>
-              <a:t>5/22/21</a:t>
+              <a:t>5/23/21</a:t>
             </a:fld>
             <a:endParaRPr/>
           </a:p>
@@ -1649,7 +1472,7 @@
           <a:p>
             <a:fld id="{03F41C87-7AD9-4845-A077-840E4A0F3F06}" type="datetimeFigureOut">
               <a:rPr lang="en-US"/>
-              <a:t>5/22/21</a:t>
+              <a:t>5/23/21</a:t>
             </a:fld>
             <a:endParaRPr/>
           </a:p>
@@ -1929,7 +1752,7 @@
           <a:p>
             <a:fld id="{03F41C87-7AD9-4845-A077-840E4A0F3F06}" type="datetimeFigureOut">
               <a:rPr lang="en-US"/>
-              <a:t>5/22/21</a:t>
+              <a:t>5/23/21</a:t>
             </a:fld>
             <a:endParaRPr/>
           </a:p>
@@ -2233,7 +2056,7 @@
           <a:p>
             <a:fld id="{03F41C87-7AD9-4845-A077-840E4A0F3F06}" type="datetimeFigureOut">
               <a:rPr lang="en-US"/>
-              <a:t>5/22/21</a:t>
+              <a:t>5/23/21</a:t>
             </a:fld>
             <a:endParaRPr/>
           </a:p>
@@ -2689,7 +2512,7 @@
           <a:p>
             <a:fld id="{03F41C87-7AD9-4845-A077-840E4A0F3F06}" type="datetimeFigureOut">
               <a:rPr lang="en-US"/>
-              <a:t>5/22/21</a:t>
+              <a:t>5/23/21</a:t>
             </a:fld>
             <a:endParaRPr/>
           </a:p>
@@ -2819,7 +2642,7 @@
           <a:p>
             <a:fld id="{03F41C87-7AD9-4845-A077-840E4A0F3F06}" type="datetimeFigureOut">
               <a:rPr lang="en-US"/>
-              <a:t>5/22/21</a:t>
+              <a:t>5/23/21</a:t>
             </a:fld>
             <a:endParaRPr/>
           </a:p>
@@ -2934,7 +2757,7 @@
           <a:p>
             <a:fld id="{03F41C87-7AD9-4845-A077-840E4A0F3F06}" type="datetimeFigureOut">
               <a:rPr lang="en-US"/>
-              <a:t>5/22/21</a:t>
+              <a:t>5/23/21</a:t>
             </a:fld>
             <a:endParaRPr/>
           </a:p>
@@ -3256,7 +3079,7 @@
           <a:p>
             <a:fld id="{03F41C87-7AD9-4845-A077-840E4A0F3F06}" type="datetimeFigureOut">
               <a:rPr lang="en-US"/>
-              <a:t>5/22/21</a:t>
+              <a:t>5/23/21</a:t>
             </a:fld>
             <a:endParaRPr/>
           </a:p>
@@ -3568,7 +3391,7 @@
             <a:fld id="{03F41C87-7AD9-4845-A077-840E4A0F3F06}" type="datetimeFigureOut">
               <a:rPr lang="en-US"/>
               <a:pPr/>
-              <a:t>5/22/21</a:t>
+              <a:t>5/23/21</a:t>
             </a:fld>
             <a:endParaRPr/>
           </a:p>
@@ -3822,7 +3645,7 @@
             <a:fld id="{03F41C87-7AD9-4845-A077-840E4A0F3F06}" type="datetimeFigureOut">
               <a:rPr lang="en-US" smtClean="0"/>
               <a:pPr/>
-              <a:t>5/22/21</a:t>
+              <a:t>5/23/21</a:t>
             </a:fld>
             <a:endParaRPr lang="en-US"/>
           </a:p>
@@ -4343,8 +4166,8 @@
         </p:nvSpPr>
         <p:spPr>
           <a:xfrm>
-            <a:off x="455612" y="190499"/>
-            <a:ext cx="10591800" cy="890877"/>
+            <a:off x="455612" y="190500"/>
+            <a:ext cx="10591800" cy="685800"/>
           </a:xfrm>
           <a:prstGeom prst="rect">
             <a:avLst/>
@@ -4352,7 +4175,7 @@
         </p:spPr>
         <p:txBody>
           <a:bodyPr vert="horz" lIns="91440" tIns="45720" rIns="91440" bIns="45720" rtlCol="0" anchor="b">
-            <a:normAutofit fontScale="92500" lnSpcReduction="10000"/>
+            <a:normAutofit/>
           </a:bodyPr>
           <a:lstStyle>
             <a:lvl1pPr algn="l" defTabSz="914400" rtl="0" eaLnBrk="1" latinLnBrk="0" hangingPunct="1">
@@ -4375,50 +4198,18 @@
           </a:lstStyle>
           <a:p>
             <a:r>
-              <a:rPr lang="en-US" sz="4200" dirty="0"/>
-              <a:t>Recommendation: Finish a Basement </a:t>
-            </a:r>
-          </a:p>
-          <a:p>
-            <a:r>
-              <a:rPr lang="en-US" sz="2200" dirty="0">
-                <a:solidFill>
-                  <a:schemeClr val="tx1">
-                    <a:lumMod val="65000"/>
-                  </a:schemeClr>
-                </a:solidFill>
-              </a:rPr>
-              <a:t>with 700 </a:t>
-            </a:r>
-            <a:r>
-              <a:rPr lang="en-US" sz="2200" dirty="0" err="1">
-                <a:solidFill>
-                  <a:schemeClr val="tx1">
-                    <a:lumMod val="65000"/>
-                  </a:schemeClr>
-                </a:solidFill>
-              </a:rPr>
-              <a:t>sqft</a:t>
-            </a:r>
-            <a:r>
-              <a:rPr lang="en-US" sz="2200" dirty="0">
-                <a:solidFill>
-                  <a:schemeClr val="tx1">
-                    <a:lumMod val="65000"/>
-                  </a:schemeClr>
-                </a:solidFill>
-              </a:rPr>
-              <a:t> and High-Grade Construction</a:t>
+              <a:rPr lang="en-US" dirty="0"/>
+              <a:t>You Get What You Pay For</a:t>
             </a:r>
           </a:p>
         </p:txBody>
       </p:sp>
       <p:sp>
         <p:nvSpPr>
-          <p:cNvPr id="22" name="Content Placeholder 13">
+          <p:cNvPr id="42" name="Content Placeholder 13">
             <a:extLst>
               <a:ext uri="{FF2B5EF4-FFF2-40B4-BE49-F238E27FC236}">
-                <a16:creationId xmlns:a16="http://schemas.microsoft.com/office/drawing/2014/main" id="{3DDC40B8-CDCB-D048-A7EB-D673121A181B}"/>
+                <a16:creationId xmlns:a16="http://schemas.microsoft.com/office/drawing/2014/main" id="{A0F085D3-B1D0-1247-A125-4FC748E86E83}"/>
               </a:ext>
             </a:extLst>
           </p:cNvPr>
@@ -4431,8 +4222,8 @@
         </p:nvSpPr>
         <p:spPr>
           <a:xfrm>
-            <a:off x="6851111" y="2014516"/>
-            <a:ext cx="4953000" cy="3305950"/>
+            <a:off x="6400953" y="2167807"/>
+            <a:ext cx="4953000" cy="3363481"/>
           </a:xfrm>
         </p:spPr>
         <p:txBody>
@@ -4443,643 +4234,101 @@
           <a:p>
             <a:r>
               <a:rPr lang="en-US" dirty="0"/>
-              <a:t>Having a basement effects home price negatively by itself</a:t>
-            </a:r>
-          </a:p>
-          <a:p>
+              <a:t>While not specifically important for the random forest model, there is a clear trend between showing that if you pay for the water, the wells reliability is higher</a:t>
+            </a:r>
+          </a:p>
+          <a:p>
+            <a:r>
+              <a:rPr lang="en-US" dirty="0">
+                <a:solidFill>
+                  <a:srgbClr val="FF0000"/>
+                </a:solidFill>
+              </a:rPr>
+              <a:t>Recommendation: </a:t>
+            </a:r>
             <a:r>
               <a:rPr lang="en-US" dirty="0"/>
-              <a:t>Model predicts an additional $120 to the homes value for every additional square foot</a:t>
-            </a:r>
-          </a:p>
-          <a:p>
-            <a:r>
-              <a:rPr lang="en-US" dirty="0"/>
-              <a:t>Median basement size in the area is 700 </a:t>
-            </a:r>
-            <a:r>
-              <a:rPr lang="en-US" dirty="0" err="1"/>
-              <a:t>sqft</a:t>
-            </a:r>
-            <a:endParaRPr lang="en-US" dirty="0"/>
+              <a:t>Focus on supporting the populations which cannot afford to pay for water</a:t>
+            </a:r>
           </a:p>
         </p:txBody>
       </p:sp>
-      <p:grpSp>
-        <p:nvGrpSpPr>
-          <p:cNvPr id="13" name="Group 12">
+      <p:pic>
+        <p:nvPicPr>
+          <p:cNvPr id="7" name="Picture 6" descr="Chart, bar chart&#10;&#10;Description automatically generated">
             <a:extLst>
               <a:ext uri="{FF2B5EF4-FFF2-40B4-BE49-F238E27FC236}">
-                <a16:creationId xmlns:a16="http://schemas.microsoft.com/office/drawing/2014/main" id="{458C82B9-3161-9545-ADB1-E8123AE35508}"/>
+                <a16:creationId xmlns:a16="http://schemas.microsoft.com/office/drawing/2014/main" id="{8653E05B-8948-754C-9C64-5BFEA359E9D9}"/>
               </a:ext>
             </a:extLst>
           </p:cNvPr>
-          <p:cNvGrpSpPr/>
+          <p:cNvPicPr>
+            <a:picLocks noChangeAspect="1"/>
+          </p:cNvPicPr>
           <p:nvPr/>
-        </p:nvGrpSpPr>
-        <p:grpSpPr>
+        </p:nvPicPr>
+        <p:blipFill>
+          <a:blip r:embed="rId2">
+            <a:extLst>
+              <a:ext uri="{28A0092B-C50C-407E-A947-70E740481C1C}">
+                <a14:useLocalDpi xmlns:a14="http://schemas.microsoft.com/office/drawing/2010/main" val="0"/>
+              </a:ext>
+            </a:extLst>
+          </a:blip>
+          <a:stretch>
+            <a:fillRect/>
+          </a:stretch>
+        </p:blipFill>
+        <p:spPr>
           <a:xfrm>
-            <a:off x="304867" y="2014516"/>
-            <a:ext cx="6196930" cy="3621519"/>
-            <a:chOff x="-65836" y="2536233"/>
-            <a:chExt cx="6196930" cy="3621519"/>
+            <a:off x="455612" y="1637413"/>
+            <a:ext cx="4816549" cy="4816549"/>
           </a:xfrm>
-        </p:grpSpPr>
-        <p:sp>
-          <p:nvSpPr>
-            <p:cNvPr id="2" name="Rectangle 1">
-              <a:extLst>
-                <a:ext uri="{FF2B5EF4-FFF2-40B4-BE49-F238E27FC236}">
-                  <a16:creationId xmlns:a16="http://schemas.microsoft.com/office/drawing/2014/main" id="{E962D70D-4B60-3244-A2C1-8B179217BF5C}"/>
-                </a:ext>
-              </a:extLst>
-            </p:cNvPr>
-            <p:cNvSpPr/>
-            <p:nvPr/>
-          </p:nvSpPr>
-          <p:spPr>
-            <a:xfrm rot="16200000">
-              <a:off x="522174" y="4857860"/>
-              <a:ext cx="684008" cy="556591"/>
-            </a:xfrm>
-            <a:prstGeom prst="rect">
-              <a:avLst/>
-            </a:prstGeom>
-            <a:solidFill>
-              <a:srgbClr val="C00000"/>
-            </a:solidFill>
-            <a:ln>
-              <a:solidFill>
-                <a:srgbClr val="C00000"/>
-              </a:solidFill>
-            </a:ln>
-          </p:spPr>
-          <p:style>
-            <a:lnRef idx="2">
-              <a:schemeClr val="accent1">
-                <a:shade val="50000"/>
-              </a:schemeClr>
-            </a:lnRef>
-            <a:fillRef idx="1">
-              <a:schemeClr val="accent1"/>
-            </a:fillRef>
-            <a:effectRef idx="0">
-              <a:schemeClr val="accent1"/>
-            </a:effectRef>
-            <a:fontRef idx="minor">
-              <a:schemeClr val="lt1"/>
-            </a:fontRef>
-          </p:style>
-          <p:txBody>
-            <a:bodyPr rtlCol="0" anchor="ctr"/>
-            <a:lstStyle/>
-            <a:p>
-              <a:pPr algn="ctr"/>
-              <a:endParaRPr lang="en-US" dirty="0"/>
-            </a:p>
-          </p:txBody>
-        </p:sp>
-        <p:sp>
-          <p:nvSpPr>
-            <p:cNvPr id="3" name="TextBox 2">
-              <a:extLst>
-                <a:ext uri="{FF2B5EF4-FFF2-40B4-BE49-F238E27FC236}">
-                  <a16:creationId xmlns:a16="http://schemas.microsoft.com/office/drawing/2014/main" id="{71020526-42EA-AF46-A5FA-E1ECA6A48434}"/>
-                </a:ext>
-              </a:extLst>
-            </p:cNvPr>
-            <p:cNvSpPr txBox="1"/>
-            <p:nvPr/>
-          </p:nvSpPr>
-          <p:spPr>
-            <a:xfrm>
-              <a:off x="137033" y="5420798"/>
-              <a:ext cx="1387762" cy="461665"/>
-            </a:xfrm>
-            <a:prstGeom prst="rect">
-              <a:avLst/>
-            </a:prstGeom>
-            <a:noFill/>
-          </p:spPr>
-          <p:txBody>
-            <a:bodyPr wrap="square" rtlCol="0">
-              <a:spAutoFit/>
-            </a:bodyPr>
-            <a:lstStyle/>
-            <a:p>
-              <a:pPr algn="ctr"/>
-              <a:r>
-                <a:rPr lang="en-US" sz="2400" dirty="0"/>
-                <a:t>-$24,000</a:t>
-              </a:r>
-            </a:p>
-          </p:txBody>
-        </p:sp>
-        <p:sp>
-          <p:nvSpPr>
-            <p:cNvPr id="42" name="TextBox 41">
-              <a:extLst>
-                <a:ext uri="{FF2B5EF4-FFF2-40B4-BE49-F238E27FC236}">
-                  <a16:creationId xmlns:a16="http://schemas.microsoft.com/office/drawing/2014/main" id="{0006BF0A-4BBA-004A-8B80-F507A721EEBC}"/>
-                </a:ext>
-              </a:extLst>
-            </p:cNvPr>
-            <p:cNvSpPr txBox="1"/>
-            <p:nvPr/>
-          </p:nvSpPr>
-          <p:spPr>
-            <a:xfrm>
-              <a:off x="1579047" y="2941266"/>
-              <a:ext cx="1552622" cy="461665"/>
-            </a:xfrm>
-            <a:prstGeom prst="rect">
-              <a:avLst/>
-            </a:prstGeom>
-            <a:noFill/>
-          </p:spPr>
-          <p:txBody>
-            <a:bodyPr wrap="square" rtlCol="0">
-              <a:spAutoFit/>
-            </a:bodyPr>
-            <a:lstStyle/>
-            <a:p>
-              <a:pPr algn="ctr"/>
-              <a:r>
-                <a:rPr lang="en-US" sz="2400" dirty="0"/>
-                <a:t>+$84,000</a:t>
-              </a:r>
-            </a:p>
-          </p:txBody>
-        </p:sp>
-        <p:sp>
-          <p:nvSpPr>
-            <p:cNvPr id="43" name="TextBox 42">
-              <a:extLst>
-                <a:ext uri="{FF2B5EF4-FFF2-40B4-BE49-F238E27FC236}">
-                  <a16:creationId xmlns:a16="http://schemas.microsoft.com/office/drawing/2014/main" id="{5D273809-794D-0740-9425-6D1C0EFAC3F0}"/>
-                </a:ext>
-              </a:extLst>
-            </p:cNvPr>
-            <p:cNvSpPr txBox="1"/>
-            <p:nvPr/>
-          </p:nvSpPr>
-          <p:spPr>
-            <a:xfrm>
-              <a:off x="260538" y="4098476"/>
-              <a:ext cx="1264257" cy="646331"/>
-            </a:xfrm>
-            <a:prstGeom prst="rect">
-              <a:avLst/>
-            </a:prstGeom>
-            <a:noFill/>
-          </p:spPr>
-          <p:txBody>
-            <a:bodyPr wrap="square" rtlCol="0">
-              <a:spAutoFit/>
-            </a:bodyPr>
-            <a:lstStyle/>
-            <a:p>
-              <a:pPr algn="ctr"/>
-              <a:r>
-                <a:rPr lang="en-US" dirty="0"/>
-                <a:t>Having a Basement</a:t>
-              </a:r>
-            </a:p>
-          </p:txBody>
-        </p:sp>
-        <p:sp>
-          <p:nvSpPr>
-            <p:cNvPr id="44" name="TextBox 43">
-              <a:extLst>
-                <a:ext uri="{FF2B5EF4-FFF2-40B4-BE49-F238E27FC236}">
-                  <a16:creationId xmlns:a16="http://schemas.microsoft.com/office/drawing/2014/main" id="{0761D215-F2B7-5645-9E59-2353BFAC945E}"/>
-                </a:ext>
-              </a:extLst>
-            </p:cNvPr>
-            <p:cNvSpPr txBox="1"/>
-            <p:nvPr/>
-          </p:nvSpPr>
-          <p:spPr>
-            <a:xfrm>
-              <a:off x="1561979" y="5511421"/>
-              <a:ext cx="1586760" cy="646331"/>
-            </a:xfrm>
-            <a:prstGeom prst="rect">
-              <a:avLst/>
-            </a:prstGeom>
-            <a:noFill/>
-          </p:spPr>
-          <p:txBody>
-            <a:bodyPr wrap="square" rtlCol="0">
-              <a:spAutoFit/>
-            </a:bodyPr>
-            <a:lstStyle/>
-            <a:p>
-              <a:pPr algn="ctr"/>
-              <a:r>
-                <a:rPr lang="en-US" dirty="0"/>
-                <a:t>Adding 700 </a:t>
-              </a:r>
-              <a:r>
-                <a:rPr lang="en-US" dirty="0" err="1"/>
-                <a:t>sqft</a:t>
-              </a:r>
-              <a:endParaRPr lang="en-US" dirty="0"/>
-            </a:p>
-          </p:txBody>
-        </p:sp>
-        <p:cxnSp>
-          <p:nvCxnSpPr>
-            <p:cNvPr id="6" name="Straight Connector 5">
-              <a:extLst>
-                <a:ext uri="{FF2B5EF4-FFF2-40B4-BE49-F238E27FC236}">
-                  <a16:creationId xmlns:a16="http://schemas.microsoft.com/office/drawing/2014/main" id="{546DEE29-6690-3946-8450-D1D14308AA28}"/>
-                </a:ext>
-              </a:extLst>
-            </p:cNvPr>
-            <p:cNvCxnSpPr>
-              <a:cxnSpLocks/>
-            </p:cNvCxnSpPr>
-            <p:nvPr/>
-          </p:nvCxnSpPr>
-          <p:spPr>
-            <a:xfrm>
-              <a:off x="384714" y="4781648"/>
-              <a:ext cx="5439437" cy="0"/>
-            </a:xfrm>
-            <a:prstGeom prst="line">
-              <a:avLst/>
-            </a:prstGeom>
-            <a:ln w="38100">
-              <a:solidFill>
-                <a:schemeClr val="tx1">
-                  <a:lumMod val="75000"/>
-                </a:schemeClr>
-              </a:solidFill>
-            </a:ln>
-          </p:spPr>
-          <p:style>
-            <a:lnRef idx="1">
-              <a:schemeClr val="accent1"/>
-            </a:lnRef>
-            <a:fillRef idx="0">
-              <a:schemeClr val="accent1"/>
-            </a:fillRef>
-            <a:effectRef idx="0">
-              <a:schemeClr val="accent1"/>
-            </a:effectRef>
-            <a:fontRef idx="minor">
-              <a:schemeClr val="tx1"/>
-            </a:fontRef>
-          </p:style>
-        </p:cxnSp>
-        <p:sp>
-          <p:nvSpPr>
-            <p:cNvPr id="45" name="Rectangle 44">
-              <a:extLst>
-                <a:ext uri="{FF2B5EF4-FFF2-40B4-BE49-F238E27FC236}">
-                  <a16:creationId xmlns:a16="http://schemas.microsoft.com/office/drawing/2014/main" id="{2FC5DF8A-59B1-C84D-8020-FD19A00CC3FA}"/>
-                </a:ext>
-              </a:extLst>
-            </p:cNvPr>
-            <p:cNvSpPr/>
-            <p:nvPr/>
-          </p:nvSpPr>
-          <p:spPr>
-            <a:xfrm rot="16200000">
-              <a:off x="3616899" y="2951854"/>
-              <a:ext cx="459274" cy="556591"/>
-            </a:xfrm>
-            <a:prstGeom prst="rect">
-              <a:avLst/>
-            </a:prstGeom>
-            <a:solidFill>
-              <a:srgbClr val="00B050"/>
-            </a:solidFill>
-            <a:ln>
-              <a:solidFill>
-                <a:srgbClr val="00B050"/>
-              </a:solidFill>
-            </a:ln>
-          </p:spPr>
-          <p:style>
-            <a:lnRef idx="2">
-              <a:schemeClr val="accent1">
-                <a:shade val="50000"/>
-              </a:schemeClr>
-            </a:lnRef>
-            <a:fillRef idx="1">
-              <a:schemeClr val="accent1"/>
-            </a:fillRef>
-            <a:effectRef idx="0">
-              <a:schemeClr val="accent1"/>
-            </a:effectRef>
-            <a:fontRef idx="minor">
-              <a:schemeClr val="lt1"/>
-            </a:fontRef>
-          </p:style>
-          <p:txBody>
-            <a:bodyPr rtlCol="0" anchor="ctr"/>
-            <a:lstStyle/>
-            <a:p>
-              <a:pPr algn="ctr"/>
-              <a:endParaRPr lang="en-US" dirty="0"/>
-            </a:p>
-          </p:txBody>
-        </p:sp>
-        <p:sp>
-          <p:nvSpPr>
-            <p:cNvPr id="46" name="TextBox 45">
-              <a:extLst>
-                <a:ext uri="{FF2B5EF4-FFF2-40B4-BE49-F238E27FC236}">
-                  <a16:creationId xmlns:a16="http://schemas.microsoft.com/office/drawing/2014/main" id="{1691BE8D-70C8-4343-9B61-5889C4350EAE}"/>
-                </a:ext>
-              </a:extLst>
-            </p:cNvPr>
-            <p:cNvSpPr txBox="1"/>
-            <p:nvPr/>
-          </p:nvSpPr>
-          <p:spPr>
-            <a:xfrm>
-              <a:off x="3053156" y="4856576"/>
-              <a:ext cx="1586760" cy="646331"/>
-            </a:xfrm>
-            <a:prstGeom prst="rect">
-              <a:avLst/>
-            </a:prstGeom>
-            <a:noFill/>
-          </p:spPr>
-          <p:txBody>
-            <a:bodyPr wrap="square" rtlCol="0">
-              <a:spAutoFit/>
-            </a:bodyPr>
-            <a:lstStyle/>
-            <a:p>
-              <a:pPr algn="ctr"/>
-              <a:r>
-                <a:rPr lang="en-US" dirty="0"/>
-                <a:t>Grade 9 Construction</a:t>
-              </a:r>
-            </a:p>
-          </p:txBody>
-        </p:sp>
-        <p:sp>
-          <p:nvSpPr>
-            <p:cNvPr id="47" name="Rectangle 46">
-              <a:extLst>
-                <a:ext uri="{FF2B5EF4-FFF2-40B4-BE49-F238E27FC236}">
-                  <a16:creationId xmlns:a16="http://schemas.microsoft.com/office/drawing/2014/main" id="{68CE3E76-D200-0343-82BB-A38D54DD2387}"/>
-                </a:ext>
-              </a:extLst>
-            </p:cNvPr>
-            <p:cNvSpPr/>
-            <p:nvPr/>
-          </p:nvSpPr>
-          <p:spPr>
-            <a:xfrm rot="16200000">
-              <a:off x="4461900" y="3595419"/>
-              <a:ext cx="1751632" cy="556591"/>
-            </a:xfrm>
-            <a:prstGeom prst="rect">
-              <a:avLst/>
-            </a:prstGeom>
-            <a:solidFill>
-              <a:srgbClr val="00B050"/>
-            </a:solidFill>
-            <a:ln>
-              <a:solidFill>
-                <a:srgbClr val="00B050"/>
-              </a:solidFill>
-            </a:ln>
-          </p:spPr>
-          <p:style>
-            <a:lnRef idx="2">
-              <a:schemeClr val="accent1">
-                <a:shade val="50000"/>
-              </a:schemeClr>
-            </a:lnRef>
-            <a:fillRef idx="1">
-              <a:schemeClr val="accent1"/>
-            </a:fillRef>
-            <a:effectRef idx="0">
-              <a:schemeClr val="accent1"/>
-            </a:effectRef>
-            <a:fontRef idx="minor">
-              <a:schemeClr val="lt1"/>
-            </a:fontRef>
-          </p:style>
-          <p:txBody>
-            <a:bodyPr rtlCol="0" anchor="ctr"/>
-            <a:lstStyle/>
-            <a:p>
-              <a:pPr algn="ctr"/>
-              <a:endParaRPr lang="en-US" dirty="0"/>
-            </a:p>
-          </p:txBody>
-        </p:sp>
-        <p:sp>
-          <p:nvSpPr>
-            <p:cNvPr id="48" name="TextBox 47">
-              <a:extLst>
-                <a:ext uri="{FF2B5EF4-FFF2-40B4-BE49-F238E27FC236}">
-                  <a16:creationId xmlns:a16="http://schemas.microsoft.com/office/drawing/2014/main" id="{740214E5-51CC-6D41-B065-AFDB1BB840BB}"/>
-                </a:ext>
-              </a:extLst>
-            </p:cNvPr>
-            <p:cNvSpPr txBox="1"/>
-            <p:nvPr/>
-          </p:nvSpPr>
-          <p:spPr>
-            <a:xfrm>
-              <a:off x="4544334" y="4811032"/>
-              <a:ext cx="1586760" cy="646331"/>
-            </a:xfrm>
-            <a:prstGeom prst="rect">
-              <a:avLst/>
-            </a:prstGeom>
-            <a:noFill/>
-          </p:spPr>
-          <p:txBody>
-            <a:bodyPr wrap="square" rtlCol="0">
-              <a:spAutoFit/>
-            </a:bodyPr>
-            <a:lstStyle/>
-            <a:p>
-              <a:pPr algn="ctr"/>
-              <a:r>
-                <a:rPr lang="en-US" dirty="0"/>
-                <a:t>Total Value Added</a:t>
-              </a:r>
-            </a:p>
-          </p:txBody>
-        </p:sp>
-        <p:sp>
-          <p:nvSpPr>
-            <p:cNvPr id="49" name="TextBox 48">
-              <a:extLst>
-                <a:ext uri="{FF2B5EF4-FFF2-40B4-BE49-F238E27FC236}">
-                  <a16:creationId xmlns:a16="http://schemas.microsoft.com/office/drawing/2014/main" id="{E125199B-8821-6D49-9137-268B9164A50C}"/>
-                </a:ext>
-              </a:extLst>
-            </p:cNvPr>
-            <p:cNvSpPr txBox="1"/>
-            <p:nvPr/>
-          </p:nvSpPr>
-          <p:spPr>
-            <a:xfrm>
-              <a:off x="3071700" y="2536234"/>
-              <a:ext cx="1552622" cy="461665"/>
-            </a:xfrm>
-            <a:prstGeom prst="rect">
-              <a:avLst/>
-            </a:prstGeom>
-            <a:noFill/>
-          </p:spPr>
-          <p:txBody>
-            <a:bodyPr wrap="square" rtlCol="0">
-              <a:spAutoFit/>
-            </a:bodyPr>
-            <a:lstStyle/>
-            <a:p>
-              <a:pPr algn="ctr"/>
-              <a:r>
-                <a:rPr lang="en-US" sz="2400" dirty="0"/>
-                <a:t>+$21,000</a:t>
-              </a:r>
-            </a:p>
-          </p:txBody>
-        </p:sp>
-        <p:sp>
-          <p:nvSpPr>
-            <p:cNvPr id="50" name="TextBox 49">
-              <a:extLst>
-                <a:ext uri="{FF2B5EF4-FFF2-40B4-BE49-F238E27FC236}">
-                  <a16:creationId xmlns:a16="http://schemas.microsoft.com/office/drawing/2014/main" id="{F827AE27-5ADF-B34F-B695-2AC93C77A6BA}"/>
-                </a:ext>
-              </a:extLst>
-            </p:cNvPr>
-            <p:cNvSpPr txBox="1"/>
-            <p:nvPr/>
-          </p:nvSpPr>
-          <p:spPr>
-            <a:xfrm>
-              <a:off x="4561403" y="2536233"/>
-              <a:ext cx="1552622" cy="461665"/>
-            </a:xfrm>
-            <a:prstGeom prst="rect">
-              <a:avLst/>
-            </a:prstGeom>
-            <a:noFill/>
-          </p:spPr>
-          <p:txBody>
-            <a:bodyPr wrap="square" rtlCol="0">
-              <a:spAutoFit/>
-            </a:bodyPr>
-            <a:lstStyle/>
-            <a:p>
-              <a:pPr algn="ctr"/>
-              <a:r>
-                <a:rPr lang="en-US" sz="2400" dirty="0"/>
-                <a:t>$81,000</a:t>
-              </a:r>
-            </a:p>
-          </p:txBody>
-        </p:sp>
-        <p:sp>
-          <p:nvSpPr>
-            <p:cNvPr id="39" name="Rectangle 38">
-              <a:extLst>
-                <a:ext uri="{FF2B5EF4-FFF2-40B4-BE49-F238E27FC236}">
-                  <a16:creationId xmlns:a16="http://schemas.microsoft.com/office/drawing/2014/main" id="{F8C1C348-BC75-6C49-8894-43F23E284EBC}"/>
-                </a:ext>
-              </a:extLst>
-            </p:cNvPr>
-            <p:cNvSpPr/>
-            <p:nvPr/>
-          </p:nvSpPr>
-          <p:spPr>
-            <a:xfrm rot="16200000">
-              <a:off x="1345369" y="4189875"/>
-              <a:ext cx="2019978" cy="556591"/>
-            </a:xfrm>
-            <a:prstGeom prst="rect">
-              <a:avLst/>
-            </a:prstGeom>
-            <a:solidFill>
-              <a:srgbClr val="00B050"/>
-            </a:solidFill>
-            <a:ln>
-              <a:solidFill>
-                <a:srgbClr val="00B050"/>
-              </a:solidFill>
-            </a:ln>
-          </p:spPr>
-          <p:style>
-            <a:lnRef idx="2">
-              <a:schemeClr val="accent1">
-                <a:shade val="50000"/>
-              </a:schemeClr>
-            </a:lnRef>
-            <a:fillRef idx="1">
-              <a:schemeClr val="accent1"/>
-            </a:fillRef>
-            <a:effectRef idx="0">
-              <a:schemeClr val="accent1"/>
-            </a:effectRef>
-            <a:fontRef idx="minor">
-              <a:schemeClr val="lt1"/>
-            </a:fontRef>
-          </p:style>
-          <p:txBody>
-            <a:bodyPr rtlCol="0" anchor="ctr"/>
-            <a:lstStyle/>
-            <a:p>
-              <a:pPr algn="ctr"/>
-              <a:endParaRPr lang="en-US" dirty="0"/>
-            </a:p>
-          </p:txBody>
-        </p:sp>
-        <p:sp>
-          <p:nvSpPr>
-            <p:cNvPr id="51" name="TextBox 50">
-              <a:extLst>
-                <a:ext uri="{FF2B5EF4-FFF2-40B4-BE49-F238E27FC236}">
-                  <a16:creationId xmlns:a16="http://schemas.microsoft.com/office/drawing/2014/main" id="{35EFF6DD-A6AB-F845-B174-18059F36EF66}"/>
-                </a:ext>
-              </a:extLst>
-            </p:cNvPr>
-            <p:cNvSpPr txBox="1"/>
-            <p:nvPr/>
-          </p:nvSpPr>
-          <p:spPr>
-            <a:xfrm>
-              <a:off x="-65836" y="4524816"/>
-              <a:ext cx="521448" cy="461665"/>
-            </a:xfrm>
-            <a:prstGeom prst="rect">
-              <a:avLst/>
-            </a:prstGeom>
-            <a:noFill/>
-          </p:spPr>
-          <p:txBody>
-            <a:bodyPr wrap="square" rtlCol="0">
-              <a:spAutoFit/>
-            </a:bodyPr>
-            <a:lstStyle/>
-            <a:p>
-              <a:pPr algn="ctr"/>
-              <a:r>
-                <a:rPr lang="en-US" sz="2400" dirty="0"/>
-                <a:t>$0</a:t>
-              </a:r>
-            </a:p>
-          </p:txBody>
-        </p:sp>
-      </p:grpSp>
+          <a:prstGeom prst="rect">
+            <a:avLst/>
+          </a:prstGeom>
+        </p:spPr>
+      </p:pic>
+      <p:sp>
+        <p:nvSpPr>
+          <p:cNvPr id="34" name="TextBox 33">
+            <a:extLst>
+              <a:ext uri="{FF2B5EF4-FFF2-40B4-BE49-F238E27FC236}">
+                <a16:creationId xmlns:a16="http://schemas.microsoft.com/office/drawing/2014/main" id="{6D2412DE-7DF1-6347-9476-B58345BA2BBD}"/>
+              </a:ext>
+            </a:extLst>
+          </p:cNvPr>
+          <p:cNvSpPr txBox="1"/>
+          <p:nvPr/>
+        </p:nvSpPr>
+        <p:spPr>
+          <a:xfrm>
+            <a:off x="586848" y="1329635"/>
+            <a:ext cx="4554075" cy="307777"/>
+          </a:xfrm>
+          <a:prstGeom prst="rect">
+            <a:avLst/>
+          </a:prstGeom>
+          <a:noFill/>
+        </p:spPr>
+        <p:txBody>
+          <a:bodyPr wrap="square" rtlCol="0">
+            <a:spAutoFit/>
+          </a:bodyPr>
+          <a:lstStyle/>
+          <a:p>
+            <a:pPr algn="ctr"/>
+            <a:r>
+              <a:rPr lang="en-US" sz="1400" dirty="0"/>
+              <a:t>Distribution of Non-Functional Percentage by Water Cost</a:t>
+            </a:r>
+          </a:p>
+        </p:txBody>
+      </p:sp>
     </p:spTree>
     <p:extLst>
       <p:ext uri="{BB962C8B-B14F-4D97-AF65-F5344CB8AC3E}">
-        <p14:creationId xmlns:p14="http://schemas.microsoft.com/office/powerpoint/2010/main" val="3492945953"/>
+        <p14:creationId xmlns:p14="http://schemas.microsoft.com/office/powerpoint/2010/main" val="1462420361"/>
       </p:ext>
     </p:extLst>
   </p:cSld>
@@ -5102,799 +4351,6 @@
 </file>
 
 <file path=ppt/slides/slide11.xml><?xml version="1.0" encoding="utf-8"?>
-<p:sld xmlns:a="http://schemas.openxmlformats.org/drawingml/2006/main" xmlns:r="http://schemas.openxmlformats.org/officeDocument/2006/relationships" xmlns:p="http://schemas.openxmlformats.org/presentationml/2006/main">
-  <p:cSld>
-    <p:spTree>
-      <p:nvGrpSpPr>
-        <p:cNvPr id="1" name=""/>
-        <p:cNvGrpSpPr/>
-        <p:nvPr/>
-      </p:nvGrpSpPr>
-      <p:grpSpPr>
-        <a:xfrm>
-          <a:off x="0" y="0"/>
-          <a:ext cx="0" cy="0"/>
-          <a:chOff x="0" y="0"/>
-          <a:chExt cx="0" cy="0"/>
-        </a:xfrm>
-      </p:grpSpPr>
-      <p:sp>
-        <p:nvSpPr>
-          <p:cNvPr id="4" name="Title 12">
-            <a:extLst>
-              <a:ext uri="{FF2B5EF4-FFF2-40B4-BE49-F238E27FC236}">
-                <a16:creationId xmlns:a16="http://schemas.microsoft.com/office/drawing/2014/main" id="{66294898-C6E0-AC48-B64F-B3319105E803}"/>
-              </a:ext>
-            </a:extLst>
-          </p:cNvPr>
-          <p:cNvSpPr txBox="1">
-            <a:spLocks/>
-          </p:cNvSpPr>
-          <p:nvPr/>
-        </p:nvSpPr>
-        <p:spPr>
-          <a:xfrm>
-            <a:off x="455612" y="190499"/>
-            <a:ext cx="10591800" cy="890877"/>
-          </a:xfrm>
-          <a:prstGeom prst="rect">
-            <a:avLst/>
-          </a:prstGeom>
-        </p:spPr>
-        <p:txBody>
-          <a:bodyPr vert="horz" lIns="91440" tIns="45720" rIns="91440" bIns="45720" rtlCol="0" anchor="b">
-            <a:normAutofit fontScale="92500" lnSpcReduction="10000"/>
-          </a:bodyPr>
-          <a:lstStyle>
-            <a:lvl1pPr algn="l" defTabSz="914400" rtl="0" eaLnBrk="1" latinLnBrk="0" hangingPunct="1">
-              <a:lnSpc>
-                <a:spcPct val="90000"/>
-              </a:lnSpc>
-              <a:spcBef>
-                <a:spcPct val="0"/>
-              </a:spcBef>
-              <a:buNone/>
-              <a:defRPr sz="3600" kern="1200" spc="100" baseline="0">
-                <a:solidFill>
-                  <a:schemeClr val="tx1"/>
-                </a:solidFill>
-                <a:latin typeface="+mj-lt"/>
-                <a:ea typeface="+mj-ea"/>
-                <a:cs typeface="+mj-cs"/>
-              </a:defRPr>
-            </a:lvl1pPr>
-          </a:lstStyle>
-          <a:p>
-            <a:r>
-              <a:rPr lang="en-US" sz="4200" dirty="0"/>
-              <a:t>Recommendation: Add a Full-Size Bathroom</a:t>
-            </a:r>
-          </a:p>
-          <a:p>
-            <a:r>
-              <a:rPr lang="en-US" sz="2200" dirty="0">
-                <a:solidFill>
-                  <a:schemeClr val="tx1">
-                    <a:lumMod val="65000"/>
-                  </a:schemeClr>
-                </a:solidFill>
-              </a:rPr>
-              <a:t>with 60 </a:t>
-            </a:r>
-            <a:r>
-              <a:rPr lang="en-US" sz="2200" dirty="0" err="1">
-                <a:solidFill>
-                  <a:schemeClr val="tx1">
-                    <a:lumMod val="65000"/>
-                  </a:schemeClr>
-                </a:solidFill>
-              </a:rPr>
-              <a:t>sqft</a:t>
-            </a:r>
-            <a:r>
-              <a:rPr lang="en-US" sz="2200" dirty="0">
-                <a:solidFill>
-                  <a:schemeClr val="tx1">
-                    <a:lumMod val="65000"/>
-                  </a:schemeClr>
-                </a:solidFill>
-              </a:rPr>
-              <a:t> and High-Grade Construction</a:t>
-            </a:r>
-          </a:p>
-        </p:txBody>
-      </p:sp>
-      <p:sp>
-        <p:nvSpPr>
-          <p:cNvPr id="22" name="Content Placeholder 13">
-            <a:extLst>
-              <a:ext uri="{FF2B5EF4-FFF2-40B4-BE49-F238E27FC236}">
-                <a16:creationId xmlns:a16="http://schemas.microsoft.com/office/drawing/2014/main" id="{3DDC40B8-CDCB-D048-A7EB-D673121A181B}"/>
-              </a:ext>
-            </a:extLst>
-          </p:cNvPr>
-          <p:cNvSpPr>
-            <a:spLocks noGrp="1"/>
-          </p:cNvSpPr>
-          <p:nvPr>
-            <p:ph idx="1"/>
-          </p:nvPr>
-        </p:nvSpPr>
-        <p:spPr>
-          <a:xfrm>
-            <a:off x="6851111" y="2014516"/>
-            <a:ext cx="4953000" cy="3305950"/>
-          </a:xfrm>
-        </p:spPr>
-        <p:txBody>
-          <a:bodyPr>
-            <a:normAutofit/>
-          </a:bodyPr>
-          <a:lstStyle/>
-          <a:p>
-            <a:r>
-              <a:rPr lang="en-US" dirty="0"/>
-              <a:t>Adding a bathroom positively impacts home value by itself</a:t>
-            </a:r>
-          </a:p>
-          <a:p>
-            <a:r>
-              <a:rPr lang="en-US" dirty="0"/>
-              <a:t>Full bathroom adds more square feet than a half bathroom</a:t>
-            </a:r>
-          </a:p>
-          <a:p>
-            <a:r>
-              <a:rPr lang="en-US" dirty="0"/>
-              <a:t>Use Grade 9 construction</a:t>
-            </a:r>
-          </a:p>
-        </p:txBody>
-      </p:sp>
-      <p:grpSp>
-        <p:nvGrpSpPr>
-          <p:cNvPr id="2" name="Group 1">
-            <a:extLst>
-              <a:ext uri="{FF2B5EF4-FFF2-40B4-BE49-F238E27FC236}">
-                <a16:creationId xmlns:a16="http://schemas.microsoft.com/office/drawing/2014/main" id="{53D0E321-F3A6-4D47-87F3-DA58270D843A}"/>
-              </a:ext>
-            </a:extLst>
-          </p:cNvPr>
-          <p:cNvGrpSpPr/>
-          <p:nvPr/>
-        </p:nvGrpSpPr>
-        <p:grpSpPr>
-          <a:xfrm>
-            <a:off x="384714" y="1762457"/>
-            <a:ext cx="6192979" cy="3670053"/>
-            <a:chOff x="384714" y="1762457"/>
-            <a:chExt cx="6192979" cy="3670053"/>
-          </a:xfrm>
-        </p:grpSpPr>
-        <p:sp>
-          <p:nvSpPr>
-            <p:cNvPr id="12" name="Rectangle 11">
-              <a:extLst>
-                <a:ext uri="{FF2B5EF4-FFF2-40B4-BE49-F238E27FC236}">
-                  <a16:creationId xmlns:a16="http://schemas.microsoft.com/office/drawing/2014/main" id="{FAFAB37D-2C22-A740-B95F-65C8B8DCAAFF}"/>
-                </a:ext>
-              </a:extLst>
-            </p:cNvPr>
-            <p:cNvSpPr/>
-            <p:nvPr/>
-          </p:nvSpPr>
-          <p:spPr>
-            <a:xfrm rot="16200000">
-              <a:off x="2653588" y="3493246"/>
-              <a:ext cx="296752" cy="556591"/>
-            </a:xfrm>
-            <a:prstGeom prst="rect">
-              <a:avLst/>
-            </a:prstGeom>
-            <a:solidFill>
-              <a:srgbClr val="00B050"/>
-            </a:solidFill>
-            <a:ln>
-              <a:solidFill>
-                <a:srgbClr val="00B050"/>
-              </a:solidFill>
-            </a:ln>
-          </p:spPr>
-          <p:style>
-            <a:lnRef idx="2">
-              <a:schemeClr val="accent1">
-                <a:shade val="50000"/>
-              </a:schemeClr>
-            </a:lnRef>
-            <a:fillRef idx="1">
-              <a:schemeClr val="accent1"/>
-            </a:fillRef>
-            <a:effectRef idx="0">
-              <a:schemeClr val="accent1"/>
-            </a:effectRef>
-            <a:fontRef idx="minor">
-              <a:schemeClr val="lt1"/>
-            </a:fontRef>
-          </p:style>
-          <p:txBody>
-            <a:bodyPr rtlCol="0" anchor="ctr"/>
-            <a:lstStyle/>
-            <a:p>
-              <a:pPr algn="ctr"/>
-              <a:endParaRPr lang="en-US" dirty="0"/>
-            </a:p>
-          </p:txBody>
-        </p:sp>
-        <p:sp>
-          <p:nvSpPr>
-            <p:cNvPr id="13" name="TextBox 12">
-              <a:extLst>
-                <a:ext uri="{FF2B5EF4-FFF2-40B4-BE49-F238E27FC236}">
-                  <a16:creationId xmlns:a16="http://schemas.microsoft.com/office/drawing/2014/main" id="{4840EC2B-8400-FB4B-A329-5C2C5D7FF7F4}"/>
-                </a:ext>
-              </a:extLst>
-            </p:cNvPr>
-            <p:cNvSpPr txBox="1"/>
-            <p:nvPr/>
-          </p:nvSpPr>
-          <p:spPr>
-            <a:xfrm>
-              <a:off x="622426" y="3436658"/>
-              <a:ext cx="1387762" cy="461665"/>
-            </a:xfrm>
-            <a:prstGeom prst="rect">
-              <a:avLst/>
-            </a:prstGeom>
-            <a:noFill/>
-          </p:spPr>
-          <p:txBody>
-            <a:bodyPr wrap="square" rtlCol="0">
-              <a:spAutoFit/>
-            </a:bodyPr>
-            <a:lstStyle/>
-            <a:p>
-              <a:pPr algn="ctr"/>
-              <a:r>
-                <a:rPr lang="en-US" sz="2400" dirty="0"/>
-                <a:t>+$15,000</a:t>
-              </a:r>
-            </a:p>
-          </p:txBody>
-        </p:sp>
-        <p:sp>
-          <p:nvSpPr>
-            <p:cNvPr id="14" name="TextBox 13">
-              <a:extLst>
-                <a:ext uri="{FF2B5EF4-FFF2-40B4-BE49-F238E27FC236}">
-                  <a16:creationId xmlns:a16="http://schemas.microsoft.com/office/drawing/2014/main" id="{8D2D4F0B-207C-7445-B0DA-F6F4638FBF02}"/>
-                </a:ext>
-              </a:extLst>
-            </p:cNvPr>
-            <p:cNvSpPr txBox="1"/>
-            <p:nvPr/>
-          </p:nvSpPr>
-          <p:spPr>
-            <a:xfrm>
-              <a:off x="1971394" y="3134961"/>
-              <a:ext cx="1552622" cy="461665"/>
-            </a:xfrm>
-            <a:prstGeom prst="rect">
-              <a:avLst/>
-            </a:prstGeom>
-            <a:noFill/>
-          </p:spPr>
-          <p:txBody>
-            <a:bodyPr wrap="square" rtlCol="0">
-              <a:spAutoFit/>
-            </a:bodyPr>
-            <a:lstStyle/>
-            <a:p>
-              <a:pPr algn="ctr"/>
-              <a:r>
-                <a:rPr lang="en-US" sz="2400" dirty="0"/>
-                <a:t>+$7,200</a:t>
-              </a:r>
-            </a:p>
-          </p:txBody>
-        </p:sp>
-        <p:sp>
-          <p:nvSpPr>
-            <p:cNvPr id="15" name="TextBox 14">
-              <a:extLst>
-                <a:ext uri="{FF2B5EF4-FFF2-40B4-BE49-F238E27FC236}">
-                  <a16:creationId xmlns:a16="http://schemas.microsoft.com/office/drawing/2014/main" id="{DB12E325-91E7-DC40-B864-4415166FA8D6}"/>
-                </a:ext>
-              </a:extLst>
-            </p:cNvPr>
-            <p:cNvSpPr txBox="1"/>
-            <p:nvPr/>
-          </p:nvSpPr>
-          <p:spPr>
-            <a:xfrm>
-              <a:off x="707137" y="4786179"/>
-              <a:ext cx="1264257" cy="646331"/>
-            </a:xfrm>
-            <a:prstGeom prst="rect">
-              <a:avLst/>
-            </a:prstGeom>
-            <a:noFill/>
-          </p:spPr>
-          <p:txBody>
-            <a:bodyPr wrap="square" rtlCol="0">
-              <a:spAutoFit/>
-            </a:bodyPr>
-            <a:lstStyle/>
-            <a:p>
-              <a:pPr algn="ctr"/>
-              <a:r>
-                <a:rPr lang="en-US" dirty="0"/>
-                <a:t>Adding a Bathroom</a:t>
-              </a:r>
-            </a:p>
-          </p:txBody>
-        </p:sp>
-        <p:sp>
-          <p:nvSpPr>
-            <p:cNvPr id="16" name="TextBox 15">
-              <a:extLst>
-                <a:ext uri="{FF2B5EF4-FFF2-40B4-BE49-F238E27FC236}">
-                  <a16:creationId xmlns:a16="http://schemas.microsoft.com/office/drawing/2014/main" id="{80B8C2FD-43E1-2342-98FA-FC3A3750B48D}"/>
-                </a:ext>
-              </a:extLst>
-            </p:cNvPr>
-            <p:cNvSpPr txBox="1"/>
-            <p:nvPr/>
-          </p:nvSpPr>
-          <p:spPr>
-            <a:xfrm>
-              <a:off x="2008577" y="4786179"/>
-              <a:ext cx="1586760" cy="646331"/>
-            </a:xfrm>
-            <a:prstGeom prst="rect">
-              <a:avLst/>
-            </a:prstGeom>
-            <a:noFill/>
-          </p:spPr>
-          <p:txBody>
-            <a:bodyPr wrap="square" rtlCol="0">
-              <a:spAutoFit/>
-            </a:bodyPr>
-            <a:lstStyle/>
-            <a:p>
-              <a:pPr algn="ctr"/>
-              <a:r>
-                <a:rPr lang="en-US" dirty="0"/>
-                <a:t>Adding 60</a:t>
-              </a:r>
-            </a:p>
-            <a:p>
-              <a:pPr algn="ctr"/>
-              <a:r>
-                <a:rPr lang="en-US" dirty="0"/>
-                <a:t> </a:t>
-              </a:r>
-              <a:r>
-                <a:rPr lang="en-US" dirty="0" err="1"/>
-                <a:t>sqft</a:t>
-              </a:r>
-              <a:endParaRPr lang="en-US" dirty="0"/>
-            </a:p>
-          </p:txBody>
-        </p:sp>
-        <p:cxnSp>
-          <p:nvCxnSpPr>
-            <p:cNvPr id="17" name="Straight Connector 16">
-              <a:extLst>
-                <a:ext uri="{FF2B5EF4-FFF2-40B4-BE49-F238E27FC236}">
-                  <a16:creationId xmlns:a16="http://schemas.microsoft.com/office/drawing/2014/main" id="{65E112D8-D05B-EE4B-A408-98B3AA3906EC}"/>
-                </a:ext>
-              </a:extLst>
-            </p:cNvPr>
-            <p:cNvCxnSpPr>
-              <a:cxnSpLocks/>
-            </p:cNvCxnSpPr>
-            <p:nvPr/>
-          </p:nvCxnSpPr>
-          <p:spPr>
-            <a:xfrm>
-              <a:off x="831313" y="4730929"/>
-              <a:ext cx="5439437" cy="0"/>
-            </a:xfrm>
-            <a:prstGeom prst="line">
-              <a:avLst/>
-            </a:prstGeom>
-            <a:ln w="38100">
-              <a:solidFill>
-                <a:schemeClr val="tx1">
-                  <a:lumMod val="75000"/>
-                </a:schemeClr>
-              </a:solidFill>
-            </a:ln>
-          </p:spPr>
-          <p:style>
-            <a:lnRef idx="1">
-              <a:schemeClr val="accent1"/>
-            </a:lnRef>
-            <a:fillRef idx="0">
-              <a:schemeClr val="accent1"/>
-            </a:fillRef>
-            <a:effectRef idx="0">
-              <a:schemeClr val="accent1"/>
-            </a:effectRef>
-            <a:fontRef idx="minor">
-              <a:schemeClr val="tx1"/>
-            </a:fontRef>
-          </p:style>
-        </p:cxnSp>
-        <p:sp>
-          <p:nvSpPr>
-            <p:cNvPr id="18" name="Rectangle 17">
-              <a:extLst>
-                <a:ext uri="{FF2B5EF4-FFF2-40B4-BE49-F238E27FC236}">
-                  <a16:creationId xmlns:a16="http://schemas.microsoft.com/office/drawing/2014/main" id="{C11557C5-C631-8345-B8B2-726001E001FF}"/>
-                </a:ext>
-              </a:extLst>
-            </p:cNvPr>
-            <p:cNvSpPr/>
-            <p:nvPr/>
-          </p:nvSpPr>
-          <p:spPr>
-            <a:xfrm rot="16200000">
-              <a:off x="3607430" y="2659156"/>
-              <a:ext cx="1371411" cy="556591"/>
-            </a:xfrm>
-            <a:prstGeom prst="rect">
-              <a:avLst/>
-            </a:prstGeom>
-            <a:solidFill>
-              <a:srgbClr val="00B050"/>
-            </a:solidFill>
-            <a:ln>
-              <a:solidFill>
-                <a:srgbClr val="00B050"/>
-              </a:solidFill>
-            </a:ln>
-          </p:spPr>
-          <p:style>
-            <a:lnRef idx="2">
-              <a:schemeClr val="accent1">
-                <a:shade val="50000"/>
-              </a:schemeClr>
-            </a:lnRef>
-            <a:fillRef idx="1">
-              <a:schemeClr val="accent1"/>
-            </a:fillRef>
-            <a:effectRef idx="0">
-              <a:schemeClr val="accent1"/>
-            </a:effectRef>
-            <a:fontRef idx="minor">
-              <a:schemeClr val="lt1"/>
-            </a:fontRef>
-          </p:style>
-          <p:txBody>
-            <a:bodyPr rtlCol="0" anchor="ctr"/>
-            <a:lstStyle/>
-            <a:p>
-              <a:pPr algn="ctr"/>
-              <a:endParaRPr lang="en-US" dirty="0"/>
-            </a:p>
-          </p:txBody>
-        </p:sp>
-        <p:sp>
-          <p:nvSpPr>
-            <p:cNvPr id="19" name="TextBox 18">
-              <a:extLst>
-                <a:ext uri="{FF2B5EF4-FFF2-40B4-BE49-F238E27FC236}">
-                  <a16:creationId xmlns:a16="http://schemas.microsoft.com/office/drawing/2014/main" id="{575456F9-8053-6841-A8CC-991ED3D0EDA4}"/>
-                </a:ext>
-              </a:extLst>
-            </p:cNvPr>
-            <p:cNvSpPr txBox="1"/>
-            <p:nvPr/>
-          </p:nvSpPr>
-          <p:spPr>
-            <a:xfrm>
-              <a:off x="3499755" y="4786179"/>
-              <a:ext cx="1586760" cy="646331"/>
-            </a:xfrm>
-            <a:prstGeom prst="rect">
-              <a:avLst/>
-            </a:prstGeom>
-            <a:noFill/>
-          </p:spPr>
-          <p:txBody>
-            <a:bodyPr wrap="square" rtlCol="0">
-              <a:spAutoFit/>
-            </a:bodyPr>
-            <a:lstStyle/>
-            <a:p>
-              <a:pPr algn="ctr"/>
-              <a:r>
-                <a:rPr lang="en-US" dirty="0"/>
-                <a:t>Grade 9 Construction</a:t>
-              </a:r>
-            </a:p>
-          </p:txBody>
-        </p:sp>
-        <p:sp>
-          <p:nvSpPr>
-            <p:cNvPr id="20" name="Rectangle 19">
-              <a:extLst>
-                <a:ext uri="{FF2B5EF4-FFF2-40B4-BE49-F238E27FC236}">
-                  <a16:creationId xmlns:a16="http://schemas.microsoft.com/office/drawing/2014/main" id="{1B8A51BB-0190-0843-AB65-D67276DB120C}"/>
-                </a:ext>
-              </a:extLst>
-            </p:cNvPr>
-            <p:cNvSpPr/>
-            <p:nvPr/>
-          </p:nvSpPr>
-          <p:spPr>
-            <a:xfrm rot="16200000">
-              <a:off x="4563872" y="3200074"/>
-              <a:ext cx="2440884" cy="556591"/>
-            </a:xfrm>
-            <a:prstGeom prst="rect">
-              <a:avLst/>
-            </a:prstGeom>
-            <a:solidFill>
-              <a:srgbClr val="00B050"/>
-            </a:solidFill>
-            <a:ln>
-              <a:solidFill>
-                <a:srgbClr val="00B050"/>
-              </a:solidFill>
-            </a:ln>
-          </p:spPr>
-          <p:style>
-            <a:lnRef idx="2">
-              <a:schemeClr val="accent1">
-                <a:shade val="50000"/>
-              </a:schemeClr>
-            </a:lnRef>
-            <a:fillRef idx="1">
-              <a:schemeClr val="accent1"/>
-            </a:fillRef>
-            <a:effectRef idx="0">
-              <a:schemeClr val="accent1"/>
-            </a:effectRef>
-            <a:fontRef idx="minor">
-              <a:schemeClr val="lt1"/>
-            </a:fontRef>
-          </p:style>
-          <p:txBody>
-            <a:bodyPr rtlCol="0" anchor="ctr"/>
-            <a:lstStyle/>
-            <a:p>
-              <a:pPr algn="ctr"/>
-              <a:endParaRPr lang="en-US" dirty="0"/>
-            </a:p>
-          </p:txBody>
-        </p:sp>
-        <p:sp>
-          <p:nvSpPr>
-            <p:cNvPr id="21" name="TextBox 20">
-              <a:extLst>
-                <a:ext uri="{FF2B5EF4-FFF2-40B4-BE49-F238E27FC236}">
-                  <a16:creationId xmlns:a16="http://schemas.microsoft.com/office/drawing/2014/main" id="{364489D6-CFCE-AA4C-B2A0-2E5F43C5021B}"/>
-                </a:ext>
-              </a:extLst>
-            </p:cNvPr>
-            <p:cNvSpPr txBox="1"/>
-            <p:nvPr/>
-          </p:nvSpPr>
-          <p:spPr>
-            <a:xfrm>
-              <a:off x="4990933" y="4786179"/>
-              <a:ext cx="1586760" cy="646331"/>
-            </a:xfrm>
-            <a:prstGeom prst="rect">
-              <a:avLst/>
-            </a:prstGeom>
-            <a:noFill/>
-          </p:spPr>
-          <p:txBody>
-            <a:bodyPr wrap="square" rtlCol="0">
-              <a:spAutoFit/>
-            </a:bodyPr>
-            <a:lstStyle/>
-            <a:p>
-              <a:pPr algn="ctr"/>
-              <a:r>
-                <a:rPr lang="en-US" dirty="0"/>
-                <a:t>Total Value Added</a:t>
-              </a:r>
-            </a:p>
-          </p:txBody>
-        </p:sp>
-        <p:sp>
-          <p:nvSpPr>
-            <p:cNvPr id="23" name="TextBox 22">
-              <a:extLst>
-                <a:ext uri="{FF2B5EF4-FFF2-40B4-BE49-F238E27FC236}">
-                  <a16:creationId xmlns:a16="http://schemas.microsoft.com/office/drawing/2014/main" id="{7D5D501C-51E6-6645-B53A-3E8437364EFA}"/>
-                </a:ext>
-              </a:extLst>
-            </p:cNvPr>
-            <p:cNvSpPr txBox="1"/>
-            <p:nvPr/>
-          </p:nvSpPr>
-          <p:spPr>
-            <a:xfrm>
-              <a:off x="3455379" y="1762457"/>
-              <a:ext cx="1552622" cy="461665"/>
-            </a:xfrm>
-            <a:prstGeom prst="rect">
-              <a:avLst/>
-            </a:prstGeom>
-            <a:noFill/>
-          </p:spPr>
-          <p:txBody>
-            <a:bodyPr wrap="square" rtlCol="0">
-              <a:spAutoFit/>
-            </a:bodyPr>
-            <a:lstStyle/>
-            <a:p>
-              <a:pPr algn="ctr"/>
-              <a:r>
-                <a:rPr lang="en-US" sz="2400" dirty="0"/>
-                <a:t>+$21,000</a:t>
-              </a:r>
-            </a:p>
-          </p:txBody>
-        </p:sp>
-        <p:sp>
-          <p:nvSpPr>
-            <p:cNvPr id="24" name="TextBox 23">
-              <a:extLst>
-                <a:ext uri="{FF2B5EF4-FFF2-40B4-BE49-F238E27FC236}">
-                  <a16:creationId xmlns:a16="http://schemas.microsoft.com/office/drawing/2014/main" id="{A051AD28-DC8C-DE48-AAAA-CC82A9D32496}"/>
-                </a:ext>
-              </a:extLst>
-            </p:cNvPr>
-            <p:cNvSpPr txBox="1"/>
-            <p:nvPr/>
-          </p:nvSpPr>
-          <p:spPr>
-            <a:xfrm>
-              <a:off x="5025071" y="1762457"/>
-              <a:ext cx="1552622" cy="461665"/>
-            </a:xfrm>
-            <a:prstGeom prst="rect">
-              <a:avLst/>
-            </a:prstGeom>
-            <a:noFill/>
-          </p:spPr>
-          <p:txBody>
-            <a:bodyPr wrap="square" rtlCol="0">
-              <a:spAutoFit/>
-            </a:bodyPr>
-            <a:lstStyle/>
-            <a:p>
-              <a:pPr algn="ctr"/>
-              <a:r>
-                <a:rPr lang="en-US" sz="2400" dirty="0"/>
-                <a:t>$43,200</a:t>
-              </a:r>
-            </a:p>
-          </p:txBody>
-        </p:sp>
-        <p:sp>
-          <p:nvSpPr>
-            <p:cNvPr id="25" name="Rectangle 24">
-              <a:extLst>
-                <a:ext uri="{FF2B5EF4-FFF2-40B4-BE49-F238E27FC236}">
-                  <a16:creationId xmlns:a16="http://schemas.microsoft.com/office/drawing/2014/main" id="{FDB931A2-AE72-9F4A-A5B6-94B2C4E95069}"/>
-                </a:ext>
-              </a:extLst>
-            </p:cNvPr>
-            <p:cNvSpPr/>
-            <p:nvPr/>
-          </p:nvSpPr>
-          <p:spPr>
-            <a:xfrm rot="16200000">
-              <a:off x="949818" y="4031069"/>
-              <a:ext cx="778893" cy="556591"/>
-            </a:xfrm>
-            <a:prstGeom prst="rect">
-              <a:avLst/>
-            </a:prstGeom>
-            <a:solidFill>
-              <a:srgbClr val="00B050"/>
-            </a:solidFill>
-            <a:ln>
-              <a:solidFill>
-                <a:srgbClr val="00B050"/>
-              </a:solidFill>
-            </a:ln>
-          </p:spPr>
-          <p:style>
-            <a:lnRef idx="2">
-              <a:schemeClr val="accent1">
-                <a:shade val="50000"/>
-              </a:schemeClr>
-            </a:lnRef>
-            <a:fillRef idx="1">
-              <a:schemeClr val="accent1"/>
-            </a:fillRef>
-            <a:effectRef idx="0">
-              <a:schemeClr val="accent1"/>
-            </a:effectRef>
-            <a:fontRef idx="minor">
-              <a:schemeClr val="lt1"/>
-            </a:fontRef>
-          </p:style>
-          <p:txBody>
-            <a:bodyPr rtlCol="0" anchor="ctr"/>
-            <a:lstStyle/>
-            <a:p>
-              <a:pPr algn="ctr"/>
-              <a:endParaRPr lang="en-US" dirty="0"/>
-            </a:p>
-          </p:txBody>
-        </p:sp>
-        <p:sp>
-          <p:nvSpPr>
-            <p:cNvPr id="26" name="TextBox 25">
-              <a:extLst>
-                <a:ext uri="{FF2B5EF4-FFF2-40B4-BE49-F238E27FC236}">
-                  <a16:creationId xmlns:a16="http://schemas.microsoft.com/office/drawing/2014/main" id="{3F4F69AD-7BE7-3747-8B15-E61A46397E8A}"/>
-                </a:ext>
-              </a:extLst>
-            </p:cNvPr>
-            <p:cNvSpPr txBox="1"/>
-            <p:nvPr/>
-          </p:nvSpPr>
-          <p:spPr>
-            <a:xfrm>
-              <a:off x="384714" y="4467978"/>
-              <a:ext cx="521448" cy="461665"/>
-            </a:xfrm>
-            <a:prstGeom prst="rect">
-              <a:avLst/>
-            </a:prstGeom>
-            <a:noFill/>
-          </p:spPr>
-          <p:txBody>
-            <a:bodyPr wrap="square" rtlCol="0">
-              <a:spAutoFit/>
-            </a:bodyPr>
-            <a:lstStyle/>
-            <a:p>
-              <a:pPr algn="ctr"/>
-              <a:r>
-                <a:rPr lang="en-US" sz="2400" dirty="0"/>
-                <a:t>$0</a:t>
-              </a:r>
-            </a:p>
-          </p:txBody>
-        </p:sp>
-      </p:grpSp>
-    </p:spTree>
-    <p:extLst>
-      <p:ext uri="{BB962C8B-B14F-4D97-AF65-F5344CB8AC3E}">
-        <p14:creationId xmlns:p14="http://schemas.microsoft.com/office/powerpoint/2010/main" val="2502419182"/>
-      </p:ext>
-    </p:extLst>
-  </p:cSld>
-  <p:clrMapOvr>
-    <a:masterClrMapping/>
-  </p:clrMapOvr>
-  <mc:AlternateContent xmlns:mc="http://schemas.openxmlformats.org/markup-compatibility/2006" xmlns:p14="http://schemas.microsoft.com/office/powerpoint/2010/main">
-    <mc:Choice Requires="p14">
-      <p:transition spd="med" p14:dur="700">
-        <p:fade/>
-      </p:transition>
-    </mc:Choice>
-    <mc:Fallback xmlns="">
-      <p:transition spd="med">
-        <p:fade/>
-      </p:transition>
-    </mc:Fallback>
-  </mc:AlternateContent>
-</p:sld>
-</file>
-
-<file path=ppt/slides/slide12.xml><?xml version="1.0" encoding="utf-8"?>
 <p:sld xmlns:a="http://schemas.openxmlformats.org/drawingml/2006/main" xmlns:r="http://schemas.openxmlformats.org/officeDocument/2006/relationships" xmlns:p="http://schemas.openxmlformats.org/presentationml/2006/main">
   <p:cSld>
     <p:spTree>
@@ -5960,7 +4416,7 @@
           <a:p>
             <a:r>
               <a:rPr lang="en-US" dirty="0"/>
-              <a:t>Recommendations</a:t>
+              <a:t>Recommendations &amp; Next Steps</a:t>
             </a:r>
           </a:p>
         </p:txBody>
@@ -5981,23 +4437,69 @@
             <p:ph idx="1"/>
           </p:nvPr>
         </p:nvSpPr>
-        <p:spPr/>
+        <p:spPr>
+          <a:xfrm>
+            <a:off x="455612" y="1224515"/>
+            <a:ext cx="10442760" cy="5059327"/>
+          </a:xfrm>
+        </p:spPr>
         <p:txBody>
-          <a:bodyPr/>
+          <a:bodyPr>
+            <a:normAutofit lnSpcReduction="10000"/>
+          </a:bodyPr>
           <a:lstStyle/>
           <a:p>
+            <a:pPr marL="0" indent="0">
+              <a:buNone/>
+            </a:pPr>
             <a:r>
               <a:rPr lang="en-US" dirty="0"/>
-              <a:t>Develop a relationship with locals in order to establish a frequent communication protocol to ensure if water quantity drops, authorities get notified as soon as possible.</a:t>
+              <a:t>Recommendations</a:t>
             </a:r>
           </a:p>
           <a:p>
             <a:r>
               <a:rPr lang="en-US" dirty="0"/>
-              <a:t>Install a water flow meter to monitor water quantity or be in close contact with the population around the water well in order to quickly respond when water quantity starts to diminish.</a:t>
-            </a:r>
-          </a:p>
-          <a:p>
+              <a:t>Develop a relationship with locals in order to establish a frequent communication protocol to ensure if water quantity drops, maintenance management companies get notified as soon as possible.</a:t>
+            </a:r>
+          </a:p>
+          <a:p>
+            <a:r>
+              <a:rPr lang="en-US" dirty="0"/>
+              <a:t>Develop support model for population areas that do not pay for water since analysis shows paying for water brings better reliability</a:t>
+            </a:r>
+          </a:p>
+          <a:p>
+            <a:r>
+              <a:rPr lang="en-US" dirty="0"/>
+              <a:t>Improve data governance to ensure better data quality and better predictions</a:t>
+            </a:r>
+          </a:p>
+          <a:p>
+            <a:pPr marL="0" indent="0">
+              <a:buNone/>
+            </a:pPr>
+            <a:r>
+              <a:rPr lang="en-US" dirty="0"/>
+              <a:t>Next Steps</a:t>
+            </a:r>
+          </a:p>
+          <a:p>
+            <a:r>
+              <a:rPr lang="en-US" dirty="0"/>
+              <a:t>Use more sophisticated algorithms that may perform better at finding well failures but does not tell you why they are failing</a:t>
+            </a:r>
+          </a:p>
+          <a:p>
+            <a:r>
+              <a:rPr lang="en-US" dirty="0"/>
+              <a:t>Develop Impact Rating Dashboard</a:t>
+            </a:r>
+          </a:p>
+          <a:p>
+            <a:pPr marL="0" indent="0">
+              <a:buNone/>
+            </a:pPr>
             <a:endParaRPr lang="en-US" dirty="0"/>
           </a:p>
         </p:txBody>
@@ -6027,264 +4529,7 @@
 </p:sld>
 </file>
 
-<file path=ppt/slides/slide13.xml><?xml version="1.0" encoding="utf-8"?>
-<p:sld xmlns:a="http://schemas.openxmlformats.org/drawingml/2006/main" xmlns:r="http://schemas.openxmlformats.org/officeDocument/2006/relationships" xmlns:p="http://schemas.openxmlformats.org/presentationml/2006/main">
-  <p:cSld>
-    <p:spTree>
-      <p:nvGrpSpPr>
-        <p:cNvPr id="1" name=""/>
-        <p:cNvGrpSpPr/>
-        <p:nvPr/>
-      </p:nvGrpSpPr>
-      <p:grpSpPr>
-        <a:xfrm>
-          <a:off x="0" y="0"/>
-          <a:ext cx="0" cy="0"/>
-          <a:chOff x="0" y="0"/>
-          <a:chExt cx="0" cy="0"/>
-        </a:xfrm>
-      </p:grpSpPr>
-      <p:sp>
-        <p:nvSpPr>
-          <p:cNvPr id="4" name="Title 12">
-            <a:extLst>
-              <a:ext uri="{FF2B5EF4-FFF2-40B4-BE49-F238E27FC236}">
-                <a16:creationId xmlns:a16="http://schemas.microsoft.com/office/drawing/2014/main" id="{FB2E7B47-6E23-834E-A52A-2286A7A6FACC}"/>
-              </a:ext>
-            </a:extLst>
-          </p:cNvPr>
-          <p:cNvSpPr txBox="1">
-            <a:spLocks/>
-          </p:cNvSpPr>
-          <p:nvPr/>
-        </p:nvSpPr>
-        <p:spPr>
-          <a:xfrm>
-            <a:off x="455612" y="190500"/>
-            <a:ext cx="9144001" cy="685800"/>
-          </a:xfrm>
-          <a:prstGeom prst="rect">
-            <a:avLst/>
-          </a:prstGeom>
-        </p:spPr>
-        <p:txBody>
-          <a:bodyPr vert="horz" lIns="91440" tIns="45720" rIns="91440" bIns="45720" rtlCol="0" anchor="b">
-            <a:normAutofit/>
-          </a:bodyPr>
-          <a:lstStyle>
-            <a:lvl1pPr algn="l" defTabSz="914400" rtl="0" eaLnBrk="1" latinLnBrk="0" hangingPunct="1">
-              <a:lnSpc>
-                <a:spcPct val="90000"/>
-              </a:lnSpc>
-              <a:spcBef>
-                <a:spcPct val="0"/>
-              </a:spcBef>
-              <a:buNone/>
-              <a:defRPr sz="3600" kern="1200" spc="100" baseline="0">
-                <a:solidFill>
-                  <a:schemeClr val="tx1"/>
-                </a:solidFill>
-                <a:latin typeface="+mj-lt"/>
-                <a:ea typeface="+mj-ea"/>
-                <a:cs typeface="+mj-cs"/>
-              </a:defRPr>
-            </a:lvl1pPr>
-          </a:lstStyle>
-          <a:p>
-            <a:r>
-              <a:rPr lang="en-US" dirty="0"/>
-              <a:t>Next Steps</a:t>
-            </a:r>
-          </a:p>
-        </p:txBody>
-      </p:sp>
-      <p:sp>
-        <p:nvSpPr>
-          <p:cNvPr id="3" name="Content Placeholder 2">
-            <a:extLst>
-              <a:ext uri="{FF2B5EF4-FFF2-40B4-BE49-F238E27FC236}">
-                <a16:creationId xmlns:a16="http://schemas.microsoft.com/office/drawing/2014/main" id="{40EEF734-09C9-8348-9B21-B9BEDF8CE35B}"/>
-              </a:ext>
-            </a:extLst>
-          </p:cNvPr>
-          <p:cNvSpPr>
-            <a:spLocks noGrp="1"/>
-          </p:cNvSpPr>
-          <p:nvPr>
-            <p:ph idx="1"/>
-          </p:nvPr>
-        </p:nvSpPr>
-        <p:spPr/>
-        <p:txBody>
-          <a:bodyPr/>
-          <a:lstStyle/>
-          <a:p>
-            <a:r>
-              <a:rPr lang="en-US" dirty="0"/>
-              <a:t>Develop Impact Rating Dashboard</a:t>
-            </a:r>
-          </a:p>
-          <a:p>
-            <a:r>
-              <a:rPr lang="en-US" dirty="0"/>
-              <a:t>Use more sophisticated algorithms that may perform better at finding well failures but does not tell you why they are failing</a:t>
-            </a:r>
-          </a:p>
-          <a:p>
-            <a:endParaRPr lang="en-US" dirty="0"/>
-          </a:p>
-          <a:p>
-            <a:endParaRPr lang="en-US" dirty="0"/>
-          </a:p>
-        </p:txBody>
-      </p:sp>
-    </p:spTree>
-    <p:extLst>
-      <p:ext uri="{BB962C8B-B14F-4D97-AF65-F5344CB8AC3E}">
-        <p14:creationId xmlns:p14="http://schemas.microsoft.com/office/powerpoint/2010/main" val="3386092093"/>
-      </p:ext>
-    </p:extLst>
-  </p:cSld>
-  <p:clrMapOvr>
-    <a:masterClrMapping/>
-  </p:clrMapOvr>
-  <mc:AlternateContent xmlns:mc="http://schemas.openxmlformats.org/markup-compatibility/2006">
-    <mc:Choice xmlns:p14="http://schemas.microsoft.com/office/powerpoint/2010/main" Requires="p14">
-      <p:transition spd="med" p14:dur="700">
-        <p:fade/>
-      </p:transition>
-    </mc:Choice>
-    <mc:Fallback>
-      <p:transition spd="med">
-        <p:fade/>
-      </p:transition>
-    </mc:Fallback>
-  </mc:AlternateContent>
-</p:sld>
-</file>
-
-<file path=ppt/slides/slide14.xml><?xml version="1.0" encoding="utf-8"?>
-<p:sld xmlns:a="http://schemas.openxmlformats.org/drawingml/2006/main" xmlns:r="http://schemas.openxmlformats.org/officeDocument/2006/relationships" xmlns:p="http://schemas.openxmlformats.org/presentationml/2006/main">
-  <p:cSld>
-    <p:spTree>
-      <p:nvGrpSpPr>
-        <p:cNvPr id="1" name=""/>
-        <p:cNvGrpSpPr/>
-        <p:nvPr/>
-      </p:nvGrpSpPr>
-      <p:grpSpPr>
-        <a:xfrm>
-          <a:off x="0" y="0"/>
-          <a:ext cx="0" cy="0"/>
-          <a:chOff x="0" y="0"/>
-          <a:chExt cx="0" cy="0"/>
-        </a:xfrm>
-      </p:grpSpPr>
-      <p:sp>
-        <p:nvSpPr>
-          <p:cNvPr id="4" name="Title 12">
-            <a:extLst>
-              <a:ext uri="{FF2B5EF4-FFF2-40B4-BE49-F238E27FC236}">
-                <a16:creationId xmlns:a16="http://schemas.microsoft.com/office/drawing/2014/main" id="{FB2E7B47-6E23-834E-A52A-2286A7A6FACC}"/>
-              </a:ext>
-            </a:extLst>
-          </p:cNvPr>
-          <p:cNvSpPr txBox="1">
-            <a:spLocks/>
-          </p:cNvSpPr>
-          <p:nvPr/>
-        </p:nvSpPr>
-        <p:spPr>
-          <a:xfrm>
-            <a:off x="455612" y="190500"/>
-            <a:ext cx="9144001" cy="685800"/>
-          </a:xfrm>
-          <a:prstGeom prst="rect">
-            <a:avLst/>
-          </a:prstGeom>
-        </p:spPr>
-        <p:txBody>
-          <a:bodyPr vert="horz" lIns="91440" tIns="45720" rIns="91440" bIns="45720" rtlCol="0" anchor="b">
-            <a:normAutofit/>
-          </a:bodyPr>
-          <a:lstStyle>
-            <a:lvl1pPr algn="l" defTabSz="914400" rtl="0" eaLnBrk="1" latinLnBrk="0" hangingPunct="1">
-              <a:lnSpc>
-                <a:spcPct val="90000"/>
-              </a:lnSpc>
-              <a:spcBef>
-                <a:spcPct val="0"/>
-              </a:spcBef>
-              <a:buNone/>
-              <a:defRPr sz="3600" kern="1200" spc="100" baseline="0">
-                <a:solidFill>
-                  <a:schemeClr val="tx1"/>
-                </a:solidFill>
-                <a:latin typeface="+mj-lt"/>
-                <a:ea typeface="+mj-ea"/>
-                <a:cs typeface="+mj-cs"/>
-              </a:defRPr>
-            </a:lvl1pPr>
-          </a:lstStyle>
-          <a:p>
-            <a:r>
-              <a:rPr lang="en-US" dirty="0"/>
-              <a:t>Conclusion</a:t>
-            </a:r>
-          </a:p>
-        </p:txBody>
-      </p:sp>
-      <p:sp>
-        <p:nvSpPr>
-          <p:cNvPr id="3" name="Content Placeholder 2">
-            <a:extLst>
-              <a:ext uri="{FF2B5EF4-FFF2-40B4-BE49-F238E27FC236}">
-                <a16:creationId xmlns:a16="http://schemas.microsoft.com/office/drawing/2014/main" id="{40EEF734-09C9-8348-9B21-B9BEDF8CE35B}"/>
-              </a:ext>
-            </a:extLst>
-          </p:cNvPr>
-          <p:cNvSpPr>
-            <a:spLocks noGrp="1"/>
-          </p:cNvSpPr>
-          <p:nvPr>
-            <p:ph idx="1"/>
-          </p:nvPr>
-        </p:nvSpPr>
-        <p:spPr/>
-        <p:txBody>
-          <a:bodyPr/>
-          <a:lstStyle/>
-          <a:p>
-            <a:endParaRPr lang="en-US"/>
-          </a:p>
-        </p:txBody>
-      </p:sp>
-    </p:spTree>
-    <p:extLst>
-      <p:ext uri="{BB962C8B-B14F-4D97-AF65-F5344CB8AC3E}">
-        <p14:creationId xmlns:p14="http://schemas.microsoft.com/office/powerpoint/2010/main" val="3136692138"/>
-      </p:ext>
-    </p:extLst>
-  </p:cSld>
-  <p:clrMapOvr>
-    <a:masterClrMapping/>
-  </p:clrMapOvr>
-  <mc:AlternateContent xmlns:mc="http://schemas.openxmlformats.org/markup-compatibility/2006" xmlns:p14="http://schemas.microsoft.com/office/powerpoint/2010/main">
-    <mc:Choice Requires="p14">
-      <p:transition spd="med" p14:dur="700">
-        <p:fade/>
-      </p:transition>
-    </mc:Choice>
-    <mc:Fallback xmlns="">
-      <p:transition spd="med">
-        <p:fade/>
-      </p:transition>
-    </mc:Fallback>
-  </mc:AlternateContent>
-</p:sld>
-</file>
-
-<file path=ppt/slides/slide15.xml><?xml version="1.0" encoding="utf-8"?>
+<file path=ppt/slides/slide12.xml><?xml version="1.0" encoding="utf-8"?>
 <p:sld xmlns:a="http://schemas.openxmlformats.org/drawingml/2006/main" xmlns:r="http://schemas.openxmlformats.org/officeDocument/2006/relationships" xmlns:p="http://schemas.openxmlformats.org/presentationml/2006/main">
   <p:cSld>
     <p:spTree>
@@ -6417,7 +4662,7 @@
 </p:sld>
 </file>
 
-<file path=ppt/slides/slide16.xml><?xml version="1.0" encoding="utf-8"?>
+<file path=ppt/slides/slide13.xml><?xml version="1.0" encoding="utf-8"?>
 <p:sld xmlns:a="http://schemas.openxmlformats.org/drawingml/2006/main" xmlns:r="http://schemas.openxmlformats.org/officeDocument/2006/relationships" xmlns:p="http://schemas.openxmlformats.org/presentationml/2006/main">
   <p:cSld>
     <p:spTree>
@@ -6480,13 +4725,13 @@
   <p:clrMapOvr>
     <a:masterClrMapping/>
   </p:clrMapOvr>
-  <mc:AlternateContent xmlns:mc="http://schemas.openxmlformats.org/markup-compatibility/2006">
-    <mc:Choice xmlns:p14="http://schemas.microsoft.com/office/powerpoint/2010/main" Requires="p14">
+  <mc:AlternateContent xmlns:mc="http://schemas.openxmlformats.org/markup-compatibility/2006" xmlns:p14="http://schemas.microsoft.com/office/powerpoint/2010/main">
+    <mc:Choice Requires="p14">
       <p:transition spd="med" p14:dur="700">
         <p:fade/>
       </p:transition>
     </mc:Choice>
-    <mc:Fallback>
+    <mc:Fallback xmlns="">
       <p:transition spd="med">
         <p:fade/>
       </p:transition>
@@ -6495,7 +4740,7 @@
 </p:sld>
 </file>
 
-<file path=ppt/slides/slide17.xml><?xml version="1.0" encoding="utf-8"?>
+<file path=ppt/slides/slide14.xml><?xml version="1.0" encoding="utf-8"?>
 <p:sld xmlns:a="http://schemas.openxmlformats.org/drawingml/2006/main" xmlns:r="http://schemas.openxmlformats.org/officeDocument/2006/relationships" xmlns:p="http://schemas.openxmlformats.org/presentationml/2006/main">
   <p:cSld>
     <p:spTree>
@@ -7446,13 +5691,13 @@
   <p:clrMapOvr>
     <a:masterClrMapping/>
   </p:clrMapOvr>
-  <mc:AlternateContent xmlns:mc="http://schemas.openxmlformats.org/markup-compatibility/2006">
-    <mc:Choice xmlns:p14="http://schemas.microsoft.com/office/powerpoint/2010/main" Requires="p14">
+  <mc:AlternateContent xmlns:mc="http://schemas.openxmlformats.org/markup-compatibility/2006" xmlns:p14="http://schemas.microsoft.com/office/powerpoint/2010/main">
+    <mc:Choice Requires="p14">
       <p:transition spd="med" p14:dur="700">
         <p:fade/>
       </p:transition>
     </mc:Choice>
-    <mc:Fallback>
+    <mc:Fallback xmlns="">
       <p:transition spd="med">
         <p:fade/>
       </p:transition>
@@ -7596,7 +5841,7 @@
         </p:nvSpPr>
         <p:spPr>
           <a:xfrm>
-            <a:off x="1616680" y="3180531"/>
+            <a:off x="1616680" y="3448761"/>
             <a:ext cx="2567138" cy="430887"/>
           </a:xfrm>
           <a:prstGeom prst="rect">
@@ -7726,7 +5971,7 @@
           <a:p>
             <a:r>
               <a:rPr lang="en-US" dirty="0"/>
-              <a:t>Analysis Overview</a:t>
+              <a:t>Data Quality a Potential Issue</a:t>
             </a:r>
           </a:p>
         </p:txBody>
@@ -7743,8 +5988,8 @@
         </p:nvSpPr>
         <p:spPr>
           <a:xfrm>
-            <a:off x="6906506" y="1554414"/>
-            <a:ext cx="4953000" cy="4972697"/>
+            <a:off x="6661250" y="2251239"/>
+            <a:ext cx="5047593" cy="3641071"/>
           </a:xfrm>
         </p:spPr>
         <p:txBody>
@@ -7755,7 +6000,173 @@
           <a:p>
             <a:r>
               <a:rPr lang="en-US" dirty="0"/>
-              <a:t>Focused on wells not functioning or functioning at a reduced capacity (functional needs repair)</a:t>
+              <a:t>Almost 19,000 water wells with zeros for population, head, well elevation and construction year</a:t>
+            </a:r>
+          </a:p>
+          <a:p>
+            <a:r>
+              <a:rPr lang="en-US" dirty="0"/>
+              <a:t>Outliers and improbable values  in head and population that can skew results</a:t>
+            </a:r>
+          </a:p>
+          <a:p>
+            <a:r>
+              <a:rPr lang="en-US" dirty="0"/>
+              <a:t>Zeros in construction year were converted to years based on distribution of non-zero values</a:t>
+            </a:r>
+          </a:p>
+        </p:txBody>
+      </p:sp>
+      <p:sp>
+        <p:nvSpPr>
+          <p:cNvPr id="17" name="TextBox 16">
+            <a:extLst>
+              <a:ext uri="{FF2B5EF4-FFF2-40B4-BE49-F238E27FC236}">
+                <a16:creationId xmlns:a16="http://schemas.microsoft.com/office/drawing/2014/main" id="{24C1E8B5-670B-2248-A28E-2BB5B1CDC103}"/>
+              </a:ext>
+            </a:extLst>
+          </p:cNvPr>
+          <p:cNvSpPr txBox="1"/>
+          <p:nvPr/>
+        </p:nvSpPr>
+        <p:spPr>
+          <a:xfrm>
+            <a:off x="-220164" y="1183329"/>
+            <a:ext cx="6881414" cy="4708981"/>
+          </a:xfrm>
+          <a:prstGeom prst="rect">
+            <a:avLst/>
+          </a:prstGeom>
+          <a:noFill/>
+        </p:spPr>
+        <p:txBody>
+          <a:bodyPr wrap="square" rtlCol="0">
+            <a:spAutoFit/>
+          </a:bodyPr>
+          <a:lstStyle/>
+          <a:p>
+            <a:pPr algn="r"/>
+            <a:r>
+              <a:rPr lang="en-US" sz="30000" b="1" dirty="0"/>
+              <a:t>19K</a:t>
+            </a:r>
+          </a:p>
+        </p:txBody>
+      </p:sp>
+    </p:spTree>
+    <p:extLst>
+      <p:ext uri="{BB962C8B-B14F-4D97-AF65-F5344CB8AC3E}">
+        <p14:creationId xmlns:p14="http://schemas.microsoft.com/office/powerpoint/2010/main" val="2299451778"/>
+      </p:ext>
+    </p:extLst>
+  </p:cSld>
+  <p:clrMapOvr>
+    <a:masterClrMapping/>
+  </p:clrMapOvr>
+  <mc:AlternateContent xmlns:mc="http://schemas.openxmlformats.org/markup-compatibility/2006" xmlns:p14="http://schemas.microsoft.com/office/powerpoint/2010/main">
+    <mc:Choice Requires="p14">
+      <p:transition spd="med" p14:dur="700">
+        <p:fade/>
+      </p:transition>
+    </mc:Choice>
+    <mc:Fallback xmlns="">
+      <p:transition spd="med">
+        <p:fade/>
+      </p:transition>
+    </mc:Fallback>
+  </mc:AlternateContent>
+</p:sld>
+</file>
+
+<file path=ppt/slides/slide4.xml><?xml version="1.0" encoding="utf-8"?>
+<p:sld xmlns:a="http://schemas.openxmlformats.org/drawingml/2006/main" xmlns:r="http://schemas.openxmlformats.org/officeDocument/2006/relationships" xmlns:p="http://schemas.openxmlformats.org/presentationml/2006/main">
+  <p:cSld>
+    <p:spTree>
+      <p:nvGrpSpPr>
+        <p:cNvPr id="1" name=""/>
+        <p:cNvGrpSpPr/>
+        <p:nvPr/>
+      </p:nvGrpSpPr>
+      <p:grpSpPr>
+        <a:xfrm>
+          <a:off x="0" y="0"/>
+          <a:ext cx="0" cy="0"/>
+          <a:chOff x="0" y="0"/>
+          <a:chExt cx="0" cy="0"/>
+        </a:xfrm>
+      </p:grpSpPr>
+      <p:sp>
+        <p:nvSpPr>
+          <p:cNvPr id="13" name="Title 12"/>
+          <p:cNvSpPr>
+            <a:spLocks noGrp="1"/>
+          </p:cNvSpPr>
+          <p:nvPr>
+            <p:ph type="title"/>
+          </p:nvPr>
+        </p:nvSpPr>
+        <p:spPr>
+          <a:xfrm>
+            <a:off x="455612" y="190500"/>
+            <a:ext cx="9144001" cy="685800"/>
+          </a:xfrm>
+        </p:spPr>
+        <p:txBody>
+          <a:bodyPr/>
+          <a:lstStyle/>
+          <a:p>
+            <a:r>
+              <a:rPr lang="en-US" dirty="0"/>
+              <a:t>Analysis Overview</a:t>
+            </a:r>
+          </a:p>
+        </p:txBody>
+      </p:sp>
+      <p:sp>
+        <p:nvSpPr>
+          <p:cNvPr id="14" name="Content Placeholder 13"/>
+          <p:cNvSpPr>
+            <a:spLocks noGrp="1"/>
+          </p:cNvSpPr>
+          <p:nvPr>
+            <p:ph idx="1"/>
+          </p:nvPr>
+        </p:nvSpPr>
+        <p:spPr>
+          <a:xfrm>
+            <a:off x="6906506" y="1788910"/>
+            <a:ext cx="4953000" cy="4039092"/>
+          </a:xfrm>
+        </p:spPr>
+        <p:txBody>
+          <a:bodyPr>
+            <a:normAutofit/>
+          </a:bodyPr>
+          <a:lstStyle/>
+          <a:p>
+            <a:r>
+              <a:rPr lang="en-US" dirty="0"/>
+              <a:t>Equated wells </a:t>
+            </a:r>
+            <a:r>
+              <a:rPr lang="en-US" dirty="0">
+                <a:solidFill>
+                  <a:srgbClr val="FF0000"/>
+                </a:solidFill>
+              </a:rPr>
+              <a:t>functioning at a reduced capacity</a:t>
+            </a:r>
+            <a:r>
+              <a:rPr lang="en-US" dirty="0"/>
+              <a:t> as </a:t>
+            </a:r>
+            <a:r>
+              <a:rPr lang="en-US" dirty="0">
+                <a:solidFill>
+                  <a:srgbClr val="FF0000"/>
+                </a:solidFill>
+              </a:rPr>
+              <a:t>not functioning </a:t>
             </a:r>
           </a:p>
           <a:p>
@@ -7764,32 +6175,42 @@
               <a:t>Created </a:t>
             </a:r>
             <a:r>
-              <a:rPr lang="en-US" dirty="0" err="1"/>
+              <a:rPr lang="en-US" dirty="0" err="1">
+                <a:solidFill>
+                  <a:srgbClr val="FF0000"/>
+                </a:solidFill>
+              </a:rPr>
               <a:t>well_age</a:t>
             </a:r>
             <a:r>
+              <a:rPr lang="en-US" dirty="0">
+                <a:solidFill>
+                  <a:srgbClr val="FF0000"/>
+                </a:solidFill>
+              </a:rPr>
+              <a:t> </a:t>
+            </a:r>
+            <a:r>
               <a:rPr lang="en-US" dirty="0"/>
-              <a:t> feature </a:t>
+              <a:t>feature </a:t>
             </a:r>
           </a:p>
           <a:p>
             <a:r>
               <a:rPr lang="en-US" dirty="0"/>
-              <a:t>20,000 wells with unknown </a:t>
-            </a:r>
-            <a:r>
-              <a:rPr lang="en-US" dirty="0" err="1"/>
-              <a:t>construction_year</a:t>
+              <a:t>Classification modeling to use well features to </a:t>
+            </a:r>
+            <a:r>
+              <a:rPr lang="en-US" dirty="0">
+                <a:solidFill>
+                  <a:srgbClr val="FF0000"/>
+                </a:solidFill>
+              </a:rPr>
+              <a:t>predict non-functional water wells can save lives </a:t>
             </a:r>
             <a:r>
               <a:rPr lang="en-US" dirty="0"/>
-              <a:t>. Filled values keeping identical distribution</a:t>
-            </a:r>
-          </a:p>
-          <a:p>
-            <a:r>
-              <a:rPr lang="en-US" dirty="0"/>
-              <a:t>Classification modeling to use well features to predict non-functional water wells can save lives by increasing reliability and maintenance response time</a:t>
+              <a:t>by increasing reliability and maintenance response time</a:t>
             </a:r>
           </a:p>
         </p:txBody>
@@ -9220,13 +7641,13 @@
   <p:clrMapOvr>
     <a:masterClrMapping/>
   </p:clrMapOvr>
-  <mc:AlternateContent xmlns:mc="http://schemas.openxmlformats.org/markup-compatibility/2006">
-    <mc:Choice xmlns:p14="http://schemas.microsoft.com/office/powerpoint/2010/main" Requires="p14">
+  <mc:AlternateContent xmlns:mc="http://schemas.openxmlformats.org/markup-compatibility/2006" xmlns:p14="http://schemas.microsoft.com/office/powerpoint/2010/main">
+    <mc:Choice Requires="p14">
       <p:transition spd="med" p14:dur="700">
         <p:fade/>
       </p:transition>
     </mc:Choice>
-    <mc:Fallback>
+    <mc:Fallback xmlns="">
       <p:transition spd="med">
         <p:fade/>
       </p:transition>
@@ -9235,7 +7656,7 @@
 </p:sld>
 </file>
 
-<file path=ppt/slides/slide4.xml><?xml version="1.0" encoding="utf-8"?>
+<file path=ppt/slides/slide5.xml><?xml version="1.0" encoding="utf-8"?>
 <p:sld xmlns:a="http://schemas.openxmlformats.org/drawingml/2006/main" xmlns:r="http://schemas.openxmlformats.org/officeDocument/2006/relationships" xmlns:p="http://schemas.openxmlformats.org/presentationml/2006/main">
   <p:cSld>
     <p:spTree>
@@ -9303,7 +7724,19 @@
           <a:p>
             <a:r>
               <a:rPr lang="en-US" dirty="0"/>
-              <a:t>Prioritized Recall which prioritizes finding all well failures while maybe responding to wells which haven’t failed</a:t>
+              <a:t>Prioritized </a:t>
+            </a:r>
+            <a:r>
+              <a:rPr lang="en-US" dirty="0">
+                <a:solidFill>
+                  <a:srgbClr val="FF0000"/>
+                </a:solidFill>
+              </a:rPr>
+              <a:t>Recall</a:t>
+            </a:r>
+            <a:r>
+              <a:rPr lang="en-US" dirty="0"/>
+              <a:t> which prioritizes finding all well failures while maybe responding to wells which haven’t failed</a:t>
             </a:r>
           </a:p>
           <a:p>
@@ -9315,13 +7748,45 @@
           <a:p>
             <a:r>
               <a:rPr lang="en-US" dirty="0"/>
-              <a:t>Focused on models which can be interpreted to understand what drives well failures </a:t>
-            </a:r>
-          </a:p>
-          <a:p>
+              <a:t>Focused on models with high </a:t>
+            </a:r>
+            <a:r>
+              <a:rPr lang="en-US" dirty="0">
+                <a:solidFill>
+                  <a:srgbClr val="FF0000"/>
+                </a:solidFill>
+              </a:rPr>
+              <a:t>interpretability</a:t>
+            </a:r>
             <a:r>
               <a:rPr lang="en-US" dirty="0"/>
-              <a:t>Best model was a Random Forrest with a Recall for detecting failures of 77%</a:t>
+              <a:t> to understand what drives well failures </a:t>
+            </a:r>
+          </a:p>
+          <a:p>
+            <a:r>
+              <a:rPr lang="en-US" dirty="0"/>
+              <a:t>Best model was a </a:t>
+            </a:r>
+            <a:r>
+              <a:rPr lang="en-US" dirty="0">
+                <a:solidFill>
+                  <a:srgbClr val="FF0000"/>
+                </a:solidFill>
+              </a:rPr>
+              <a:t>Random Forrest </a:t>
+            </a:r>
+            <a:r>
+              <a:rPr lang="en-US" dirty="0"/>
+              <a:t>with a Recall for detecting failures of </a:t>
+            </a:r>
+            <a:r>
+              <a:rPr lang="en-US" dirty="0">
+                <a:solidFill>
+                  <a:srgbClr val="FF0000"/>
+                </a:solidFill>
+              </a:rPr>
+              <a:t>77%</a:t>
             </a:r>
           </a:p>
         </p:txBody>
@@ -10727,470 +9192,6 @@
 </p:sld>
 </file>
 
-<file path=ppt/slides/slide5.xml><?xml version="1.0" encoding="utf-8"?>
-<p:sld xmlns:a="http://schemas.openxmlformats.org/drawingml/2006/main" xmlns:r="http://schemas.openxmlformats.org/officeDocument/2006/relationships" xmlns:p="http://schemas.openxmlformats.org/presentationml/2006/main">
-  <p:cSld>
-    <p:spTree>
-      <p:nvGrpSpPr>
-        <p:cNvPr id="1" name=""/>
-        <p:cNvGrpSpPr/>
-        <p:nvPr/>
-      </p:nvGrpSpPr>
-      <p:grpSpPr>
-        <a:xfrm>
-          <a:off x="0" y="0"/>
-          <a:ext cx="0" cy="0"/>
-          <a:chOff x="0" y="0"/>
-          <a:chExt cx="0" cy="0"/>
-        </a:xfrm>
-      </p:grpSpPr>
-      <p:sp>
-        <p:nvSpPr>
-          <p:cNvPr id="4" name="Title 12">
-            <a:extLst>
-              <a:ext uri="{FF2B5EF4-FFF2-40B4-BE49-F238E27FC236}">
-                <a16:creationId xmlns:a16="http://schemas.microsoft.com/office/drawing/2014/main" id="{66294898-C6E0-AC48-B64F-B3319105E803}"/>
-              </a:ext>
-            </a:extLst>
-          </p:cNvPr>
-          <p:cNvSpPr txBox="1">
-            <a:spLocks/>
-          </p:cNvSpPr>
-          <p:nvPr/>
-        </p:nvSpPr>
-        <p:spPr>
-          <a:xfrm>
-            <a:off x="455612" y="190500"/>
-            <a:ext cx="10591800" cy="685800"/>
-          </a:xfrm>
-          <a:prstGeom prst="rect">
-            <a:avLst/>
-          </a:prstGeom>
-        </p:spPr>
-        <p:txBody>
-          <a:bodyPr vert="horz" lIns="91440" tIns="45720" rIns="91440" bIns="45720" rtlCol="0" anchor="b">
-            <a:normAutofit/>
-          </a:bodyPr>
-          <a:lstStyle>
-            <a:lvl1pPr algn="l" defTabSz="914400" rtl="0" eaLnBrk="1" latinLnBrk="0" hangingPunct="1">
-              <a:lnSpc>
-                <a:spcPct val="90000"/>
-              </a:lnSpc>
-              <a:spcBef>
-                <a:spcPct val="0"/>
-              </a:spcBef>
-              <a:buNone/>
-              <a:defRPr sz="3600" kern="1200" spc="100" baseline="0">
-                <a:solidFill>
-                  <a:schemeClr val="tx1"/>
-                </a:solidFill>
-                <a:latin typeface="+mj-lt"/>
-                <a:ea typeface="+mj-ea"/>
-                <a:cs typeface="+mj-cs"/>
-              </a:defRPr>
-            </a:lvl1pPr>
-          </a:lstStyle>
-          <a:p>
-            <a:r>
-              <a:rPr lang="en-US" dirty="0"/>
-              <a:t>Most Important Features from Model</a:t>
-            </a:r>
-          </a:p>
-        </p:txBody>
-      </p:sp>
-      <p:sp>
-        <p:nvSpPr>
-          <p:cNvPr id="45" name="Content Placeholder 13">
-            <a:extLst>
-              <a:ext uri="{FF2B5EF4-FFF2-40B4-BE49-F238E27FC236}">
-                <a16:creationId xmlns:a16="http://schemas.microsoft.com/office/drawing/2014/main" id="{500CBF4B-FB2B-2640-84C5-07ADEEB32F5E}"/>
-              </a:ext>
-            </a:extLst>
-          </p:cNvPr>
-          <p:cNvSpPr>
-            <a:spLocks noGrp="1"/>
-          </p:cNvSpPr>
-          <p:nvPr>
-            <p:ph idx="1"/>
-          </p:nvPr>
-        </p:nvSpPr>
-        <p:spPr>
-          <a:xfrm>
-            <a:off x="2027975" y="7085310"/>
-            <a:ext cx="8896019" cy="3305950"/>
-          </a:xfrm>
-        </p:spPr>
-        <p:txBody>
-          <a:bodyPr>
-            <a:normAutofit/>
-          </a:bodyPr>
-          <a:lstStyle/>
-          <a:p>
-            <a:r>
-              <a:rPr lang="en-US" dirty="0"/>
-              <a:t>Total Square Feet dominates </a:t>
-            </a:r>
-          </a:p>
-          <a:p>
-            <a:r>
-              <a:rPr lang="en-US" dirty="0"/>
-              <a:t>Grade of construction is important</a:t>
-            </a:r>
-          </a:p>
-          <a:p>
-            <a:r>
-              <a:rPr lang="en-US" dirty="0"/>
-              <a:t>Bathrooms improve price</a:t>
-            </a:r>
-          </a:p>
-          <a:p>
-            <a:r>
-              <a:rPr lang="en-US" dirty="0"/>
-              <a:t>Basement offers a unique opportunity to increase square footage</a:t>
-            </a:r>
-          </a:p>
-        </p:txBody>
-      </p:sp>
-      <p:pic>
-        <p:nvPicPr>
-          <p:cNvPr id="6" name="Picture 5" descr="Chart, bar chart&#10;&#10;Description automatically generated">
-            <a:extLst>
-              <a:ext uri="{FF2B5EF4-FFF2-40B4-BE49-F238E27FC236}">
-                <a16:creationId xmlns:a16="http://schemas.microsoft.com/office/drawing/2014/main" id="{00A47BB2-C758-9D49-BC64-0D0A5B1FD261}"/>
-              </a:ext>
-            </a:extLst>
-          </p:cNvPr>
-          <p:cNvPicPr>
-            <a:picLocks noChangeAspect="1"/>
-          </p:cNvPicPr>
-          <p:nvPr/>
-        </p:nvPicPr>
-        <p:blipFill>
-          <a:blip r:embed="rId2">
-            <a:extLst>
-              <a:ext uri="{BEBA8EAE-BF5A-486C-A8C5-ECC9F3942E4B}">
-                <a14:imgProps xmlns:a14="http://schemas.microsoft.com/office/drawing/2010/main">
-                  <a14:imgLayer r:embed="rId3">
-                    <a14:imgEffect>
-                      <a14:backgroundRemoval t="9861" b="94185" l="7879" r="89899">
-                        <a14:foregroundMark x1="7879" y1="21365" x2="7879" y2="21365"/>
-                        <a14:foregroundMark x1="17239" y1="22503" x2="17239" y2="22503"/>
-                        <a14:foregroundMark x1="28013" y1="40708" x2="28013" y2="40708"/>
-                        <a14:foregroundMark x1="36768" y1="46903" x2="36768" y2="46903"/>
-                        <a14:foregroundMark x1="48418" y1="65613" x2="48418" y2="65613"/>
-                        <a14:foregroundMark x1="54815" y1="78129" x2="54815" y2="78129"/>
-                        <a14:foregroundMark x1="65051" y1="86346" x2="65051" y2="86346"/>
-                        <a14:foregroundMark x1="73401" y1="90013" x2="73401" y2="90013"/>
-                        <a14:foregroundMark x1="35421" y1="69912" x2="35421" y2="69912"/>
-                        <a14:foregroundMark x1="27138" y1="66498" x2="27138" y2="66498"/>
-                        <a14:foregroundMark x1="27475" y1="41340" x2="27407" y2="69153"/>
-                        <a14:foregroundMark x1="27407" y1="69153" x2="27407" y2="69153"/>
-                        <a14:foregroundMark x1="36633" y1="51833" x2="37172" y2="72566"/>
-                        <a14:backgroundMark x1="85387" y1="94690" x2="85387" y2="94058"/>
-                      </a14:backgroundRemoval>
-                    </a14:imgEffect>
-                    <a14:imgEffect>
-                      <a14:sharpenSoften amount="50000"/>
-                    </a14:imgEffect>
-                  </a14:imgLayer>
-                </a14:imgProps>
-              </a:ext>
-              <a:ext uri="{28A0092B-C50C-407E-A947-70E740481C1C}">
-                <a14:useLocalDpi xmlns:a14="http://schemas.microsoft.com/office/drawing/2010/main" val="0"/>
-              </a:ext>
-            </a:extLst>
-          </a:blip>
-          <a:stretch>
-            <a:fillRect/>
-          </a:stretch>
-        </p:blipFill>
-        <p:spPr>
-          <a:xfrm rot="5400000">
-            <a:off x="1128082" y="2586765"/>
-            <a:ext cx="7320000" cy="3899071"/>
-          </a:xfrm>
-          <a:prstGeom prst="rect">
-            <a:avLst/>
-          </a:prstGeom>
-        </p:spPr>
-      </p:pic>
-      <p:sp>
-        <p:nvSpPr>
-          <p:cNvPr id="39" name="TextBox 38">
-            <a:extLst>
-              <a:ext uri="{FF2B5EF4-FFF2-40B4-BE49-F238E27FC236}">
-                <a16:creationId xmlns:a16="http://schemas.microsoft.com/office/drawing/2014/main" id="{0B0F7671-53B7-A743-A17D-0A329D9865FB}"/>
-              </a:ext>
-            </a:extLst>
-          </p:cNvPr>
-          <p:cNvSpPr txBox="1"/>
-          <p:nvPr/>
-        </p:nvSpPr>
-        <p:spPr>
-          <a:xfrm>
-            <a:off x="1078096" y="1362045"/>
-            <a:ext cx="2521839" cy="400110"/>
-          </a:xfrm>
-          <a:prstGeom prst="rect">
-            <a:avLst/>
-          </a:prstGeom>
-          <a:noFill/>
-        </p:spPr>
-        <p:txBody>
-          <a:bodyPr wrap="square" rtlCol="0">
-            <a:spAutoFit/>
-          </a:bodyPr>
-          <a:lstStyle/>
-          <a:p>
-            <a:pPr algn="ctr"/>
-            <a:r>
-              <a:rPr lang="en-US" sz="2000" dirty="0"/>
-              <a:t>Longitude</a:t>
-            </a:r>
-          </a:p>
-        </p:txBody>
-      </p:sp>
-      <p:sp>
-        <p:nvSpPr>
-          <p:cNvPr id="42" name="TextBox 41">
-            <a:extLst>
-              <a:ext uri="{FF2B5EF4-FFF2-40B4-BE49-F238E27FC236}">
-                <a16:creationId xmlns:a16="http://schemas.microsoft.com/office/drawing/2014/main" id="{01FF4455-4132-3944-9CC4-72707497DF57}"/>
-              </a:ext>
-            </a:extLst>
-          </p:cNvPr>
-          <p:cNvSpPr txBox="1"/>
-          <p:nvPr/>
-        </p:nvSpPr>
-        <p:spPr>
-          <a:xfrm>
-            <a:off x="1078095" y="1975764"/>
-            <a:ext cx="2521839" cy="400110"/>
-          </a:xfrm>
-          <a:prstGeom prst="rect">
-            <a:avLst/>
-          </a:prstGeom>
-          <a:noFill/>
-        </p:spPr>
-        <p:txBody>
-          <a:bodyPr wrap="square" rtlCol="0">
-            <a:spAutoFit/>
-          </a:bodyPr>
-          <a:lstStyle/>
-          <a:p>
-            <a:pPr algn="ctr"/>
-            <a:r>
-              <a:rPr lang="en-US" sz="2000" dirty="0"/>
-              <a:t>Latitude</a:t>
-            </a:r>
-          </a:p>
-        </p:txBody>
-      </p:sp>
-      <p:sp>
-        <p:nvSpPr>
-          <p:cNvPr id="46" name="TextBox 45">
-            <a:extLst>
-              <a:ext uri="{FF2B5EF4-FFF2-40B4-BE49-F238E27FC236}">
-                <a16:creationId xmlns:a16="http://schemas.microsoft.com/office/drawing/2014/main" id="{94C1CC15-547D-184A-A787-6DD5CDDCE536}"/>
-              </a:ext>
-            </a:extLst>
-          </p:cNvPr>
-          <p:cNvSpPr txBox="1"/>
-          <p:nvPr/>
-        </p:nvSpPr>
-        <p:spPr>
-          <a:xfrm>
-            <a:off x="1172341" y="2661564"/>
-            <a:ext cx="2521839" cy="400110"/>
-          </a:xfrm>
-          <a:prstGeom prst="rect">
-            <a:avLst/>
-          </a:prstGeom>
-          <a:noFill/>
-        </p:spPr>
-        <p:txBody>
-          <a:bodyPr wrap="square" rtlCol="0">
-            <a:spAutoFit/>
-          </a:bodyPr>
-          <a:lstStyle/>
-          <a:p>
-            <a:pPr algn="ctr"/>
-            <a:r>
-              <a:rPr lang="en-US" sz="2000" dirty="0"/>
-              <a:t>Well Age</a:t>
-            </a:r>
-          </a:p>
-        </p:txBody>
-      </p:sp>
-      <p:sp>
-        <p:nvSpPr>
-          <p:cNvPr id="47" name="TextBox 46">
-            <a:extLst>
-              <a:ext uri="{FF2B5EF4-FFF2-40B4-BE49-F238E27FC236}">
-                <a16:creationId xmlns:a16="http://schemas.microsoft.com/office/drawing/2014/main" id="{0EBB1779-E7C5-4741-8DC4-94892954C967}"/>
-              </a:ext>
-            </a:extLst>
-          </p:cNvPr>
-          <p:cNvSpPr txBox="1"/>
-          <p:nvPr/>
-        </p:nvSpPr>
-        <p:spPr>
-          <a:xfrm>
-            <a:off x="1172340" y="3347364"/>
-            <a:ext cx="2521839" cy="400110"/>
-          </a:xfrm>
-          <a:prstGeom prst="rect">
-            <a:avLst/>
-          </a:prstGeom>
-          <a:noFill/>
-        </p:spPr>
-        <p:txBody>
-          <a:bodyPr wrap="square" rtlCol="0">
-            <a:spAutoFit/>
-          </a:bodyPr>
-          <a:lstStyle/>
-          <a:p>
-            <a:pPr algn="ctr"/>
-            <a:r>
-              <a:rPr lang="en-US" sz="2000" dirty="0"/>
-              <a:t>Well Elevation</a:t>
-            </a:r>
-          </a:p>
-        </p:txBody>
-      </p:sp>
-      <p:sp>
-        <p:nvSpPr>
-          <p:cNvPr id="48" name="TextBox 47">
-            <a:extLst>
-              <a:ext uri="{FF2B5EF4-FFF2-40B4-BE49-F238E27FC236}">
-                <a16:creationId xmlns:a16="http://schemas.microsoft.com/office/drawing/2014/main" id="{C379EC20-EC7E-6A49-8F49-5A1A3BE6644C}"/>
-              </a:ext>
-            </a:extLst>
-          </p:cNvPr>
-          <p:cNvSpPr txBox="1"/>
-          <p:nvPr/>
-        </p:nvSpPr>
-        <p:spPr>
-          <a:xfrm>
-            <a:off x="896373" y="4033164"/>
-            <a:ext cx="2521839" cy="400110"/>
-          </a:xfrm>
-          <a:prstGeom prst="rect">
-            <a:avLst/>
-          </a:prstGeom>
-          <a:noFill/>
-        </p:spPr>
-        <p:txBody>
-          <a:bodyPr wrap="square" rtlCol="0">
-            <a:spAutoFit/>
-          </a:bodyPr>
-          <a:lstStyle/>
-          <a:p>
-            <a:pPr algn="ctr"/>
-            <a:r>
-              <a:rPr lang="en-US" sz="2000" dirty="0"/>
-              <a:t>Population</a:t>
-            </a:r>
-          </a:p>
-        </p:txBody>
-      </p:sp>
-      <p:sp>
-        <p:nvSpPr>
-          <p:cNvPr id="49" name="TextBox 48">
-            <a:extLst>
-              <a:ext uri="{FF2B5EF4-FFF2-40B4-BE49-F238E27FC236}">
-                <a16:creationId xmlns:a16="http://schemas.microsoft.com/office/drawing/2014/main" id="{ABE5A9B8-076D-9C42-BF4C-5500BFA5BBCC}"/>
-              </a:ext>
-            </a:extLst>
-          </p:cNvPr>
-          <p:cNvSpPr txBox="1"/>
-          <p:nvPr/>
-        </p:nvSpPr>
-        <p:spPr>
-          <a:xfrm>
-            <a:off x="991108" y="4766526"/>
-            <a:ext cx="2521839" cy="400110"/>
-          </a:xfrm>
-          <a:prstGeom prst="rect">
-            <a:avLst/>
-          </a:prstGeom>
-          <a:noFill/>
-        </p:spPr>
-        <p:txBody>
-          <a:bodyPr wrap="square" rtlCol="0">
-            <a:spAutoFit/>
-          </a:bodyPr>
-          <a:lstStyle/>
-          <a:p>
-            <a:pPr algn="ctr"/>
-            <a:r>
-              <a:rPr lang="en-US" sz="2000" dirty="0"/>
-              <a:t>Head</a:t>
-            </a:r>
-          </a:p>
-        </p:txBody>
-      </p:sp>
-      <p:sp>
-        <p:nvSpPr>
-          <p:cNvPr id="50" name="TextBox 49">
-            <a:extLst>
-              <a:ext uri="{FF2B5EF4-FFF2-40B4-BE49-F238E27FC236}">
-                <a16:creationId xmlns:a16="http://schemas.microsoft.com/office/drawing/2014/main" id="{5E2AFAB7-4E6C-1B40-A517-5E286400307A}"/>
-              </a:ext>
-            </a:extLst>
-          </p:cNvPr>
-          <p:cNvSpPr txBox="1"/>
-          <p:nvPr/>
-        </p:nvSpPr>
-        <p:spPr>
-          <a:xfrm>
-            <a:off x="1033398" y="5402974"/>
-            <a:ext cx="2521839" cy="400110"/>
-          </a:xfrm>
-          <a:prstGeom prst="rect">
-            <a:avLst/>
-          </a:prstGeom>
-          <a:noFill/>
-        </p:spPr>
-        <p:txBody>
-          <a:bodyPr wrap="square" rtlCol="0">
-            <a:spAutoFit/>
-          </a:bodyPr>
-          <a:lstStyle/>
-          <a:p>
-            <a:pPr algn="ctr"/>
-            <a:r>
-              <a:rPr lang="en-US" sz="2000" dirty="0"/>
-              <a:t>Communal Standpipe</a:t>
-            </a:r>
-          </a:p>
-        </p:txBody>
-      </p:sp>
-    </p:spTree>
-    <p:extLst>
-      <p:ext uri="{BB962C8B-B14F-4D97-AF65-F5344CB8AC3E}">
-        <p14:creationId xmlns:p14="http://schemas.microsoft.com/office/powerpoint/2010/main" val="3106206852"/>
-      </p:ext>
-    </p:extLst>
-  </p:cSld>
-  <p:clrMapOvr>
-    <a:masterClrMapping/>
-  </p:clrMapOvr>
-  <mc:AlternateContent xmlns:mc="http://schemas.openxmlformats.org/markup-compatibility/2006" xmlns:p14="http://schemas.microsoft.com/office/powerpoint/2010/main">
-    <mc:Choice Requires="p14">
-      <p:transition spd="med" p14:dur="700">
-        <p:fade/>
-      </p:transition>
-    </mc:Choice>
-    <mc:Fallback xmlns="">
-      <p:transition spd="med">
-        <p:fade/>
-      </p:transition>
-    </mc:Fallback>
-  </mc:AlternateContent>
-</p:sld>
-</file>
-
 <file path=ppt/slides/slide6.xml><?xml version="1.0" encoding="utf-8"?>
 <p:sld xmlns:a="http://schemas.openxmlformats.org/drawingml/2006/main" xmlns:r="http://schemas.openxmlformats.org/officeDocument/2006/relationships" xmlns:p="http://schemas.openxmlformats.org/presentationml/2006/main">
   <p:cSld>
@@ -11257,17 +9258,17 @@
           <a:p>
             <a:r>
               <a:rPr lang="en-US" dirty="0"/>
-              <a:t>Location Affects Reliability</a:t>
+              <a:t>Most Important Features from Model</a:t>
             </a:r>
           </a:p>
         </p:txBody>
       </p:sp>
       <p:sp>
         <p:nvSpPr>
-          <p:cNvPr id="42" name="Content Placeholder 13">
+          <p:cNvPr id="45" name="Content Placeholder 13">
             <a:extLst>
               <a:ext uri="{FF2B5EF4-FFF2-40B4-BE49-F238E27FC236}">
-                <a16:creationId xmlns:a16="http://schemas.microsoft.com/office/drawing/2014/main" id="{A0F085D3-B1D0-1247-A125-4FC748E86E83}"/>
+                <a16:creationId xmlns:a16="http://schemas.microsoft.com/office/drawing/2014/main" id="{500CBF4B-FB2B-2640-84C5-07ADEEB32F5E}"/>
               </a:ext>
             </a:extLst>
           </p:cNvPr>
@@ -11280,8 +9281,8 @@
         </p:nvSpPr>
         <p:spPr>
           <a:xfrm>
-            <a:off x="6996455" y="1373930"/>
-            <a:ext cx="4953000" cy="4779735"/>
+            <a:off x="6698511" y="1582961"/>
+            <a:ext cx="5405118" cy="4263268"/>
           </a:xfrm>
         </p:spPr>
         <p:txBody>
@@ -11292,106 +9293,489 @@
           <a:p>
             <a:r>
               <a:rPr lang="en-US" dirty="0"/>
-              <a:t>High variability in well function across regions</a:t>
-            </a:r>
-          </a:p>
-          <a:p>
+              <a:t>Location (</a:t>
+            </a:r>
+            <a:r>
+              <a:rPr lang="en-US" dirty="0">
+                <a:solidFill>
+                  <a:srgbClr val="FF0000"/>
+                </a:solidFill>
+              </a:rPr>
+              <a:t>longitude and latitude</a:t>
+            </a:r>
             <a:r>
               <a:rPr lang="en-US" dirty="0"/>
-              <a:t> </a:t>
-            </a:r>
+              <a:t>) is the most important feature for predicting well function</a:t>
+            </a:r>
+          </a:p>
+          <a:p>
+            <a:r>
+              <a:rPr lang="en-US" dirty="0">
+                <a:solidFill>
+                  <a:srgbClr val="FF0000"/>
+                </a:solidFill>
+              </a:rPr>
+              <a:t>Well age </a:t>
+            </a:r>
+            <a:r>
+              <a:rPr lang="en-US" dirty="0"/>
+              <a:t>directly affects reliability</a:t>
+            </a:r>
+          </a:p>
+          <a:p>
+            <a:r>
+              <a:rPr lang="en-US" dirty="0"/>
+              <a:t> Well </a:t>
+            </a:r>
+            <a:r>
+              <a:rPr lang="en-US" dirty="0">
+                <a:solidFill>
+                  <a:srgbClr val="FF0000"/>
+                </a:solidFill>
+              </a:rPr>
+              <a:t>head</a:t>
+            </a:r>
+            <a:r>
+              <a:rPr lang="en-US" dirty="0"/>
+              <a:t> directly affects water quantity</a:t>
+            </a:r>
+          </a:p>
+          <a:p>
+            <a:r>
+              <a:rPr lang="en-US" dirty="0">
+                <a:solidFill>
+                  <a:srgbClr val="FF0000"/>
+                </a:solidFill>
+              </a:rPr>
+              <a:t>Well Elevation </a:t>
+            </a:r>
+            <a:r>
+              <a:rPr lang="en-US" dirty="0"/>
+              <a:t>and </a:t>
+            </a:r>
+            <a:r>
+              <a:rPr lang="en-US" dirty="0">
+                <a:solidFill>
+                  <a:srgbClr val="FF0000"/>
+                </a:solidFill>
+              </a:rPr>
+              <a:t>Population</a:t>
+            </a:r>
+            <a:r>
+              <a:rPr lang="en-US" dirty="0"/>
+              <a:t> are important features for prediction, although analysis did not highlight specific relationships</a:t>
+            </a:r>
+          </a:p>
+          <a:p>
+            <a:endParaRPr lang="en-US" dirty="0"/>
           </a:p>
         </p:txBody>
       </p:sp>
-      <p:sp>
-        <p:nvSpPr>
-          <p:cNvPr id="43" name="TextBox 42">
+      <p:grpSp>
+        <p:nvGrpSpPr>
+          <p:cNvPr id="7" name="Group 6">
             <a:extLst>
               <a:ext uri="{FF2B5EF4-FFF2-40B4-BE49-F238E27FC236}">
-                <a16:creationId xmlns:a16="http://schemas.microsoft.com/office/drawing/2014/main" id="{BB82F2D4-7F2A-AA4F-8F3C-13E8A8FC8ADF}"/>
+                <a16:creationId xmlns:a16="http://schemas.microsoft.com/office/drawing/2014/main" id="{1AC4EC15-1E8C-5D4D-A99F-4D578592636E}"/>
               </a:ext>
             </a:extLst>
           </p:cNvPr>
-          <p:cNvSpPr txBox="1"/>
+          <p:cNvGrpSpPr/>
           <p:nvPr/>
-        </p:nvSpPr>
-        <p:spPr>
+        </p:nvGrpSpPr>
+        <p:grpSpPr>
           <a:xfrm>
-            <a:off x="1265452" y="1205166"/>
-            <a:ext cx="3926918" cy="307777"/>
+            <a:off x="0" y="727446"/>
+            <a:ext cx="6146562" cy="7320000"/>
+            <a:chOff x="591055" y="876301"/>
+            <a:chExt cx="6146562" cy="7320000"/>
           </a:xfrm>
-          <a:prstGeom prst="rect">
-            <a:avLst/>
-          </a:prstGeom>
-          <a:noFill/>
-        </p:spPr>
-        <p:txBody>
-          <a:bodyPr wrap="square" rtlCol="0">
-            <a:spAutoFit/>
-          </a:bodyPr>
-          <a:lstStyle/>
-          <a:p>
-            <a:pPr algn="ctr"/>
-            <a:r>
-              <a:rPr lang="en-US" sz="1400" dirty="0"/>
-              <a:t>Distribution Percentage Non-Function by Region</a:t>
-            </a:r>
-          </a:p>
-        </p:txBody>
-      </p:sp>
-      <p:pic>
-        <p:nvPicPr>
-          <p:cNvPr id="14" name="Picture 13" descr="Chart, box and whisker chart&#10;&#10;Description automatically generated">
-            <a:extLst>
-              <a:ext uri="{FF2B5EF4-FFF2-40B4-BE49-F238E27FC236}">
-                <a16:creationId xmlns:a16="http://schemas.microsoft.com/office/drawing/2014/main" id="{37BBA7BF-6897-5C41-9480-2290140FE7CE}"/>
-              </a:ext>
-            </a:extLst>
-          </p:cNvPr>
-          <p:cNvPicPr>
-            <a:picLocks noChangeAspect="1"/>
-          </p:cNvPicPr>
-          <p:nvPr/>
-        </p:nvPicPr>
-        <p:blipFill>
-          <a:blip r:embed="rId2">
-            <a:extLst>
-              <a:ext uri="{28A0092B-C50C-407E-A947-70E740481C1C}">
-                <a14:useLocalDpi xmlns:a14="http://schemas.microsoft.com/office/drawing/2010/main" val="0"/>
-              </a:ext>
-            </a:extLst>
-          </a:blip>
-          <a:stretch>
-            <a:fillRect/>
-          </a:stretch>
-        </p:blipFill>
-        <p:spPr>
-          <a:xfrm>
-            <a:off x="1411018" y="1512943"/>
-            <a:ext cx="3635785" cy="5127390"/>
-          </a:xfrm>
-          <a:prstGeom prst="rect">
-            <a:avLst/>
-          </a:prstGeom>
-        </p:spPr>
-      </p:pic>
+        </p:grpSpPr>
+        <p:pic>
+          <p:nvPicPr>
+            <p:cNvPr id="6" name="Picture 5" descr="Chart, bar chart&#10;&#10;Description automatically generated">
+              <a:extLst>
+                <a:ext uri="{FF2B5EF4-FFF2-40B4-BE49-F238E27FC236}">
+                  <a16:creationId xmlns:a16="http://schemas.microsoft.com/office/drawing/2014/main" id="{00A47BB2-C758-9D49-BC64-0D0A5B1FD261}"/>
+                </a:ext>
+              </a:extLst>
+            </p:cNvPr>
+            <p:cNvPicPr>
+              <a:picLocks noChangeAspect="1"/>
+            </p:cNvPicPr>
+            <p:nvPr/>
+          </p:nvPicPr>
+          <p:blipFill>
+            <a:blip r:embed="rId2">
+              <a:extLst>
+                <a:ext uri="{BEBA8EAE-BF5A-486C-A8C5-ECC9F3942E4B}">
+                  <a14:imgProps xmlns:a14="http://schemas.microsoft.com/office/drawing/2010/main">
+                    <a14:imgLayer r:embed="rId3">
+                      <a14:imgEffect>
+                        <a14:backgroundRemoval t="9861" b="94185" l="7879" r="89899">
+                          <a14:foregroundMark x1="7879" y1="21365" x2="7879" y2="21365"/>
+                          <a14:foregroundMark x1="17239" y1="22503" x2="17239" y2="22503"/>
+                          <a14:foregroundMark x1="28013" y1="40708" x2="28013" y2="40708"/>
+                          <a14:foregroundMark x1="36768" y1="46903" x2="36768" y2="46903"/>
+                          <a14:foregroundMark x1="48418" y1="65613" x2="48418" y2="65613"/>
+                          <a14:foregroundMark x1="54815" y1="78129" x2="54815" y2="78129"/>
+                          <a14:foregroundMark x1="65051" y1="86346" x2="65051" y2="86346"/>
+                          <a14:foregroundMark x1="73401" y1="90013" x2="73401" y2="90013"/>
+                          <a14:foregroundMark x1="35421" y1="69912" x2="35421" y2="69912"/>
+                          <a14:foregroundMark x1="27138" y1="66498" x2="27138" y2="66498"/>
+                          <a14:foregroundMark x1="27475" y1="41340" x2="27407" y2="69153"/>
+                          <a14:foregroundMark x1="27407" y1="69153" x2="27407" y2="69153"/>
+                          <a14:foregroundMark x1="36633" y1="51833" x2="37172" y2="72566"/>
+                          <a14:backgroundMark x1="85387" y1="94690" x2="85387" y2="94058"/>
+                        </a14:backgroundRemoval>
+                      </a14:imgEffect>
+                      <a14:imgEffect>
+                        <a14:sharpenSoften amount="50000"/>
+                      </a14:imgEffect>
+                    </a14:imgLayer>
+                  </a14:imgProps>
+                </a:ext>
+                <a:ext uri="{28A0092B-C50C-407E-A947-70E740481C1C}">
+                  <a14:useLocalDpi xmlns:a14="http://schemas.microsoft.com/office/drawing/2010/main" val="0"/>
+                </a:ext>
+              </a:extLst>
+            </a:blip>
+            <a:stretch>
+              <a:fillRect/>
+            </a:stretch>
+          </p:blipFill>
+          <p:spPr>
+            <a:xfrm rot="5400000">
+              <a:off x="1128082" y="2586765"/>
+              <a:ext cx="7320000" cy="3899071"/>
+            </a:xfrm>
+            <a:prstGeom prst="rect">
+              <a:avLst/>
+            </a:prstGeom>
+          </p:spPr>
+        </p:pic>
+        <p:sp>
+          <p:nvSpPr>
+            <p:cNvPr id="39" name="TextBox 38">
+              <a:extLst>
+                <a:ext uri="{FF2B5EF4-FFF2-40B4-BE49-F238E27FC236}">
+                  <a16:creationId xmlns:a16="http://schemas.microsoft.com/office/drawing/2014/main" id="{0B0F7671-53B7-A743-A17D-0A329D9865FB}"/>
+                </a:ext>
+              </a:extLst>
+            </p:cNvPr>
+            <p:cNvSpPr txBox="1"/>
+            <p:nvPr/>
+          </p:nvSpPr>
+          <p:spPr>
+            <a:xfrm>
+              <a:off x="591055" y="1352971"/>
+              <a:ext cx="2521839" cy="400110"/>
+            </a:xfrm>
+            <a:prstGeom prst="rect">
+              <a:avLst/>
+            </a:prstGeom>
+            <a:noFill/>
+          </p:spPr>
+          <p:txBody>
+            <a:bodyPr wrap="square" rtlCol="0">
+              <a:spAutoFit/>
+            </a:bodyPr>
+            <a:lstStyle/>
+            <a:p>
+              <a:pPr algn="r"/>
+              <a:r>
+                <a:rPr lang="en-US" sz="2000" dirty="0">
+                  <a:solidFill>
+                    <a:srgbClr val="FF0000"/>
+                  </a:solidFill>
+                </a:rPr>
+                <a:t>Longitude</a:t>
+              </a:r>
+            </a:p>
+          </p:txBody>
+        </p:sp>
+        <p:sp>
+          <p:nvSpPr>
+            <p:cNvPr id="42" name="TextBox 41">
+              <a:extLst>
+                <a:ext uri="{FF2B5EF4-FFF2-40B4-BE49-F238E27FC236}">
+                  <a16:creationId xmlns:a16="http://schemas.microsoft.com/office/drawing/2014/main" id="{01FF4455-4132-3944-9CC4-72707497DF57}"/>
+                </a:ext>
+              </a:extLst>
+            </p:cNvPr>
+            <p:cNvSpPr txBox="1"/>
+            <p:nvPr/>
+          </p:nvSpPr>
+          <p:spPr>
+            <a:xfrm>
+              <a:off x="591056" y="2052097"/>
+              <a:ext cx="2521839" cy="400110"/>
+            </a:xfrm>
+            <a:prstGeom prst="rect">
+              <a:avLst/>
+            </a:prstGeom>
+            <a:noFill/>
+          </p:spPr>
+          <p:txBody>
+            <a:bodyPr wrap="square" rtlCol="0">
+              <a:spAutoFit/>
+            </a:bodyPr>
+            <a:lstStyle/>
+            <a:p>
+              <a:pPr algn="r"/>
+              <a:r>
+                <a:rPr lang="en-US" sz="2000" dirty="0">
+                  <a:solidFill>
+                    <a:srgbClr val="FF0000"/>
+                  </a:solidFill>
+                </a:rPr>
+                <a:t>Latitude</a:t>
+              </a:r>
+            </a:p>
+          </p:txBody>
+        </p:sp>
+        <p:sp>
+          <p:nvSpPr>
+            <p:cNvPr id="46" name="TextBox 45">
+              <a:extLst>
+                <a:ext uri="{FF2B5EF4-FFF2-40B4-BE49-F238E27FC236}">
+                  <a16:creationId xmlns:a16="http://schemas.microsoft.com/office/drawing/2014/main" id="{94C1CC15-547D-184A-A787-6DD5CDDCE536}"/>
+                </a:ext>
+              </a:extLst>
+            </p:cNvPr>
+            <p:cNvSpPr txBox="1"/>
+            <p:nvPr/>
+          </p:nvSpPr>
+          <p:spPr>
+            <a:xfrm>
+              <a:off x="595558" y="2682473"/>
+              <a:ext cx="2521839" cy="400110"/>
+            </a:xfrm>
+            <a:prstGeom prst="rect">
+              <a:avLst/>
+            </a:prstGeom>
+            <a:noFill/>
+          </p:spPr>
+          <p:txBody>
+            <a:bodyPr wrap="square" rtlCol="0">
+              <a:spAutoFit/>
+            </a:bodyPr>
+            <a:lstStyle/>
+            <a:p>
+              <a:pPr algn="r"/>
+              <a:r>
+                <a:rPr lang="en-US" sz="2000" dirty="0">
+                  <a:solidFill>
+                    <a:srgbClr val="FF0000"/>
+                  </a:solidFill>
+                </a:rPr>
+                <a:t>Well Age</a:t>
+              </a:r>
+            </a:p>
+          </p:txBody>
+        </p:sp>
+        <p:sp>
+          <p:nvSpPr>
+            <p:cNvPr id="47" name="TextBox 46">
+              <a:extLst>
+                <a:ext uri="{FF2B5EF4-FFF2-40B4-BE49-F238E27FC236}">
+                  <a16:creationId xmlns:a16="http://schemas.microsoft.com/office/drawing/2014/main" id="{0EBB1779-E7C5-4741-8DC4-94892954C967}"/>
+                </a:ext>
+              </a:extLst>
+            </p:cNvPr>
+            <p:cNvSpPr txBox="1"/>
+            <p:nvPr/>
+          </p:nvSpPr>
+          <p:spPr>
+            <a:xfrm>
+              <a:off x="606540" y="3368273"/>
+              <a:ext cx="2521839" cy="400110"/>
+            </a:xfrm>
+            <a:prstGeom prst="rect">
+              <a:avLst/>
+            </a:prstGeom>
+            <a:noFill/>
+          </p:spPr>
+          <p:txBody>
+            <a:bodyPr wrap="square" rtlCol="0">
+              <a:spAutoFit/>
+            </a:bodyPr>
+            <a:lstStyle/>
+            <a:p>
+              <a:pPr algn="r"/>
+              <a:r>
+                <a:rPr lang="en-US" sz="2000" dirty="0"/>
+                <a:t>Well Elevation</a:t>
+              </a:r>
+            </a:p>
+          </p:txBody>
+        </p:sp>
+        <p:sp>
+          <p:nvSpPr>
+            <p:cNvPr id="48" name="TextBox 47">
+              <a:extLst>
+                <a:ext uri="{FF2B5EF4-FFF2-40B4-BE49-F238E27FC236}">
+                  <a16:creationId xmlns:a16="http://schemas.microsoft.com/office/drawing/2014/main" id="{C379EC20-EC7E-6A49-8F49-5A1A3BE6644C}"/>
+                </a:ext>
+              </a:extLst>
+            </p:cNvPr>
+            <p:cNvSpPr txBox="1"/>
+            <p:nvPr/>
+          </p:nvSpPr>
+          <p:spPr>
+            <a:xfrm>
+              <a:off x="606540" y="4074982"/>
+              <a:ext cx="2521839" cy="400110"/>
+            </a:xfrm>
+            <a:prstGeom prst="rect">
+              <a:avLst/>
+            </a:prstGeom>
+            <a:noFill/>
+          </p:spPr>
+          <p:txBody>
+            <a:bodyPr wrap="square" rtlCol="0">
+              <a:spAutoFit/>
+            </a:bodyPr>
+            <a:lstStyle/>
+            <a:p>
+              <a:pPr algn="r"/>
+              <a:r>
+                <a:rPr lang="en-US" sz="2000" dirty="0"/>
+                <a:t>Population</a:t>
+              </a:r>
+            </a:p>
+          </p:txBody>
+        </p:sp>
+        <p:sp>
+          <p:nvSpPr>
+            <p:cNvPr id="49" name="TextBox 48">
+              <a:extLst>
+                <a:ext uri="{FF2B5EF4-FFF2-40B4-BE49-F238E27FC236}">
+                  <a16:creationId xmlns:a16="http://schemas.microsoft.com/office/drawing/2014/main" id="{ABE5A9B8-076D-9C42-BF4C-5500BFA5BBCC}"/>
+                </a:ext>
+              </a:extLst>
+            </p:cNvPr>
+            <p:cNvSpPr txBox="1"/>
+            <p:nvPr/>
+          </p:nvSpPr>
+          <p:spPr>
+            <a:xfrm>
+              <a:off x="595559" y="4766526"/>
+              <a:ext cx="2521839" cy="400110"/>
+            </a:xfrm>
+            <a:prstGeom prst="rect">
+              <a:avLst/>
+            </a:prstGeom>
+            <a:noFill/>
+          </p:spPr>
+          <p:txBody>
+            <a:bodyPr wrap="square" rtlCol="0">
+              <a:spAutoFit/>
+            </a:bodyPr>
+            <a:lstStyle/>
+            <a:p>
+              <a:pPr algn="r"/>
+              <a:r>
+                <a:rPr lang="en-US" sz="2000" dirty="0">
+                  <a:solidFill>
+                    <a:srgbClr val="FF0000"/>
+                  </a:solidFill>
+                </a:rPr>
+                <a:t>Head</a:t>
+              </a:r>
+            </a:p>
+          </p:txBody>
+        </p:sp>
+        <p:sp>
+          <p:nvSpPr>
+            <p:cNvPr id="50" name="TextBox 49">
+              <a:extLst>
+                <a:ext uri="{FF2B5EF4-FFF2-40B4-BE49-F238E27FC236}">
+                  <a16:creationId xmlns:a16="http://schemas.microsoft.com/office/drawing/2014/main" id="{5E2AFAB7-4E6C-1B40-A517-5E286400307A}"/>
+                </a:ext>
+              </a:extLst>
+            </p:cNvPr>
+            <p:cNvSpPr txBox="1"/>
+            <p:nvPr/>
+          </p:nvSpPr>
+          <p:spPr>
+            <a:xfrm>
+              <a:off x="606540" y="5402974"/>
+              <a:ext cx="2521839" cy="400110"/>
+            </a:xfrm>
+            <a:prstGeom prst="rect">
+              <a:avLst/>
+            </a:prstGeom>
+            <a:noFill/>
+          </p:spPr>
+          <p:txBody>
+            <a:bodyPr wrap="square" rtlCol="0">
+              <a:spAutoFit/>
+            </a:bodyPr>
+            <a:lstStyle/>
+            <a:p>
+              <a:pPr algn="r"/>
+              <a:r>
+                <a:rPr lang="en-US" sz="2000" dirty="0"/>
+                <a:t>Communal Standpipe</a:t>
+              </a:r>
+            </a:p>
+          </p:txBody>
+        </p:sp>
+        <p:sp>
+          <p:nvSpPr>
+            <p:cNvPr id="51" name="TextBox 50">
+              <a:extLst>
+                <a:ext uri="{FF2B5EF4-FFF2-40B4-BE49-F238E27FC236}">
+                  <a16:creationId xmlns:a16="http://schemas.microsoft.com/office/drawing/2014/main" id="{AB76A425-F87E-1F4E-A7CB-7659BF230E22}"/>
+                </a:ext>
+              </a:extLst>
+            </p:cNvPr>
+            <p:cNvSpPr txBox="1"/>
+            <p:nvPr/>
+          </p:nvSpPr>
+          <p:spPr>
+            <a:xfrm>
+              <a:off x="595560" y="5949110"/>
+              <a:ext cx="2521839" cy="707886"/>
+            </a:xfrm>
+            <a:prstGeom prst="rect">
+              <a:avLst/>
+            </a:prstGeom>
+            <a:noFill/>
+          </p:spPr>
+          <p:txBody>
+            <a:bodyPr wrap="square" rtlCol="0">
+              <a:spAutoFit/>
+            </a:bodyPr>
+            <a:lstStyle/>
+            <a:p>
+              <a:pPr algn="r"/>
+              <a:r>
+                <a:rPr lang="en-US" sz="2000" dirty="0"/>
+                <a:t>Multiple Communal Standpipe</a:t>
+              </a:r>
+            </a:p>
+          </p:txBody>
+        </p:sp>
+      </p:grpSp>
     </p:spTree>
     <p:extLst>
       <p:ext uri="{BB962C8B-B14F-4D97-AF65-F5344CB8AC3E}">
-        <p14:creationId xmlns:p14="http://schemas.microsoft.com/office/powerpoint/2010/main" val="1979404314"/>
+        <p14:creationId xmlns:p14="http://schemas.microsoft.com/office/powerpoint/2010/main" val="3106206852"/>
       </p:ext>
     </p:extLst>
   </p:cSld>
   <p:clrMapOvr>
     <a:masterClrMapping/>
   </p:clrMapOvr>
-  <mc:AlternateContent xmlns:mc="http://schemas.openxmlformats.org/markup-compatibility/2006">
-    <mc:Choice xmlns:p14="http://schemas.microsoft.com/office/powerpoint/2010/main" Requires="p14">
+  <mc:AlternateContent xmlns:mc="http://schemas.openxmlformats.org/markup-compatibility/2006" xmlns:p14="http://schemas.microsoft.com/office/powerpoint/2010/main">
+    <mc:Choice Requires="p14">
       <p:transition spd="med" p14:dur="700">
         <p:fade/>
       </p:transition>
     </mc:Choice>
-    <mc:Fallback>
+    <mc:Fallback xmlns="">
       <p:transition spd="med">
         <p:fade/>
       </p:transition>
@@ -11466,7 +9850,7 @@
           <a:p>
             <a:r>
               <a:rPr lang="en-US" dirty="0"/>
-              <a:t>Well Age Negatively Affects Reliability</a:t>
+              <a:t>Location Affects Reliability</a:t>
             </a:r>
           </a:p>
         </p:txBody>
@@ -11489,7 +9873,230 @@
         </p:nvSpPr>
         <p:spPr>
           <a:xfrm>
-            <a:off x="6996455" y="1474573"/>
+            <a:off x="6676535" y="2040998"/>
+            <a:ext cx="4953000" cy="3297122"/>
+          </a:xfrm>
+        </p:spPr>
+        <p:txBody>
+          <a:bodyPr>
+            <a:normAutofit/>
+          </a:bodyPr>
+          <a:lstStyle/>
+          <a:p>
+            <a:r>
+              <a:rPr lang="en-US" dirty="0"/>
+              <a:t>High variability in well function across regions </a:t>
+            </a:r>
+          </a:p>
+          <a:p>
+            <a:r>
+              <a:rPr lang="en-US" dirty="0"/>
+              <a:t> Many Regions with high failure percentage and high population</a:t>
+            </a:r>
+          </a:p>
+          <a:p>
+            <a:r>
+              <a:rPr lang="en-US" dirty="0">
+                <a:solidFill>
+                  <a:srgbClr val="FF0000"/>
+                </a:solidFill>
+              </a:rPr>
+              <a:t>Recommendation:</a:t>
+            </a:r>
+            <a:r>
+              <a:rPr lang="en-US" dirty="0"/>
+              <a:t> Focus on regions which have historically high failure percentage</a:t>
+            </a:r>
+          </a:p>
+        </p:txBody>
+      </p:sp>
+      <p:sp>
+        <p:nvSpPr>
+          <p:cNvPr id="43" name="TextBox 42">
+            <a:extLst>
+              <a:ext uri="{FF2B5EF4-FFF2-40B4-BE49-F238E27FC236}">
+                <a16:creationId xmlns:a16="http://schemas.microsoft.com/office/drawing/2014/main" id="{BB82F2D4-7F2A-AA4F-8F3C-13E8A8FC8ADF}"/>
+              </a:ext>
+            </a:extLst>
+          </p:cNvPr>
+          <p:cNvSpPr txBox="1"/>
+          <p:nvPr/>
+        </p:nvSpPr>
+        <p:spPr>
+          <a:xfrm>
+            <a:off x="1265452" y="1205166"/>
+            <a:ext cx="3926918" cy="307777"/>
+          </a:xfrm>
+          <a:prstGeom prst="rect">
+            <a:avLst/>
+          </a:prstGeom>
+          <a:noFill/>
+        </p:spPr>
+        <p:txBody>
+          <a:bodyPr wrap="square" rtlCol="0">
+            <a:spAutoFit/>
+          </a:bodyPr>
+          <a:lstStyle/>
+          <a:p>
+            <a:pPr algn="ctr"/>
+            <a:r>
+              <a:rPr lang="en-US" sz="1400" dirty="0"/>
+              <a:t>Distribution Percentage Non-Function by Region</a:t>
+            </a:r>
+          </a:p>
+        </p:txBody>
+      </p:sp>
+      <p:pic>
+        <p:nvPicPr>
+          <p:cNvPr id="22" name="Picture 21" descr="Chart, box and whisker chart&#10;&#10;Description automatically generated">
+            <a:extLst>
+              <a:ext uri="{FF2B5EF4-FFF2-40B4-BE49-F238E27FC236}">
+                <a16:creationId xmlns:a16="http://schemas.microsoft.com/office/drawing/2014/main" id="{514124DA-9001-9240-BBE0-658B99D63F29}"/>
+              </a:ext>
+            </a:extLst>
+          </p:cNvPr>
+          <p:cNvPicPr>
+            <a:picLocks noChangeAspect="1"/>
+          </p:cNvPicPr>
+          <p:nvPr/>
+        </p:nvPicPr>
+        <p:blipFill>
+          <a:blip r:embed="rId2">
+            <a:extLst>
+              <a:ext uri="{28A0092B-C50C-407E-A947-70E740481C1C}">
+                <a14:useLocalDpi xmlns:a14="http://schemas.microsoft.com/office/drawing/2010/main" val="0"/>
+              </a:ext>
+            </a:extLst>
+          </a:blip>
+          <a:stretch>
+            <a:fillRect/>
+          </a:stretch>
+        </p:blipFill>
+        <p:spPr>
+          <a:xfrm>
+            <a:off x="559290" y="1512943"/>
+            <a:ext cx="5339242" cy="5169243"/>
+          </a:xfrm>
+          <a:prstGeom prst="rect">
+            <a:avLst/>
+          </a:prstGeom>
+        </p:spPr>
+      </p:pic>
+    </p:spTree>
+    <p:extLst>
+      <p:ext uri="{BB962C8B-B14F-4D97-AF65-F5344CB8AC3E}">
+        <p14:creationId xmlns:p14="http://schemas.microsoft.com/office/powerpoint/2010/main" val="1979404314"/>
+      </p:ext>
+    </p:extLst>
+  </p:cSld>
+  <p:clrMapOvr>
+    <a:masterClrMapping/>
+  </p:clrMapOvr>
+  <mc:AlternateContent xmlns:mc="http://schemas.openxmlformats.org/markup-compatibility/2006" xmlns:p14="http://schemas.microsoft.com/office/powerpoint/2010/main">
+    <mc:Choice Requires="p14">
+      <p:transition spd="med" p14:dur="700">
+        <p:fade/>
+      </p:transition>
+    </mc:Choice>
+    <mc:Fallback xmlns="">
+      <p:transition spd="med">
+        <p:fade/>
+      </p:transition>
+    </mc:Fallback>
+  </mc:AlternateContent>
+</p:sld>
+</file>
+
+<file path=ppt/slides/slide8.xml><?xml version="1.0" encoding="utf-8"?>
+<p:sld xmlns:a="http://schemas.openxmlformats.org/drawingml/2006/main" xmlns:r="http://schemas.openxmlformats.org/officeDocument/2006/relationships" xmlns:p="http://schemas.openxmlformats.org/presentationml/2006/main">
+  <p:cSld>
+    <p:spTree>
+      <p:nvGrpSpPr>
+        <p:cNvPr id="1" name=""/>
+        <p:cNvGrpSpPr/>
+        <p:nvPr/>
+      </p:nvGrpSpPr>
+      <p:grpSpPr>
+        <a:xfrm>
+          <a:off x="0" y="0"/>
+          <a:ext cx="0" cy="0"/>
+          <a:chOff x="0" y="0"/>
+          <a:chExt cx="0" cy="0"/>
+        </a:xfrm>
+      </p:grpSpPr>
+      <p:sp>
+        <p:nvSpPr>
+          <p:cNvPr id="4" name="Title 12">
+            <a:extLst>
+              <a:ext uri="{FF2B5EF4-FFF2-40B4-BE49-F238E27FC236}">
+                <a16:creationId xmlns:a16="http://schemas.microsoft.com/office/drawing/2014/main" id="{66294898-C6E0-AC48-B64F-B3319105E803}"/>
+              </a:ext>
+            </a:extLst>
+          </p:cNvPr>
+          <p:cNvSpPr txBox="1">
+            <a:spLocks/>
+          </p:cNvSpPr>
+          <p:nvPr/>
+        </p:nvSpPr>
+        <p:spPr>
+          <a:xfrm>
+            <a:off x="455612" y="190500"/>
+            <a:ext cx="10591800" cy="685800"/>
+          </a:xfrm>
+          <a:prstGeom prst="rect">
+            <a:avLst/>
+          </a:prstGeom>
+        </p:spPr>
+        <p:txBody>
+          <a:bodyPr vert="horz" lIns="91440" tIns="45720" rIns="91440" bIns="45720" rtlCol="0" anchor="b">
+            <a:normAutofit/>
+          </a:bodyPr>
+          <a:lstStyle>
+            <a:lvl1pPr algn="l" defTabSz="914400" rtl="0" eaLnBrk="1" latinLnBrk="0" hangingPunct="1">
+              <a:lnSpc>
+                <a:spcPct val="90000"/>
+              </a:lnSpc>
+              <a:spcBef>
+                <a:spcPct val="0"/>
+              </a:spcBef>
+              <a:buNone/>
+              <a:defRPr sz="3600" kern="1200" spc="100" baseline="0">
+                <a:solidFill>
+                  <a:schemeClr val="tx1"/>
+                </a:solidFill>
+                <a:latin typeface="+mj-lt"/>
+                <a:ea typeface="+mj-ea"/>
+                <a:cs typeface="+mj-cs"/>
+              </a:defRPr>
+            </a:lvl1pPr>
+          </a:lstStyle>
+          <a:p>
+            <a:r>
+              <a:rPr lang="en-US" dirty="0"/>
+              <a:t>Well Age Negatively Affects Reliability</a:t>
+            </a:r>
+          </a:p>
+        </p:txBody>
+      </p:sp>
+      <p:sp>
+        <p:nvSpPr>
+          <p:cNvPr id="42" name="Content Placeholder 13">
+            <a:extLst>
+              <a:ext uri="{FF2B5EF4-FFF2-40B4-BE49-F238E27FC236}">
+                <a16:creationId xmlns:a16="http://schemas.microsoft.com/office/drawing/2014/main" id="{A0F085D3-B1D0-1247-A125-4FC748E86E83}"/>
+              </a:ext>
+            </a:extLst>
+          </p:cNvPr>
+          <p:cNvSpPr>
+            <a:spLocks noGrp="1"/>
+          </p:cNvSpPr>
+          <p:nvPr>
+            <p:ph idx="1"/>
+          </p:nvPr>
+        </p:nvSpPr>
+        <p:spPr>
+          <a:xfrm>
+            <a:off x="6780213" y="1474573"/>
             <a:ext cx="4953000" cy="4779735"/>
           </a:xfrm>
         </p:spPr>
@@ -11518,8 +10125,16 @@
           </a:p>
           <a:p>
             <a:r>
+              <a:rPr lang="en-US" dirty="0">
+                <a:solidFill>
+                  <a:srgbClr val="FF0000"/>
+                </a:solidFill>
+              </a:rPr>
+              <a:t>Recommendation: </a:t>
+            </a:r>
+            <a:r>
               <a:rPr lang="en-US" dirty="0"/>
-              <a:t>Focusing maintenance on older wells will maintain supply of water</a:t>
+              <a:t>Focus maintenance on older wells to maintain supply of water</a:t>
             </a:r>
           </a:p>
         </p:txBody>
@@ -11600,610 +10215,6 @@
     <p:extLst>
       <p:ext uri="{BB962C8B-B14F-4D97-AF65-F5344CB8AC3E}">
         <p14:creationId xmlns:p14="http://schemas.microsoft.com/office/powerpoint/2010/main" val="4107023974"/>
-      </p:ext>
-    </p:extLst>
-  </p:cSld>
-  <p:clrMapOvr>
-    <a:masterClrMapping/>
-  </p:clrMapOvr>
-  <mc:AlternateContent xmlns:mc="http://schemas.openxmlformats.org/markup-compatibility/2006">
-    <mc:Choice xmlns:p14="http://schemas.microsoft.com/office/powerpoint/2010/main" Requires="p14">
-      <p:transition spd="med" p14:dur="700">
-        <p:fade/>
-      </p:transition>
-    </mc:Choice>
-    <mc:Fallback>
-      <p:transition spd="med">
-        <p:fade/>
-      </p:transition>
-    </mc:Fallback>
-  </mc:AlternateContent>
-</p:sld>
-</file>
-
-<file path=ppt/slides/slide8.xml><?xml version="1.0" encoding="utf-8"?>
-<p:sld xmlns:a="http://schemas.openxmlformats.org/drawingml/2006/main" xmlns:r="http://schemas.openxmlformats.org/officeDocument/2006/relationships" xmlns:p="http://schemas.openxmlformats.org/presentationml/2006/main">
-  <p:cSld>
-    <p:spTree>
-      <p:nvGrpSpPr>
-        <p:cNvPr id="1" name=""/>
-        <p:cNvGrpSpPr/>
-        <p:nvPr/>
-      </p:nvGrpSpPr>
-      <p:grpSpPr>
-        <a:xfrm>
-          <a:off x="0" y="0"/>
-          <a:ext cx="0" cy="0"/>
-          <a:chOff x="0" y="0"/>
-          <a:chExt cx="0" cy="0"/>
-        </a:xfrm>
-      </p:grpSpPr>
-      <p:graphicFrame>
-        <p:nvGraphicFramePr>
-          <p:cNvPr id="4" name="Table 5">
-            <a:extLst>
-              <a:ext uri="{FF2B5EF4-FFF2-40B4-BE49-F238E27FC236}">
-                <a16:creationId xmlns:a16="http://schemas.microsoft.com/office/drawing/2014/main" id="{10FE2D3D-0289-0C46-8047-0D437AA52722}"/>
-              </a:ext>
-            </a:extLst>
-          </p:cNvPr>
-          <p:cNvGraphicFramePr>
-            <a:graphicFrameLocks noGrp="1"/>
-          </p:cNvGraphicFramePr>
-          <p:nvPr>
-            <p:extLst>
-              <p:ext uri="{D42A27DB-BD31-4B8C-83A1-F6EECF244321}">
-                <p14:modId xmlns:p14="http://schemas.microsoft.com/office/powerpoint/2010/main" val="1245467607"/>
-              </p:ext>
-            </p:extLst>
-          </p:nvPr>
-        </p:nvGraphicFramePr>
-        <p:xfrm>
-          <a:off x="1195523" y="2123555"/>
-          <a:ext cx="4567196" cy="2392680"/>
-        </p:xfrm>
-        <a:graphic>
-          <a:graphicData uri="http://schemas.openxmlformats.org/drawingml/2006/table">
-            <a:tbl>
-              <a:tblPr firstRow="1" bandRow="1">
-                <a:tableStyleId>{5C22544A-7EE6-4342-B048-85BDC9FD1C3A}</a:tableStyleId>
-              </a:tblPr>
-              <a:tblGrid>
-                <a:gridCol w="2283598">
-                  <a:extLst>
-                    <a:ext uri="{9D8B030D-6E8A-4147-A177-3AD203B41FA5}">
-                      <a16:colId xmlns:a16="http://schemas.microsoft.com/office/drawing/2014/main" val="2600773175"/>
-                    </a:ext>
-                  </a:extLst>
-                </a:gridCol>
-                <a:gridCol w="2283598">
-                  <a:extLst>
-                    <a:ext uri="{9D8B030D-6E8A-4147-A177-3AD203B41FA5}">
-                      <a16:colId xmlns:a16="http://schemas.microsoft.com/office/drawing/2014/main" val="3217692356"/>
-                    </a:ext>
-                  </a:extLst>
-                </a:gridCol>
-              </a:tblGrid>
-              <a:tr h="370840">
-                <a:tc>
-                  <a:txBody>
-                    <a:bodyPr/>
-                    <a:lstStyle/>
-                    <a:p>
-                      <a:pPr algn="ctr"/>
-                      <a:r>
-                        <a:rPr lang="en-US" dirty="0"/>
-                        <a:t>Item</a:t>
-                      </a:r>
-                    </a:p>
-                  </a:txBody>
-                  <a:tcPr/>
-                </a:tc>
-                <a:tc>
-                  <a:txBody>
-                    <a:bodyPr/>
-                    <a:lstStyle/>
-                    <a:p>
-                      <a:pPr algn="ctr"/>
-                      <a:r>
-                        <a:rPr lang="en-US" dirty="0"/>
-                        <a:t>Potential Value</a:t>
-                      </a:r>
-                    </a:p>
-                  </a:txBody>
-                  <a:tcPr/>
-                </a:tc>
-                <a:extLst>
-                  <a:ext uri="{0D108BD9-81ED-4DB2-BD59-A6C34878D82A}">
-                    <a16:rowId xmlns:a16="http://schemas.microsoft.com/office/drawing/2014/main" val="3062195426"/>
-                  </a:ext>
-                </a:extLst>
-              </a:tr>
-              <a:tr h="370840">
-                <a:tc>
-                  <a:txBody>
-                    <a:bodyPr/>
-                    <a:lstStyle/>
-                    <a:p>
-                      <a:pPr algn="ctr"/>
-                      <a:r>
-                        <a:rPr lang="en-US" dirty="0"/>
-                        <a:t>Add a Bathroom</a:t>
-                      </a:r>
-                    </a:p>
-                  </a:txBody>
-                  <a:tcPr/>
-                </a:tc>
-                <a:tc>
-                  <a:txBody>
-                    <a:bodyPr/>
-                    <a:lstStyle/>
-                    <a:p>
-                      <a:pPr algn="ctr"/>
-                      <a:r>
-                        <a:rPr lang="en-US" dirty="0"/>
-                        <a:t>$15,000/bathroom</a:t>
-                      </a:r>
-                    </a:p>
-                  </a:txBody>
-                  <a:tcPr/>
-                </a:tc>
-                <a:extLst>
-                  <a:ext uri="{0D108BD9-81ED-4DB2-BD59-A6C34878D82A}">
-                    <a16:rowId xmlns:a16="http://schemas.microsoft.com/office/drawing/2014/main" val="1121862611"/>
-                  </a:ext>
-                </a:extLst>
-              </a:tr>
-              <a:tr h="370840">
-                <a:tc>
-                  <a:txBody>
-                    <a:bodyPr/>
-                    <a:lstStyle/>
-                    <a:p>
-                      <a:pPr algn="ctr"/>
-                      <a:r>
-                        <a:rPr lang="en-US" dirty="0"/>
-                        <a:t>Add Square Feet</a:t>
-                      </a:r>
-                    </a:p>
-                  </a:txBody>
-                  <a:tcPr/>
-                </a:tc>
-                <a:tc>
-                  <a:txBody>
-                    <a:bodyPr/>
-                    <a:lstStyle/>
-                    <a:p>
-                      <a:pPr algn="ctr"/>
-                      <a:r>
-                        <a:rPr lang="en-US" dirty="0"/>
-                        <a:t>$120/</a:t>
-                      </a:r>
-                      <a:r>
-                        <a:rPr lang="en-US" dirty="0" err="1"/>
-                        <a:t>sqft</a:t>
-                      </a:r>
-                      <a:endParaRPr lang="en-US" dirty="0"/>
-                    </a:p>
-                  </a:txBody>
-                  <a:tcPr/>
-                </a:tc>
-                <a:extLst>
-                  <a:ext uri="{0D108BD9-81ED-4DB2-BD59-A6C34878D82A}">
-                    <a16:rowId xmlns:a16="http://schemas.microsoft.com/office/drawing/2014/main" val="3284536420"/>
-                  </a:ext>
-                </a:extLst>
-              </a:tr>
-              <a:tr h="370840">
-                <a:tc>
-                  <a:txBody>
-                    <a:bodyPr/>
-                    <a:lstStyle/>
-                    <a:p>
-                      <a:pPr algn="ctr"/>
-                      <a:r>
-                        <a:rPr lang="en-US" dirty="0"/>
-                        <a:t>Finish a Basement with &gt; 350 </a:t>
-                      </a:r>
-                      <a:r>
-                        <a:rPr lang="en-US" dirty="0" err="1"/>
-                        <a:t>sqft</a:t>
-                      </a:r>
-                      <a:endParaRPr lang="en-US" dirty="0"/>
-                    </a:p>
-                  </a:txBody>
-                  <a:tcPr/>
-                </a:tc>
-                <a:tc>
-                  <a:txBody>
-                    <a:bodyPr/>
-                    <a:lstStyle/>
-                    <a:p>
-                      <a:pPr algn="ctr"/>
-                      <a:r>
-                        <a:rPr lang="en-US" dirty="0"/>
-                        <a:t>$18,000 +$120/</a:t>
-                      </a:r>
-                      <a:r>
-                        <a:rPr lang="en-US" dirty="0" err="1"/>
-                        <a:t>sqft</a:t>
-                      </a:r>
-                      <a:r>
-                        <a:rPr lang="en-US" dirty="0"/>
-                        <a:t> over 350</a:t>
-                      </a:r>
-                    </a:p>
-                  </a:txBody>
-                  <a:tcPr anchor="ctr"/>
-                </a:tc>
-                <a:extLst>
-                  <a:ext uri="{0D108BD9-81ED-4DB2-BD59-A6C34878D82A}">
-                    <a16:rowId xmlns:a16="http://schemas.microsoft.com/office/drawing/2014/main" val="3352203897"/>
-                  </a:ext>
-                </a:extLst>
-              </a:tr>
-              <a:tr h="370840">
-                <a:tc>
-                  <a:txBody>
-                    <a:bodyPr/>
-                    <a:lstStyle/>
-                    <a:p>
-                      <a:pPr algn="ctr"/>
-                      <a:r>
-                        <a:rPr lang="en-US" dirty="0"/>
-                        <a:t>Use High Grade Construction</a:t>
-                      </a:r>
-                    </a:p>
-                  </a:txBody>
-                  <a:tcPr/>
-                </a:tc>
-                <a:tc>
-                  <a:txBody>
-                    <a:bodyPr/>
-                    <a:lstStyle/>
-                    <a:p>
-                      <a:pPr algn="ctr"/>
-                      <a:r>
-                        <a:rPr lang="en-US" dirty="0"/>
-                        <a:t>$21,000 for level 9</a:t>
-                      </a:r>
-                    </a:p>
-                  </a:txBody>
-                  <a:tcPr anchor="ctr"/>
-                </a:tc>
-                <a:extLst>
-                  <a:ext uri="{0D108BD9-81ED-4DB2-BD59-A6C34878D82A}">
-                    <a16:rowId xmlns:a16="http://schemas.microsoft.com/office/drawing/2014/main" val="2829208939"/>
-                  </a:ext>
-                </a:extLst>
-              </a:tr>
-            </a:tbl>
-          </a:graphicData>
-        </a:graphic>
-      </p:graphicFrame>
-      <p:sp>
-        <p:nvSpPr>
-          <p:cNvPr id="5" name="TextBox 4">
-            <a:extLst>
-              <a:ext uri="{FF2B5EF4-FFF2-40B4-BE49-F238E27FC236}">
-                <a16:creationId xmlns:a16="http://schemas.microsoft.com/office/drawing/2014/main" id="{11DD534D-5D34-9F4A-9A27-E61093D4D219}"/>
-              </a:ext>
-            </a:extLst>
-          </p:cNvPr>
-          <p:cNvSpPr txBox="1"/>
-          <p:nvPr/>
-        </p:nvSpPr>
-        <p:spPr>
-          <a:xfrm>
-            <a:off x="1062358" y="1569557"/>
-            <a:ext cx="1447800" cy="553998"/>
-          </a:xfrm>
-          <a:prstGeom prst="rect">
-            <a:avLst/>
-          </a:prstGeom>
-          <a:noFill/>
-        </p:spPr>
-        <p:txBody>
-          <a:bodyPr wrap="square" rtlCol="0">
-            <a:spAutoFit/>
-          </a:bodyPr>
-          <a:lstStyle/>
-          <a:p>
-            <a:r>
-              <a:rPr lang="en-US" sz="3000" b="1" dirty="0"/>
-              <a:t>DO’s</a:t>
-            </a:r>
-          </a:p>
-        </p:txBody>
-      </p:sp>
-      <p:sp>
-        <p:nvSpPr>
-          <p:cNvPr id="6" name="TextBox 5">
-            <a:extLst>
-              <a:ext uri="{FF2B5EF4-FFF2-40B4-BE49-F238E27FC236}">
-                <a16:creationId xmlns:a16="http://schemas.microsoft.com/office/drawing/2014/main" id="{54C66DA4-A828-5A4E-8A28-755E80D7DC7C}"/>
-              </a:ext>
-            </a:extLst>
-          </p:cNvPr>
-          <p:cNvSpPr txBox="1"/>
-          <p:nvPr/>
-        </p:nvSpPr>
-        <p:spPr>
-          <a:xfrm>
-            <a:off x="6115236" y="1569557"/>
-            <a:ext cx="1981200" cy="553998"/>
-          </a:xfrm>
-          <a:prstGeom prst="rect">
-            <a:avLst/>
-          </a:prstGeom>
-          <a:noFill/>
-        </p:spPr>
-        <p:txBody>
-          <a:bodyPr wrap="square" rtlCol="0">
-            <a:spAutoFit/>
-          </a:bodyPr>
-          <a:lstStyle/>
-          <a:p>
-            <a:r>
-              <a:rPr lang="en-US" sz="3000" b="1" dirty="0"/>
-              <a:t>DON’Ts</a:t>
-            </a:r>
-          </a:p>
-        </p:txBody>
-      </p:sp>
-      <p:graphicFrame>
-        <p:nvGraphicFramePr>
-          <p:cNvPr id="7" name="Table 5">
-            <a:extLst>
-              <a:ext uri="{FF2B5EF4-FFF2-40B4-BE49-F238E27FC236}">
-                <a16:creationId xmlns:a16="http://schemas.microsoft.com/office/drawing/2014/main" id="{0485D04B-CEDE-1946-A4C8-D02D7A0CE5A7}"/>
-              </a:ext>
-            </a:extLst>
-          </p:cNvPr>
-          <p:cNvGraphicFramePr>
-            <a:graphicFrameLocks noGrp="1"/>
-          </p:cNvGraphicFramePr>
-          <p:nvPr>
-            <p:extLst>
-              <p:ext uri="{D42A27DB-BD31-4B8C-83A1-F6EECF244321}">
-                <p14:modId xmlns:p14="http://schemas.microsoft.com/office/powerpoint/2010/main" val="1536759351"/>
-              </p:ext>
-            </p:extLst>
-          </p:nvPr>
-        </p:nvGraphicFramePr>
-        <p:xfrm>
-          <a:off x="6240742" y="2123555"/>
-          <a:ext cx="4567196" cy="1760991"/>
-        </p:xfrm>
-        <a:graphic>
-          <a:graphicData uri="http://schemas.openxmlformats.org/drawingml/2006/table">
-            <a:tbl>
-              <a:tblPr firstRow="1" bandRow="1">
-                <a:tableStyleId>{5C22544A-7EE6-4342-B048-85BDC9FD1C3A}</a:tableStyleId>
-              </a:tblPr>
-              <a:tblGrid>
-                <a:gridCol w="2283598">
-                  <a:extLst>
-                    <a:ext uri="{9D8B030D-6E8A-4147-A177-3AD203B41FA5}">
-                      <a16:colId xmlns:a16="http://schemas.microsoft.com/office/drawing/2014/main" val="2600773175"/>
-                    </a:ext>
-                  </a:extLst>
-                </a:gridCol>
-                <a:gridCol w="2283598">
-                  <a:extLst>
-                    <a:ext uri="{9D8B030D-6E8A-4147-A177-3AD203B41FA5}">
-                      <a16:colId xmlns:a16="http://schemas.microsoft.com/office/drawing/2014/main" val="3217692356"/>
-                    </a:ext>
-                  </a:extLst>
-                </a:gridCol>
-              </a:tblGrid>
-              <a:tr h="373637">
-                <a:tc>
-                  <a:txBody>
-                    <a:bodyPr/>
-                    <a:lstStyle/>
-                    <a:p>
-                      <a:pPr algn="ctr"/>
-                      <a:r>
-                        <a:rPr lang="en-US" dirty="0"/>
-                        <a:t>Item</a:t>
-                      </a:r>
-                    </a:p>
-                  </a:txBody>
-                  <a:tcPr/>
-                </a:tc>
-                <a:tc>
-                  <a:txBody>
-                    <a:bodyPr/>
-                    <a:lstStyle/>
-                    <a:p>
-                      <a:pPr algn="ctr"/>
-                      <a:r>
-                        <a:rPr lang="en-US" dirty="0"/>
-                        <a:t>Potential Value</a:t>
-                      </a:r>
-                    </a:p>
-                  </a:txBody>
-                  <a:tcPr/>
-                </a:tc>
-                <a:extLst>
-                  <a:ext uri="{0D108BD9-81ED-4DB2-BD59-A6C34878D82A}">
-                    <a16:rowId xmlns:a16="http://schemas.microsoft.com/office/drawing/2014/main" val="3062195426"/>
-                  </a:ext>
-                </a:extLst>
-              </a:tr>
-              <a:tr h="373637">
-                <a:tc>
-                  <a:txBody>
-                    <a:bodyPr/>
-                    <a:lstStyle/>
-                    <a:p>
-                      <a:pPr algn="ctr"/>
-                      <a:r>
-                        <a:rPr lang="en-US" dirty="0"/>
-                        <a:t>Add a Bedroom</a:t>
-                      </a:r>
-                    </a:p>
-                  </a:txBody>
-                  <a:tcPr/>
-                </a:tc>
-                <a:tc>
-                  <a:txBody>
-                    <a:bodyPr/>
-                    <a:lstStyle/>
-                    <a:p>
-                      <a:pPr algn="ctr"/>
-                      <a:r>
-                        <a:rPr lang="en-US" dirty="0"/>
-                        <a:t>-$45,000</a:t>
-                      </a:r>
-                    </a:p>
-                  </a:txBody>
-                  <a:tcPr/>
-                </a:tc>
-                <a:extLst>
-                  <a:ext uri="{0D108BD9-81ED-4DB2-BD59-A6C34878D82A}">
-                    <a16:rowId xmlns:a16="http://schemas.microsoft.com/office/drawing/2014/main" val="1121862611"/>
-                  </a:ext>
-                </a:extLst>
-              </a:tr>
-              <a:tr h="373637">
-                <a:tc>
-                  <a:txBody>
-                    <a:bodyPr/>
-                    <a:lstStyle/>
-                    <a:p>
-                      <a:pPr algn="ctr"/>
-                      <a:r>
-                        <a:rPr lang="en-US" dirty="0"/>
-                        <a:t>Add a Floor</a:t>
-                      </a:r>
-                    </a:p>
-                  </a:txBody>
-                  <a:tcPr/>
-                </a:tc>
-                <a:tc>
-                  <a:txBody>
-                    <a:bodyPr/>
-                    <a:lstStyle/>
-                    <a:p>
-                      <a:pPr algn="ctr"/>
-                      <a:r>
-                        <a:rPr lang="en-US" dirty="0"/>
-                        <a:t>-$8000</a:t>
-                      </a:r>
-                    </a:p>
-                  </a:txBody>
-                  <a:tcPr/>
-                </a:tc>
-                <a:extLst>
-                  <a:ext uri="{0D108BD9-81ED-4DB2-BD59-A6C34878D82A}">
-                    <a16:rowId xmlns:a16="http://schemas.microsoft.com/office/drawing/2014/main" val="3284536420"/>
-                  </a:ext>
-                </a:extLst>
-              </a:tr>
-              <a:tr h="373637">
-                <a:tc>
-                  <a:txBody>
-                    <a:bodyPr/>
-                    <a:lstStyle/>
-                    <a:p>
-                      <a:pPr algn="ctr"/>
-                      <a:r>
-                        <a:rPr lang="en-US" dirty="0"/>
-                        <a:t>Finish a Basement with &lt; 350 </a:t>
-                      </a:r>
-                      <a:r>
-                        <a:rPr lang="en-US" dirty="0" err="1"/>
-                        <a:t>sqft</a:t>
-                      </a:r>
-                      <a:endParaRPr lang="en-US" dirty="0"/>
-                    </a:p>
-                  </a:txBody>
-                  <a:tcPr/>
-                </a:tc>
-                <a:tc>
-                  <a:txBody>
-                    <a:bodyPr/>
-                    <a:lstStyle/>
-                    <a:p>
-                      <a:pPr algn="ctr"/>
-                      <a:r>
-                        <a:rPr lang="en-US" dirty="0"/>
-                        <a:t>-$24,000</a:t>
-                      </a:r>
-                    </a:p>
-                  </a:txBody>
-                  <a:tcPr/>
-                </a:tc>
-                <a:extLst>
-                  <a:ext uri="{0D108BD9-81ED-4DB2-BD59-A6C34878D82A}">
-                    <a16:rowId xmlns:a16="http://schemas.microsoft.com/office/drawing/2014/main" val="3352203897"/>
-                  </a:ext>
-                </a:extLst>
-              </a:tr>
-            </a:tbl>
-          </a:graphicData>
-        </a:graphic>
-      </p:graphicFrame>
-      <p:sp>
-        <p:nvSpPr>
-          <p:cNvPr id="8" name="Title 12">
-            <a:extLst>
-              <a:ext uri="{FF2B5EF4-FFF2-40B4-BE49-F238E27FC236}">
-                <a16:creationId xmlns:a16="http://schemas.microsoft.com/office/drawing/2014/main" id="{4AA66C36-E349-4D44-868D-703477499321}"/>
-              </a:ext>
-            </a:extLst>
-          </p:cNvPr>
-          <p:cNvSpPr txBox="1">
-            <a:spLocks/>
-          </p:cNvSpPr>
-          <p:nvPr/>
-        </p:nvSpPr>
-        <p:spPr>
-          <a:xfrm>
-            <a:off x="455612" y="190500"/>
-            <a:ext cx="10591800" cy="685800"/>
-          </a:xfrm>
-          <a:prstGeom prst="rect">
-            <a:avLst/>
-          </a:prstGeom>
-        </p:spPr>
-        <p:txBody>
-          <a:bodyPr vert="horz" lIns="91440" tIns="45720" rIns="91440" bIns="45720" rtlCol="0" anchor="b">
-            <a:normAutofit/>
-          </a:bodyPr>
-          <a:lstStyle>
-            <a:lvl1pPr algn="l" defTabSz="914400" rtl="0" eaLnBrk="1" latinLnBrk="0" hangingPunct="1">
-              <a:lnSpc>
-                <a:spcPct val="90000"/>
-              </a:lnSpc>
-              <a:spcBef>
-                <a:spcPct val="0"/>
-              </a:spcBef>
-              <a:buNone/>
-              <a:defRPr sz="3600" kern="1200" spc="100" baseline="0">
-                <a:solidFill>
-                  <a:schemeClr val="tx1"/>
-                </a:solidFill>
-                <a:latin typeface="+mj-lt"/>
-                <a:ea typeface="+mj-ea"/>
-                <a:cs typeface="+mj-cs"/>
-              </a:defRPr>
-            </a:lvl1pPr>
-          </a:lstStyle>
-          <a:p>
-            <a:r>
-              <a:rPr lang="en-US" dirty="0"/>
-              <a:t>Overview of Renovation Options</a:t>
-            </a:r>
-          </a:p>
-        </p:txBody>
-      </p:sp>
-    </p:spTree>
-    <p:extLst>
-      <p:ext uri="{BB962C8B-B14F-4D97-AF65-F5344CB8AC3E}">
-        <p14:creationId xmlns:p14="http://schemas.microsoft.com/office/powerpoint/2010/main" val="1838403413"/>
       </p:ext>
     </p:extLst>
   </p:cSld>
@@ -12291,17 +10302,17 @@
           <a:p>
             <a:r>
               <a:rPr lang="en-US" dirty="0"/>
-              <a:t>The Grade of Construction Matters</a:t>
+              <a:t>Lower Static Head Indicates Failure</a:t>
             </a:r>
           </a:p>
         </p:txBody>
       </p:sp>
       <p:sp>
         <p:nvSpPr>
-          <p:cNvPr id="53" name="Content Placeholder 13">
+          <p:cNvPr id="42" name="Content Placeholder 13">
             <a:extLst>
               <a:ext uri="{FF2B5EF4-FFF2-40B4-BE49-F238E27FC236}">
-                <a16:creationId xmlns:a16="http://schemas.microsoft.com/office/drawing/2014/main" id="{C64FD47D-F9AC-7542-B495-15CEE33C3AAD}"/>
+                <a16:creationId xmlns:a16="http://schemas.microsoft.com/office/drawing/2014/main" id="{A0F085D3-B1D0-1247-A125-4FC748E86E83}"/>
               </a:ext>
             </a:extLst>
           </p:cNvPr>
@@ -12314,8 +10325,8 @@
         </p:nvSpPr>
         <p:spPr>
           <a:xfrm>
-            <a:off x="7865951" y="2300562"/>
-            <a:ext cx="3924211" cy="3305950"/>
+            <a:off x="7155864" y="2167807"/>
+            <a:ext cx="4953000" cy="3363481"/>
           </a:xfrm>
         </p:spPr>
         <p:txBody>
@@ -12326,29 +10337,37 @@
           <a:p>
             <a:r>
               <a:rPr lang="en-US" dirty="0"/>
-              <a:t>Pay for above average construction quality and design (9-12)</a:t>
+              <a:t>As well ages increase, the amount of static head on the well will decrease, lowering water quantity</a:t>
             </a:r>
           </a:p>
           <a:p>
             <a:r>
               <a:rPr lang="en-US" dirty="0"/>
-              <a:t>Not worth it to get the absolute best grade (13)</a:t>
-            </a:r>
-          </a:p>
-          <a:p>
+              <a:t>This can be artificially improved by technology such as a pump</a:t>
+            </a:r>
+          </a:p>
+          <a:p>
+            <a:r>
+              <a:rPr lang="en-US" dirty="0">
+                <a:solidFill>
+                  <a:srgbClr val="FF0000"/>
+                </a:solidFill>
+              </a:rPr>
+              <a:t>Recommendation: </a:t>
+            </a:r>
             <a:r>
               <a:rPr lang="en-US" dirty="0"/>
-              <a:t>Average construction grade is 7</a:t>
+              <a:t>Keep a close eye on static head as it directly correlates with water quantity</a:t>
             </a:r>
           </a:p>
         </p:txBody>
       </p:sp>
       <p:grpSp>
         <p:nvGrpSpPr>
-          <p:cNvPr id="12" name="Group 11">
+          <p:cNvPr id="2" name="Group 1">
             <a:extLst>
               <a:ext uri="{FF2B5EF4-FFF2-40B4-BE49-F238E27FC236}">
-                <a16:creationId xmlns:a16="http://schemas.microsoft.com/office/drawing/2014/main" id="{DA077BAD-4F3E-5E45-AD75-E67964280620}"/>
+                <a16:creationId xmlns:a16="http://schemas.microsoft.com/office/drawing/2014/main" id="{A8201C7B-BEB8-584B-9870-24D8BC059173}"/>
               </a:ext>
             </a:extLst>
           </p:cNvPr>
@@ -12356,19 +10375,55 @@
           <p:nvPr/>
         </p:nvGrpSpPr>
         <p:grpSpPr>
-          <a:xfrm>
-            <a:off x="165472" y="1291070"/>
-            <a:ext cx="7640512" cy="5376430"/>
-            <a:chOff x="192001" y="1013151"/>
-            <a:chExt cx="7640512" cy="5376430"/>
+          <a:xfrm rot="5400000">
+            <a:off x="1646350" y="-585763"/>
+            <a:ext cx="2265419" cy="5850622"/>
+            <a:chOff x="568268" y="714463"/>
+            <a:chExt cx="2842145" cy="7340064"/>
           </a:xfrm>
         </p:grpSpPr>
+        <p:sp>
+          <p:nvSpPr>
+            <p:cNvPr id="5" name="TextBox 4">
+              <a:extLst>
+                <a:ext uri="{FF2B5EF4-FFF2-40B4-BE49-F238E27FC236}">
+                  <a16:creationId xmlns:a16="http://schemas.microsoft.com/office/drawing/2014/main" id="{05CBEA17-60FC-0944-9FDA-DA92B63F70D4}"/>
+                </a:ext>
+              </a:extLst>
+            </p:cNvPr>
+            <p:cNvSpPr txBox="1"/>
+            <p:nvPr/>
+          </p:nvSpPr>
+          <p:spPr>
+            <a:xfrm rot="16200000">
+              <a:off x="-1174982" y="3486229"/>
+              <a:ext cx="3872630" cy="386130"/>
+            </a:xfrm>
+            <a:prstGeom prst="rect">
+              <a:avLst/>
+            </a:prstGeom>
+            <a:noFill/>
+          </p:spPr>
+          <p:txBody>
+            <a:bodyPr wrap="square" rtlCol="0">
+              <a:spAutoFit/>
+            </a:bodyPr>
+            <a:lstStyle/>
+            <a:p>
+              <a:pPr algn="ctr"/>
+              <a:r>
+                <a:rPr lang="en-US" sz="1400" u="sng" dirty="0"/>
+                <a:t>Amount of Static Head by Well Status</a:t>
+              </a:r>
+            </a:p>
+          </p:txBody>
+        </p:sp>
         <p:grpSp>
           <p:nvGrpSpPr>
             <p:cNvPr id="8" name="Group 7">
               <a:extLst>
                 <a:ext uri="{FF2B5EF4-FFF2-40B4-BE49-F238E27FC236}">
-                  <a16:creationId xmlns:a16="http://schemas.microsoft.com/office/drawing/2014/main" id="{9B380F3D-0469-944D-9D41-DEB5924ECE15}"/>
+                  <a16:creationId xmlns:a16="http://schemas.microsoft.com/office/drawing/2014/main" id="{43E9A69D-500B-B048-A36E-2195400A9015}"/>
                 </a:ext>
               </a:extLst>
             </p:cNvPr>
@@ -12377,18 +10432,126 @@
           </p:nvGrpSpPr>
           <p:grpSpPr>
             <a:xfrm>
-              <a:off x="192001" y="1351004"/>
-              <a:ext cx="7640512" cy="5038577"/>
-              <a:chOff x="2076289" y="1549873"/>
-              <a:chExt cx="7652598" cy="5046547"/>
+              <a:off x="1054442" y="714463"/>
+              <a:ext cx="2355971" cy="7340064"/>
+              <a:chOff x="479906" y="2199804"/>
+              <a:chExt cx="2014992" cy="6277742"/>
             </a:xfrm>
           </p:grpSpPr>
           <p:sp>
             <p:nvSpPr>
-              <p:cNvPr id="37" name="TextBox 36">
+              <p:cNvPr id="10" name="Rectangle 9">
                 <a:extLst>
                   <a:ext uri="{FF2B5EF4-FFF2-40B4-BE49-F238E27FC236}">
-                    <a16:creationId xmlns:a16="http://schemas.microsoft.com/office/drawing/2014/main" id="{C362E25D-3EFC-7242-8FBA-35656D5212DA}"/>
+                    <a16:creationId xmlns:a16="http://schemas.microsoft.com/office/drawing/2014/main" id="{8528A58A-8473-254C-87EA-B938EFBD44EF}"/>
+                  </a:ext>
+                </a:extLst>
+              </p:cNvPr>
+              <p:cNvSpPr/>
+              <p:nvPr/>
+            </p:nvSpPr>
+            <p:spPr>
+              <a:xfrm rot="16200000">
+                <a:off x="-127620" y="4659242"/>
+                <a:ext cx="2145503" cy="930452"/>
+              </a:xfrm>
+              <a:prstGeom prst="rect">
+                <a:avLst/>
+              </a:prstGeom>
+              <a:solidFill>
+                <a:srgbClr val="00B050"/>
+              </a:solidFill>
+              <a:ln>
+                <a:solidFill>
+                  <a:srgbClr val="00B050"/>
+                </a:solidFill>
+              </a:ln>
+            </p:spPr>
+            <p:style>
+              <a:lnRef idx="2">
+                <a:schemeClr val="accent1">
+                  <a:shade val="50000"/>
+                </a:schemeClr>
+              </a:lnRef>
+              <a:fillRef idx="1">
+                <a:schemeClr val="accent1"/>
+              </a:fillRef>
+              <a:effectRef idx="0">
+                <a:schemeClr val="accent1"/>
+              </a:effectRef>
+              <a:fontRef idx="minor">
+                <a:schemeClr val="lt1"/>
+              </a:fontRef>
+            </p:style>
+            <p:txBody>
+              <a:bodyPr rtlCol="0" anchor="ctr"/>
+              <a:lstStyle/>
+              <a:p>
+                <a:pPr algn="ctr"/>
+                <a:endParaRPr lang="en-US" dirty="0"/>
+              </a:p>
+            </p:txBody>
+          </p:sp>
+          <p:sp>
+            <p:nvSpPr>
+              <p:cNvPr id="11" name="Rectangle 10">
+                <a:extLst>
+                  <a:ext uri="{FF2B5EF4-FFF2-40B4-BE49-F238E27FC236}">
+                    <a16:creationId xmlns:a16="http://schemas.microsoft.com/office/drawing/2014/main" id="{F2E69DAD-2B8A-6746-999F-E5A9431000A5}"/>
+                  </a:ext>
+                </a:extLst>
+              </p:cNvPr>
+              <p:cNvSpPr/>
+              <p:nvPr/>
+            </p:nvSpPr>
+            <p:spPr>
+              <a:xfrm rot="16200000">
+                <a:off x="1652400" y="5354720"/>
+                <a:ext cx="754544" cy="930452"/>
+              </a:xfrm>
+              <a:prstGeom prst="rect">
+                <a:avLst/>
+              </a:prstGeom>
+              <a:solidFill>
+                <a:srgbClr val="C00000"/>
+              </a:solidFill>
+              <a:ln>
+                <a:solidFill>
+                  <a:srgbClr val="C00000"/>
+                </a:solidFill>
+              </a:ln>
+            </p:spPr>
+            <p:style>
+              <a:lnRef idx="2">
+                <a:schemeClr val="accent1">
+                  <a:shade val="50000"/>
+                </a:schemeClr>
+              </a:lnRef>
+              <a:fillRef idx="1">
+                <a:schemeClr val="accent1"/>
+              </a:fillRef>
+              <a:effectRef idx="0">
+                <a:schemeClr val="accent1"/>
+              </a:effectRef>
+              <a:fontRef idx="minor">
+                <a:schemeClr val="lt1"/>
+              </a:fontRef>
+            </p:style>
+            <p:txBody>
+              <a:bodyPr rtlCol="0" anchor="ctr"/>
+              <a:lstStyle/>
+              <a:p>
+                <a:pPr algn="ctr"/>
+                <a:endParaRPr lang="en-US" dirty="0"/>
+              </a:p>
+            </p:txBody>
+          </p:sp>
+          <p:sp>
+            <p:nvSpPr>
+              <p:cNvPr id="12" name="TextBox 11">
+                <a:extLst>
+                  <a:ext uri="{FF2B5EF4-FFF2-40B4-BE49-F238E27FC236}">
+                    <a16:creationId xmlns:a16="http://schemas.microsoft.com/office/drawing/2014/main" id="{083617BE-4A57-654C-946D-EEB42D6A3051}"/>
                   </a:ext>
                 </a:extLst>
               </p:cNvPr>
@@ -12397,227 +10560,8 @@
             </p:nvSpPr>
             <p:spPr>
               <a:xfrm rot="16200000">
-                <a:off x="1127165" y="2527023"/>
-                <a:ext cx="2291167" cy="369332"/>
-              </a:xfrm>
-              <a:prstGeom prst="rect">
-                <a:avLst/>
-              </a:prstGeom>
-              <a:noFill/>
-            </p:spPr>
-            <p:txBody>
-              <a:bodyPr wrap="square" rtlCol="0">
-                <a:spAutoFit/>
-              </a:bodyPr>
-              <a:lstStyle/>
-              <a:p>
-                <a:r>
-                  <a:rPr lang="en-US" dirty="0"/>
-                  <a:t>POSITIVE</a:t>
-                </a:r>
-              </a:p>
-            </p:txBody>
-          </p:sp>
-          <p:sp>
-            <p:nvSpPr>
-              <p:cNvPr id="38" name="TextBox 37">
-                <a:extLst>
-                  <a:ext uri="{FF2B5EF4-FFF2-40B4-BE49-F238E27FC236}">
-                    <a16:creationId xmlns:a16="http://schemas.microsoft.com/office/drawing/2014/main" id="{5575A7CE-A220-6947-AD78-9BB779E0AEBE}"/>
-                  </a:ext>
-                </a:extLst>
-              </p:cNvPr>
-              <p:cNvSpPr txBox="1"/>
-              <p:nvPr/>
-            </p:nvSpPr>
-            <p:spPr>
-              <a:xfrm rot="16200000">
-                <a:off x="1115371" y="3794246"/>
-                <a:ext cx="2291167" cy="369332"/>
-              </a:xfrm>
-              <a:prstGeom prst="rect">
-                <a:avLst/>
-              </a:prstGeom>
-              <a:noFill/>
-            </p:spPr>
-            <p:txBody>
-              <a:bodyPr wrap="square" rtlCol="0">
-                <a:spAutoFit/>
-              </a:bodyPr>
-              <a:lstStyle/>
-              <a:p>
-                <a:r>
-                  <a:rPr lang="en-US" dirty="0"/>
-                  <a:t>NEGATIVE</a:t>
-                </a:r>
-              </a:p>
-            </p:txBody>
-          </p:sp>
-          <p:cxnSp>
-            <p:nvCxnSpPr>
-              <p:cNvPr id="40" name="Straight Arrow Connector 39">
-                <a:extLst>
-                  <a:ext uri="{FF2B5EF4-FFF2-40B4-BE49-F238E27FC236}">
-                    <a16:creationId xmlns:a16="http://schemas.microsoft.com/office/drawing/2014/main" id="{76DC696C-D66A-B940-AC1A-7C3E4A7A2F1E}"/>
-                  </a:ext>
-                </a:extLst>
-              </p:cNvPr>
-              <p:cNvCxnSpPr/>
-              <p:nvPr/>
-            </p:nvCxnSpPr>
-            <p:spPr>
-              <a:xfrm flipV="1">
-                <a:off x="2445621" y="2873612"/>
-                <a:ext cx="0" cy="840243"/>
-              </a:xfrm>
-              <a:prstGeom prst="straightConnector1">
-                <a:avLst/>
-              </a:prstGeom>
-              <a:ln>
-                <a:tailEnd type="triangle"/>
-              </a:ln>
-            </p:spPr>
-            <p:style>
-              <a:lnRef idx="1">
-                <a:schemeClr val="accent1"/>
-              </a:lnRef>
-              <a:fillRef idx="0">
-                <a:schemeClr val="accent1"/>
-              </a:fillRef>
-              <a:effectRef idx="0">
-                <a:schemeClr val="accent1"/>
-              </a:effectRef>
-              <a:fontRef idx="minor">
-                <a:schemeClr val="tx1"/>
-              </a:fontRef>
-            </p:style>
-          </p:cxnSp>
-          <p:cxnSp>
-            <p:nvCxnSpPr>
-              <p:cNvPr id="41" name="Straight Arrow Connector 40">
-                <a:extLst>
-                  <a:ext uri="{FF2B5EF4-FFF2-40B4-BE49-F238E27FC236}">
-                    <a16:creationId xmlns:a16="http://schemas.microsoft.com/office/drawing/2014/main" id="{43253568-10F1-7844-BF6D-9F0D28244741}"/>
-                  </a:ext>
-                </a:extLst>
-              </p:cNvPr>
-              <p:cNvCxnSpPr>
-                <a:cxnSpLocks/>
-              </p:cNvCxnSpPr>
-              <p:nvPr/>
-            </p:nvCxnSpPr>
-            <p:spPr>
-              <a:xfrm>
-                <a:off x="2442229" y="4086149"/>
-                <a:ext cx="0" cy="884419"/>
-              </a:xfrm>
-              <a:prstGeom prst="straightConnector1">
-                <a:avLst/>
-              </a:prstGeom>
-              <a:ln>
-                <a:tailEnd type="triangle"/>
-              </a:ln>
-            </p:spPr>
-            <p:style>
-              <a:lnRef idx="1">
-                <a:schemeClr val="accent1"/>
-              </a:lnRef>
-              <a:fillRef idx="0">
-                <a:schemeClr val="accent1"/>
-              </a:fillRef>
-              <a:effectRef idx="0">
-                <a:schemeClr val="accent1"/>
-              </a:effectRef>
-              <a:fontRef idx="minor">
-                <a:schemeClr val="tx1"/>
-              </a:fontRef>
-            </p:style>
-          </p:cxnSp>
-          <p:pic>
-            <p:nvPicPr>
-              <p:cNvPr id="3" name="Picture 2" descr="Chart, waterfall chart&#10;&#10;Description automatically generated">
-                <a:extLst>
-                  <a:ext uri="{FF2B5EF4-FFF2-40B4-BE49-F238E27FC236}">
-                    <a16:creationId xmlns:a16="http://schemas.microsoft.com/office/drawing/2014/main" id="{16FA4101-9F69-EF47-B52B-9FFB3D48448C}"/>
-                  </a:ext>
-                </a:extLst>
-              </p:cNvPr>
-              <p:cNvPicPr>
-                <a:picLocks noChangeAspect="1"/>
-              </p:cNvPicPr>
-              <p:nvPr/>
-            </p:nvPicPr>
-            <p:blipFill>
-              <a:blip r:embed="rId2">
-                <a:extLst>
-                  <a:ext uri="{BEBA8EAE-BF5A-486C-A8C5-ECC9F3942E4B}">
-                    <a14:imgProps xmlns:a14="http://schemas.microsoft.com/office/drawing/2010/main">
-                      <a14:imgLayer r:embed="rId3">
-                        <a14:imgEffect>
-                          <a14:backgroundRemoval t="7635" b="96108" l="4053" r="99057">
-                            <a14:foregroundMark x1="85391" y1="7934" x2="85391" y2="7934"/>
-                            <a14:foregroundMark x1="76909" y1="14072" x2="76909" y2="14072"/>
-                            <a14:foregroundMark x1="67484" y1="45210" x2="67484" y2="45210"/>
-                            <a14:foregroundMark x1="54571" y1="48054" x2="54571" y2="48054"/>
-                            <a14:foregroundMark x1="46277" y1="56287" x2="46277" y2="56287"/>
-                            <a14:foregroundMark x1="36192" y1="59281" x2="36192" y2="59281"/>
-                            <a14:foregroundMark x1="25165" y1="63024" x2="25165" y2="63024"/>
-                            <a14:foregroundMark x1="16211" y1="64970" x2="16211" y2="64970"/>
-                            <a14:foregroundMark x1="4147" y1="64521" x2="4147" y2="64521"/>
-                            <a14:foregroundMark x1="16023" y1="96407" x2="16023" y2="96407"/>
-                            <a14:foregroundMark x1="45146" y1="60778" x2="45146" y2="60778"/>
-                            <a14:foregroundMark x1="34025" y1="67365" x2="34025" y2="67365"/>
-                            <a14:backgroundMark x1="91329" y1="52545" x2="91329" y2="52545"/>
-                            <a14:backgroundMark x1="91235" y1="52395" x2="91235" y2="52395"/>
-                            <a14:backgroundMark x1="91329" y1="52246" x2="91329" y2="52246"/>
-                            <a14:backgroundMark x1="91423" y1="52545" x2="91423" y2="52545"/>
-                            <a14:backgroundMark x1="91517" y1="52545" x2="91989" y2="52545"/>
-                            <a14:backgroundMark x1="91989" y1="52545" x2="96418" y2="52695"/>
-                            <a14:backgroundMark x1="96418" y1="52695" x2="99057" y2="52545"/>
-                            <a14:backgroundMark x1="91423" y1="52545" x2="91423" y2="52545"/>
-                            <a14:backgroundMark x1="92554" y1="51347" x2="94156" y2="54341"/>
-                            <a14:backgroundMark x1="96513" y1="51048" x2="97267" y2="54790"/>
-                            <a14:backgroundMark x1="98586" y1="51946" x2="98869" y2="53743"/>
-                          </a14:backgroundRemoval>
-                        </a14:imgEffect>
-                      </a14:imgLayer>
-                    </a14:imgProps>
-                  </a:ext>
-                  <a:ext uri="{28A0092B-C50C-407E-A947-70E740481C1C}">
-                    <a14:useLocalDpi xmlns:a14="http://schemas.microsoft.com/office/drawing/2010/main" val="0"/>
-                  </a:ext>
-                </a:extLst>
-              </a:blip>
-              <a:stretch>
-                <a:fillRect/>
-              </a:stretch>
-            </p:blipFill>
-            <p:spPr>
-              <a:xfrm>
-                <a:off x="2583943" y="1549873"/>
-                <a:ext cx="7144944" cy="4498419"/>
-              </a:xfrm>
-              <a:prstGeom prst="rect">
-                <a:avLst/>
-              </a:prstGeom>
-            </p:spPr>
-          </p:pic>
-          <p:sp>
-            <p:nvSpPr>
-              <p:cNvPr id="39" name="TextBox 38">
-                <a:extLst>
-                  <a:ext uri="{FF2B5EF4-FFF2-40B4-BE49-F238E27FC236}">
-                    <a16:creationId xmlns:a16="http://schemas.microsoft.com/office/drawing/2014/main" id="{EFCB415B-10DE-ED40-98AC-5ADBF29552B2}"/>
-                  </a:ext>
-                </a:extLst>
-              </p:cNvPr>
-              <p:cNvSpPr txBox="1"/>
-              <p:nvPr/>
-            </p:nvSpPr>
-            <p:spPr>
-              <a:xfrm>
-                <a:off x="4276899" y="6227088"/>
-                <a:ext cx="3759032" cy="369332"/>
+                <a:off x="-383165" y="6913742"/>
+                <a:ext cx="2567139" cy="342202"/>
               </a:xfrm>
               <a:prstGeom prst="rect">
                 <a:avLst/>
@@ -12632,18 +10576,18 @@
               <a:p>
                 <a:pPr algn="ctr"/>
                 <a:r>
-                  <a:rPr lang="en-US" dirty="0"/>
-                  <a:t>CONSTRUCTION GRADE LEVEL</a:t>
+                  <a:rPr lang="en-US" sz="2000" dirty="0"/>
+                  <a:t>Functional</a:t>
                 </a:r>
               </a:p>
             </p:txBody>
           </p:sp>
           <p:sp>
             <p:nvSpPr>
-              <p:cNvPr id="42" name="TextBox 41">
+              <p:cNvPr id="13" name="TextBox 12">
                 <a:extLst>
                   <a:ext uri="{FF2B5EF4-FFF2-40B4-BE49-F238E27FC236}">
-                    <a16:creationId xmlns:a16="http://schemas.microsoft.com/office/drawing/2014/main" id="{FCB1D61C-0CF9-9841-A771-606B58AA9945}"/>
+                    <a16:creationId xmlns:a16="http://schemas.microsoft.com/office/drawing/2014/main" id="{0E8A880B-468C-B445-9893-41C5C302CD9E}"/>
                   </a:ext>
                 </a:extLst>
               </p:cNvPr>
@@ -12651,9 +10595,9 @@
               <p:nvPr/>
             </p:nvSpPr>
             <p:spPr>
-              <a:xfrm>
-                <a:off x="2678539" y="4039035"/>
-                <a:ext cx="460077" cy="369332"/>
+              <a:xfrm rot="16200000">
+                <a:off x="670770" y="7022876"/>
+                <a:ext cx="2567139" cy="342202"/>
               </a:xfrm>
               <a:prstGeom prst="rect">
                 <a:avLst/>
@@ -12668,18 +10612,18 @@
               <a:p>
                 <a:pPr algn="ctr"/>
                 <a:r>
-                  <a:rPr lang="en-US" dirty="0"/>
-                  <a:t>4</a:t>
+                  <a:rPr lang="en-US" sz="2000" dirty="0"/>
+                  <a:t>Non Functional</a:t>
                 </a:r>
               </a:p>
             </p:txBody>
           </p:sp>
           <p:sp>
             <p:nvSpPr>
-              <p:cNvPr id="43" name="TextBox 42">
+              <p:cNvPr id="14" name="TextBox 13">
                 <a:extLst>
                   <a:ext uri="{FF2B5EF4-FFF2-40B4-BE49-F238E27FC236}">
-                    <a16:creationId xmlns:a16="http://schemas.microsoft.com/office/drawing/2014/main" id="{244C7CFF-FD5C-FF45-A754-1B57EF04E324}"/>
+                    <a16:creationId xmlns:a16="http://schemas.microsoft.com/office/drawing/2014/main" id="{2C7912D3-AF77-414B-A370-0D23CF843755}"/>
                   </a:ext>
                 </a:extLst>
               </p:cNvPr>
@@ -12687,9 +10631,9 @@
               <p:nvPr/>
             </p:nvSpPr>
             <p:spPr>
-              <a:xfrm>
-                <a:off x="3399350" y="4061784"/>
-                <a:ext cx="460077" cy="369332"/>
+              <a:xfrm rot="16200000">
+                <a:off x="-386305" y="3227433"/>
+                <a:ext cx="2567139" cy="511881"/>
               </a:xfrm>
               <a:prstGeom prst="rect">
                 <a:avLst/>
@@ -12704,18 +10648,18 @@
               <a:p>
                 <a:pPr algn="ctr"/>
                 <a:r>
-                  <a:rPr lang="en-US" dirty="0"/>
-                  <a:t>5</a:t>
+                  <a:rPr lang="en-US" sz="2500" dirty="0"/>
+                  <a:t>475 FH</a:t>
                 </a:r>
               </a:p>
             </p:txBody>
           </p:sp>
           <p:sp>
             <p:nvSpPr>
-              <p:cNvPr id="44" name="TextBox 43">
+              <p:cNvPr id="15" name="TextBox 14">
                 <a:extLst>
                   <a:ext uri="{FF2B5EF4-FFF2-40B4-BE49-F238E27FC236}">
-                    <a16:creationId xmlns:a16="http://schemas.microsoft.com/office/drawing/2014/main" id="{C7EBCDFB-21FA-4F48-8197-35DFB95C8F41}"/>
+                    <a16:creationId xmlns:a16="http://schemas.microsoft.com/office/drawing/2014/main" id="{B734777E-7F6A-5342-9B46-D67388D25EE5}"/>
                   </a:ext>
                 </a:extLst>
               </p:cNvPr>
@@ -12723,9 +10667,9 @@
               <p:nvPr/>
             </p:nvSpPr>
             <p:spPr>
-              <a:xfrm>
-                <a:off x="4120161" y="4061784"/>
-                <a:ext cx="460077" cy="369332"/>
+              <a:xfrm rot="16200000">
+                <a:off x="746102" y="4593038"/>
+                <a:ext cx="2567138" cy="511881"/>
               </a:xfrm>
               <a:prstGeom prst="rect">
                 <a:avLst/>
@@ -12740,280 +10684,94 @@
               <a:p>
                 <a:pPr algn="ctr"/>
                 <a:r>
-                  <a:rPr lang="en-US" dirty="0"/>
-                  <a:t>6</a:t>
+                  <a:rPr lang="en-US" sz="2500" dirty="0"/>
+                  <a:t>150 FH</a:t>
                 </a:r>
               </a:p>
             </p:txBody>
           </p:sp>
-          <p:sp>
-            <p:nvSpPr>
-              <p:cNvPr id="45" name="TextBox 44">
-                <a:extLst>
-                  <a:ext uri="{FF2B5EF4-FFF2-40B4-BE49-F238E27FC236}">
-                    <a16:creationId xmlns:a16="http://schemas.microsoft.com/office/drawing/2014/main" id="{EDA86A6A-37A9-9346-9141-27DA9C9A07F7}"/>
-                  </a:ext>
-                </a:extLst>
-              </p:cNvPr>
-              <p:cNvSpPr txBox="1"/>
-              <p:nvPr/>
-            </p:nvSpPr>
-            <p:spPr>
-              <a:xfrm>
-                <a:off x="4840972" y="4061784"/>
-                <a:ext cx="460077" cy="369332"/>
-              </a:xfrm>
-              <a:prstGeom prst="rect">
-                <a:avLst/>
-              </a:prstGeom>
-              <a:noFill/>
-            </p:spPr>
-            <p:txBody>
-              <a:bodyPr wrap="square" rtlCol="0">
-                <a:spAutoFit/>
-              </a:bodyPr>
-              <a:lstStyle/>
-              <a:p>
-                <a:pPr algn="ctr"/>
-                <a:r>
-                  <a:rPr lang="en-US" dirty="0"/>
-                  <a:t>7</a:t>
-                </a:r>
-              </a:p>
-            </p:txBody>
-          </p:sp>
-          <p:sp>
-            <p:nvSpPr>
-              <p:cNvPr id="46" name="TextBox 45">
-                <a:extLst>
-                  <a:ext uri="{FF2B5EF4-FFF2-40B4-BE49-F238E27FC236}">
-                    <a16:creationId xmlns:a16="http://schemas.microsoft.com/office/drawing/2014/main" id="{BBC30E70-858B-D94B-8B68-2E013104292A}"/>
-                  </a:ext>
-                </a:extLst>
-              </p:cNvPr>
-              <p:cNvSpPr txBox="1"/>
-              <p:nvPr/>
-            </p:nvSpPr>
-            <p:spPr>
-              <a:xfrm>
-                <a:off x="5561783" y="4038473"/>
-                <a:ext cx="460077" cy="369332"/>
-              </a:xfrm>
-              <a:prstGeom prst="rect">
-                <a:avLst/>
-              </a:prstGeom>
-              <a:noFill/>
-            </p:spPr>
-            <p:txBody>
-              <a:bodyPr wrap="square" rtlCol="0">
-                <a:spAutoFit/>
-              </a:bodyPr>
-              <a:lstStyle/>
-              <a:p>
-                <a:pPr algn="ctr"/>
-                <a:r>
-                  <a:rPr lang="en-US" dirty="0"/>
-                  <a:t>8</a:t>
-                </a:r>
-              </a:p>
-            </p:txBody>
-          </p:sp>
-          <p:sp>
-            <p:nvSpPr>
-              <p:cNvPr id="47" name="TextBox 46">
-                <a:extLst>
-                  <a:ext uri="{FF2B5EF4-FFF2-40B4-BE49-F238E27FC236}">
-                    <a16:creationId xmlns:a16="http://schemas.microsoft.com/office/drawing/2014/main" id="{0BDC9CA7-7E57-874F-A935-4A686A7CFCDF}"/>
-                  </a:ext>
-                </a:extLst>
-              </p:cNvPr>
-              <p:cNvSpPr txBox="1"/>
-              <p:nvPr/>
-            </p:nvSpPr>
-            <p:spPr>
-              <a:xfrm>
-                <a:off x="6278475" y="3525266"/>
-                <a:ext cx="460077" cy="369332"/>
-              </a:xfrm>
-              <a:prstGeom prst="rect">
-                <a:avLst/>
-              </a:prstGeom>
-              <a:noFill/>
-            </p:spPr>
-            <p:txBody>
-              <a:bodyPr wrap="square" rtlCol="0">
-                <a:spAutoFit/>
-              </a:bodyPr>
-              <a:lstStyle/>
-              <a:p>
-                <a:pPr algn="ctr"/>
-                <a:r>
-                  <a:rPr lang="en-US" dirty="0"/>
-                  <a:t>9</a:t>
-                </a:r>
-              </a:p>
-            </p:txBody>
-          </p:sp>
-          <p:sp>
-            <p:nvSpPr>
-              <p:cNvPr id="48" name="TextBox 47">
-                <a:extLst>
-                  <a:ext uri="{FF2B5EF4-FFF2-40B4-BE49-F238E27FC236}">
-                    <a16:creationId xmlns:a16="http://schemas.microsoft.com/office/drawing/2014/main" id="{683BBA36-0B96-0A4E-9A11-AA4A292906D4}"/>
-                  </a:ext>
-                </a:extLst>
-              </p:cNvPr>
-              <p:cNvSpPr txBox="1"/>
-              <p:nvPr/>
-            </p:nvSpPr>
-            <p:spPr>
-              <a:xfrm>
-                <a:off x="7003404" y="3523856"/>
-                <a:ext cx="460077" cy="369332"/>
-              </a:xfrm>
-              <a:prstGeom prst="rect">
-                <a:avLst/>
-              </a:prstGeom>
-              <a:noFill/>
-            </p:spPr>
-            <p:txBody>
-              <a:bodyPr wrap="square" rtlCol="0">
-                <a:spAutoFit/>
-              </a:bodyPr>
-              <a:lstStyle/>
-              <a:p>
-                <a:pPr algn="ctr"/>
-                <a:r>
-                  <a:rPr lang="en-US" dirty="0"/>
-                  <a:t>10</a:t>
-                </a:r>
-              </a:p>
-            </p:txBody>
-          </p:sp>
-          <p:sp>
-            <p:nvSpPr>
-              <p:cNvPr id="49" name="TextBox 48">
-                <a:extLst>
-                  <a:ext uri="{FF2B5EF4-FFF2-40B4-BE49-F238E27FC236}">
-                    <a16:creationId xmlns:a16="http://schemas.microsoft.com/office/drawing/2014/main" id="{D2FBFB31-20AD-694D-A67F-40EAC68DEDE7}"/>
-                  </a:ext>
-                </a:extLst>
-              </p:cNvPr>
-              <p:cNvSpPr txBox="1"/>
-              <p:nvPr/>
-            </p:nvSpPr>
-            <p:spPr>
-              <a:xfrm>
-                <a:off x="7743889" y="3523856"/>
-                <a:ext cx="460077" cy="369332"/>
-              </a:xfrm>
-              <a:prstGeom prst="rect">
-                <a:avLst/>
-              </a:prstGeom>
-              <a:noFill/>
-            </p:spPr>
-            <p:txBody>
-              <a:bodyPr wrap="square" rtlCol="0">
-                <a:spAutoFit/>
-              </a:bodyPr>
-              <a:lstStyle/>
-              <a:p>
-                <a:pPr algn="ctr"/>
-                <a:r>
-                  <a:rPr lang="en-US" dirty="0"/>
-                  <a:t>11</a:t>
-                </a:r>
-              </a:p>
-            </p:txBody>
-          </p:sp>
-          <p:sp>
-            <p:nvSpPr>
-              <p:cNvPr id="50" name="TextBox 49">
-                <a:extLst>
-                  <a:ext uri="{FF2B5EF4-FFF2-40B4-BE49-F238E27FC236}">
-                    <a16:creationId xmlns:a16="http://schemas.microsoft.com/office/drawing/2014/main" id="{E0DA7134-D032-F64D-A76D-814F2C120F32}"/>
-                  </a:ext>
-                </a:extLst>
-              </p:cNvPr>
-              <p:cNvSpPr txBox="1"/>
-              <p:nvPr/>
-            </p:nvSpPr>
-            <p:spPr>
-              <a:xfrm>
-                <a:off x="8443046" y="3508832"/>
-                <a:ext cx="460077" cy="369332"/>
-              </a:xfrm>
-              <a:prstGeom prst="rect">
-                <a:avLst/>
-              </a:prstGeom>
-              <a:noFill/>
-            </p:spPr>
-            <p:txBody>
-              <a:bodyPr wrap="square" rtlCol="0">
-                <a:spAutoFit/>
-              </a:bodyPr>
-              <a:lstStyle/>
-              <a:p>
-                <a:pPr algn="ctr"/>
-                <a:r>
-                  <a:rPr lang="en-US" dirty="0"/>
-                  <a:t>12</a:t>
-                </a:r>
-              </a:p>
-            </p:txBody>
-          </p:sp>
-          <p:cxnSp>
-            <p:nvCxnSpPr>
-              <p:cNvPr id="52" name="Straight Connector 51">
-                <a:extLst>
-                  <a:ext uri="{FF2B5EF4-FFF2-40B4-BE49-F238E27FC236}">
-                    <a16:creationId xmlns:a16="http://schemas.microsoft.com/office/drawing/2014/main" id="{299CB87D-7639-A345-B544-32AE39EF3633}"/>
-                  </a:ext>
-                </a:extLst>
-              </p:cNvPr>
-              <p:cNvCxnSpPr>
-                <a:cxnSpLocks/>
-              </p:cNvCxnSpPr>
-              <p:nvPr/>
-            </p:nvCxnSpPr>
-            <p:spPr>
-              <a:xfrm>
-                <a:off x="2604151" y="3894275"/>
-                <a:ext cx="6443406" cy="0"/>
-              </a:xfrm>
-              <a:prstGeom prst="line">
-                <a:avLst/>
-              </a:prstGeom>
-              <a:ln w="28575">
-                <a:solidFill>
-                  <a:schemeClr val="tx1">
-                    <a:lumMod val="65000"/>
-                  </a:schemeClr>
-                </a:solidFill>
-              </a:ln>
-            </p:spPr>
-            <p:style>
-              <a:lnRef idx="1">
-                <a:schemeClr val="accent1"/>
-              </a:lnRef>
-              <a:fillRef idx="0">
-                <a:schemeClr val="accent1"/>
-              </a:fillRef>
-              <a:effectRef idx="0">
-                <a:schemeClr val="accent1"/>
-              </a:effectRef>
-              <a:fontRef idx="minor">
-                <a:schemeClr val="tx1"/>
-              </a:fontRef>
-            </p:style>
-          </p:cxnSp>
         </p:grpSp>
+      </p:grpSp>
+      <p:grpSp>
+        <p:nvGrpSpPr>
+          <p:cNvPr id="3" name="Group 2">
+            <a:extLst>
+              <a:ext uri="{FF2B5EF4-FFF2-40B4-BE49-F238E27FC236}">
+                <a16:creationId xmlns:a16="http://schemas.microsoft.com/office/drawing/2014/main" id="{47BAC018-B354-0744-A359-797185B7F512}"/>
+              </a:ext>
+            </a:extLst>
+          </p:cNvPr>
+          <p:cNvGrpSpPr/>
+          <p:nvPr/>
+        </p:nvGrpSpPr>
+        <p:grpSpPr>
+          <a:xfrm>
+            <a:off x="-459009" y="3789154"/>
+            <a:ext cx="8180634" cy="2606830"/>
+            <a:chOff x="-310728" y="3789154"/>
+            <a:chExt cx="8180634" cy="2606830"/>
+          </a:xfrm>
+        </p:grpSpPr>
         <p:sp>
           <p:nvSpPr>
-            <p:cNvPr id="54" name="TextBox 53">
+            <p:cNvPr id="16" name="Rectangle 15">
               <a:extLst>
                 <a:ext uri="{FF2B5EF4-FFF2-40B4-BE49-F238E27FC236}">
-                  <a16:creationId xmlns:a16="http://schemas.microsoft.com/office/drawing/2014/main" id="{5033B08A-54FA-C348-AE85-D3AFCB2A58DB}"/>
+                  <a16:creationId xmlns:a16="http://schemas.microsoft.com/office/drawing/2014/main" id="{5851A8CC-D58F-554E-A5EF-0DA1D24BCA34}"/>
+                </a:ext>
+              </a:extLst>
+            </p:cNvPr>
+            <p:cNvSpPr/>
+            <p:nvPr/>
+          </p:nvSpPr>
+          <p:spPr>
+            <a:xfrm>
+              <a:off x="2081750" y="4181957"/>
+              <a:ext cx="4170769" cy="314542"/>
+            </a:xfrm>
+            <a:prstGeom prst="rect">
+              <a:avLst/>
+            </a:prstGeom>
+            <a:solidFill>
+              <a:srgbClr val="00B050"/>
+            </a:solidFill>
+            <a:ln>
+              <a:solidFill>
+                <a:srgbClr val="00B050"/>
+              </a:solidFill>
+            </a:ln>
+          </p:spPr>
+          <p:style>
+            <a:lnRef idx="2">
+              <a:schemeClr val="accent1">
+                <a:shade val="50000"/>
+              </a:schemeClr>
+            </a:lnRef>
+            <a:fillRef idx="1">
+              <a:schemeClr val="accent1"/>
+            </a:fillRef>
+            <a:effectRef idx="0">
+              <a:schemeClr val="accent1"/>
+            </a:effectRef>
+            <a:fontRef idx="minor">
+              <a:schemeClr val="lt1"/>
+            </a:fontRef>
+          </p:style>
+          <p:txBody>
+            <a:bodyPr rtlCol="0" anchor="ctr"/>
+            <a:lstStyle/>
+            <a:p>
+              <a:pPr algn="ctr"/>
+              <a:endParaRPr lang="en-US" dirty="0"/>
+            </a:p>
+          </p:txBody>
+        </p:sp>
+        <p:sp>
+          <p:nvSpPr>
+            <p:cNvPr id="17" name="TextBox 16">
+              <a:extLst>
+                <a:ext uri="{FF2B5EF4-FFF2-40B4-BE49-F238E27FC236}">
+                  <a16:creationId xmlns:a16="http://schemas.microsoft.com/office/drawing/2014/main" id="{C8538BD9-50EF-9F41-87E2-FA41CF6C7E9D}"/>
                 </a:ext>
               </a:extLst>
             </p:cNvPr>
@@ -13022,8 +10780,404 @@
           </p:nvSpPr>
           <p:spPr>
             <a:xfrm>
-              <a:off x="4265683" y="1015681"/>
-              <a:ext cx="2341060" cy="369332"/>
+              <a:off x="-310728" y="4143498"/>
+              <a:ext cx="2392478" cy="400110"/>
+            </a:xfrm>
+            <a:prstGeom prst="rect">
+              <a:avLst/>
+            </a:prstGeom>
+            <a:noFill/>
+          </p:spPr>
+          <p:txBody>
+            <a:bodyPr wrap="square" rtlCol="0">
+              <a:spAutoFit/>
+            </a:bodyPr>
+            <a:lstStyle/>
+            <a:p>
+              <a:pPr algn="r"/>
+              <a:r>
+                <a:rPr lang="en-US" sz="2000" dirty="0"/>
+                <a:t>Enough</a:t>
+              </a:r>
+            </a:p>
+          </p:txBody>
+        </p:sp>
+        <p:sp>
+          <p:nvSpPr>
+            <p:cNvPr id="18" name="Rectangle 17">
+              <a:extLst>
+                <a:ext uri="{FF2B5EF4-FFF2-40B4-BE49-F238E27FC236}">
+                  <a16:creationId xmlns:a16="http://schemas.microsoft.com/office/drawing/2014/main" id="{2AEC6764-A69F-7246-8571-2FD9E0114EA9}"/>
+                </a:ext>
+              </a:extLst>
+            </p:cNvPr>
+            <p:cNvSpPr/>
+            <p:nvPr/>
+          </p:nvSpPr>
+          <p:spPr>
+            <a:xfrm>
+              <a:off x="2081751" y="4653240"/>
+              <a:ext cx="2613818" cy="314543"/>
+            </a:xfrm>
+            <a:prstGeom prst="rect">
+              <a:avLst/>
+            </a:prstGeom>
+            <a:solidFill>
+              <a:srgbClr val="C00000"/>
+            </a:solidFill>
+            <a:ln>
+              <a:solidFill>
+                <a:srgbClr val="C00000"/>
+              </a:solidFill>
+            </a:ln>
+          </p:spPr>
+          <p:style>
+            <a:lnRef idx="2">
+              <a:schemeClr val="accent1">
+                <a:shade val="50000"/>
+              </a:schemeClr>
+            </a:lnRef>
+            <a:fillRef idx="1">
+              <a:schemeClr val="accent1"/>
+            </a:fillRef>
+            <a:effectRef idx="0">
+              <a:schemeClr val="accent1"/>
+            </a:effectRef>
+            <a:fontRef idx="minor">
+              <a:schemeClr val="lt1"/>
+            </a:fontRef>
+          </p:style>
+          <p:txBody>
+            <a:bodyPr rtlCol="0" anchor="ctr"/>
+            <a:lstStyle/>
+            <a:p>
+              <a:pPr algn="ctr"/>
+              <a:endParaRPr lang="en-US" dirty="0"/>
+            </a:p>
+          </p:txBody>
+        </p:sp>
+        <p:sp>
+          <p:nvSpPr>
+            <p:cNvPr id="21" name="Rectangle 20">
+              <a:extLst>
+                <a:ext uri="{FF2B5EF4-FFF2-40B4-BE49-F238E27FC236}">
+                  <a16:creationId xmlns:a16="http://schemas.microsoft.com/office/drawing/2014/main" id="{DEF43C6F-82D5-AC4E-8CEC-36E02A8D5B8C}"/>
+                </a:ext>
+              </a:extLst>
+            </p:cNvPr>
+            <p:cNvSpPr/>
+            <p:nvPr/>
+          </p:nvSpPr>
+          <p:spPr>
+            <a:xfrm>
+              <a:off x="2081750" y="5117752"/>
+              <a:ext cx="1394618" cy="314543"/>
+            </a:xfrm>
+            <a:prstGeom prst="rect">
+              <a:avLst/>
+            </a:prstGeom>
+            <a:solidFill>
+              <a:srgbClr val="C00000"/>
+            </a:solidFill>
+            <a:ln>
+              <a:solidFill>
+                <a:srgbClr val="C00000"/>
+              </a:solidFill>
+            </a:ln>
+          </p:spPr>
+          <p:style>
+            <a:lnRef idx="2">
+              <a:schemeClr val="accent1">
+                <a:shade val="50000"/>
+              </a:schemeClr>
+            </a:lnRef>
+            <a:fillRef idx="1">
+              <a:schemeClr val="accent1"/>
+            </a:fillRef>
+            <a:effectRef idx="0">
+              <a:schemeClr val="accent1"/>
+            </a:effectRef>
+            <a:fontRef idx="minor">
+              <a:schemeClr val="lt1"/>
+            </a:fontRef>
+          </p:style>
+          <p:txBody>
+            <a:bodyPr rtlCol="0" anchor="ctr"/>
+            <a:lstStyle/>
+            <a:p>
+              <a:pPr algn="ctr"/>
+              <a:endParaRPr lang="en-US" dirty="0"/>
+            </a:p>
+          </p:txBody>
+        </p:sp>
+        <p:sp>
+          <p:nvSpPr>
+            <p:cNvPr id="22" name="Rectangle 21">
+              <a:extLst>
+                <a:ext uri="{FF2B5EF4-FFF2-40B4-BE49-F238E27FC236}">
+                  <a16:creationId xmlns:a16="http://schemas.microsoft.com/office/drawing/2014/main" id="{9C6140B9-CBA6-2246-AC2A-4AA1091631FA}"/>
+                </a:ext>
+              </a:extLst>
+            </p:cNvPr>
+            <p:cNvSpPr/>
+            <p:nvPr/>
+          </p:nvSpPr>
+          <p:spPr>
+            <a:xfrm>
+              <a:off x="2081750" y="5582264"/>
+              <a:ext cx="1163958" cy="314543"/>
+            </a:xfrm>
+            <a:prstGeom prst="rect">
+              <a:avLst/>
+            </a:prstGeom>
+            <a:solidFill>
+              <a:srgbClr val="C00000"/>
+            </a:solidFill>
+            <a:ln>
+              <a:solidFill>
+                <a:srgbClr val="C00000"/>
+              </a:solidFill>
+            </a:ln>
+          </p:spPr>
+          <p:style>
+            <a:lnRef idx="2">
+              <a:schemeClr val="accent1">
+                <a:shade val="50000"/>
+              </a:schemeClr>
+            </a:lnRef>
+            <a:fillRef idx="1">
+              <a:schemeClr val="accent1"/>
+            </a:fillRef>
+            <a:effectRef idx="0">
+              <a:schemeClr val="accent1"/>
+            </a:effectRef>
+            <a:fontRef idx="minor">
+              <a:schemeClr val="lt1"/>
+            </a:fontRef>
+          </p:style>
+          <p:txBody>
+            <a:bodyPr rtlCol="0" anchor="ctr"/>
+            <a:lstStyle/>
+            <a:p>
+              <a:pPr algn="ctr"/>
+              <a:endParaRPr lang="en-US" dirty="0"/>
+            </a:p>
+          </p:txBody>
+        </p:sp>
+        <p:sp>
+          <p:nvSpPr>
+            <p:cNvPr id="23" name="Rectangle 22">
+              <a:extLst>
+                <a:ext uri="{FF2B5EF4-FFF2-40B4-BE49-F238E27FC236}">
+                  <a16:creationId xmlns:a16="http://schemas.microsoft.com/office/drawing/2014/main" id="{34DC2D5E-6C62-1F4E-BCE7-E2E0760E96AE}"/>
+                </a:ext>
+              </a:extLst>
+            </p:cNvPr>
+            <p:cNvSpPr/>
+            <p:nvPr/>
+          </p:nvSpPr>
+          <p:spPr>
+            <a:xfrm>
+              <a:off x="2081750" y="6046776"/>
+              <a:ext cx="513169" cy="314543"/>
+            </a:xfrm>
+            <a:prstGeom prst="rect">
+              <a:avLst/>
+            </a:prstGeom>
+            <a:solidFill>
+              <a:srgbClr val="C00000"/>
+            </a:solidFill>
+            <a:ln>
+              <a:solidFill>
+                <a:srgbClr val="C00000"/>
+              </a:solidFill>
+            </a:ln>
+          </p:spPr>
+          <p:style>
+            <a:lnRef idx="2">
+              <a:schemeClr val="accent1">
+                <a:shade val="50000"/>
+              </a:schemeClr>
+            </a:lnRef>
+            <a:fillRef idx="1">
+              <a:schemeClr val="accent1"/>
+            </a:fillRef>
+            <a:effectRef idx="0">
+              <a:schemeClr val="accent1"/>
+            </a:effectRef>
+            <a:fontRef idx="minor">
+              <a:schemeClr val="lt1"/>
+            </a:fontRef>
+          </p:style>
+          <p:txBody>
+            <a:bodyPr rtlCol="0" anchor="ctr"/>
+            <a:lstStyle/>
+            <a:p>
+              <a:pPr algn="ctr"/>
+              <a:endParaRPr lang="en-US" dirty="0"/>
+            </a:p>
+          </p:txBody>
+        </p:sp>
+        <p:sp>
+          <p:nvSpPr>
+            <p:cNvPr id="24" name="TextBox 23">
+              <a:extLst>
+                <a:ext uri="{FF2B5EF4-FFF2-40B4-BE49-F238E27FC236}">
+                  <a16:creationId xmlns:a16="http://schemas.microsoft.com/office/drawing/2014/main" id="{AABDF06F-5167-F041-B635-B33A03884FCD}"/>
+                </a:ext>
+              </a:extLst>
+            </p:cNvPr>
+            <p:cNvSpPr txBox="1"/>
+            <p:nvPr/>
+          </p:nvSpPr>
+          <p:spPr>
+            <a:xfrm>
+              <a:off x="-310728" y="4607070"/>
+              <a:ext cx="2392478" cy="400110"/>
+            </a:xfrm>
+            <a:prstGeom prst="rect">
+              <a:avLst/>
+            </a:prstGeom>
+            <a:noFill/>
+          </p:spPr>
+          <p:txBody>
+            <a:bodyPr wrap="square" rtlCol="0">
+              <a:spAutoFit/>
+            </a:bodyPr>
+            <a:lstStyle/>
+            <a:p>
+              <a:pPr algn="r"/>
+              <a:r>
+                <a:rPr lang="en-US" sz="2000" dirty="0"/>
+                <a:t>Insufficient</a:t>
+              </a:r>
+            </a:p>
+          </p:txBody>
+        </p:sp>
+        <p:sp>
+          <p:nvSpPr>
+            <p:cNvPr id="25" name="TextBox 24">
+              <a:extLst>
+                <a:ext uri="{FF2B5EF4-FFF2-40B4-BE49-F238E27FC236}">
+                  <a16:creationId xmlns:a16="http://schemas.microsoft.com/office/drawing/2014/main" id="{9FFD285B-B6C6-3049-9A81-B650BDEE8B81}"/>
+                </a:ext>
+              </a:extLst>
+            </p:cNvPr>
+            <p:cNvSpPr txBox="1"/>
+            <p:nvPr/>
+          </p:nvSpPr>
+          <p:spPr>
+            <a:xfrm>
+              <a:off x="-310728" y="5067834"/>
+              <a:ext cx="2392478" cy="400110"/>
+            </a:xfrm>
+            <a:prstGeom prst="rect">
+              <a:avLst/>
+            </a:prstGeom>
+            <a:noFill/>
+          </p:spPr>
+          <p:txBody>
+            <a:bodyPr wrap="square" rtlCol="0">
+              <a:spAutoFit/>
+            </a:bodyPr>
+            <a:lstStyle/>
+            <a:p>
+              <a:pPr algn="r"/>
+              <a:r>
+                <a:rPr lang="en-US" sz="2000" dirty="0"/>
+                <a:t>Dry</a:t>
+              </a:r>
+            </a:p>
+          </p:txBody>
+        </p:sp>
+        <p:sp>
+          <p:nvSpPr>
+            <p:cNvPr id="26" name="TextBox 25">
+              <a:extLst>
+                <a:ext uri="{FF2B5EF4-FFF2-40B4-BE49-F238E27FC236}">
+                  <a16:creationId xmlns:a16="http://schemas.microsoft.com/office/drawing/2014/main" id="{8A35B396-37F9-9D40-9756-8B3924FDFB16}"/>
+                </a:ext>
+              </a:extLst>
+            </p:cNvPr>
+            <p:cNvSpPr txBox="1"/>
+            <p:nvPr/>
+          </p:nvSpPr>
+          <p:spPr>
+            <a:xfrm>
+              <a:off x="-310728" y="5536543"/>
+              <a:ext cx="2392478" cy="400110"/>
+            </a:xfrm>
+            <a:prstGeom prst="rect">
+              <a:avLst/>
+            </a:prstGeom>
+            <a:noFill/>
+          </p:spPr>
+          <p:txBody>
+            <a:bodyPr wrap="square" rtlCol="0">
+              <a:spAutoFit/>
+            </a:bodyPr>
+            <a:lstStyle/>
+            <a:p>
+              <a:pPr algn="r"/>
+              <a:r>
+                <a:rPr lang="en-US" sz="2000" dirty="0"/>
+                <a:t>Seasonal</a:t>
+              </a:r>
+            </a:p>
+          </p:txBody>
+        </p:sp>
+        <p:sp>
+          <p:nvSpPr>
+            <p:cNvPr id="27" name="TextBox 26">
+              <a:extLst>
+                <a:ext uri="{FF2B5EF4-FFF2-40B4-BE49-F238E27FC236}">
+                  <a16:creationId xmlns:a16="http://schemas.microsoft.com/office/drawing/2014/main" id="{35C362A4-C4B1-0947-8982-279F3F83DB73}"/>
+                </a:ext>
+              </a:extLst>
+            </p:cNvPr>
+            <p:cNvSpPr txBox="1"/>
+            <p:nvPr/>
+          </p:nvSpPr>
+          <p:spPr>
+            <a:xfrm>
+              <a:off x="-304844" y="5995874"/>
+              <a:ext cx="2392478" cy="400110"/>
+            </a:xfrm>
+            <a:prstGeom prst="rect">
+              <a:avLst/>
+            </a:prstGeom>
+            <a:noFill/>
+          </p:spPr>
+          <p:txBody>
+            <a:bodyPr wrap="square" rtlCol="0">
+              <a:spAutoFit/>
+            </a:bodyPr>
+            <a:lstStyle/>
+            <a:p>
+              <a:pPr algn="r"/>
+              <a:r>
+                <a:rPr lang="en-US" sz="2000" dirty="0"/>
+                <a:t>Unknown</a:t>
+              </a:r>
+            </a:p>
+          </p:txBody>
+        </p:sp>
+        <p:sp>
+          <p:nvSpPr>
+            <p:cNvPr id="28" name="TextBox 27">
+              <a:extLst>
+                <a:ext uri="{FF2B5EF4-FFF2-40B4-BE49-F238E27FC236}">
+                  <a16:creationId xmlns:a16="http://schemas.microsoft.com/office/drawing/2014/main" id="{F7C1C478-ABB6-EC4C-97C3-91EDFF189775}"/>
+                </a:ext>
+              </a:extLst>
+            </p:cNvPr>
+            <p:cNvSpPr txBox="1"/>
+            <p:nvPr/>
+          </p:nvSpPr>
+          <p:spPr>
+            <a:xfrm>
+              <a:off x="1900586" y="3789154"/>
+              <a:ext cx="3462245" cy="307777"/>
             </a:xfrm>
             <a:prstGeom prst="rect">
               <a:avLst/>
@@ -13038,18 +11192,18 @@
             <a:p>
               <a:pPr algn="ctr"/>
               <a:r>
-                <a:rPr lang="en-US" dirty="0"/>
-                <a:t>Above Average Grades</a:t>
+                <a:rPr lang="en-US" sz="1400" u="sng" dirty="0"/>
+                <a:t>Amount of Static Head by Water Quantity</a:t>
               </a:r>
             </a:p>
           </p:txBody>
         </p:sp>
         <p:sp>
           <p:nvSpPr>
-            <p:cNvPr id="56" name="TextBox 55">
+            <p:cNvPr id="29" name="TextBox 28">
               <a:extLst>
                 <a:ext uri="{FF2B5EF4-FFF2-40B4-BE49-F238E27FC236}">
-                  <a16:creationId xmlns:a16="http://schemas.microsoft.com/office/drawing/2014/main" id="{03FC4FE7-80D2-B645-9628-EB118FBF243D}"/>
+                  <a16:creationId xmlns:a16="http://schemas.microsoft.com/office/drawing/2014/main" id="{4F09CD70-7580-8D46-8F21-B3782FF8EBBD}"/>
                 </a:ext>
               </a:extLst>
             </p:cNvPr>
@@ -13058,8 +11212,8 @@
           </p:nvSpPr>
           <p:spPr>
             <a:xfrm>
-              <a:off x="719029" y="1013151"/>
-              <a:ext cx="2427000" cy="369332"/>
+              <a:off x="5477428" y="4139173"/>
+              <a:ext cx="2392478" cy="400110"/>
             </a:xfrm>
             <a:prstGeom prst="rect">
               <a:avLst/>
@@ -13074,62 +11228,161 @@
             <a:p>
               <a:pPr algn="ctr"/>
               <a:r>
-                <a:rPr lang="en-US" dirty="0"/>
-                <a:t>Below Average Grades</a:t>
+                <a:rPr lang="en-US" sz="2000" dirty="0"/>
+                <a:t>426 FH</a:t>
               </a:r>
             </a:p>
           </p:txBody>
         </p:sp>
-        <p:cxnSp>
-          <p:nvCxnSpPr>
-            <p:cNvPr id="57" name="Straight Connector 56">
+        <p:sp>
+          <p:nvSpPr>
+            <p:cNvPr id="30" name="TextBox 29">
               <a:extLst>
                 <a:ext uri="{FF2B5EF4-FFF2-40B4-BE49-F238E27FC236}">
-                  <a16:creationId xmlns:a16="http://schemas.microsoft.com/office/drawing/2014/main" id="{DCE0F6AE-CC04-D542-B6E2-EE881DAE1BEF}"/>
+                  <a16:creationId xmlns:a16="http://schemas.microsoft.com/office/drawing/2014/main" id="{775ABF30-68B8-9F4B-8E96-88AAF7DE40E5}"/>
                 </a:ext>
               </a:extLst>
             </p:cNvPr>
-            <p:cNvCxnSpPr>
-              <a:cxnSpLocks/>
-            </p:cNvCxnSpPr>
+            <p:cNvSpPr txBox="1"/>
             <p:nvPr/>
-          </p:nvCxnSpPr>
+          </p:nvSpPr>
           <p:spPr>
-            <a:xfrm flipV="1">
-              <a:off x="3205996" y="1044629"/>
-              <a:ext cx="0" cy="2645990"/>
+            <a:xfrm>
+              <a:off x="3960094" y="4607996"/>
+              <a:ext cx="2392478" cy="400110"/>
             </a:xfrm>
-            <a:prstGeom prst="line">
+            <a:prstGeom prst="rect">
               <a:avLst/>
             </a:prstGeom>
-            <a:ln w="28575">
-              <a:solidFill>
-                <a:schemeClr val="tx1">
-                  <a:lumMod val="65000"/>
-                </a:schemeClr>
-              </a:solidFill>
-            </a:ln>
+            <a:noFill/>
           </p:spPr>
-          <p:style>
-            <a:lnRef idx="1">
-              <a:schemeClr val="accent1"/>
-            </a:lnRef>
-            <a:fillRef idx="0">
-              <a:schemeClr val="accent1"/>
-            </a:fillRef>
-            <a:effectRef idx="0">
-              <a:schemeClr val="accent1"/>
-            </a:effectRef>
-            <a:fontRef idx="minor">
-              <a:schemeClr val="tx1"/>
-            </a:fontRef>
-          </p:style>
-        </p:cxnSp>
+          <p:txBody>
+            <a:bodyPr wrap="square" rtlCol="0">
+              <a:spAutoFit/>
+            </a:bodyPr>
+            <a:lstStyle/>
+            <a:p>
+              <a:pPr algn="ctr"/>
+              <a:r>
+                <a:rPr lang="en-US" sz="2000" dirty="0"/>
+                <a:t>260 FH</a:t>
+              </a:r>
+            </a:p>
+          </p:txBody>
+        </p:sp>
+        <p:sp>
+          <p:nvSpPr>
+            <p:cNvPr id="31" name="TextBox 30">
+              <a:extLst>
+                <a:ext uri="{FF2B5EF4-FFF2-40B4-BE49-F238E27FC236}">
+                  <a16:creationId xmlns:a16="http://schemas.microsoft.com/office/drawing/2014/main" id="{5CA42381-678E-AC43-8828-8E5E05832A66}"/>
+                </a:ext>
+              </a:extLst>
+            </p:cNvPr>
+            <p:cNvSpPr txBox="1"/>
+            <p:nvPr/>
+          </p:nvSpPr>
+          <p:spPr>
+            <a:xfrm>
+              <a:off x="2678544" y="5030800"/>
+              <a:ext cx="2392478" cy="400110"/>
+            </a:xfrm>
+            <a:prstGeom prst="rect">
+              <a:avLst/>
+            </a:prstGeom>
+            <a:noFill/>
+          </p:spPr>
+          <p:txBody>
+            <a:bodyPr wrap="square" rtlCol="0">
+              <a:spAutoFit/>
+            </a:bodyPr>
+            <a:lstStyle/>
+            <a:p>
+              <a:pPr algn="ctr"/>
+              <a:r>
+                <a:rPr lang="en-US" sz="2000" dirty="0"/>
+                <a:t>135 FH</a:t>
+              </a:r>
+            </a:p>
+          </p:txBody>
+        </p:sp>
+        <p:sp>
+          <p:nvSpPr>
+            <p:cNvPr id="32" name="TextBox 31">
+              <a:extLst>
+                <a:ext uri="{FF2B5EF4-FFF2-40B4-BE49-F238E27FC236}">
+                  <a16:creationId xmlns:a16="http://schemas.microsoft.com/office/drawing/2014/main" id="{2F0BC74B-0398-8845-86F3-30AFC9CE0AEF}"/>
+                </a:ext>
+              </a:extLst>
+            </p:cNvPr>
+            <p:cNvSpPr txBox="1"/>
+            <p:nvPr/>
+          </p:nvSpPr>
+          <p:spPr>
+            <a:xfrm>
+              <a:off x="2451757" y="5529482"/>
+              <a:ext cx="2392478" cy="400110"/>
+            </a:xfrm>
+            <a:prstGeom prst="rect">
+              <a:avLst/>
+            </a:prstGeom>
+            <a:noFill/>
+          </p:spPr>
+          <p:txBody>
+            <a:bodyPr wrap="square" rtlCol="0">
+              <a:spAutoFit/>
+            </a:bodyPr>
+            <a:lstStyle/>
+            <a:p>
+              <a:pPr algn="ctr"/>
+              <a:r>
+                <a:rPr lang="en-US" sz="2000" dirty="0"/>
+                <a:t>116 FH</a:t>
+              </a:r>
+            </a:p>
+          </p:txBody>
+        </p:sp>
+        <p:sp>
+          <p:nvSpPr>
+            <p:cNvPr id="33" name="TextBox 32">
+              <a:extLst>
+                <a:ext uri="{FF2B5EF4-FFF2-40B4-BE49-F238E27FC236}">
+                  <a16:creationId xmlns:a16="http://schemas.microsoft.com/office/drawing/2014/main" id="{7C6EA68F-49AF-3E42-818B-0D23424E67BA}"/>
+                </a:ext>
+              </a:extLst>
+            </p:cNvPr>
+            <p:cNvSpPr txBox="1"/>
+            <p:nvPr/>
+          </p:nvSpPr>
+          <p:spPr>
+            <a:xfrm>
+              <a:off x="1817760" y="5995379"/>
+              <a:ext cx="2392478" cy="400110"/>
+            </a:xfrm>
+            <a:prstGeom prst="rect">
+              <a:avLst/>
+            </a:prstGeom>
+            <a:noFill/>
+          </p:spPr>
+          <p:txBody>
+            <a:bodyPr wrap="square" rtlCol="0">
+              <a:spAutoFit/>
+            </a:bodyPr>
+            <a:lstStyle/>
+            <a:p>
+              <a:pPr algn="ctr"/>
+              <a:r>
+                <a:rPr lang="en-US" sz="2000" dirty="0"/>
+                <a:t>68 FH</a:t>
+              </a:r>
+            </a:p>
+          </p:txBody>
+        </p:sp>
       </p:grpSp>
     </p:spTree>
     <p:extLst>
       <p:ext uri="{BB962C8B-B14F-4D97-AF65-F5344CB8AC3E}">
-        <p14:creationId xmlns:p14="http://schemas.microsoft.com/office/powerpoint/2010/main" val="3280198856"/>
+        <p14:creationId xmlns:p14="http://schemas.microsoft.com/office/powerpoint/2010/main" val="705244409"/>
       </p:ext>
     </p:extLst>
   </p:cSld>

--- a/Stakeholder Presentation.pptx
+++ b/Stakeholder Presentation.pptx
@@ -5,10 +5,10 @@
     <p:sldMasterId id="2147483648" r:id="rId1"/>
   </p:sldMasterIdLst>
   <p:notesMasterIdLst>
-    <p:notesMasterId r:id="rId16"/>
+    <p:notesMasterId r:id="rId22"/>
   </p:notesMasterIdLst>
   <p:handoutMasterIdLst>
-    <p:handoutMasterId r:id="rId17"/>
+    <p:handoutMasterId r:id="rId23"/>
   </p:handoutMasterIdLst>
   <p:sldIdLst>
     <p:sldId id="265" r:id="rId2"/>
@@ -25,11 +25,17 @@
     <p:sldId id="326" r:id="rId13"/>
     <p:sldId id="331" r:id="rId14"/>
     <p:sldId id="329" r:id="rId15"/>
+    <p:sldId id="338" r:id="rId16"/>
+    <p:sldId id="339" r:id="rId17"/>
+    <p:sldId id="340" r:id="rId18"/>
+    <p:sldId id="341" r:id="rId19"/>
+    <p:sldId id="342" r:id="rId20"/>
+    <p:sldId id="343" r:id="rId21"/>
   </p:sldIdLst>
   <p:sldSz cx="12188825" cy="6858000"/>
   <p:notesSz cx="6858000" cy="9144000"/>
   <p:custDataLst>
-    <p:tags r:id="rId18"/>
+    <p:tags r:id="rId24"/>
   </p:custDataLst>
   <p:defaultTextStyle>
     <a:defPPr>
@@ -5706,6 +5712,2243 @@
 </p:sld>
 </file>
 
+<file path=ppt/slides/slide15.xml><?xml version="1.0" encoding="utf-8"?>
+<p:sld xmlns:a="http://schemas.openxmlformats.org/drawingml/2006/main" xmlns:r="http://schemas.openxmlformats.org/officeDocument/2006/relationships" xmlns:p="http://schemas.openxmlformats.org/presentationml/2006/main">
+  <p:cSld>
+    <p:bg>
+      <p:bgPr>
+        <a:solidFill>
+          <a:schemeClr val="tx1"/>
+        </a:solidFill>
+        <a:effectLst/>
+      </p:bgPr>
+    </p:bg>
+    <p:spTree>
+      <p:nvGrpSpPr>
+        <p:cNvPr id="1" name=""/>
+        <p:cNvGrpSpPr/>
+        <p:nvPr/>
+      </p:nvGrpSpPr>
+      <p:grpSpPr>
+        <a:xfrm>
+          <a:off x="0" y="0"/>
+          <a:ext cx="0" cy="0"/>
+          <a:chOff x="0" y="0"/>
+          <a:chExt cx="0" cy="0"/>
+        </a:xfrm>
+      </p:grpSpPr>
+      <p:grpSp>
+        <p:nvGrpSpPr>
+          <p:cNvPr id="4" name="Group 3">
+            <a:extLst>
+              <a:ext uri="{FF2B5EF4-FFF2-40B4-BE49-F238E27FC236}">
+                <a16:creationId xmlns:a16="http://schemas.microsoft.com/office/drawing/2014/main" id="{F94BDFC3-A118-AA4B-94B9-1E961EEC4D80}"/>
+              </a:ext>
+            </a:extLst>
+          </p:cNvPr>
+          <p:cNvGrpSpPr/>
+          <p:nvPr/>
+        </p:nvGrpSpPr>
+        <p:grpSpPr>
+          <a:xfrm>
+            <a:off x="582642" y="999465"/>
+            <a:ext cx="5302510" cy="5668034"/>
+            <a:chOff x="582642" y="999465"/>
+            <a:chExt cx="5302510" cy="5668034"/>
+          </a:xfrm>
+        </p:grpSpPr>
+        <p:grpSp>
+          <p:nvGrpSpPr>
+            <p:cNvPr id="5" name="Group 4">
+              <a:extLst>
+                <a:ext uri="{FF2B5EF4-FFF2-40B4-BE49-F238E27FC236}">
+                  <a16:creationId xmlns:a16="http://schemas.microsoft.com/office/drawing/2014/main" id="{A297C619-6DF0-1148-832A-2A7912841F3C}"/>
+                </a:ext>
+              </a:extLst>
+            </p:cNvPr>
+            <p:cNvGrpSpPr/>
+            <p:nvPr/>
+          </p:nvGrpSpPr>
+          <p:grpSpPr>
+            <a:xfrm>
+              <a:off x="582642" y="1522685"/>
+              <a:ext cx="5302510" cy="5144814"/>
+              <a:chOff x="582642" y="1522685"/>
+              <a:chExt cx="5302510" cy="5144814"/>
+            </a:xfrm>
+          </p:grpSpPr>
+          <p:pic>
+            <p:nvPicPr>
+              <p:cNvPr id="7" name="Picture 6" descr="Map&#10;&#10;Description automatically generated">
+                <a:extLst>
+                  <a:ext uri="{FF2B5EF4-FFF2-40B4-BE49-F238E27FC236}">
+                    <a16:creationId xmlns:a16="http://schemas.microsoft.com/office/drawing/2014/main" id="{B0B6F49B-CC50-7140-8006-227B69EEAC7E}"/>
+                  </a:ext>
+                </a:extLst>
+              </p:cNvPr>
+              <p:cNvPicPr>
+                <a:picLocks noChangeAspect="1"/>
+              </p:cNvPicPr>
+              <p:nvPr/>
+            </p:nvPicPr>
+            <p:blipFill>
+              <a:blip r:embed="rId2">
+                <a:extLst>
+                  <a:ext uri="{28A0092B-C50C-407E-A947-70E740481C1C}">
+                    <a14:useLocalDpi xmlns:a14="http://schemas.microsoft.com/office/drawing/2010/main" val="0"/>
+                  </a:ext>
+                </a:extLst>
+              </a:blip>
+              <a:stretch>
+                <a:fillRect/>
+              </a:stretch>
+            </p:blipFill>
+            <p:spPr>
+              <a:xfrm>
+                <a:off x="582642" y="1522685"/>
+                <a:ext cx="5302510" cy="5144814"/>
+              </a:xfrm>
+              <a:prstGeom prst="rect">
+                <a:avLst/>
+              </a:prstGeom>
+            </p:spPr>
+          </p:pic>
+          <p:sp>
+            <p:nvSpPr>
+              <p:cNvPr id="8" name="TextBox 7">
+                <a:extLst>
+                  <a:ext uri="{FF2B5EF4-FFF2-40B4-BE49-F238E27FC236}">
+                    <a16:creationId xmlns:a16="http://schemas.microsoft.com/office/drawing/2014/main" id="{86F3B1D9-BB16-A049-910C-A33EB1A2C2DA}"/>
+                  </a:ext>
+                </a:extLst>
+              </p:cNvPr>
+              <p:cNvSpPr txBox="1"/>
+              <p:nvPr/>
+            </p:nvSpPr>
+            <p:spPr>
+              <a:xfrm>
+                <a:off x="1616680" y="3448761"/>
+                <a:ext cx="2567138" cy="430887"/>
+              </a:xfrm>
+              <a:prstGeom prst="rect">
+                <a:avLst/>
+              </a:prstGeom>
+              <a:noFill/>
+            </p:spPr>
+            <p:txBody>
+              <a:bodyPr wrap="square" rtlCol="0">
+                <a:spAutoFit/>
+              </a:bodyPr>
+              <a:lstStyle/>
+              <a:p>
+                <a:pPr algn="ctr"/>
+                <a:r>
+                  <a:rPr lang="en-US" sz="2200" b="1" dirty="0">
+                    <a:solidFill>
+                      <a:schemeClr val="bg1"/>
+                    </a:solidFill>
+                  </a:rPr>
+                  <a:t>Tanzania</a:t>
+                </a:r>
+              </a:p>
+            </p:txBody>
+          </p:sp>
+        </p:grpSp>
+        <p:sp>
+          <p:nvSpPr>
+            <p:cNvPr id="6" name="Rectangle 5">
+              <a:extLst>
+                <a:ext uri="{FF2B5EF4-FFF2-40B4-BE49-F238E27FC236}">
+                  <a16:creationId xmlns:a16="http://schemas.microsoft.com/office/drawing/2014/main" id="{17A74C88-742E-5943-A3EB-E2DAE3F13D45}"/>
+                </a:ext>
+              </a:extLst>
+            </p:cNvPr>
+            <p:cNvSpPr/>
+            <p:nvPr/>
+          </p:nvSpPr>
+          <p:spPr>
+            <a:xfrm>
+              <a:off x="582642" y="999465"/>
+              <a:ext cx="5275803" cy="523220"/>
+            </a:xfrm>
+            <a:prstGeom prst="rect">
+              <a:avLst/>
+            </a:prstGeom>
+          </p:spPr>
+          <p:txBody>
+            <a:bodyPr wrap="none">
+              <a:spAutoFit/>
+            </a:bodyPr>
+            <a:lstStyle/>
+            <a:p>
+              <a:r>
+                <a:rPr lang="en-US" dirty="0">
+                  <a:solidFill>
+                    <a:schemeClr val="bg1"/>
+                  </a:solidFill>
+                </a:rPr>
+                <a:t>Non-Functional wells that support over 1,000 citizens </a:t>
+              </a:r>
+            </a:p>
+            <a:p>
+              <a:r>
+                <a:rPr lang="en-US" sz="1000" dirty="0">
+                  <a:solidFill>
+                    <a:schemeClr val="bg1"/>
+                  </a:solidFill>
+                </a:rPr>
+                <a:t>(sized by population)</a:t>
+              </a:r>
+            </a:p>
+          </p:txBody>
+        </p:sp>
+      </p:grpSp>
+    </p:spTree>
+    <p:extLst>
+      <p:ext uri="{BB962C8B-B14F-4D97-AF65-F5344CB8AC3E}">
+        <p14:creationId xmlns:p14="http://schemas.microsoft.com/office/powerpoint/2010/main" val="416557248"/>
+      </p:ext>
+    </p:extLst>
+  </p:cSld>
+  <p:clrMapOvr>
+    <a:masterClrMapping/>
+  </p:clrMapOvr>
+  <mc:AlternateContent xmlns:mc="http://schemas.openxmlformats.org/markup-compatibility/2006" xmlns:p14="http://schemas.microsoft.com/office/powerpoint/2010/main">
+    <mc:Choice Requires="p14">
+      <p:transition spd="med" p14:dur="700">
+        <p:fade/>
+      </p:transition>
+    </mc:Choice>
+    <mc:Fallback xmlns="">
+      <p:transition spd="med">
+        <p:fade/>
+      </p:transition>
+    </mc:Fallback>
+  </mc:AlternateContent>
+</p:sld>
+</file>
+
+<file path=ppt/slides/slide16.xml><?xml version="1.0" encoding="utf-8"?>
+<p:sld xmlns:a="http://schemas.openxmlformats.org/drawingml/2006/main" xmlns:r="http://schemas.openxmlformats.org/officeDocument/2006/relationships" xmlns:p="http://schemas.openxmlformats.org/presentationml/2006/main">
+  <p:cSld>
+    <p:bg>
+      <p:bgPr>
+        <a:solidFill>
+          <a:schemeClr val="tx1"/>
+        </a:solidFill>
+        <a:effectLst/>
+      </p:bgPr>
+    </p:bg>
+    <p:spTree>
+      <p:nvGrpSpPr>
+        <p:cNvPr id="1" name=""/>
+        <p:cNvGrpSpPr/>
+        <p:nvPr/>
+      </p:nvGrpSpPr>
+      <p:grpSpPr>
+        <a:xfrm>
+          <a:off x="0" y="0"/>
+          <a:ext cx="0" cy="0"/>
+          <a:chOff x="0" y="0"/>
+          <a:chExt cx="0" cy="0"/>
+        </a:xfrm>
+      </p:grpSpPr>
+      <p:grpSp>
+        <p:nvGrpSpPr>
+          <p:cNvPr id="2" name="Group 1">
+            <a:extLst>
+              <a:ext uri="{FF2B5EF4-FFF2-40B4-BE49-F238E27FC236}">
+                <a16:creationId xmlns:a16="http://schemas.microsoft.com/office/drawing/2014/main" id="{E6CD0DAF-D43F-7346-8986-06411BD66942}"/>
+              </a:ext>
+            </a:extLst>
+          </p:cNvPr>
+          <p:cNvGrpSpPr/>
+          <p:nvPr/>
+        </p:nvGrpSpPr>
+        <p:grpSpPr>
+          <a:xfrm>
+            <a:off x="1731145" y="461639"/>
+            <a:ext cx="6473131" cy="6071595"/>
+            <a:chOff x="2372241" y="497883"/>
+            <a:chExt cx="6473131" cy="6071595"/>
+          </a:xfrm>
+        </p:grpSpPr>
+        <p:grpSp>
+          <p:nvGrpSpPr>
+            <p:cNvPr id="9" name="Group 8">
+              <a:extLst>
+                <a:ext uri="{FF2B5EF4-FFF2-40B4-BE49-F238E27FC236}">
+                  <a16:creationId xmlns:a16="http://schemas.microsoft.com/office/drawing/2014/main" id="{32ED4B0D-4263-C54B-A529-D836767813CA}"/>
+                </a:ext>
+              </a:extLst>
+            </p:cNvPr>
+            <p:cNvGrpSpPr/>
+            <p:nvPr/>
+          </p:nvGrpSpPr>
+          <p:grpSpPr>
+            <a:xfrm>
+              <a:off x="2372241" y="1029809"/>
+              <a:ext cx="6473131" cy="5539669"/>
+              <a:chOff x="264486" y="1214175"/>
+              <a:chExt cx="6473131" cy="5539669"/>
+            </a:xfrm>
+          </p:grpSpPr>
+          <p:pic>
+            <p:nvPicPr>
+              <p:cNvPr id="10" name="Picture 9" descr="Chart, bar chart&#10;&#10;Description automatically generated">
+                <a:extLst>
+                  <a:ext uri="{FF2B5EF4-FFF2-40B4-BE49-F238E27FC236}">
+                    <a16:creationId xmlns:a16="http://schemas.microsoft.com/office/drawing/2014/main" id="{876264D6-CF8A-4146-A802-F3B52CBC17DD}"/>
+                  </a:ext>
+                </a:extLst>
+              </p:cNvPr>
+              <p:cNvPicPr>
+                <a:picLocks noChangeAspect="1"/>
+              </p:cNvPicPr>
+              <p:nvPr/>
+            </p:nvPicPr>
+            <p:blipFill rotWithShape="1">
+              <a:blip r:embed="rId2">
+                <a:extLst>
+                  <a:ext uri="{BEBA8EAE-BF5A-486C-A8C5-ECC9F3942E4B}">
+                    <a14:imgProps xmlns:a14="http://schemas.microsoft.com/office/drawing/2010/main">
+                      <a14:imgLayer r:embed="rId3">
+                        <a14:imgEffect>
+                          <a14:backgroundRemoval t="9861" b="94185" l="7879" r="89899">
+                            <a14:foregroundMark x1="7879" y1="21365" x2="7879" y2="21365"/>
+                            <a14:foregroundMark x1="17239" y1="22503" x2="17239" y2="22503"/>
+                            <a14:foregroundMark x1="28013" y1="40708" x2="28013" y2="40708"/>
+                            <a14:foregroundMark x1="36768" y1="46903" x2="36768" y2="46903"/>
+                            <a14:foregroundMark x1="48418" y1="65613" x2="48418" y2="65613"/>
+                            <a14:foregroundMark x1="54815" y1="78129" x2="54815" y2="78129"/>
+                            <a14:foregroundMark x1="65051" y1="86346" x2="65051" y2="86346"/>
+                            <a14:foregroundMark x1="73401" y1="90013" x2="73401" y2="90013"/>
+                            <a14:foregroundMark x1="35421" y1="69912" x2="35421" y2="69912"/>
+                            <a14:foregroundMark x1="27138" y1="66498" x2="27138" y2="66498"/>
+                            <a14:foregroundMark x1="27475" y1="41340" x2="27407" y2="69153"/>
+                            <a14:foregroundMark x1="27407" y1="69153" x2="27407" y2="69153"/>
+                            <a14:foregroundMark x1="36633" y1="51833" x2="37172" y2="72566"/>
+                            <a14:backgroundMark x1="85387" y1="94690" x2="85387" y2="94058"/>
+                          </a14:backgroundRemoval>
+                        </a14:imgEffect>
+                        <a14:imgEffect>
+                          <a14:sharpenSoften amount="50000"/>
+                        </a14:imgEffect>
+                      </a14:imgLayer>
+                    </a14:imgProps>
+                  </a:ext>
+                  <a:ext uri="{28A0092B-C50C-407E-A947-70E740481C1C}">
+                    <a14:useLocalDpi xmlns:a14="http://schemas.microsoft.com/office/drawing/2010/main" val="0"/>
+                  </a:ext>
+                </a:extLst>
+              </a:blip>
+              <a:srcRect l="4616" r="19706"/>
+              <a:stretch/>
+            </p:blipFill>
+            <p:spPr>
+              <a:xfrm rot="5400000">
+                <a:off x="2018247" y="2034474"/>
+                <a:ext cx="5539669" cy="3899071"/>
+              </a:xfrm>
+              <a:prstGeom prst="rect">
+                <a:avLst/>
+              </a:prstGeom>
+            </p:spPr>
+          </p:pic>
+          <p:sp>
+            <p:nvSpPr>
+              <p:cNvPr id="11" name="TextBox 10">
+                <a:extLst>
+                  <a:ext uri="{FF2B5EF4-FFF2-40B4-BE49-F238E27FC236}">
+                    <a16:creationId xmlns:a16="http://schemas.microsoft.com/office/drawing/2014/main" id="{61FB6A73-5C25-6843-B683-21ECBC9EBF00}"/>
+                  </a:ext>
+                </a:extLst>
+              </p:cNvPr>
+              <p:cNvSpPr txBox="1"/>
+              <p:nvPr/>
+            </p:nvSpPr>
+            <p:spPr>
+              <a:xfrm>
+                <a:off x="591055" y="1352971"/>
+                <a:ext cx="2521839" cy="307777"/>
+              </a:xfrm>
+              <a:prstGeom prst="rect">
+                <a:avLst/>
+              </a:prstGeom>
+              <a:noFill/>
+            </p:spPr>
+            <p:txBody>
+              <a:bodyPr wrap="square" rtlCol="0">
+                <a:spAutoFit/>
+              </a:bodyPr>
+              <a:lstStyle/>
+              <a:p>
+                <a:pPr algn="r"/>
+                <a:r>
+                  <a:rPr lang="en-US" sz="1400" dirty="0">
+                    <a:solidFill>
+                      <a:schemeClr val="bg1"/>
+                    </a:solidFill>
+                  </a:rPr>
+                  <a:t>Longitude</a:t>
+                </a:r>
+              </a:p>
+            </p:txBody>
+          </p:sp>
+          <p:sp>
+            <p:nvSpPr>
+              <p:cNvPr id="12" name="TextBox 11">
+                <a:extLst>
+                  <a:ext uri="{FF2B5EF4-FFF2-40B4-BE49-F238E27FC236}">
+                    <a16:creationId xmlns:a16="http://schemas.microsoft.com/office/drawing/2014/main" id="{8C584AD5-19A6-3A49-8F5C-665FAE3EF65C}"/>
+                  </a:ext>
+                </a:extLst>
+              </p:cNvPr>
+              <p:cNvSpPr txBox="1"/>
+              <p:nvPr/>
+            </p:nvSpPr>
+            <p:spPr>
+              <a:xfrm>
+                <a:off x="591056" y="2052097"/>
+                <a:ext cx="2521839" cy="307777"/>
+              </a:xfrm>
+              <a:prstGeom prst="rect">
+                <a:avLst/>
+              </a:prstGeom>
+              <a:noFill/>
+            </p:spPr>
+            <p:txBody>
+              <a:bodyPr wrap="square" rtlCol="0">
+                <a:spAutoFit/>
+              </a:bodyPr>
+              <a:lstStyle/>
+              <a:p>
+                <a:pPr algn="r"/>
+                <a:r>
+                  <a:rPr lang="en-US" sz="1400" dirty="0">
+                    <a:solidFill>
+                      <a:schemeClr val="bg1"/>
+                    </a:solidFill>
+                  </a:rPr>
+                  <a:t>Latitude</a:t>
+                </a:r>
+              </a:p>
+            </p:txBody>
+          </p:sp>
+          <p:sp>
+            <p:nvSpPr>
+              <p:cNvPr id="13" name="TextBox 12">
+                <a:extLst>
+                  <a:ext uri="{FF2B5EF4-FFF2-40B4-BE49-F238E27FC236}">
+                    <a16:creationId xmlns:a16="http://schemas.microsoft.com/office/drawing/2014/main" id="{629E6503-C787-0143-95B0-EE428C13C82D}"/>
+                  </a:ext>
+                </a:extLst>
+              </p:cNvPr>
+              <p:cNvSpPr txBox="1"/>
+              <p:nvPr/>
+            </p:nvSpPr>
+            <p:spPr>
+              <a:xfrm>
+                <a:off x="595558" y="2682473"/>
+                <a:ext cx="2521839" cy="307777"/>
+              </a:xfrm>
+              <a:prstGeom prst="rect">
+                <a:avLst/>
+              </a:prstGeom>
+              <a:noFill/>
+            </p:spPr>
+            <p:txBody>
+              <a:bodyPr wrap="square" rtlCol="0">
+                <a:spAutoFit/>
+              </a:bodyPr>
+              <a:lstStyle/>
+              <a:p>
+                <a:pPr algn="r"/>
+                <a:r>
+                  <a:rPr lang="en-US" sz="1400" dirty="0">
+                    <a:solidFill>
+                      <a:schemeClr val="bg1"/>
+                    </a:solidFill>
+                  </a:rPr>
+                  <a:t>Well Age</a:t>
+                </a:r>
+              </a:p>
+            </p:txBody>
+          </p:sp>
+          <p:sp>
+            <p:nvSpPr>
+              <p:cNvPr id="14" name="TextBox 13">
+                <a:extLst>
+                  <a:ext uri="{FF2B5EF4-FFF2-40B4-BE49-F238E27FC236}">
+                    <a16:creationId xmlns:a16="http://schemas.microsoft.com/office/drawing/2014/main" id="{50A63EEF-56C3-1D41-A772-44C90D844BAD}"/>
+                  </a:ext>
+                </a:extLst>
+              </p:cNvPr>
+              <p:cNvSpPr txBox="1"/>
+              <p:nvPr/>
+            </p:nvSpPr>
+            <p:spPr>
+              <a:xfrm>
+                <a:off x="606540" y="3368273"/>
+                <a:ext cx="2521839" cy="307777"/>
+              </a:xfrm>
+              <a:prstGeom prst="rect">
+                <a:avLst/>
+              </a:prstGeom>
+              <a:noFill/>
+            </p:spPr>
+            <p:txBody>
+              <a:bodyPr wrap="square" rtlCol="0">
+                <a:spAutoFit/>
+              </a:bodyPr>
+              <a:lstStyle/>
+              <a:p>
+                <a:pPr algn="r"/>
+                <a:r>
+                  <a:rPr lang="en-US" sz="1400" dirty="0">
+                    <a:solidFill>
+                      <a:schemeClr val="bg1"/>
+                    </a:solidFill>
+                  </a:rPr>
+                  <a:t>Well Elevation</a:t>
+                </a:r>
+              </a:p>
+            </p:txBody>
+          </p:sp>
+          <p:sp>
+            <p:nvSpPr>
+              <p:cNvPr id="15" name="TextBox 14">
+                <a:extLst>
+                  <a:ext uri="{FF2B5EF4-FFF2-40B4-BE49-F238E27FC236}">
+                    <a16:creationId xmlns:a16="http://schemas.microsoft.com/office/drawing/2014/main" id="{258CA95B-EF84-FF47-A247-F0C2673D9521}"/>
+                  </a:ext>
+                </a:extLst>
+              </p:cNvPr>
+              <p:cNvSpPr txBox="1"/>
+              <p:nvPr/>
+            </p:nvSpPr>
+            <p:spPr>
+              <a:xfrm>
+                <a:off x="606540" y="4074982"/>
+                <a:ext cx="2521839" cy="307777"/>
+              </a:xfrm>
+              <a:prstGeom prst="rect">
+                <a:avLst/>
+              </a:prstGeom>
+              <a:noFill/>
+            </p:spPr>
+            <p:txBody>
+              <a:bodyPr wrap="square" rtlCol="0">
+                <a:spAutoFit/>
+              </a:bodyPr>
+              <a:lstStyle/>
+              <a:p>
+                <a:pPr algn="r"/>
+                <a:r>
+                  <a:rPr lang="en-US" sz="1400" dirty="0">
+                    <a:solidFill>
+                      <a:schemeClr val="bg1"/>
+                    </a:solidFill>
+                  </a:rPr>
+                  <a:t>Population</a:t>
+                </a:r>
+              </a:p>
+            </p:txBody>
+          </p:sp>
+          <p:sp>
+            <p:nvSpPr>
+              <p:cNvPr id="16" name="TextBox 15">
+                <a:extLst>
+                  <a:ext uri="{FF2B5EF4-FFF2-40B4-BE49-F238E27FC236}">
+                    <a16:creationId xmlns:a16="http://schemas.microsoft.com/office/drawing/2014/main" id="{B6007404-8D0A-7A4F-9A7C-A4555CEC853F}"/>
+                  </a:ext>
+                </a:extLst>
+              </p:cNvPr>
+              <p:cNvSpPr txBox="1"/>
+              <p:nvPr/>
+            </p:nvSpPr>
+            <p:spPr>
+              <a:xfrm>
+                <a:off x="595559" y="4766526"/>
+                <a:ext cx="2521839" cy="307777"/>
+              </a:xfrm>
+              <a:prstGeom prst="rect">
+                <a:avLst/>
+              </a:prstGeom>
+              <a:noFill/>
+            </p:spPr>
+            <p:txBody>
+              <a:bodyPr wrap="square" rtlCol="0">
+                <a:spAutoFit/>
+              </a:bodyPr>
+              <a:lstStyle/>
+              <a:p>
+                <a:pPr algn="r"/>
+                <a:r>
+                  <a:rPr lang="en-US" sz="1400" dirty="0">
+                    <a:solidFill>
+                      <a:schemeClr val="bg1"/>
+                    </a:solidFill>
+                  </a:rPr>
+                  <a:t>Head</a:t>
+                </a:r>
+              </a:p>
+            </p:txBody>
+          </p:sp>
+          <p:sp>
+            <p:nvSpPr>
+              <p:cNvPr id="17" name="TextBox 16">
+                <a:extLst>
+                  <a:ext uri="{FF2B5EF4-FFF2-40B4-BE49-F238E27FC236}">
+                    <a16:creationId xmlns:a16="http://schemas.microsoft.com/office/drawing/2014/main" id="{6E3A0B89-DDF8-3B4B-B8E5-A51D060BD30B}"/>
+                  </a:ext>
+                </a:extLst>
+              </p:cNvPr>
+              <p:cNvSpPr txBox="1"/>
+              <p:nvPr/>
+            </p:nvSpPr>
+            <p:spPr>
+              <a:xfrm>
+                <a:off x="823780" y="5402974"/>
+                <a:ext cx="2304600" cy="307777"/>
+              </a:xfrm>
+              <a:prstGeom prst="rect">
+                <a:avLst/>
+              </a:prstGeom>
+              <a:noFill/>
+            </p:spPr>
+            <p:txBody>
+              <a:bodyPr wrap="square" rtlCol="0">
+                <a:spAutoFit/>
+              </a:bodyPr>
+              <a:lstStyle/>
+              <a:p>
+                <a:pPr algn="r"/>
+                <a:r>
+                  <a:rPr lang="en-US" sz="1400" dirty="0">
+                    <a:solidFill>
+                      <a:schemeClr val="bg1"/>
+                    </a:solidFill>
+                  </a:rPr>
+                  <a:t>Communal Standpipe</a:t>
+                </a:r>
+              </a:p>
+            </p:txBody>
+          </p:sp>
+          <p:sp>
+            <p:nvSpPr>
+              <p:cNvPr id="18" name="TextBox 17">
+                <a:extLst>
+                  <a:ext uri="{FF2B5EF4-FFF2-40B4-BE49-F238E27FC236}">
+                    <a16:creationId xmlns:a16="http://schemas.microsoft.com/office/drawing/2014/main" id="{F334B395-F6A8-5348-ACD1-B52FDA2224A5}"/>
+                  </a:ext>
+                </a:extLst>
+              </p:cNvPr>
+              <p:cNvSpPr txBox="1"/>
+              <p:nvPr/>
+            </p:nvSpPr>
+            <p:spPr>
+              <a:xfrm>
+                <a:off x="264486" y="6094518"/>
+                <a:ext cx="2852913" cy="307777"/>
+              </a:xfrm>
+              <a:prstGeom prst="rect">
+                <a:avLst/>
+              </a:prstGeom>
+              <a:noFill/>
+            </p:spPr>
+            <p:txBody>
+              <a:bodyPr wrap="square" rtlCol="0">
+                <a:spAutoFit/>
+              </a:bodyPr>
+              <a:lstStyle/>
+              <a:p>
+                <a:pPr algn="r"/>
+                <a:r>
+                  <a:rPr lang="en-US" sz="1400" dirty="0">
+                    <a:solidFill>
+                      <a:schemeClr val="bg1"/>
+                    </a:solidFill>
+                  </a:rPr>
+                  <a:t>Multiple Communal Standpipe</a:t>
+                </a:r>
+              </a:p>
+            </p:txBody>
+          </p:sp>
+        </p:grpSp>
+        <p:sp>
+          <p:nvSpPr>
+            <p:cNvPr id="19" name="Title 12">
+              <a:extLst>
+                <a:ext uri="{FF2B5EF4-FFF2-40B4-BE49-F238E27FC236}">
+                  <a16:creationId xmlns:a16="http://schemas.microsoft.com/office/drawing/2014/main" id="{29A6769B-5E6C-3648-95BF-ABABB62DFA9C}"/>
+                </a:ext>
+              </a:extLst>
+            </p:cNvPr>
+            <p:cNvSpPr txBox="1">
+              <a:spLocks/>
+            </p:cNvSpPr>
+            <p:nvPr/>
+          </p:nvSpPr>
+          <p:spPr>
+            <a:xfrm>
+              <a:off x="2372241" y="497883"/>
+              <a:ext cx="3976249" cy="448090"/>
+            </a:xfrm>
+            <a:prstGeom prst="rect">
+              <a:avLst/>
+            </a:prstGeom>
+          </p:spPr>
+          <p:txBody>
+            <a:bodyPr vert="horz" lIns="91440" tIns="45720" rIns="91440" bIns="45720" rtlCol="0" anchor="b">
+              <a:normAutofit/>
+            </a:bodyPr>
+            <a:lstStyle>
+              <a:lvl1pPr algn="l" defTabSz="914400" rtl="0" eaLnBrk="1" latinLnBrk="0" hangingPunct="1">
+                <a:lnSpc>
+                  <a:spcPct val="90000"/>
+                </a:lnSpc>
+                <a:spcBef>
+                  <a:spcPct val="0"/>
+                </a:spcBef>
+                <a:buNone/>
+                <a:defRPr sz="3600" kern="1200" spc="100" baseline="0">
+                  <a:solidFill>
+                    <a:schemeClr val="tx1"/>
+                  </a:solidFill>
+                  <a:latin typeface="+mj-lt"/>
+                  <a:ea typeface="+mj-ea"/>
+                  <a:cs typeface="+mj-cs"/>
+                </a:defRPr>
+              </a:lvl1pPr>
+            </a:lstStyle>
+            <a:p>
+              <a:r>
+                <a:rPr lang="en-US" sz="2000" dirty="0">
+                  <a:solidFill>
+                    <a:schemeClr val="bg1"/>
+                  </a:solidFill>
+                </a:rPr>
+                <a:t>Most Important Model Features</a:t>
+              </a:r>
+            </a:p>
+          </p:txBody>
+        </p:sp>
+      </p:grpSp>
+    </p:spTree>
+    <p:extLst>
+      <p:ext uri="{BB962C8B-B14F-4D97-AF65-F5344CB8AC3E}">
+        <p14:creationId xmlns:p14="http://schemas.microsoft.com/office/powerpoint/2010/main" val="4079006401"/>
+      </p:ext>
+    </p:extLst>
+  </p:cSld>
+  <p:clrMapOvr>
+    <a:masterClrMapping/>
+  </p:clrMapOvr>
+  <mc:AlternateContent xmlns:mc="http://schemas.openxmlformats.org/markup-compatibility/2006">
+    <mc:Choice xmlns:p14="http://schemas.microsoft.com/office/powerpoint/2010/main" Requires="p14">
+      <p:transition spd="med" p14:dur="700">
+        <p:fade/>
+      </p:transition>
+    </mc:Choice>
+    <mc:Fallback>
+      <p:transition spd="med">
+        <p:fade/>
+      </p:transition>
+    </mc:Fallback>
+  </mc:AlternateContent>
+</p:sld>
+</file>
+
+<file path=ppt/slides/slide17.xml><?xml version="1.0" encoding="utf-8"?>
+<p:sld xmlns:a="http://schemas.openxmlformats.org/drawingml/2006/main" xmlns:r="http://schemas.openxmlformats.org/officeDocument/2006/relationships" xmlns:p="http://schemas.openxmlformats.org/presentationml/2006/main">
+  <p:cSld>
+    <p:bg>
+      <p:bgPr>
+        <a:solidFill>
+          <a:schemeClr val="tx1"/>
+        </a:solidFill>
+        <a:effectLst/>
+      </p:bgPr>
+    </p:bg>
+    <p:spTree>
+      <p:nvGrpSpPr>
+        <p:cNvPr id="1" name=""/>
+        <p:cNvGrpSpPr/>
+        <p:nvPr/>
+      </p:nvGrpSpPr>
+      <p:grpSpPr>
+        <a:xfrm>
+          <a:off x="0" y="0"/>
+          <a:ext cx="0" cy="0"/>
+          <a:chOff x="0" y="0"/>
+          <a:chExt cx="0" cy="0"/>
+        </a:xfrm>
+      </p:grpSpPr>
+      <p:grpSp>
+        <p:nvGrpSpPr>
+          <p:cNvPr id="3" name="Group 2">
+            <a:extLst>
+              <a:ext uri="{FF2B5EF4-FFF2-40B4-BE49-F238E27FC236}">
+                <a16:creationId xmlns:a16="http://schemas.microsoft.com/office/drawing/2014/main" id="{2D54C5AF-7D8A-0F43-86E8-8E6B27C9CE70}"/>
+              </a:ext>
+            </a:extLst>
+          </p:cNvPr>
+          <p:cNvGrpSpPr/>
+          <p:nvPr/>
+        </p:nvGrpSpPr>
+        <p:grpSpPr>
+          <a:xfrm>
+            <a:off x="1953087" y="593934"/>
+            <a:ext cx="6471821" cy="5670132"/>
+            <a:chOff x="88777" y="1012054"/>
+            <a:chExt cx="6471821" cy="5670132"/>
+          </a:xfrm>
+        </p:grpSpPr>
+        <p:sp>
+          <p:nvSpPr>
+            <p:cNvPr id="20" name="TextBox 19">
+              <a:extLst>
+                <a:ext uri="{FF2B5EF4-FFF2-40B4-BE49-F238E27FC236}">
+                  <a16:creationId xmlns:a16="http://schemas.microsoft.com/office/drawing/2014/main" id="{93D1487B-F7B6-184D-A9F2-CE5D9B9C1AE2}"/>
+                </a:ext>
+              </a:extLst>
+            </p:cNvPr>
+            <p:cNvSpPr txBox="1"/>
+            <p:nvPr/>
+          </p:nvSpPr>
+          <p:spPr>
+            <a:xfrm>
+              <a:off x="88777" y="1012054"/>
+              <a:ext cx="6471821" cy="500889"/>
+            </a:xfrm>
+            <a:prstGeom prst="rect">
+              <a:avLst/>
+            </a:prstGeom>
+          </p:spPr>
+          <p:txBody>
+            <a:bodyPr vert="horz" lIns="91440" tIns="45720" rIns="91440" bIns="45720" rtlCol="0" anchor="b">
+              <a:normAutofit/>
+            </a:bodyPr>
+            <a:lstStyle>
+              <a:defPPr>
+                <a:defRPr lang="en-US"/>
+              </a:defPPr>
+              <a:lvl1pPr>
+                <a:lnSpc>
+                  <a:spcPct val="90000"/>
+                </a:lnSpc>
+                <a:spcBef>
+                  <a:spcPct val="0"/>
+                </a:spcBef>
+                <a:buNone/>
+                <a:defRPr sz="3600" spc="100" baseline="0">
+                  <a:solidFill>
+                    <a:schemeClr val="bg1"/>
+                  </a:solidFill>
+                  <a:latin typeface="+mj-lt"/>
+                  <a:ea typeface="+mj-ea"/>
+                  <a:cs typeface="+mj-cs"/>
+                </a:defRPr>
+              </a:lvl1pPr>
+            </a:lstStyle>
+            <a:p>
+              <a:pPr algn="ctr"/>
+              <a:r>
+                <a:rPr lang="en-US" sz="2000" dirty="0"/>
+                <a:t>Percentage of Non-Functional Wells by Region</a:t>
+              </a:r>
+            </a:p>
+          </p:txBody>
+        </p:sp>
+        <p:pic>
+          <p:nvPicPr>
+            <p:cNvPr id="21" name="Picture 20" descr="Chart, box and whisker chart&#10;&#10;Description automatically generated">
+              <a:extLst>
+                <a:ext uri="{FF2B5EF4-FFF2-40B4-BE49-F238E27FC236}">
+                  <a16:creationId xmlns:a16="http://schemas.microsoft.com/office/drawing/2014/main" id="{88FDD976-DBC7-CE49-BBBC-7BE2DBFF6210}"/>
+                </a:ext>
+              </a:extLst>
+            </p:cNvPr>
+            <p:cNvPicPr>
+              <a:picLocks noChangeAspect="1"/>
+            </p:cNvPicPr>
+            <p:nvPr/>
+          </p:nvPicPr>
+          <p:blipFill>
+            <a:blip r:embed="rId2">
+              <a:extLst>
+                <a:ext uri="{28A0092B-C50C-407E-A947-70E740481C1C}">
+                  <a14:useLocalDpi xmlns:a14="http://schemas.microsoft.com/office/drawing/2010/main" val="0"/>
+                </a:ext>
+              </a:extLst>
+            </a:blip>
+            <a:stretch>
+              <a:fillRect/>
+            </a:stretch>
+          </p:blipFill>
+          <p:spPr>
+            <a:xfrm>
+              <a:off x="674700" y="1512943"/>
+              <a:ext cx="5339242" cy="5169243"/>
+            </a:xfrm>
+            <a:prstGeom prst="rect">
+              <a:avLst/>
+            </a:prstGeom>
+          </p:spPr>
+        </p:pic>
+      </p:grpSp>
+    </p:spTree>
+    <p:extLst>
+      <p:ext uri="{BB962C8B-B14F-4D97-AF65-F5344CB8AC3E}">
+        <p14:creationId xmlns:p14="http://schemas.microsoft.com/office/powerpoint/2010/main" val="2396888291"/>
+      </p:ext>
+    </p:extLst>
+  </p:cSld>
+  <p:clrMapOvr>
+    <a:masterClrMapping/>
+  </p:clrMapOvr>
+  <mc:AlternateContent xmlns:mc="http://schemas.openxmlformats.org/markup-compatibility/2006">
+    <mc:Choice xmlns:p14="http://schemas.microsoft.com/office/powerpoint/2010/main" Requires="p14">
+      <p:transition spd="med" p14:dur="700">
+        <p:fade/>
+      </p:transition>
+    </mc:Choice>
+    <mc:Fallback>
+      <p:transition spd="med">
+        <p:fade/>
+      </p:transition>
+    </mc:Fallback>
+  </mc:AlternateContent>
+</p:sld>
+</file>
+
+<file path=ppt/slides/slide18.xml><?xml version="1.0" encoding="utf-8"?>
+<p:sld xmlns:a="http://schemas.openxmlformats.org/drawingml/2006/main" xmlns:r="http://schemas.openxmlformats.org/officeDocument/2006/relationships" xmlns:p="http://schemas.openxmlformats.org/presentationml/2006/main">
+  <p:cSld>
+    <p:bg>
+      <p:bgPr>
+        <a:solidFill>
+          <a:schemeClr val="tx1"/>
+        </a:solidFill>
+        <a:effectLst/>
+      </p:bgPr>
+    </p:bg>
+    <p:spTree>
+      <p:nvGrpSpPr>
+        <p:cNvPr id="1" name=""/>
+        <p:cNvGrpSpPr/>
+        <p:nvPr/>
+      </p:nvGrpSpPr>
+      <p:grpSpPr>
+        <a:xfrm>
+          <a:off x="0" y="0"/>
+          <a:ext cx="0" cy="0"/>
+          <a:chOff x="0" y="0"/>
+          <a:chExt cx="0" cy="0"/>
+        </a:xfrm>
+      </p:grpSpPr>
+      <p:grpSp>
+        <p:nvGrpSpPr>
+          <p:cNvPr id="2" name="Group 1">
+            <a:extLst>
+              <a:ext uri="{FF2B5EF4-FFF2-40B4-BE49-F238E27FC236}">
+                <a16:creationId xmlns:a16="http://schemas.microsoft.com/office/drawing/2014/main" id="{1F6D8D00-DED3-8B4E-9F64-E7FD76A885D1}"/>
+              </a:ext>
+            </a:extLst>
+          </p:cNvPr>
+          <p:cNvGrpSpPr/>
+          <p:nvPr/>
+        </p:nvGrpSpPr>
+        <p:grpSpPr>
+          <a:xfrm>
+            <a:off x="307250" y="735377"/>
+            <a:ext cx="7736835" cy="5277798"/>
+            <a:chOff x="307250" y="735377"/>
+            <a:chExt cx="7736835" cy="5277798"/>
+          </a:xfrm>
+        </p:grpSpPr>
+        <p:grpSp>
+          <p:nvGrpSpPr>
+            <p:cNvPr id="5" name="Group 4">
+              <a:extLst>
+                <a:ext uri="{FF2B5EF4-FFF2-40B4-BE49-F238E27FC236}">
+                  <a16:creationId xmlns:a16="http://schemas.microsoft.com/office/drawing/2014/main" id="{86202FF3-0F00-D041-9CE7-736B3E4825B1}"/>
+                </a:ext>
+              </a:extLst>
+            </p:cNvPr>
+            <p:cNvGrpSpPr/>
+            <p:nvPr/>
+          </p:nvGrpSpPr>
+          <p:grpSpPr>
+            <a:xfrm rot="5400000">
+              <a:off x="2600409" y="-1082935"/>
+              <a:ext cx="2265418" cy="5902042"/>
+              <a:chOff x="568269" y="943249"/>
+              <a:chExt cx="2842144" cy="7404575"/>
+            </a:xfrm>
+          </p:grpSpPr>
+          <p:sp>
+            <p:nvSpPr>
+              <p:cNvPr id="6" name="TextBox 5">
+                <a:extLst>
+                  <a:ext uri="{FF2B5EF4-FFF2-40B4-BE49-F238E27FC236}">
+                    <a16:creationId xmlns:a16="http://schemas.microsoft.com/office/drawing/2014/main" id="{C1346DF5-6103-574D-BAA3-7A082C18A1DD}"/>
+                  </a:ext>
+                </a:extLst>
+              </p:cNvPr>
+              <p:cNvSpPr txBox="1"/>
+              <p:nvPr/>
+            </p:nvSpPr>
+            <p:spPr>
+              <a:xfrm rot="16200000">
+                <a:off x="-2405119" y="4872466"/>
+                <a:ext cx="6448746" cy="501969"/>
+              </a:xfrm>
+              <a:prstGeom prst="rect">
+                <a:avLst/>
+              </a:prstGeom>
+              <a:noFill/>
+            </p:spPr>
+            <p:txBody>
+              <a:bodyPr wrap="square" rtlCol="0">
+                <a:spAutoFit/>
+              </a:bodyPr>
+              <a:lstStyle/>
+              <a:p>
+                <a:pPr algn="ctr"/>
+                <a:r>
+                  <a:rPr lang="en-US" sz="2000" u="sng" dirty="0">
+                    <a:solidFill>
+                      <a:schemeClr val="bg1"/>
+                    </a:solidFill>
+                  </a:rPr>
+                  <a:t>Amount of Static Head by Well Status</a:t>
+                </a:r>
+              </a:p>
+            </p:txBody>
+          </p:sp>
+          <p:grpSp>
+            <p:nvGrpSpPr>
+              <p:cNvPr id="7" name="Group 6">
+                <a:extLst>
+                  <a:ext uri="{FF2B5EF4-FFF2-40B4-BE49-F238E27FC236}">
+                    <a16:creationId xmlns:a16="http://schemas.microsoft.com/office/drawing/2014/main" id="{CD0FC541-3C6C-D844-808C-7799C20FD131}"/>
+                  </a:ext>
+                </a:extLst>
+              </p:cNvPr>
+              <p:cNvGrpSpPr/>
+              <p:nvPr/>
+            </p:nvGrpSpPr>
+            <p:grpSpPr>
+              <a:xfrm>
+                <a:off x="1054442" y="943249"/>
+                <a:ext cx="2355971" cy="6882595"/>
+                <a:chOff x="479906" y="2395478"/>
+                <a:chExt cx="2014992" cy="5886482"/>
+              </a:xfrm>
+            </p:grpSpPr>
+            <p:sp>
+              <p:nvSpPr>
+                <p:cNvPr id="8" name="Rectangle 7">
+                  <a:extLst>
+                    <a:ext uri="{FF2B5EF4-FFF2-40B4-BE49-F238E27FC236}">
+                      <a16:creationId xmlns:a16="http://schemas.microsoft.com/office/drawing/2014/main" id="{C52CCD97-C696-4C4A-AAC2-B8C65BBCBAEA}"/>
+                    </a:ext>
+                  </a:extLst>
+                </p:cNvPr>
+                <p:cNvSpPr/>
+                <p:nvPr/>
+              </p:nvSpPr>
+              <p:spPr>
+                <a:xfrm rot="16200000">
+                  <a:off x="-127620" y="4659242"/>
+                  <a:ext cx="2145503" cy="930452"/>
+                </a:xfrm>
+                <a:prstGeom prst="rect">
+                  <a:avLst/>
+                </a:prstGeom>
+                <a:solidFill>
+                  <a:srgbClr val="00B050"/>
+                </a:solidFill>
+                <a:ln>
+                  <a:solidFill>
+                    <a:srgbClr val="00B050"/>
+                  </a:solidFill>
+                </a:ln>
+              </p:spPr>
+              <p:style>
+                <a:lnRef idx="2">
+                  <a:schemeClr val="accent1">
+                    <a:shade val="50000"/>
+                  </a:schemeClr>
+                </a:lnRef>
+                <a:fillRef idx="1">
+                  <a:schemeClr val="accent1"/>
+                </a:fillRef>
+                <a:effectRef idx="0">
+                  <a:schemeClr val="accent1"/>
+                </a:effectRef>
+                <a:fontRef idx="minor">
+                  <a:schemeClr val="lt1"/>
+                </a:fontRef>
+              </p:style>
+              <p:txBody>
+                <a:bodyPr rtlCol="0" anchor="ctr"/>
+                <a:lstStyle/>
+                <a:p>
+                  <a:pPr algn="ctr"/>
+                  <a:endParaRPr lang="en-US" dirty="0">
+                    <a:solidFill>
+                      <a:schemeClr val="bg1"/>
+                    </a:solidFill>
+                  </a:endParaRPr>
+                </a:p>
+              </p:txBody>
+            </p:sp>
+            <p:sp>
+              <p:nvSpPr>
+                <p:cNvPr id="9" name="Rectangle 8">
+                  <a:extLst>
+                    <a:ext uri="{FF2B5EF4-FFF2-40B4-BE49-F238E27FC236}">
+                      <a16:creationId xmlns:a16="http://schemas.microsoft.com/office/drawing/2014/main" id="{28C60A55-29B1-8E41-8612-6687F0C7BA31}"/>
+                    </a:ext>
+                  </a:extLst>
+                </p:cNvPr>
+                <p:cNvSpPr/>
+                <p:nvPr/>
+              </p:nvSpPr>
+              <p:spPr>
+                <a:xfrm rot="16200000">
+                  <a:off x="1652400" y="5354720"/>
+                  <a:ext cx="754544" cy="930452"/>
+                </a:xfrm>
+                <a:prstGeom prst="rect">
+                  <a:avLst/>
+                </a:prstGeom>
+                <a:solidFill>
+                  <a:srgbClr val="C00000"/>
+                </a:solidFill>
+                <a:ln>
+                  <a:solidFill>
+                    <a:srgbClr val="C00000"/>
+                  </a:solidFill>
+                </a:ln>
+              </p:spPr>
+              <p:style>
+                <a:lnRef idx="2">
+                  <a:schemeClr val="accent1">
+                    <a:shade val="50000"/>
+                  </a:schemeClr>
+                </a:lnRef>
+                <a:fillRef idx="1">
+                  <a:schemeClr val="accent1"/>
+                </a:fillRef>
+                <a:effectRef idx="0">
+                  <a:schemeClr val="accent1"/>
+                </a:effectRef>
+                <a:fontRef idx="minor">
+                  <a:schemeClr val="lt1"/>
+                </a:fontRef>
+              </p:style>
+              <p:txBody>
+                <a:bodyPr rtlCol="0" anchor="ctr"/>
+                <a:lstStyle/>
+                <a:p>
+                  <a:pPr algn="ctr"/>
+                  <a:endParaRPr lang="en-US" dirty="0">
+                    <a:solidFill>
+                      <a:schemeClr val="bg1"/>
+                    </a:solidFill>
+                  </a:endParaRPr>
+                </a:p>
+              </p:txBody>
+            </p:sp>
+            <p:sp>
+              <p:nvSpPr>
+                <p:cNvPr id="10" name="TextBox 9">
+                  <a:extLst>
+                    <a:ext uri="{FF2B5EF4-FFF2-40B4-BE49-F238E27FC236}">
+                      <a16:creationId xmlns:a16="http://schemas.microsoft.com/office/drawing/2014/main" id="{F4B7BA13-E195-2D4E-9F69-533CD6394595}"/>
+                    </a:ext>
+                  </a:extLst>
+                </p:cNvPr>
+                <p:cNvSpPr txBox="1"/>
+                <p:nvPr/>
+              </p:nvSpPr>
+              <p:spPr>
+                <a:xfrm rot="16200000">
+                  <a:off x="-372633" y="6606022"/>
+                  <a:ext cx="2567139" cy="363270"/>
+                </a:xfrm>
+                <a:prstGeom prst="rect">
+                  <a:avLst/>
+                </a:prstGeom>
+                <a:noFill/>
+              </p:spPr>
+              <p:txBody>
+                <a:bodyPr wrap="square" rtlCol="0">
+                  <a:spAutoFit/>
+                </a:bodyPr>
+                <a:lstStyle/>
+                <a:p>
+                  <a:pPr algn="ctr"/>
+                  <a:r>
+                    <a:rPr lang="en-US" sz="1600" dirty="0">
+                      <a:solidFill>
+                        <a:schemeClr val="bg1"/>
+                      </a:solidFill>
+                    </a:rPr>
+                    <a:t>Functional</a:t>
+                  </a:r>
+                </a:p>
+              </p:txBody>
+            </p:sp>
+            <p:sp>
+              <p:nvSpPr>
+                <p:cNvPr id="11" name="TextBox 10">
+                  <a:extLst>
+                    <a:ext uri="{FF2B5EF4-FFF2-40B4-BE49-F238E27FC236}">
+                      <a16:creationId xmlns:a16="http://schemas.microsoft.com/office/drawing/2014/main" id="{CBBBA5C0-CC89-8F47-BCD1-C1EDFBD0BB7A}"/>
+                    </a:ext>
+                  </a:extLst>
+                </p:cNvPr>
+                <p:cNvSpPr txBox="1"/>
+                <p:nvPr/>
+              </p:nvSpPr>
+              <p:spPr>
+                <a:xfrm rot="16200000">
+                  <a:off x="681303" y="6816756"/>
+                  <a:ext cx="2567139" cy="363270"/>
+                </a:xfrm>
+                <a:prstGeom prst="rect">
+                  <a:avLst/>
+                </a:prstGeom>
+                <a:noFill/>
+              </p:spPr>
+              <p:txBody>
+                <a:bodyPr wrap="square" rtlCol="0">
+                  <a:spAutoFit/>
+                </a:bodyPr>
+                <a:lstStyle/>
+                <a:p>
+                  <a:pPr algn="ctr"/>
+                  <a:r>
+                    <a:rPr lang="en-US" sz="1600" dirty="0">
+                      <a:solidFill>
+                        <a:schemeClr val="bg1"/>
+                      </a:solidFill>
+                    </a:rPr>
+                    <a:t>Non Functional</a:t>
+                  </a:r>
+                </a:p>
+              </p:txBody>
+            </p:sp>
+            <p:sp>
+              <p:nvSpPr>
+                <p:cNvPr id="12" name="TextBox 11">
+                  <a:extLst>
+                    <a:ext uri="{FF2B5EF4-FFF2-40B4-BE49-F238E27FC236}">
+                      <a16:creationId xmlns:a16="http://schemas.microsoft.com/office/drawing/2014/main" id="{2F1412FD-BDEC-9E43-8FEA-97CBDB86E20D}"/>
+                    </a:ext>
+                  </a:extLst>
+                </p:cNvPr>
+                <p:cNvSpPr txBox="1"/>
+                <p:nvPr/>
+              </p:nvSpPr>
+              <p:spPr>
+                <a:xfrm rot="16200000">
+                  <a:off x="-414576" y="3497413"/>
+                  <a:ext cx="2567139" cy="363270"/>
+                </a:xfrm>
+                <a:prstGeom prst="rect">
+                  <a:avLst/>
+                </a:prstGeom>
+                <a:noFill/>
+              </p:spPr>
+              <p:txBody>
+                <a:bodyPr wrap="square" rtlCol="0">
+                  <a:spAutoFit/>
+                </a:bodyPr>
+                <a:lstStyle/>
+                <a:p>
+                  <a:pPr algn="ctr"/>
+                  <a:r>
+                    <a:rPr lang="en-US" sz="1600" dirty="0">
+                      <a:solidFill>
+                        <a:schemeClr val="bg1"/>
+                      </a:solidFill>
+                    </a:rPr>
+                    <a:t>475 FH</a:t>
+                  </a:r>
+                </a:p>
+              </p:txBody>
+            </p:sp>
+            <p:sp>
+              <p:nvSpPr>
+                <p:cNvPr id="13" name="TextBox 12">
+                  <a:extLst>
+                    <a:ext uri="{FF2B5EF4-FFF2-40B4-BE49-F238E27FC236}">
+                      <a16:creationId xmlns:a16="http://schemas.microsoft.com/office/drawing/2014/main" id="{BAA51E26-5831-3A4D-95D2-7E8DEE89B93B}"/>
+                    </a:ext>
+                  </a:extLst>
+                </p:cNvPr>
+                <p:cNvSpPr txBox="1"/>
+                <p:nvPr/>
+              </p:nvSpPr>
+              <p:spPr>
+                <a:xfrm rot="16200000">
+                  <a:off x="722570" y="4922050"/>
+                  <a:ext cx="2567138" cy="363270"/>
+                </a:xfrm>
+                <a:prstGeom prst="rect">
+                  <a:avLst/>
+                </a:prstGeom>
+                <a:noFill/>
+              </p:spPr>
+              <p:txBody>
+                <a:bodyPr wrap="square" rtlCol="0">
+                  <a:spAutoFit/>
+                </a:bodyPr>
+                <a:lstStyle/>
+                <a:p>
+                  <a:pPr algn="ctr"/>
+                  <a:r>
+                    <a:rPr lang="en-US" sz="1600" dirty="0">
+                      <a:solidFill>
+                        <a:schemeClr val="bg1"/>
+                      </a:solidFill>
+                    </a:rPr>
+                    <a:t>150 FH</a:t>
+                  </a:r>
+                </a:p>
+              </p:txBody>
+            </p:sp>
+          </p:grpSp>
+        </p:grpSp>
+        <p:grpSp>
+          <p:nvGrpSpPr>
+            <p:cNvPr id="14" name="Group 13">
+              <a:extLst>
+                <a:ext uri="{FF2B5EF4-FFF2-40B4-BE49-F238E27FC236}">
+                  <a16:creationId xmlns:a16="http://schemas.microsoft.com/office/drawing/2014/main" id="{947973A6-E225-4447-9954-8BD85EB2790D}"/>
+                </a:ext>
+              </a:extLst>
+            </p:cNvPr>
+            <p:cNvGrpSpPr/>
+            <p:nvPr/>
+          </p:nvGrpSpPr>
+          <p:grpSpPr>
+            <a:xfrm>
+              <a:off x="307250" y="3429000"/>
+              <a:ext cx="7736835" cy="2584175"/>
+              <a:chOff x="-310728" y="3789149"/>
+              <a:chExt cx="7736835" cy="2584175"/>
+            </a:xfrm>
+          </p:grpSpPr>
+          <p:sp>
+            <p:nvSpPr>
+              <p:cNvPr id="15" name="Rectangle 14">
+                <a:extLst>
+                  <a:ext uri="{FF2B5EF4-FFF2-40B4-BE49-F238E27FC236}">
+                    <a16:creationId xmlns:a16="http://schemas.microsoft.com/office/drawing/2014/main" id="{90A56903-341A-D44D-BEC3-CEEA1CF9D550}"/>
+                  </a:ext>
+                </a:extLst>
+              </p:cNvPr>
+              <p:cNvSpPr/>
+              <p:nvPr/>
+            </p:nvSpPr>
+            <p:spPr>
+              <a:xfrm>
+                <a:off x="2081750" y="4181957"/>
+                <a:ext cx="4170769" cy="314542"/>
+              </a:xfrm>
+              <a:prstGeom prst="rect">
+                <a:avLst/>
+              </a:prstGeom>
+              <a:solidFill>
+                <a:srgbClr val="00B050"/>
+              </a:solidFill>
+              <a:ln>
+                <a:solidFill>
+                  <a:srgbClr val="00B050"/>
+                </a:solidFill>
+              </a:ln>
+            </p:spPr>
+            <p:style>
+              <a:lnRef idx="2">
+                <a:schemeClr val="accent1">
+                  <a:shade val="50000"/>
+                </a:schemeClr>
+              </a:lnRef>
+              <a:fillRef idx="1">
+                <a:schemeClr val="accent1"/>
+              </a:fillRef>
+              <a:effectRef idx="0">
+                <a:schemeClr val="accent1"/>
+              </a:effectRef>
+              <a:fontRef idx="minor">
+                <a:schemeClr val="lt1"/>
+              </a:fontRef>
+            </p:style>
+            <p:txBody>
+              <a:bodyPr rtlCol="0" anchor="ctr"/>
+              <a:lstStyle/>
+              <a:p>
+                <a:pPr algn="ctr"/>
+                <a:endParaRPr lang="en-US" dirty="0">
+                  <a:solidFill>
+                    <a:schemeClr val="bg1"/>
+                  </a:solidFill>
+                </a:endParaRPr>
+              </a:p>
+            </p:txBody>
+          </p:sp>
+          <p:sp>
+            <p:nvSpPr>
+              <p:cNvPr id="16" name="TextBox 15">
+                <a:extLst>
+                  <a:ext uri="{FF2B5EF4-FFF2-40B4-BE49-F238E27FC236}">
+                    <a16:creationId xmlns:a16="http://schemas.microsoft.com/office/drawing/2014/main" id="{4F85B660-AE62-C84B-9A84-D082A25DEE90}"/>
+                  </a:ext>
+                </a:extLst>
+              </p:cNvPr>
+              <p:cNvSpPr txBox="1"/>
+              <p:nvPr/>
+            </p:nvSpPr>
+            <p:spPr>
+              <a:xfrm>
+                <a:off x="-310728" y="4143498"/>
+                <a:ext cx="2392478" cy="338554"/>
+              </a:xfrm>
+              <a:prstGeom prst="rect">
+                <a:avLst/>
+              </a:prstGeom>
+              <a:noFill/>
+            </p:spPr>
+            <p:txBody>
+              <a:bodyPr wrap="square" rtlCol="0">
+                <a:spAutoFit/>
+              </a:bodyPr>
+              <a:lstStyle/>
+              <a:p>
+                <a:pPr algn="r"/>
+                <a:r>
+                  <a:rPr lang="en-US" sz="1600" dirty="0">
+                    <a:solidFill>
+                      <a:schemeClr val="bg1"/>
+                    </a:solidFill>
+                  </a:rPr>
+                  <a:t>Enough</a:t>
+                </a:r>
+              </a:p>
+            </p:txBody>
+          </p:sp>
+          <p:sp>
+            <p:nvSpPr>
+              <p:cNvPr id="17" name="Rectangle 16">
+                <a:extLst>
+                  <a:ext uri="{FF2B5EF4-FFF2-40B4-BE49-F238E27FC236}">
+                    <a16:creationId xmlns:a16="http://schemas.microsoft.com/office/drawing/2014/main" id="{07E32D39-BE53-D64E-9C9D-C10B2BC5DB1A}"/>
+                  </a:ext>
+                </a:extLst>
+              </p:cNvPr>
+              <p:cNvSpPr/>
+              <p:nvPr/>
+            </p:nvSpPr>
+            <p:spPr>
+              <a:xfrm>
+                <a:off x="2081751" y="4653240"/>
+                <a:ext cx="2613818" cy="314543"/>
+              </a:xfrm>
+              <a:prstGeom prst="rect">
+                <a:avLst/>
+              </a:prstGeom>
+              <a:solidFill>
+                <a:srgbClr val="C00000"/>
+              </a:solidFill>
+              <a:ln>
+                <a:solidFill>
+                  <a:srgbClr val="C00000"/>
+                </a:solidFill>
+              </a:ln>
+            </p:spPr>
+            <p:style>
+              <a:lnRef idx="2">
+                <a:schemeClr val="accent1">
+                  <a:shade val="50000"/>
+                </a:schemeClr>
+              </a:lnRef>
+              <a:fillRef idx="1">
+                <a:schemeClr val="accent1"/>
+              </a:fillRef>
+              <a:effectRef idx="0">
+                <a:schemeClr val="accent1"/>
+              </a:effectRef>
+              <a:fontRef idx="minor">
+                <a:schemeClr val="lt1"/>
+              </a:fontRef>
+            </p:style>
+            <p:txBody>
+              <a:bodyPr rtlCol="0" anchor="ctr"/>
+              <a:lstStyle/>
+              <a:p>
+                <a:pPr algn="ctr"/>
+                <a:endParaRPr lang="en-US" dirty="0">
+                  <a:solidFill>
+                    <a:schemeClr val="bg1"/>
+                  </a:solidFill>
+                </a:endParaRPr>
+              </a:p>
+            </p:txBody>
+          </p:sp>
+          <p:sp>
+            <p:nvSpPr>
+              <p:cNvPr id="18" name="Rectangle 17">
+                <a:extLst>
+                  <a:ext uri="{FF2B5EF4-FFF2-40B4-BE49-F238E27FC236}">
+                    <a16:creationId xmlns:a16="http://schemas.microsoft.com/office/drawing/2014/main" id="{F976BEDE-225E-9B4C-BC0F-1E60DF0C67FD}"/>
+                  </a:ext>
+                </a:extLst>
+              </p:cNvPr>
+              <p:cNvSpPr/>
+              <p:nvPr/>
+            </p:nvSpPr>
+            <p:spPr>
+              <a:xfrm>
+                <a:off x="2081750" y="5117752"/>
+                <a:ext cx="1394618" cy="314543"/>
+              </a:xfrm>
+              <a:prstGeom prst="rect">
+                <a:avLst/>
+              </a:prstGeom>
+              <a:solidFill>
+                <a:srgbClr val="C00000"/>
+              </a:solidFill>
+              <a:ln>
+                <a:solidFill>
+                  <a:srgbClr val="C00000"/>
+                </a:solidFill>
+              </a:ln>
+            </p:spPr>
+            <p:style>
+              <a:lnRef idx="2">
+                <a:schemeClr val="accent1">
+                  <a:shade val="50000"/>
+                </a:schemeClr>
+              </a:lnRef>
+              <a:fillRef idx="1">
+                <a:schemeClr val="accent1"/>
+              </a:fillRef>
+              <a:effectRef idx="0">
+                <a:schemeClr val="accent1"/>
+              </a:effectRef>
+              <a:fontRef idx="minor">
+                <a:schemeClr val="lt1"/>
+              </a:fontRef>
+            </p:style>
+            <p:txBody>
+              <a:bodyPr rtlCol="0" anchor="ctr"/>
+              <a:lstStyle/>
+              <a:p>
+                <a:pPr algn="ctr"/>
+                <a:endParaRPr lang="en-US" dirty="0">
+                  <a:solidFill>
+                    <a:schemeClr val="bg1"/>
+                  </a:solidFill>
+                </a:endParaRPr>
+              </a:p>
+            </p:txBody>
+          </p:sp>
+          <p:sp>
+            <p:nvSpPr>
+              <p:cNvPr id="19" name="Rectangle 18">
+                <a:extLst>
+                  <a:ext uri="{FF2B5EF4-FFF2-40B4-BE49-F238E27FC236}">
+                    <a16:creationId xmlns:a16="http://schemas.microsoft.com/office/drawing/2014/main" id="{D0D0DC87-9D69-FA40-BBA2-05637B3CDF38}"/>
+                  </a:ext>
+                </a:extLst>
+              </p:cNvPr>
+              <p:cNvSpPr/>
+              <p:nvPr/>
+            </p:nvSpPr>
+            <p:spPr>
+              <a:xfrm>
+                <a:off x="2081750" y="5582264"/>
+                <a:ext cx="1163958" cy="314543"/>
+              </a:xfrm>
+              <a:prstGeom prst="rect">
+                <a:avLst/>
+              </a:prstGeom>
+              <a:solidFill>
+                <a:srgbClr val="C00000"/>
+              </a:solidFill>
+              <a:ln>
+                <a:solidFill>
+                  <a:srgbClr val="C00000"/>
+                </a:solidFill>
+              </a:ln>
+            </p:spPr>
+            <p:style>
+              <a:lnRef idx="2">
+                <a:schemeClr val="accent1">
+                  <a:shade val="50000"/>
+                </a:schemeClr>
+              </a:lnRef>
+              <a:fillRef idx="1">
+                <a:schemeClr val="accent1"/>
+              </a:fillRef>
+              <a:effectRef idx="0">
+                <a:schemeClr val="accent1"/>
+              </a:effectRef>
+              <a:fontRef idx="minor">
+                <a:schemeClr val="lt1"/>
+              </a:fontRef>
+            </p:style>
+            <p:txBody>
+              <a:bodyPr rtlCol="0" anchor="ctr"/>
+              <a:lstStyle/>
+              <a:p>
+                <a:pPr algn="ctr"/>
+                <a:endParaRPr lang="en-US" dirty="0">
+                  <a:solidFill>
+                    <a:schemeClr val="bg1"/>
+                  </a:solidFill>
+                </a:endParaRPr>
+              </a:p>
+            </p:txBody>
+          </p:sp>
+          <p:sp>
+            <p:nvSpPr>
+              <p:cNvPr id="22" name="Rectangle 21">
+                <a:extLst>
+                  <a:ext uri="{FF2B5EF4-FFF2-40B4-BE49-F238E27FC236}">
+                    <a16:creationId xmlns:a16="http://schemas.microsoft.com/office/drawing/2014/main" id="{E1CD4354-4763-C147-A9A4-EA162C36D420}"/>
+                  </a:ext>
+                </a:extLst>
+              </p:cNvPr>
+              <p:cNvSpPr/>
+              <p:nvPr/>
+            </p:nvSpPr>
+            <p:spPr>
+              <a:xfrm>
+                <a:off x="2081750" y="6046776"/>
+                <a:ext cx="513169" cy="314543"/>
+              </a:xfrm>
+              <a:prstGeom prst="rect">
+                <a:avLst/>
+              </a:prstGeom>
+              <a:solidFill>
+                <a:srgbClr val="C00000"/>
+              </a:solidFill>
+              <a:ln>
+                <a:solidFill>
+                  <a:srgbClr val="C00000"/>
+                </a:solidFill>
+              </a:ln>
+            </p:spPr>
+            <p:style>
+              <a:lnRef idx="2">
+                <a:schemeClr val="accent1">
+                  <a:shade val="50000"/>
+                </a:schemeClr>
+              </a:lnRef>
+              <a:fillRef idx="1">
+                <a:schemeClr val="accent1"/>
+              </a:fillRef>
+              <a:effectRef idx="0">
+                <a:schemeClr val="accent1"/>
+              </a:effectRef>
+              <a:fontRef idx="minor">
+                <a:schemeClr val="lt1"/>
+              </a:fontRef>
+            </p:style>
+            <p:txBody>
+              <a:bodyPr rtlCol="0" anchor="ctr"/>
+              <a:lstStyle/>
+              <a:p>
+                <a:pPr algn="ctr"/>
+                <a:endParaRPr lang="en-US" dirty="0">
+                  <a:solidFill>
+                    <a:schemeClr val="bg1"/>
+                  </a:solidFill>
+                </a:endParaRPr>
+              </a:p>
+            </p:txBody>
+          </p:sp>
+          <p:sp>
+            <p:nvSpPr>
+              <p:cNvPr id="23" name="TextBox 22">
+                <a:extLst>
+                  <a:ext uri="{FF2B5EF4-FFF2-40B4-BE49-F238E27FC236}">
+                    <a16:creationId xmlns:a16="http://schemas.microsoft.com/office/drawing/2014/main" id="{16614BEA-E63C-7D44-B2D4-ED326DB65036}"/>
+                  </a:ext>
+                </a:extLst>
+              </p:cNvPr>
+              <p:cNvSpPr txBox="1"/>
+              <p:nvPr/>
+            </p:nvSpPr>
+            <p:spPr>
+              <a:xfrm>
+                <a:off x="-310728" y="4607070"/>
+                <a:ext cx="2392478" cy="338554"/>
+              </a:xfrm>
+              <a:prstGeom prst="rect">
+                <a:avLst/>
+              </a:prstGeom>
+              <a:noFill/>
+            </p:spPr>
+            <p:txBody>
+              <a:bodyPr wrap="square" rtlCol="0">
+                <a:spAutoFit/>
+              </a:bodyPr>
+              <a:lstStyle/>
+              <a:p>
+                <a:pPr algn="r"/>
+                <a:r>
+                  <a:rPr lang="en-US" sz="1600" dirty="0">
+                    <a:solidFill>
+                      <a:schemeClr val="bg1"/>
+                    </a:solidFill>
+                  </a:rPr>
+                  <a:t>Insufficient</a:t>
+                </a:r>
+              </a:p>
+            </p:txBody>
+          </p:sp>
+          <p:sp>
+            <p:nvSpPr>
+              <p:cNvPr id="24" name="TextBox 23">
+                <a:extLst>
+                  <a:ext uri="{FF2B5EF4-FFF2-40B4-BE49-F238E27FC236}">
+                    <a16:creationId xmlns:a16="http://schemas.microsoft.com/office/drawing/2014/main" id="{2C421175-9CD8-744A-986A-973E8B69FADC}"/>
+                  </a:ext>
+                </a:extLst>
+              </p:cNvPr>
+              <p:cNvSpPr txBox="1"/>
+              <p:nvPr/>
+            </p:nvSpPr>
+            <p:spPr>
+              <a:xfrm>
+                <a:off x="-310728" y="5067834"/>
+                <a:ext cx="2392478" cy="338554"/>
+              </a:xfrm>
+              <a:prstGeom prst="rect">
+                <a:avLst/>
+              </a:prstGeom>
+              <a:noFill/>
+            </p:spPr>
+            <p:txBody>
+              <a:bodyPr wrap="square" rtlCol="0">
+                <a:spAutoFit/>
+              </a:bodyPr>
+              <a:lstStyle/>
+              <a:p>
+                <a:pPr algn="r"/>
+                <a:r>
+                  <a:rPr lang="en-US" sz="1600" dirty="0">
+                    <a:solidFill>
+                      <a:schemeClr val="bg1"/>
+                    </a:solidFill>
+                  </a:rPr>
+                  <a:t>Dry</a:t>
+                </a:r>
+              </a:p>
+            </p:txBody>
+          </p:sp>
+          <p:sp>
+            <p:nvSpPr>
+              <p:cNvPr id="25" name="TextBox 24">
+                <a:extLst>
+                  <a:ext uri="{FF2B5EF4-FFF2-40B4-BE49-F238E27FC236}">
+                    <a16:creationId xmlns:a16="http://schemas.microsoft.com/office/drawing/2014/main" id="{A23E87F1-EE11-394E-802F-1C2C22677C42}"/>
+                  </a:ext>
+                </a:extLst>
+              </p:cNvPr>
+              <p:cNvSpPr txBox="1"/>
+              <p:nvPr/>
+            </p:nvSpPr>
+            <p:spPr>
+              <a:xfrm>
+                <a:off x="-310728" y="5536543"/>
+                <a:ext cx="2392478" cy="338554"/>
+              </a:xfrm>
+              <a:prstGeom prst="rect">
+                <a:avLst/>
+              </a:prstGeom>
+              <a:noFill/>
+            </p:spPr>
+            <p:txBody>
+              <a:bodyPr wrap="square" rtlCol="0">
+                <a:spAutoFit/>
+              </a:bodyPr>
+              <a:lstStyle/>
+              <a:p>
+                <a:pPr algn="r"/>
+                <a:r>
+                  <a:rPr lang="en-US" sz="1600" dirty="0">
+                    <a:solidFill>
+                      <a:schemeClr val="bg1"/>
+                    </a:solidFill>
+                  </a:rPr>
+                  <a:t>Seasonal</a:t>
+                </a:r>
+              </a:p>
+            </p:txBody>
+          </p:sp>
+          <p:sp>
+            <p:nvSpPr>
+              <p:cNvPr id="26" name="TextBox 25">
+                <a:extLst>
+                  <a:ext uri="{FF2B5EF4-FFF2-40B4-BE49-F238E27FC236}">
+                    <a16:creationId xmlns:a16="http://schemas.microsoft.com/office/drawing/2014/main" id="{F8446089-7B7D-594F-AD37-EDF1DF46F9E8}"/>
+                  </a:ext>
+                </a:extLst>
+              </p:cNvPr>
+              <p:cNvSpPr txBox="1"/>
+              <p:nvPr/>
+            </p:nvSpPr>
+            <p:spPr>
+              <a:xfrm>
+                <a:off x="-304844" y="5995874"/>
+                <a:ext cx="2392478" cy="338554"/>
+              </a:xfrm>
+              <a:prstGeom prst="rect">
+                <a:avLst/>
+              </a:prstGeom>
+              <a:noFill/>
+            </p:spPr>
+            <p:txBody>
+              <a:bodyPr wrap="square" rtlCol="0">
+                <a:spAutoFit/>
+              </a:bodyPr>
+              <a:lstStyle/>
+              <a:p>
+                <a:pPr algn="r"/>
+                <a:r>
+                  <a:rPr lang="en-US" sz="1600" dirty="0">
+                    <a:solidFill>
+                      <a:schemeClr val="bg1"/>
+                    </a:solidFill>
+                  </a:rPr>
+                  <a:t>Unknown</a:t>
+                </a:r>
+              </a:p>
+            </p:txBody>
+          </p:sp>
+          <p:sp>
+            <p:nvSpPr>
+              <p:cNvPr id="27" name="TextBox 26">
+                <a:extLst>
+                  <a:ext uri="{FF2B5EF4-FFF2-40B4-BE49-F238E27FC236}">
+                    <a16:creationId xmlns:a16="http://schemas.microsoft.com/office/drawing/2014/main" id="{1136782A-D666-8348-90E0-E3265900B884}"/>
+                  </a:ext>
+                </a:extLst>
+              </p:cNvPr>
+              <p:cNvSpPr txBox="1"/>
+              <p:nvPr/>
+            </p:nvSpPr>
+            <p:spPr>
+              <a:xfrm>
+                <a:off x="341820" y="3789149"/>
+                <a:ext cx="5344357" cy="400110"/>
+              </a:xfrm>
+              <a:prstGeom prst="rect">
+                <a:avLst/>
+              </a:prstGeom>
+              <a:noFill/>
+            </p:spPr>
+            <p:txBody>
+              <a:bodyPr wrap="square" rtlCol="0">
+                <a:spAutoFit/>
+              </a:bodyPr>
+              <a:lstStyle/>
+              <a:p>
+                <a:pPr algn="ctr"/>
+                <a:r>
+                  <a:rPr lang="en-US" sz="2000" u="sng" dirty="0">
+                    <a:solidFill>
+                      <a:schemeClr val="bg1"/>
+                    </a:solidFill>
+                  </a:rPr>
+                  <a:t>Amount of Static Head by Water Quantity</a:t>
+                </a:r>
+              </a:p>
+            </p:txBody>
+          </p:sp>
+          <p:sp>
+            <p:nvSpPr>
+              <p:cNvPr id="28" name="TextBox 27">
+                <a:extLst>
+                  <a:ext uri="{FF2B5EF4-FFF2-40B4-BE49-F238E27FC236}">
+                    <a16:creationId xmlns:a16="http://schemas.microsoft.com/office/drawing/2014/main" id="{484F1665-3C28-264B-83CA-4CEFB0AA2DF8}"/>
+                  </a:ext>
+                </a:extLst>
+              </p:cNvPr>
+              <p:cNvSpPr txBox="1"/>
+              <p:nvPr/>
+            </p:nvSpPr>
+            <p:spPr>
+              <a:xfrm>
+                <a:off x="5815696" y="4139173"/>
+                <a:ext cx="1610411" cy="338554"/>
+              </a:xfrm>
+              <a:prstGeom prst="rect">
+                <a:avLst/>
+              </a:prstGeom>
+              <a:noFill/>
+            </p:spPr>
+            <p:txBody>
+              <a:bodyPr wrap="square" rtlCol="0">
+                <a:spAutoFit/>
+              </a:bodyPr>
+              <a:lstStyle/>
+              <a:p>
+                <a:pPr algn="ctr"/>
+                <a:r>
+                  <a:rPr lang="en-US" sz="1600" dirty="0">
+                    <a:solidFill>
+                      <a:schemeClr val="bg1"/>
+                    </a:solidFill>
+                  </a:rPr>
+                  <a:t>426 FH</a:t>
+                </a:r>
+              </a:p>
+            </p:txBody>
+          </p:sp>
+          <p:sp>
+            <p:nvSpPr>
+              <p:cNvPr id="29" name="TextBox 28">
+                <a:extLst>
+                  <a:ext uri="{FF2B5EF4-FFF2-40B4-BE49-F238E27FC236}">
+                    <a16:creationId xmlns:a16="http://schemas.microsoft.com/office/drawing/2014/main" id="{F6D6F797-A4AE-1A46-AB69-A1363800D07D}"/>
+                  </a:ext>
+                </a:extLst>
+              </p:cNvPr>
+              <p:cNvSpPr txBox="1"/>
+              <p:nvPr/>
+            </p:nvSpPr>
+            <p:spPr>
+              <a:xfrm>
+                <a:off x="3874783" y="4641234"/>
+                <a:ext cx="2392478" cy="338554"/>
+              </a:xfrm>
+              <a:prstGeom prst="rect">
+                <a:avLst/>
+              </a:prstGeom>
+              <a:noFill/>
+            </p:spPr>
+            <p:txBody>
+              <a:bodyPr wrap="square" rtlCol="0">
+                <a:spAutoFit/>
+              </a:bodyPr>
+              <a:lstStyle/>
+              <a:p>
+                <a:pPr algn="ctr"/>
+                <a:r>
+                  <a:rPr lang="en-US" sz="1600" dirty="0">
+                    <a:solidFill>
+                      <a:schemeClr val="bg1"/>
+                    </a:solidFill>
+                  </a:rPr>
+                  <a:t>260 FH</a:t>
+                </a:r>
+              </a:p>
+            </p:txBody>
+          </p:sp>
+          <p:sp>
+            <p:nvSpPr>
+              <p:cNvPr id="30" name="TextBox 29">
+                <a:extLst>
+                  <a:ext uri="{FF2B5EF4-FFF2-40B4-BE49-F238E27FC236}">
+                    <a16:creationId xmlns:a16="http://schemas.microsoft.com/office/drawing/2014/main" id="{B0861D3F-B019-964B-8FCE-924E7B5495A6}"/>
+                  </a:ext>
+                </a:extLst>
+              </p:cNvPr>
+              <p:cNvSpPr txBox="1"/>
+              <p:nvPr/>
+            </p:nvSpPr>
+            <p:spPr>
+              <a:xfrm>
+                <a:off x="2678544" y="5030800"/>
+                <a:ext cx="2392478" cy="338554"/>
+              </a:xfrm>
+              <a:prstGeom prst="rect">
+                <a:avLst/>
+              </a:prstGeom>
+              <a:noFill/>
+            </p:spPr>
+            <p:txBody>
+              <a:bodyPr wrap="square" rtlCol="0">
+                <a:spAutoFit/>
+              </a:bodyPr>
+              <a:lstStyle/>
+              <a:p>
+                <a:pPr algn="ctr"/>
+                <a:r>
+                  <a:rPr lang="en-US" sz="1600" dirty="0">
+                    <a:solidFill>
+                      <a:schemeClr val="bg1"/>
+                    </a:solidFill>
+                  </a:rPr>
+                  <a:t>135 FH</a:t>
+                </a:r>
+              </a:p>
+            </p:txBody>
+          </p:sp>
+          <p:sp>
+            <p:nvSpPr>
+              <p:cNvPr id="31" name="TextBox 30">
+                <a:extLst>
+                  <a:ext uri="{FF2B5EF4-FFF2-40B4-BE49-F238E27FC236}">
+                    <a16:creationId xmlns:a16="http://schemas.microsoft.com/office/drawing/2014/main" id="{FFC74EDC-064D-3C41-9A17-08FA0DA10FE3}"/>
+                  </a:ext>
+                </a:extLst>
+              </p:cNvPr>
+              <p:cNvSpPr txBox="1"/>
+              <p:nvPr/>
+            </p:nvSpPr>
+            <p:spPr>
+              <a:xfrm>
+                <a:off x="2469226" y="5564255"/>
+                <a:ext cx="2392478" cy="338554"/>
+              </a:xfrm>
+              <a:prstGeom prst="rect">
+                <a:avLst/>
+              </a:prstGeom>
+              <a:noFill/>
+            </p:spPr>
+            <p:txBody>
+              <a:bodyPr wrap="square" rtlCol="0">
+                <a:spAutoFit/>
+              </a:bodyPr>
+              <a:lstStyle/>
+              <a:p>
+                <a:pPr algn="ctr"/>
+                <a:r>
+                  <a:rPr lang="en-US" sz="1600" dirty="0">
+                    <a:solidFill>
+                      <a:schemeClr val="bg1"/>
+                    </a:solidFill>
+                  </a:rPr>
+                  <a:t>116 FH</a:t>
+                </a:r>
+              </a:p>
+            </p:txBody>
+          </p:sp>
+          <p:sp>
+            <p:nvSpPr>
+              <p:cNvPr id="32" name="TextBox 31">
+                <a:extLst>
+                  <a:ext uri="{FF2B5EF4-FFF2-40B4-BE49-F238E27FC236}">
+                    <a16:creationId xmlns:a16="http://schemas.microsoft.com/office/drawing/2014/main" id="{9432C451-194A-DC45-8E87-57BFC013F9AC}"/>
+                  </a:ext>
+                </a:extLst>
+              </p:cNvPr>
+              <p:cNvSpPr txBox="1"/>
+              <p:nvPr/>
+            </p:nvSpPr>
+            <p:spPr>
+              <a:xfrm>
+                <a:off x="1774656" y="6034770"/>
+                <a:ext cx="2392478" cy="338554"/>
+              </a:xfrm>
+              <a:prstGeom prst="rect">
+                <a:avLst/>
+              </a:prstGeom>
+              <a:noFill/>
+            </p:spPr>
+            <p:txBody>
+              <a:bodyPr wrap="square" rtlCol="0">
+                <a:spAutoFit/>
+              </a:bodyPr>
+              <a:lstStyle/>
+              <a:p>
+                <a:pPr algn="ctr"/>
+                <a:r>
+                  <a:rPr lang="en-US" sz="1600" dirty="0">
+                    <a:solidFill>
+                      <a:schemeClr val="bg1"/>
+                    </a:solidFill>
+                  </a:rPr>
+                  <a:t>68 FH</a:t>
+                </a:r>
+              </a:p>
+            </p:txBody>
+          </p:sp>
+        </p:grpSp>
+      </p:grpSp>
+    </p:spTree>
+    <p:extLst>
+      <p:ext uri="{BB962C8B-B14F-4D97-AF65-F5344CB8AC3E}">
+        <p14:creationId xmlns:p14="http://schemas.microsoft.com/office/powerpoint/2010/main" val="1074346151"/>
+      </p:ext>
+    </p:extLst>
+  </p:cSld>
+  <p:clrMapOvr>
+    <a:masterClrMapping/>
+  </p:clrMapOvr>
+  <mc:AlternateContent xmlns:mc="http://schemas.openxmlformats.org/markup-compatibility/2006">
+    <mc:Choice xmlns:p14="http://schemas.microsoft.com/office/powerpoint/2010/main" Requires="p14">
+      <p:transition spd="med" p14:dur="700">
+        <p:fade/>
+      </p:transition>
+    </mc:Choice>
+    <mc:Fallback>
+      <p:transition spd="med">
+        <p:fade/>
+      </p:transition>
+    </mc:Fallback>
+  </mc:AlternateContent>
+</p:sld>
+</file>
+
+<file path=ppt/slides/slide19.xml><?xml version="1.0" encoding="utf-8"?>
+<p:sld xmlns:a="http://schemas.openxmlformats.org/drawingml/2006/main" xmlns:r="http://schemas.openxmlformats.org/officeDocument/2006/relationships" xmlns:p="http://schemas.openxmlformats.org/presentationml/2006/main">
+  <p:cSld>
+    <p:bg>
+      <p:bgPr>
+        <a:solidFill>
+          <a:schemeClr val="tx1"/>
+        </a:solidFill>
+        <a:effectLst/>
+      </p:bgPr>
+    </p:bg>
+    <p:spTree>
+      <p:nvGrpSpPr>
+        <p:cNvPr id="1" name=""/>
+        <p:cNvGrpSpPr/>
+        <p:nvPr/>
+      </p:nvGrpSpPr>
+      <p:grpSpPr>
+        <a:xfrm>
+          <a:off x="0" y="0"/>
+          <a:ext cx="0" cy="0"/>
+          <a:chOff x="0" y="0"/>
+          <a:chExt cx="0" cy="0"/>
+        </a:xfrm>
+      </p:grpSpPr>
+      <p:grpSp>
+        <p:nvGrpSpPr>
+          <p:cNvPr id="3" name="Group 2">
+            <a:extLst>
+              <a:ext uri="{FF2B5EF4-FFF2-40B4-BE49-F238E27FC236}">
+                <a16:creationId xmlns:a16="http://schemas.microsoft.com/office/drawing/2014/main" id="{BF2E0F8A-27EB-C243-8109-2A40BE659330}"/>
+              </a:ext>
+            </a:extLst>
+          </p:cNvPr>
+          <p:cNvGrpSpPr/>
+          <p:nvPr/>
+        </p:nvGrpSpPr>
+        <p:grpSpPr>
+          <a:xfrm>
+            <a:off x="1873187" y="825889"/>
+            <a:ext cx="6054435" cy="4844424"/>
+            <a:chOff x="319595" y="1074463"/>
+            <a:chExt cx="6054435" cy="4844424"/>
+          </a:xfrm>
+        </p:grpSpPr>
+        <p:pic>
+          <p:nvPicPr>
+            <p:cNvPr id="33" name="Picture 32" descr="Chart, line chart&#10;&#10;Description automatically generated">
+              <a:extLst>
+                <a:ext uri="{FF2B5EF4-FFF2-40B4-BE49-F238E27FC236}">
+                  <a16:creationId xmlns:a16="http://schemas.microsoft.com/office/drawing/2014/main" id="{56D967F1-BD80-DB46-B69C-7E18FBC55779}"/>
+                </a:ext>
+              </a:extLst>
+            </p:cNvPr>
+            <p:cNvPicPr>
+              <a:picLocks noChangeAspect="1"/>
+            </p:cNvPicPr>
+            <p:nvPr/>
+          </p:nvPicPr>
+          <p:blipFill>
+            <a:blip r:embed="rId2">
+              <a:extLst>
+                <a:ext uri="{28A0092B-C50C-407E-A947-70E740481C1C}">
+                  <a14:useLocalDpi xmlns:a14="http://schemas.microsoft.com/office/drawing/2010/main" val="0"/>
+                </a:ext>
+              </a:extLst>
+            </a:blip>
+            <a:stretch>
+              <a:fillRect/>
+            </a:stretch>
+          </p:blipFill>
+          <p:spPr>
+            <a:xfrm>
+              <a:off x="455612" y="1474573"/>
+              <a:ext cx="5918418" cy="4444314"/>
+            </a:xfrm>
+            <a:prstGeom prst="rect">
+              <a:avLst/>
+            </a:prstGeom>
+          </p:spPr>
+        </p:pic>
+        <p:sp>
+          <p:nvSpPr>
+            <p:cNvPr id="34" name="TextBox 33">
+              <a:extLst>
+                <a:ext uri="{FF2B5EF4-FFF2-40B4-BE49-F238E27FC236}">
+                  <a16:creationId xmlns:a16="http://schemas.microsoft.com/office/drawing/2014/main" id="{C6C7B4E7-59CF-F544-8F94-84F7C4ADBD0A}"/>
+                </a:ext>
+              </a:extLst>
+            </p:cNvPr>
+            <p:cNvSpPr txBox="1"/>
+            <p:nvPr/>
+          </p:nvSpPr>
+          <p:spPr>
+            <a:xfrm>
+              <a:off x="319595" y="1074463"/>
+              <a:ext cx="4607511" cy="400110"/>
+            </a:xfrm>
+            <a:prstGeom prst="rect">
+              <a:avLst/>
+            </a:prstGeom>
+            <a:noFill/>
+          </p:spPr>
+          <p:txBody>
+            <a:bodyPr wrap="square" rtlCol="0">
+              <a:spAutoFit/>
+            </a:bodyPr>
+            <a:lstStyle/>
+            <a:p>
+              <a:r>
+                <a:rPr lang="en-US" sz="2000" dirty="0">
+                  <a:solidFill>
+                    <a:schemeClr val="bg1"/>
+                  </a:solidFill>
+                </a:rPr>
+                <a:t>Percent Non-Functional by Well Age</a:t>
+              </a:r>
+            </a:p>
+          </p:txBody>
+        </p:sp>
+      </p:grpSp>
+    </p:spTree>
+    <p:extLst>
+      <p:ext uri="{BB962C8B-B14F-4D97-AF65-F5344CB8AC3E}">
+        <p14:creationId xmlns:p14="http://schemas.microsoft.com/office/powerpoint/2010/main" val="44820738"/>
+      </p:ext>
+    </p:extLst>
+  </p:cSld>
+  <p:clrMapOvr>
+    <a:masterClrMapping/>
+  </p:clrMapOvr>
+  <mc:AlternateContent xmlns:mc="http://schemas.openxmlformats.org/markup-compatibility/2006">
+    <mc:Choice xmlns:p14="http://schemas.microsoft.com/office/powerpoint/2010/main" Requires="p14">
+      <p:transition spd="med" p14:dur="700">
+        <p:fade/>
+      </p:transition>
+    </mc:Choice>
+    <mc:Fallback>
+      <p:transition spd="med">
+        <p:fade/>
+      </p:transition>
+    </mc:Fallback>
+  </mc:AlternateContent>
+</p:sld>
+</file>
+
 <file path=ppt/slides/slide2.xml><?xml version="1.0" encoding="utf-8"?>
 <p:sld xmlns:a="http://schemas.openxmlformats.org/drawingml/2006/main" xmlns:r="http://schemas.openxmlformats.org/officeDocument/2006/relationships" xmlns:p="http://schemas.openxmlformats.org/presentationml/2006/main">
   <p:cSld>
@@ -5791,122 +8034,164 @@
           </a:p>
         </p:txBody>
       </p:sp>
-      <p:pic>
-        <p:nvPicPr>
-          <p:cNvPr id="12" name="Picture 11" descr="Map&#10;&#10;Description automatically generated">
+      <p:grpSp>
+        <p:nvGrpSpPr>
+          <p:cNvPr id="3" name="Group 2">
             <a:extLst>
               <a:ext uri="{FF2B5EF4-FFF2-40B4-BE49-F238E27FC236}">
-                <a16:creationId xmlns:a16="http://schemas.microsoft.com/office/drawing/2014/main" id="{171844DE-BD09-6C41-90CE-0CE35ED509C3}"/>
+                <a16:creationId xmlns:a16="http://schemas.microsoft.com/office/drawing/2014/main" id="{0FFCC976-23A2-6F48-A324-424B39D490D4}"/>
               </a:ext>
             </a:extLst>
           </p:cNvPr>
-          <p:cNvPicPr>
-            <a:picLocks noChangeAspect="1"/>
-          </p:cNvPicPr>
+          <p:cNvGrpSpPr/>
           <p:nvPr/>
-        </p:nvPicPr>
-        <p:blipFill>
-          <a:blip r:embed="rId2">
-            <a:extLst>
-              <a:ext uri="{28A0092B-C50C-407E-A947-70E740481C1C}">
-                <a14:useLocalDpi xmlns:a14="http://schemas.microsoft.com/office/drawing/2010/main" val="0"/>
-              </a:ext>
-            </a:extLst>
-          </a:blip>
-          <a:stretch>
-            <a:fillRect/>
-          </a:stretch>
-        </p:blipFill>
-        <p:spPr>
-          <a:xfrm>
-            <a:off x="582642" y="1522685"/>
-            <a:ext cx="5302510" cy="5144814"/>
-          </a:xfrm>
-          <a:prstGeom prst="rect">
-            <a:avLst/>
-          </a:prstGeom>
-        </p:spPr>
-      </p:pic>
-      <p:sp>
-        <p:nvSpPr>
-          <p:cNvPr id="15" name="TextBox 14">
-            <a:extLst>
-              <a:ext uri="{FF2B5EF4-FFF2-40B4-BE49-F238E27FC236}">
-                <a16:creationId xmlns:a16="http://schemas.microsoft.com/office/drawing/2014/main" id="{9593FD1F-DAAC-FD4D-BEA4-4DA3E2C2187D}"/>
-              </a:ext>
-            </a:extLst>
-          </p:cNvPr>
-          <p:cNvSpPr txBox="1"/>
-          <p:nvPr/>
-        </p:nvSpPr>
-        <p:spPr>
-          <a:xfrm>
-            <a:off x="1616680" y="3448761"/>
-            <a:ext cx="2567138" cy="430887"/>
-          </a:xfrm>
-          <a:prstGeom prst="rect">
-            <a:avLst/>
-          </a:prstGeom>
-          <a:noFill/>
-        </p:spPr>
-        <p:txBody>
-          <a:bodyPr wrap="square" rtlCol="0">
-            <a:spAutoFit/>
-          </a:bodyPr>
-          <a:lstStyle/>
-          <a:p>
-            <a:pPr algn="ctr"/>
-            <a:r>
-              <a:rPr lang="en-US" sz="2200" b="1" dirty="0">
-                <a:solidFill>
-                  <a:schemeClr val="bg1"/>
-                </a:solidFill>
-              </a:rPr>
-              <a:t>Tanzania</a:t>
-            </a:r>
-          </a:p>
-        </p:txBody>
-      </p:sp>
-      <p:sp>
-        <p:nvSpPr>
-          <p:cNvPr id="16" name="Rectangle 15">
-            <a:extLst>
-              <a:ext uri="{FF2B5EF4-FFF2-40B4-BE49-F238E27FC236}">
-                <a16:creationId xmlns:a16="http://schemas.microsoft.com/office/drawing/2014/main" id="{1D0A5C6A-CB3B-5447-BA2D-A99D52C34C1F}"/>
-              </a:ext>
-            </a:extLst>
-          </p:cNvPr>
-          <p:cNvSpPr/>
-          <p:nvPr/>
-        </p:nvSpPr>
-        <p:spPr>
+        </p:nvGrpSpPr>
+        <p:grpSpPr>
           <a:xfrm>
             <a:off x="582642" y="999465"/>
-            <a:ext cx="5275803" cy="523220"/>
+            <a:ext cx="5302510" cy="5668034"/>
+            <a:chOff x="582642" y="999465"/>
+            <a:chExt cx="5302510" cy="5668034"/>
           </a:xfrm>
-          <a:prstGeom prst="rect">
-            <a:avLst/>
-          </a:prstGeom>
-        </p:spPr>
-        <p:txBody>
-          <a:bodyPr wrap="none">
-            <a:spAutoFit/>
-          </a:bodyPr>
-          <a:lstStyle/>
-          <a:p>
-            <a:r>
-              <a:rPr lang="en-US" dirty="0"/>
-              <a:t>Non-Functional wells that support over 1,000 citizens </a:t>
-            </a:r>
-          </a:p>
-          <a:p>
-            <a:r>
-              <a:rPr lang="en-US" sz="1000" dirty="0"/>
-              <a:t>(sized by population)</a:t>
-            </a:r>
-          </a:p>
-        </p:txBody>
-      </p:sp>
+        </p:grpSpPr>
+        <p:grpSp>
+          <p:nvGrpSpPr>
+            <p:cNvPr id="2" name="Group 1">
+              <a:extLst>
+                <a:ext uri="{FF2B5EF4-FFF2-40B4-BE49-F238E27FC236}">
+                  <a16:creationId xmlns:a16="http://schemas.microsoft.com/office/drawing/2014/main" id="{26704C0B-0574-304C-B4BB-F795A883EBF6}"/>
+                </a:ext>
+              </a:extLst>
+            </p:cNvPr>
+            <p:cNvGrpSpPr/>
+            <p:nvPr/>
+          </p:nvGrpSpPr>
+          <p:grpSpPr>
+            <a:xfrm>
+              <a:off x="582642" y="1522685"/>
+              <a:ext cx="5302510" cy="5144814"/>
+              <a:chOff x="582642" y="1522685"/>
+              <a:chExt cx="5302510" cy="5144814"/>
+            </a:xfrm>
+          </p:grpSpPr>
+          <p:pic>
+            <p:nvPicPr>
+              <p:cNvPr id="12" name="Picture 11" descr="Map&#10;&#10;Description automatically generated">
+                <a:extLst>
+                  <a:ext uri="{FF2B5EF4-FFF2-40B4-BE49-F238E27FC236}">
+                    <a16:creationId xmlns:a16="http://schemas.microsoft.com/office/drawing/2014/main" id="{171844DE-BD09-6C41-90CE-0CE35ED509C3}"/>
+                  </a:ext>
+                </a:extLst>
+              </p:cNvPr>
+              <p:cNvPicPr>
+                <a:picLocks noChangeAspect="1"/>
+              </p:cNvPicPr>
+              <p:nvPr/>
+            </p:nvPicPr>
+            <p:blipFill>
+              <a:blip r:embed="rId2">
+                <a:extLst>
+                  <a:ext uri="{28A0092B-C50C-407E-A947-70E740481C1C}">
+                    <a14:useLocalDpi xmlns:a14="http://schemas.microsoft.com/office/drawing/2010/main" val="0"/>
+                  </a:ext>
+                </a:extLst>
+              </a:blip>
+              <a:stretch>
+                <a:fillRect/>
+              </a:stretch>
+            </p:blipFill>
+            <p:spPr>
+              <a:xfrm>
+                <a:off x="582642" y="1522685"/>
+                <a:ext cx="5302510" cy="5144814"/>
+              </a:xfrm>
+              <a:prstGeom prst="rect">
+                <a:avLst/>
+              </a:prstGeom>
+            </p:spPr>
+          </p:pic>
+          <p:sp>
+            <p:nvSpPr>
+              <p:cNvPr id="15" name="TextBox 14">
+                <a:extLst>
+                  <a:ext uri="{FF2B5EF4-FFF2-40B4-BE49-F238E27FC236}">
+                    <a16:creationId xmlns:a16="http://schemas.microsoft.com/office/drawing/2014/main" id="{9593FD1F-DAAC-FD4D-BEA4-4DA3E2C2187D}"/>
+                  </a:ext>
+                </a:extLst>
+              </p:cNvPr>
+              <p:cNvSpPr txBox="1"/>
+              <p:nvPr/>
+            </p:nvSpPr>
+            <p:spPr>
+              <a:xfrm>
+                <a:off x="1616680" y="3448761"/>
+                <a:ext cx="2567138" cy="430887"/>
+              </a:xfrm>
+              <a:prstGeom prst="rect">
+                <a:avLst/>
+              </a:prstGeom>
+              <a:noFill/>
+            </p:spPr>
+            <p:txBody>
+              <a:bodyPr wrap="square" rtlCol="0">
+                <a:spAutoFit/>
+              </a:bodyPr>
+              <a:lstStyle/>
+              <a:p>
+                <a:pPr algn="ctr"/>
+                <a:r>
+                  <a:rPr lang="en-US" sz="2200" b="1" dirty="0">
+                    <a:solidFill>
+                      <a:schemeClr val="bg1"/>
+                    </a:solidFill>
+                  </a:rPr>
+                  <a:t>Tanzania</a:t>
+                </a:r>
+              </a:p>
+            </p:txBody>
+          </p:sp>
+        </p:grpSp>
+        <p:sp>
+          <p:nvSpPr>
+            <p:cNvPr id="16" name="Rectangle 15">
+              <a:extLst>
+                <a:ext uri="{FF2B5EF4-FFF2-40B4-BE49-F238E27FC236}">
+                  <a16:creationId xmlns:a16="http://schemas.microsoft.com/office/drawing/2014/main" id="{1D0A5C6A-CB3B-5447-BA2D-A99D52C34C1F}"/>
+                </a:ext>
+              </a:extLst>
+            </p:cNvPr>
+            <p:cNvSpPr/>
+            <p:nvPr/>
+          </p:nvSpPr>
+          <p:spPr>
+            <a:xfrm>
+              <a:off x="582642" y="999465"/>
+              <a:ext cx="5275803" cy="523220"/>
+            </a:xfrm>
+            <a:prstGeom prst="rect">
+              <a:avLst/>
+            </a:prstGeom>
+          </p:spPr>
+          <p:txBody>
+            <a:bodyPr wrap="none">
+              <a:spAutoFit/>
+            </a:bodyPr>
+            <a:lstStyle/>
+            <a:p>
+              <a:r>
+                <a:rPr lang="en-US" dirty="0"/>
+                <a:t>Non-Functional wells that support over 1,000 citizens </a:t>
+              </a:r>
+            </a:p>
+            <a:p>
+              <a:r>
+                <a:rPr lang="en-US" sz="1000" dirty="0"/>
+                <a:t>(sized by population)</a:t>
+              </a:r>
+            </a:p>
+          </p:txBody>
+        </p:sp>
+      </p:grpSp>
     </p:spTree>
     <p:extLst>
       <p:ext uri="{BB962C8B-B14F-4D97-AF65-F5344CB8AC3E}">
@@ -5924,6 +8209,152 @@
       </p:transition>
     </mc:Choice>
     <mc:Fallback xmlns="">
+      <p:transition spd="med">
+        <p:fade/>
+      </p:transition>
+    </mc:Fallback>
+  </mc:AlternateContent>
+</p:sld>
+</file>
+
+<file path=ppt/slides/slide20.xml><?xml version="1.0" encoding="utf-8"?>
+<p:sld xmlns:a="http://schemas.openxmlformats.org/drawingml/2006/main" xmlns:r="http://schemas.openxmlformats.org/officeDocument/2006/relationships" xmlns:p="http://schemas.openxmlformats.org/presentationml/2006/main">
+  <p:cSld>
+    <p:bg>
+      <p:bgPr>
+        <a:solidFill>
+          <a:schemeClr val="tx1"/>
+        </a:solidFill>
+        <a:effectLst/>
+      </p:bgPr>
+    </p:bg>
+    <p:spTree>
+      <p:nvGrpSpPr>
+        <p:cNvPr id="1" name=""/>
+        <p:cNvGrpSpPr/>
+        <p:nvPr/>
+      </p:nvGrpSpPr>
+      <p:grpSpPr>
+        <a:xfrm>
+          <a:off x="0" y="0"/>
+          <a:ext cx="0" cy="0"/>
+          <a:chOff x="0" y="0"/>
+          <a:chExt cx="0" cy="0"/>
+        </a:xfrm>
+      </p:grpSpPr>
+      <p:grpSp>
+        <p:nvGrpSpPr>
+          <p:cNvPr id="5" name="Group 4">
+            <a:extLst>
+              <a:ext uri="{FF2B5EF4-FFF2-40B4-BE49-F238E27FC236}">
+                <a16:creationId xmlns:a16="http://schemas.microsoft.com/office/drawing/2014/main" id="{1732660A-EB2B-E542-AD5C-1746A7B71298}"/>
+              </a:ext>
+            </a:extLst>
+          </p:cNvPr>
+          <p:cNvGrpSpPr/>
+          <p:nvPr/>
+        </p:nvGrpSpPr>
+        <p:grpSpPr>
+          <a:xfrm>
+            <a:off x="2265074" y="790545"/>
+            <a:ext cx="4062054" cy="5276910"/>
+            <a:chOff x="2265074" y="1450461"/>
+            <a:chExt cx="4062054" cy="5276910"/>
+          </a:xfrm>
+        </p:grpSpPr>
+        <p:pic>
+          <p:nvPicPr>
+            <p:cNvPr id="4" name="Picture 3" descr="Chart&#10;&#10;Description automatically generated">
+              <a:extLst>
+                <a:ext uri="{FF2B5EF4-FFF2-40B4-BE49-F238E27FC236}">
+                  <a16:creationId xmlns:a16="http://schemas.microsoft.com/office/drawing/2014/main" id="{6E131660-AB53-EC46-93B9-A5E8DC77236F}"/>
+                </a:ext>
+              </a:extLst>
+            </p:cNvPr>
+            <p:cNvPicPr>
+              <a:picLocks noChangeAspect="1"/>
+            </p:cNvPicPr>
+            <p:nvPr/>
+          </p:nvPicPr>
+          <p:blipFill>
+            <a:blip r:embed="rId2">
+              <a:extLst>
+                <a:ext uri="{28A0092B-C50C-407E-A947-70E740481C1C}">
+                  <a14:useLocalDpi xmlns:a14="http://schemas.microsoft.com/office/drawing/2010/main" val="0"/>
+                </a:ext>
+              </a:extLst>
+            </a:blip>
+            <a:stretch>
+              <a:fillRect/>
+            </a:stretch>
+          </p:blipFill>
+          <p:spPr>
+            <a:xfrm>
+              <a:off x="2353164" y="1850571"/>
+              <a:ext cx="3973963" cy="4876800"/>
+            </a:xfrm>
+            <a:prstGeom prst="rect">
+              <a:avLst/>
+            </a:prstGeom>
+          </p:spPr>
+        </p:pic>
+        <p:sp>
+          <p:nvSpPr>
+            <p:cNvPr id="7" name="TextBox 6">
+              <a:extLst>
+                <a:ext uri="{FF2B5EF4-FFF2-40B4-BE49-F238E27FC236}">
+                  <a16:creationId xmlns:a16="http://schemas.microsoft.com/office/drawing/2014/main" id="{DFB1FF56-1EBB-9B42-845A-986F762DE5CB}"/>
+                </a:ext>
+              </a:extLst>
+            </p:cNvPr>
+            <p:cNvSpPr txBox="1"/>
+            <p:nvPr/>
+          </p:nvSpPr>
+          <p:spPr>
+            <a:xfrm>
+              <a:off x="2265074" y="1450461"/>
+              <a:ext cx="4062054" cy="400110"/>
+            </a:xfrm>
+            <a:prstGeom prst="rect">
+              <a:avLst/>
+            </a:prstGeom>
+            <a:noFill/>
+          </p:spPr>
+          <p:txBody>
+            <a:bodyPr wrap="square" rtlCol="0">
+              <a:spAutoFit/>
+            </a:bodyPr>
+            <a:lstStyle/>
+            <a:p>
+              <a:r>
+                <a:rPr lang="en-US" sz="2000" dirty="0">
+                  <a:solidFill>
+                    <a:schemeClr val="bg1"/>
+                  </a:solidFill>
+                </a:rPr>
+                <a:t>Random Forest Model Results</a:t>
+              </a:r>
+            </a:p>
+          </p:txBody>
+        </p:sp>
+      </p:grpSp>
+    </p:spTree>
+    <p:extLst>
+      <p:ext uri="{BB962C8B-B14F-4D97-AF65-F5344CB8AC3E}">
+        <p14:creationId xmlns:p14="http://schemas.microsoft.com/office/powerpoint/2010/main" val="3253407832"/>
+      </p:ext>
+    </p:extLst>
+  </p:cSld>
+  <p:clrMapOvr>
+    <a:masterClrMapping/>
+  </p:clrMapOvr>
+  <mc:AlternateContent xmlns:mc="http://schemas.openxmlformats.org/markup-compatibility/2006">
+    <mc:Choice xmlns:p14="http://schemas.microsoft.com/office/powerpoint/2010/main" Requires="p14">
+      <p:transition spd="med" p14:dur="700">
+        <p:fade/>
+      </p:transition>
+    </mc:Choice>
+    <mc:Fallback>
       <p:transition spd="med">
         <p:fade/>
       </p:transition>

--- a/Stakeholder Presentation.pptx
+++ b/Stakeholder Presentation.pptx
@@ -236,7 +236,7 @@
           <a:p>
             <a:fld id="{59088EAF-6ECA-4616-85EF-35AA19C641F3}" type="datetimeFigureOut">
               <a:rPr lang="en-US"/>
-              <a:t>5/23/21</a:t>
+              <a:t>5/26/21</a:t>
             </a:fld>
             <a:endParaRPr/>
           </a:p>
@@ -401,7 +401,7 @@
           <a:p>
             <a:fld id="{3ABD2D7A-D230-4F91-BD59-0A39C2703BA8}" type="datetimeFigureOut">
               <a:rPr lang="en-US"/>
-              <a:t>5/23/21</a:t>
+              <a:t>5/26/21</a:t>
             </a:fld>
             <a:endParaRPr/>
           </a:p>
@@ -707,6 +707,90 @@
           <a:bodyPr/>
           <a:lstStyle/>
           <a:p>
+            <a:endParaRPr lang="en-US" dirty="0"/>
+          </a:p>
+        </p:txBody>
+      </p:sp>
+      <p:sp>
+        <p:nvSpPr>
+          <p:cNvPr id="4" name="Slide Number Placeholder 3"/>
+          <p:cNvSpPr>
+            <a:spLocks noGrp="1"/>
+          </p:cNvSpPr>
+          <p:nvPr>
+            <p:ph type="sldNum" sz="quarter" idx="5"/>
+          </p:nvPr>
+        </p:nvSpPr>
+        <p:spPr/>
+        <p:txBody>
+          <a:bodyPr/>
+          <a:lstStyle/>
+          <a:p>
+            <a:fld id="{F93199CD-3E1B-4AE6-990F-76F925F5EA9F}" type="slidenum">
+              <a:rPr lang="en-US" smtClean="0"/>
+              <a:t>4</a:t>
+            </a:fld>
+            <a:endParaRPr lang="en-US"/>
+          </a:p>
+        </p:txBody>
+      </p:sp>
+    </p:spTree>
+    <p:extLst>
+      <p:ext uri="{BB962C8B-B14F-4D97-AF65-F5344CB8AC3E}">
+        <p14:creationId xmlns:p14="http://schemas.microsoft.com/office/powerpoint/2010/main" val="1529270263"/>
+      </p:ext>
+    </p:extLst>
+  </p:cSld>
+  <p:clrMapOvr>
+    <a:masterClrMapping/>
+  </p:clrMapOvr>
+</p:notes>
+</file>
+
+<file path=ppt/notesSlides/notesSlide2.xml><?xml version="1.0" encoding="utf-8"?>
+<p:notes xmlns:a="http://schemas.openxmlformats.org/drawingml/2006/main" xmlns:r="http://schemas.openxmlformats.org/officeDocument/2006/relationships" xmlns:p="http://schemas.openxmlformats.org/presentationml/2006/main">
+  <p:cSld>
+    <p:spTree>
+      <p:nvGrpSpPr>
+        <p:cNvPr id="1" name=""/>
+        <p:cNvGrpSpPr/>
+        <p:nvPr/>
+      </p:nvGrpSpPr>
+      <p:grpSpPr>
+        <a:xfrm>
+          <a:off x="0" y="0"/>
+          <a:ext cx="0" cy="0"/>
+          <a:chOff x="0" y="0"/>
+          <a:chExt cx="0" cy="0"/>
+        </a:xfrm>
+      </p:grpSpPr>
+      <p:sp>
+        <p:nvSpPr>
+          <p:cNvPr id="2" name="Slide Image Placeholder 1"/>
+          <p:cNvSpPr>
+            <a:spLocks noGrp="1" noRot="1" noChangeAspect="1"/>
+          </p:cNvSpPr>
+          <p:nvPr>
+            <p:ph type="sldImg"/>
+          </p:nvPr>
+        </p:nvSpPr>
+        <p:spPr/>
+      </p:sp>
+      <p:sp>
+        <p:nvSpPr>
+          <p:cNvPr id="3" name="Notes Placeholder 2"/>
+          <p:cNvSpPr>
+            <a:spLocks noGrp="1"/>
+          </p:cNvSpPr>
+          <p:nvPr>
+            <p:ph type="body" idx="1"/>
+          </p:nvPr>
+        </p:nvSpPr>
+        <p:spPr/>
+        <p:txBody>
+          <a:bodyPr/>
+          <a:lstStyle/>
+          <a:p>
             <a:r>
               <a:rPr lang="en-US" dirty="0"/>
               <a:t>The estimates for full bathroom square feet from an online search for ”average full bathroom size”. </a:t>
@@ -1097,7 +1181,7 @@
           <a:p>
             <a:fld id="{03F41C87-7AD9-4845-A077-840E4A0F3F06}" type="datetimeFigureOut">
               <a:rPr lang="en-US"/>
-              <a:t>5/23/21</a:t>
+              <a:t>5/26/21</a:t>
             </a:fld>
             <a:endParaRPr/>
           </a:p>
@@ -1289,7 +1373,7 @@
           <a:p>
             <a:fld id="{03F41C87-7AD9-4845-A077-840E4A0F3F06}" type="datetimeFigureOut">
               <a:rPr lang="en-US"/>
-              <a:t>5/23/21</a:t>
+              <a:t>5/26/21</a:t>
             </a:fld>
             <a:endParaRPr/>
           </a:p>
@@ -1478,7 +1562,7 @@
           <a:p>
             <a:fld id="{03F41C87-7AD9-4845-A077-840E4A0F3F06}" type="datetimeFigureOut">
               <a:rPr lang="en-US"/>
-              <a:t>5/23/21</a:t>
+              <a:t>5/26/21</a:t>
             </a:fld>
             <a:endParaRPr/>
           </a:p>
@@ -1758,7 +1842,7 @@
           <a:p>
             <a:fld id="{03F41C87-7AD9-4845-A077-840E4A0F3F06}" type="datetimeFigureOut">
               <a:rPr lang="en-US"/>
-              <a:t>5/23/21</a:t>
+              <a:t>5/26/21</a:t>
             </a:fld>
             <a:endParaRPr/>
           </a:p>
@@ -2062,7 +2146,7 @@
           <a:p>
             <a:fld id="{03F41C87-7AD9-4845-A077-840E4A0F3F06}" type="datetimeFigureOut">
               <a:rPr lang="en-US"/>
-              <a:t>5/23/21</a:t>
+              <a:t>5/26/21</a:t>
             </a:fld>
             <a:endParaRPr/>
           </a:p>
@@ -2518,7 +2602,7 @@
           <a:p>
             <a:fld id="{03F41C87-7AD9-4845-A077-840E4A0F3F06}" type="datetimeFigureOut">
               <a:rPr lang="en-US"/>
-              <a:t>5/23/21</a:t>
+              <a:t>5/26/21</a:t>
             </a:fld>
             <a:endParaRPr/>
           </a:p>
@@ -2648,7 +2732,7 @@
           <a:p>
             <a:fld id="{03F41C87-7AD9-4845-A077-840E4A0F3F06}" type="datetimeFigureOut">
               <a:rPr lang="en-US"/>
-              <a:t>5/23/21</a:t>
+              <a:t>5/26/21</a:t>
             </a:fld>
             <a:endParaRPr/>
           </a:p>
@@ -2763,7 +2847,7 @@
           <a:p>
             <a:fld id="{03F41C87-7AD9-4845-A077-840E4A0F3F06}" type="datetimeFigureOut">
               <a:rPr lang="en-US"/>
-              <a:t>5/23/21</a:t>
+              <a:t>5/26/21</a:t>
             </a:fld>
             <a:endParaRPr/>
           </a:p>
@@ -3085,7 +3169,7 @@
           <a:p>
             <a:fld id="{03F41C87-7AD9-4845-A077-840E4A0F3F06}" type="datetimeFigureOut">
               <a:rPr lang="en-US"/>
-              <a:t>5/23/21</a:t>
+              <a:t>5/26/21</a:t>
             </a:fld>
             <a:endParaRPr/>
           </a:p>
@@ -3397,7 +3481,7 @@
             <a:fld id="{03F41C87-7AD9-4845-A077-840E4A0F3F06}" type="datetimeFigureOut">
               <a:rPr lang="en-US"/>
               <a:pPr/>
-              <a:t>5/23/21</a:t>
+              <a:t>5/26/21</a:t>
             </a:fld>
             <a:endParaRPr/>
           </a:p>
@@ -3651,7 +3735,7 @@
             <a:fld id="{03F41C87-7AD9-4845-A077-840E4A0F3F06}" type="datetimeFigureOut">
               <a:rPr lang="en-US" smtClean="0"/>
               <a:pPr/>
-              <a:t>5/23/21</a:t>
+              <a:t>5/26/21</a:t>
             </a:fld>
             <a:endParaRPr lang="en-US"/>
           </a:p>
@@ -6445,13 +6529,13 @@
   <p:clrMapOvr>
     <a:masterClrMapping/>
   </p:clrMapOvr>
-  <mc:AlternateContent xmlns:mc="http://schemas.openxmlformats.org/markup-compatibility/2006">
-    <mc:Choice xmlns:p14="http://schemas.microsoft.com/office/powerpoint/2010/main" Requires="p14">
+  <mc:AlternateContent xmlns:mc="http://schemas.openxmlformats.org/markup-compatibility/2006" xmlns:p14="http://schemas.microsoft.com/office/powerpoint/2010/main">
+    <mc:Choice Requires="p14">
       <p:transition spd="med" p14:dur="700">
         <p:fade/>
       </p:transition>
     </mc:Choice>
-    <mc:Fallback>
+    <mc:Fallback xmlns="">
       <p:transition spd="med">
         <p:fade/>
       </p:transition>
@@ -6608,13 +6692,13 @@
   <p:clrMapOvr>
     <a:masterClrMapping/>
   </p:clrMapOvr>
-  <mc:AlternateContent xmlns:mc="http://schemas.openxmlformats.org/markup-compatibility/2006">
-    <mc:Choice xmlns:p14="http://schemas.microsoft.com/office/powerpoint/2010/main" Requires="p14">
+  <mc:AlternateContent xmlns:mc="http://schemas.openxmlformats.org/markup-compatibility/2006" xmlns:p14="http://schemas.microsoft.com/office/powerpoint/2010/main">
+    <mc:Choice Requires="p14">
       <p:transition spd="med" p14:dur="700">
         <p:fade/>
       </p:transition>
     </mc:Choice>
-    <mc:Fallback>
+    <mc:Fallback xmlns="">
       <p:transition spd="med">
         <p:fade/>
       </p:transition>
@@ -7788,13 +7872,13 @@
   <p:clrMapOvr>
     <a:masterClrMapping/>
   </p:clrMapOvr>
-  <mc:AlternateContent xmlns:mc="http://schemas.openxmlformats.org/markup-compatibility/2006">
-    <mc:Choice xmlns:p14="http://schemas.microsoft.com/office/powerpoint/2010/main" Requires="p14">
+  <mc:AlternateContent xmlns:mc="http://schemas.openxmlformats.org/markup-compatibility/2006" xmlns:p14="http://schemas.microsoft.com/office/powerpoint/2010/main">
+    <mc:Choice Requires="p14">
       <p:transition spd="med" p14:dur="700">
         <p:fade/>
       </p:transition>
     </mc:Choice>
-    <mc:Fallback>
+    <mc:Fallback xmlns="">
       <p:transition spd="med">
         <p:fade/>
       </p:transition>
@@ -7934,13 +8018,13 @@
   <p:clrMapOvr>
     <a:masterClrMapping/>
   </p:clrMapOvr>
-  <mc:AlternateContent xmlns:mc="http://schemas.openxmlformats.org/markup-compatibility/2006">
-    <mc:Choice xmlns:p14="http://schemas.microsoft.com/office/powerpoint/2010/main" Requires="p14">
+  <mc:AlternateContent xmlns:mc="http://schemas.openxmlformats.org/markup-compatibility/2006" xmlns:p14="http://schemas.microsoft.com/office/powerpoint/2010/main">
+    <mc:Choice Requires="p14">
       <p:transition spd="med" p14:dur="700">
         <p:fade/>
       </p:transition>
     </mc:Choice>
-    <mc:Fallback>
+    <mc:Fallback xmlns="">
       <p:transition spd="med">
         <p:fade/>
       </p:transition>
@@ -8017,19 +8101,67 @@
           <a:p>
             <a:r>
               <a:rPr lang="en-US" dirty="0"/>
-              <a:t>Tanzania has almost 60,000 water wells in dataset with 45% not functional, leaving 4.6M people without a reliable water source</a:t>
-            </a:r>
-          </a:p>
-          <a:p>
+              <a:t>Tanzania has almost </a:t>
+            </a:r>
+            <a:r>
+              <a:rPr lang="en-US" dirty="0">
+                <a:solidFill>
+                  <a:srgbClr val="FF0000"/>
+                </a:solidFill>
+              </a:rPr>
+              <a:t>60,000 water wells</a:t>
+            </a:r>
             <a:r>
               <a:rPr lang="en-US" dirty="0"/>
-              <a:t>Humans can only live up to 3 days without water</a:t>
-            </a:r>
-          </a:p>
-          <a:p>
+              <a:t> in dataset with </a:t>
+            </a:r>
+            <a:r>
+              <a:rPr lang="en-US" dirty="0">
+                <a:solidFill>
+                  <a:srgbClr val="FF0000"/>
+                </a:solidFill>
+              </a:rPr>
+              <a:t>45% not functional</a:t>
+            </a:r>
             <a:r>
               <a:rPr lang="en-US" dirty="0"/>
-              <a:t>Ability to predict water well failures and respond quickly can be the difference between life and death</a:t>
+              <a:t>, leaving almost </a:t>
+            </a:r>
+            <a:r>
+              <a:rPr lang="en-US" dirty="0">
+                <a:solidFill>
+                  <a:srgbClr val="FF0000"/>
+                </a:solidFill>
+              </a:rPr>
+              <a:t>7M people without a reliable water source</a:t>
+            </a:r>
+          </a:p>
+          <a:p>
+            <a:r>
+              <a:rPr lang="en-US" dirty="0"/>
+              <a:t>Humans can only live up to </a:t>
+            </a:r>
+            <a:r>
+              <a:rPr lang="en-US" dirty="0">
+                <a:solidFill>
+                  <a:srgbClr val="FF0000"/>
+                </a:solidFill>
+              </a:rPr>
+              <a:t>3 days without water</a:t>
+            </a:r>
+          </a:p>
+          <a:p>
+            <a:r>
+              <a:rPr lang="en-US" dirty="0"/>
+              <a:t>Ability to predict water well failures and respond quickly can be the </a:t>
+            </a:r>
+            <a:r>
+              <a:rPr lang="en-US" dirty="0">
+                <a:solidFill>
+                  <a:srgbClr val="FF0000"/>
+                </a:solidFill>
+              </a:rPr>
+              <a:t>difference between life and death</a:t>
             </a:r>
           </a:p>
         </p:txBody>
@@ -8348,13 +8480,13 @@
   <p:clrMapOvr>
     <a:masterClrMapping/>
   </p:clrMapOvr>
-  <mc:AlternateContent xmlns:mc="http://schemas.openxmlformats.org/markup-compatibility/2006">
-    <mc:Choice xmlns:p14="http://schemas.microsoft.com/office/powerpoint/2010/main" Requires="p14">
+  <mc:AlternateContent xmlns:mc="http://schemas.openxmlformats.org/markup-compatibility/2006" xmlns:p14="http://schemas.microsoft.com/office/powerpoint/2010/main">
+    <mc:Choice Requires="p14">
       <p:transition spd="med" p14:dur="700">
         <p:fade/>
       </p:transition>
     </mc:Choice>
-    <mc:Fallback>
+    <mc:Fallback xmlns="">
       <p:transition spd="med">
         <p:fade/>
       </p:transition>
@@ -8419,7 +8551,7 @@
         </p:nvSpPr>
         <p:spPr>
           <a:xfrm>
-            <a:off x="6661250" y="2251239"/>
+            <a:off x="6661250" y="2033600"/>
             <a:ext cx="5047593" cy="3641071"/>
           </a:xfrm>
         </p:spPr>
@@ -8431,19 +8563,59 @@
           <a:p>
             <a:r>
               <a:rPr lang="en-US" dirty="0"/>
-              <a:t>Almost 19,000 water wells with zeros for population, head, well elevation and construction year</a:t>
-            </a:r>
-          </a:p>
-          <a:p>
+              <a:t>Almost </a:t>
+            </a:r>
+            <a:r>
+              <a:rPr lang="en-US" dirty="0">
+                <a:solidFill>
+                  <a:srgbClr val="FF0000"/>
+                </a:solidFill>
+              </a:rPr>
+              <a:t>18,000 water wells with zeros</a:t>
+            </a:r>
             <a:r>
               <a:rPr lang="en-US" dirty="0"/>
-              <a:t>Outliers and improbable values  in head and population that can skew results</a:t>
-            </a:r>
-          </a:p>
-          <a:p>
+              <a:t> for population, head, well elevation and construction year</a:t>
+            </a:r>
+          </a:p>
+          <a:p>
+            <a:r>
+              <a:rPr lang="en-US" dirty="0">
+                <a:solidFill>
+                  <a:srgbClr val="FF0000"/>
+                </a:solidFill>
+              </a:rPr>
+              <a:t>Outliers </a:t>
+            </a:r>
             <a:r>
               <a:rPr lang="en-US" dirty="0"/>
-              <a:t>Zeros in construction year were converted to years based on distribution of non-zero values</a:t>
+              <a:t>and improbable values  in the </a:t>
+            </a:r>
+            <a:r>
+              <a:rPr lang="en-US" dirty="0">
+                <a:solidFill>
+                  <a:srgbClr val="FF0000"/>
+                </a:solidFill>
+              </a:rPr>
+              <a:t>head</a:t>
+            </a:r>
+            <a:r>
+              <a:rPr lang="en-US" dirty="0"/>
+              <a:t> that can skew results</a:t>
+            </a:r>
+          </a:p>
+          <a:p>
+            <a:r>
+              <a:rPr lang="en-US" dirty="0">
+                <a:solidFill>
+                  <a:srgbClr val="FF0000"/>
+                </a:solidFill>
+              </a:rPr>
+              <a:t>Zeros in construction year </a:t>
+            </a:r>
+            <a:r>
+              <a:rPr lang="en-US" dirty="0"/>
+              <a:t>were converted to years based on distribution of non-zero values</a:t>
             </a:r>
           </a:p>
         </p:txBody>
@@ -8462,7 +8634,7 @@
         </p:nvSpPr>
         <p:spPr>
           <a:xfrm>
-            <a:off x="-220164" y="1183329"/>
+            <a:off x="-220164" y="1074509"/>
             <a:ext cx="6881414" cy="4708981"/>
           </a:xfrm>
           <a:prstGeom prst="rect">
@@ -8479,7 +8651,7 @@
             <a:pPr algn="r"/>
             <a:r>
               <a:rPr lang="en-US" sz="30000" b="1" dirty="0"/>
-              <a:t>19K</a:t>
+              <a:t>18K</a:t>
             </a:r>
           </a:p>
         </p:txBody>
@@ -8565,7 +8737,7 @@
         </p:nvSpPr>
         <p:spPr>
           <a:xfrm>
-            <a:off x="6906506" y="1788910"/>
+            <a:off x="6906506" y="2138776"/>
             <a:ext cx="4953000" cy="4039092"/>
           </a:xfrm>
         </p:spPr>
@@ -8660,7 +8832,7 @@
         </p:nvGrpSpPr>
         <p:grpSpPr>
           <a:xfrm>
-            <a:off x="169204" y="1430842"/>
+            <a:off x="169204" y="1476795"/>
             <a:ext cx="3641831" cy="2053243"/>
             <a:chOff x="-124884" y="1673567"/>
             <a:chExt cx="4015953" cy="2264171"/>
@@ -9064,7 +9236,7 @@
         </p:nvGrpSpPr>
         <p:grpSpPr>
           <a:xfrm>
-            <a:off x="3515859" y="793492"/>
+            <a:off x="3515859" y="839445"/>
             <a:ext cx="2983900" cy="2313074"/>
             <a:chOff x="358570" y="3364376"/>
             <a:chExt cx="4336401" cy="3361512"/>
@@ -9412,7 +9584,7 @@
         </p:nvSpPr>
         <p:spPr>
           <a:xfrm>
-            <a:off x="3223991" y="1991552"/>
+            <a:off x="3223991" y="2121409"/>
             <a:ext cx="546538" cy="305590"/>
           </a:xfrm>
           <a:prstGeom prst="rightArrow">
@@ -9446,10 +9618,10 @@
       </p:sp>
       <p:grpSp>
         <p:nvGrpSpPr>
-          <p:cNvPr id="53" name="Group 52">
+          <p:cNvPr id="61" name="Group 60">
             <a:extLst>
               <a:ext uri="{FF2B5EF4-FFF2-40B4-BE49-F238E27FC236}">
-                <a16:creationId xmlns:a16="http://schemas.microsoft.com/office/drawing/2014/main" id="{373629C1-C5D4-0345-9176-E71749972D57}"/>
+                <a16:creationId xmlns:a16="http://schemas.microsoft.com/office/drawing/2014/main" id="{225B8433-1000-8845-ABDA-298A55545B8F}"/>
               </a:ext>
             </a:extLst>
           </p:cNvPr>
@@ -9458,18 +9630,18 @@
         </p:nvGrpSpPr>
         <p:grpSpPr>
           <a:xfrm>
-            <a:off x="243163" y="3352156"/>
-            <a:ext cx="5943453" cy="3482595"/>
-            <a:chOff x="243163" y="3352156"/>
-            <a:chExt cx="5943453" cy="3482595"/>
+            <a:off x="107648" y="3454570"/>
+            <a:ext cx="6444419" cy="3280278"/>
+            <a:chOff x="107648" y="3120306"/>
+            <a:chExt cx="6444419" cy="3720870"/>
           </a:xfrm>
         </p:grpSpPr>
         <p:grpSp>
           <p:nvGrpSpPr>
-            <p:cNvPr id="51" name="Group 50">
+            <p:cNvPr id="53" name="Group 52">
               <a:extLst>
                 <a:ext uri="{FF2B5EF4-FFF2-40B4-BE49-F238E27FC236}">
-                  <a16:creationId xmlns:a16="http://schemas.microsoft.com/office/drawing/2014/main" id="{E0A72EE5-2104-1549-8027-312A2637655B}"/>
+                  <a16:creationId xmlns:a16="http://schemas.microsoft.com/office/drawing/2014/main" id="{373629C1-C5D4-0345-9176-E71749972D57}"/>
                 </a:ext>
               </a:extLst>
             </p:cNvPr>
@@ -9478,108 +9650,18 @@
           </p:nvGrpSpPr>
           <p:grpSpPr>
             <a:xfrm>
-              <a:off x="243163" y="3352156"/>
-              <a:ext cx="5943453" cy="3482595"/>
-              <a:chOff x="243163" y="3352156"/>
-              <a:chExt cx="5943453" cy="3482595"/>
+              <a:off x="107648" y="3123571"/>
+              <a:ext cx="6444419" cy="3711180"/>
+              <a:chOff x="107648" y="3123571"/>
+              <a:chExt cx="6444419" cy="3711180"/>
             </a:xfrm>
           </p:grpSpPr>
-          <p:cxnSp>
-            <p:nvCxnSpPr>
-              <p:cNvPr id="49" name="Straight Connector 48">
+          <p:grpSp>
+            <p:nvGrpSpPr>
+              <p:cNvPr id="51" name="Group 50">
                 <a:extLst>
                   <a:ext uri="{FF2B5EF4-FFF2-40B4-BE49-F238E27FC236}">
-                    <a16:creationId xmlns:a16="http://schemas.microsoft.com/office/drawing/2014/main" id="{3E0FA638-9B35-CC4D-A738-ECF527C94AC7}"/>
-                  </a:ext>
-                </a:extLst>
-              </p:cNvPr>
-              <p:cNvCxnSpPr>
-                <a:cxnSpLocks/>
-              </p:cNvCxnSpPr>
-              <p:nvPr/>
-            </p:nvCxnSpPr>
-            <p:spPr>
-              <a:xfrm>
-                <a:off x="934096" y="5463104"/>
-                <a:ext cx="5044648" cy="0"/>
-              </a:xfrm>
-              <a:prstGeom prst="line">
-                <a:avLst/>
-              </a:prstGeom>
-              <a:ln w="6350">
-                <a:solidFill>
-                  <a:schemeClr val="tx1">
-                    <a:lumMod val="85000"/>
-                  </a:schemeClr>
-                </a:solidFill>
-              </a:ln>
-            </p:spPr>
-            <p:style>
-              <a:lnRef idx="1">
-                <a:schemeClr val="accent1"/>
-              </a:lnRef>
-              <a:fillRef idx="0">
-                <a:schemeClr val="accent1"/>
-              </a:fillRef>
-              <a:effectRef idx="0">
-                <a:schemeClr val="accent1"/>
-              </a:effectRef>
-              <a:fontRef idx="minor">
-                <a:schemeClr val="tx1"/>
-              </a:fontRef>
-            </p:style>
-          </p:cxnSp>
-          <p:cxnSp>
-            <p:nvCxnSpPr>
-              <p:cNvPr id="42" name="Straight Connector 41">
-                <a:extLst>
-                  <a:ext uri="{FF2B5EF4-FFF2-40B4-BE49-F238E27FC236}">
-                    <a16:creationId xmlns:a16="http://schemas.microsoft.com/office/drawing/2014/main" id="{8BA8229D-FADF-0E4C-8D3A-FF7E6C292A8B}"/>
-                  </a:ext>
-                </a:extLst>
-              </p:cNvPr>
-              <p:cNvCxnSpPr>
-                <a:cxnSpLocks/>
-              </p:cNvCxnSpPr>
-              <p:nvPr/>
-            </p:nvCxnSpPr>
-            <p:spPr>
-              <a:xfrm>
-                <a:off x="958910" y="3778466"/>
-                <a:ext cx="5044648" cy="0"/>
-              </a:xfrm>
-              <a:prstGeom prst="line">
-                <a:avLst/>
-              </a:prstGeom>
-              <a:ln w="6350">
-                <a:solidFill>
-                  <a:schemeClr val="tx1">
-                    <a:lumMod val="85000"/>
-                  </a:schemeClr>
-                </a:solidFill>
-              </a:ln>
-            </p:spPr>
-            <p:style>
-              <a:lnRef idx="1">
-                <a:schemeClr val="accent1"/>
-              </a:lnRef>
-              <a:fillRef idx="0">
-                <a:schemeClr val="accent1"/>
-              </a:fillRef>
-              <a:effectRef idx="0">
-                <a:schemeClr val="accent1"/>
-              </a:effectRef>
-              <a:fontRef idx="minor">
-                <a:schemeClr val="tx1"/>
-              </a:fontRef>
-            </p:style>
-          </p:cxnSp>
-          <p:grpSp>
-            <p:nvGrpSpPr>
-              <p:cNvPr id="40" name="Group 39">
-                <a:extLst>
-                  <a:ext uri="{FF2B5EF4-FFF2-40B4-BE49-F238E27FC236}">
-                    <a16:creationId xmlns:a16="http://schemas.microsoft.com/office/drawing/2014/main" id="{83BACFBB-68AA-6C49-B613-56270D4FE153}"/>
+                    <a16:creationId xmlns:a16="http://schemas.microsoft.com/office/drawing/2014/main" id="{E0A72EE5-2104-1549-8027-312A2637655B}"/>
                   </a:ext>
                 </a:extLst>
               </p:cNvPr>
@@ -9588,18 +9670,108 @@
             </p:nvGrpSpPr>
             <p:grpSpPr>
               <a:xfrm>
-                <a:off x="243163" y="3352156"/>
-                <a:ext cx="5943453" cy="3482595"/>
-                <a:chOff x="243163" y="3352156"/>
-                <a:chExt cx="5943453" cy="3482595"/>
+                <a:off x="107648" y="3425709"/>
+                <a:ext cx="6444419" cy="3409042"/>
+                <a:chOff x="107648" y="3425709"/>
+                <a:chExt cx="6444419" cy="3409042"/>
               </a:xfrm>
             </p:grpSpPr>
+            <p:cxnSp>
+              <p:nvCxnSpPr>
+                <p:cNvPr id="49" name="Straight Connector 48">
+                  <a:extLst>
+                    <a:ext uri="{FF2B5EF4-FFF2-40B4-BE49-F238E27FC236}">
+                      <a16:creationId xmlns:a16="http://schemas.microsoft.com/office/drawing/2014/main" id="{3E0FA638-9B35-CC4D-A738-ECF527C94AC7}"/>
+                    </a:ext>
+                  </a:extLst>
+                </p:cNvPr>
+                <p:cNvCxnSpPr>
+                  <a:cxnSpLocks/>
+                </p:cNvCxnSpPr>
+                <p:nvPr/>
+              </p:nvCxnSpPr>
+              <p:spPr>
+                <a:xfrm>
+                  <a:off x="934096" y="5828002"/>
+                  <a:ext cx="5434912" cy="0"/>
+                </a:xfrm>
+                <a:prstGeom prst="line">
+                  <a:avLst/>
+                </a:prstGeom>
+                <a:ln w="6350">
+                  <a:solidFill>
+                    <a:schemeClr val="tx1">
+                      <a:lumMod val="85000"/>
+                    </a:schemeClr>
+                  </a:solidFill>
+                </a:ln>
+              </p:spPr>
+              <p:style>
+                <a:lnRef idx="1">
+                  <a:schemeClr val="accent1"/>
+                </a:lnRef>
+                <a:fillRef idx="0">
+                  <a:schemeClr val="accent1"/>
+                </a:fillRef>
+                <a:effectRef idx="0">
+                  <a:schemeClr val="accent1"/>
+                </a:effectRef>
+                <a:fontRef idx="minor">
+                  <a:schemeClr val="tx1"/>
+                </a:fontRef>
+              </p:style>
+            </p:cxnSp>
+            <p:cxnSp>
+              <p:nvCxnSpPr>
+                <p:cNvPr id="42" name="Straight Connector 41">
+                  <a:extLst>
+                    <a:ext uri="{FF2B5EF4-FFF2-40B4-BE49-F238E27FC236}">
+                      <a16:creationId xmlns:a16="http://schemas.microsoft.com/office/drawing/2014/main" id="{8BA8229D-FADF-0E4C-8D3A-FF7E6C292A8B}"/>
+                    </a:ext>
+                  </a:extLst>
+                </p:cNvPr>
+                <p:cNvCxnSpPr>
+                  <a:cxnSpLocks/>
+                </p:cNvCxnSpPr>
+                <p:nvPr/>
+              </p:nvCxnSpPr>
+              <p:spPr>
+                <a:xfrm>
+                  <a:off x="958910" y="4650336"/>
+                  <a:ext cx="5410098" cy="0"/>
+                </a:xfrm>
+                <a:prstGeom prst="line">
+                  <a:avLst/>
+                </a:prstGeom>
+                <a:ln w="6350">
+                  <a:solidFill>
+                    <a:schemeClr val="tx1">
+                      <a:lumMod val="85000"/>
+                    </a:schemeClr>
+                  </a:solidFill>
+                </a:ln>
+              </p:spPr>
+              <p:style>
+                <a:lnRef idx="1">
+                  <a:schemeClr val="accent1"/>
+                </a:lnRef>
+                <a:fillRef idx="0">
+                  <a:schemeClr val="accent1"/>
+                </a:fillRef>
+                <a:effectRef idx="0">
+                  <a:schemeClr val="accent1"/>
+                </a:effectRef>
+                <a:fontRef idx="minor">
+                  <a:schemeClr val="tx1"/>
+                </a:fontRef>
+              </p:style>
+            </p:cxnSp>
             <p:grpSp>
               <p:nvGrpSpPr>
-                <p:cNvPr id="32" name="Group 31">
+                <p:cNvPr id="40" name="Group 39">
                   <a:extLst>
                     <a:ext uri="{FF2B5EF4-FFF2-40B4-BE49-F238E27FC236}">
-                      <a16:creationId xmlns:a16="http://schemas.microsoft.com/office/drawing/2014/main" id="{FAAAFC43-77D2-5A4D-AEE6-07EBF506354B}"/>
+                      <a16:creationId xmlns:a16="http://schemas.microsoft.com/office/drawing/2014/main" id="{83BACFBB-68AA-6C49-B613-56270D4FE153}"/>
                     </a:ext>
                   </a:extLst>
                 </p:cNvPr>
@@ -9608,101 +9780,18 @@
               </p:nvGrpSpPr>
               <p:grpSpPr>
                 <a:xfrm>
-                  <a:off x="547212" y="3352156"/>
-                  <a:ext cx="5639404" cy="3285933"/>
-                  <a:chOff x="665731" y="3499035"/>
-                  <a:chExt cx="5015194" cy="2922223"/>
+                  <a:off x="107648" y="3425709"/>
+                  <a:ext cx="6444419" cy="3409042"/>
+                  <a:chOff x="107648" y="3425709"/>
+                  <a:chExt cx="6444419" cy="3409042"/>
                 </a:xfrm>
               </p:grpSpPr>
-              <p:pic>
-                <p:nvPicPr>
-                  <p:cNvPr id="25" name="Picture 24" descr="Chart, histogram&#10;&#10;Description automatically generated">
+              <p:grpSp>
+                <p:nvGrpSpPr>
+                  <p:cNvPr id="32" name="Group 31">
                     <a:extLst>
                       <a:ext uri="{FF2B5EF4-FFF2-40B4-BE49-F238E27FC236}">
-                        <a16:creationId xmlns:a16="http://schemas.microsoft.com/office/drawing/2014/main" id="{C848EEDB-44A4-EA40-BCA7-814457002E11}"/>
-                      </a:ext>
-                    </a:extLst>
-                  </p:cNvPr>
-                  <p:cNvPicPr>
-                    <a:picLocks noChangeAspect="1"/>
-                  </p:cNvPicPr>
-                  <p:nvPr/>
-                </p:nvPicPr>
-                <p:blipFill>
-                  <a:blip r:embed="rId2">
-                    <a:duotone>
-                      <a:prstClr val="black"/>
-                      <a:schemeClr val="tx1">
-                        <a:tint val="45000"/>
-                        <a:satMod val="400000"/>
-                      </a:schemeClr>
-                    </a:duotone>
-                    <a:extLst>
-                      <a:ext uri="{BEBA8EAE-BF5A-486C-A8C5-ECC9F3942E4B}">
-                        <a14:imgProps xmlns:a14="http://schemas.microsoft.com/office/drawing/2010/main">
-                          <a14:imgLayer r:embed="rId3">
-                            <a14:imgEffect>
-                              <a14:backgroundRemoval t="9717" b="95818" l="10000" r="94000">
-                                <a14:foregroundMark x1="13630" y1="95572" x2="13630" y2="95572"/>
-                                <a14:foregroundMark x1="17481" y1="95572" x2="17481" y2="95572"/>
-                                <a14:foregroundMark x1="23630" y1="95572" x2="23630" y2="95572"/>
-                                <a14:foregroundMark x1="28148" y1="93604" x2="28148" y2="93604"/>
-                                <a14:foregroundMark x1="46593" y1="89791" x2="46593" y2="89791"/>
-                                <a14:foregroundMark x1="62889" y1="86839" x2="62889" y2="86839"/>
-                                <a14:foregroundMark x1="68296" y1="84871" x2="68296" y2="84871"/>
-                                <a14:foregroundMark x1="81630" y1="82411" x2="81630" y2="82411"/>
-                                <a14:foregroundMark x1="94000" y1="81919" x2="94000" y2="81919"/>
-                                <a14:foregroundMark x1="88963" y1="80197" x2="88963" y2="80197"/>
-                                <a14:foregroundMark x1="73630" y1="82903" x2="73630" y2="82903"/>
-                                <a14:foregroundMark x1="77407" y1="82657" x2="77407" y2="82657"/>
-                                <a14:foregroundMark x1="46000" y1="90898" x2="46000" y2="90898"/>
-                                <a14:foregroundMark x1="36148" y1="84133" x2="36148" y2="84133"/>
-                                <a14:foregroundMark x1="39481" y1="82657" x2="39481" y2="82657"/>
-                                <a14:foregroundMark x1="37852" y1="81181" x2="37704" y2="81919"/>
-                                <a14:foregroundMark x1="37778" y1="83641" x2="38370" y2="94957"/>
-                                <a14:foregroundMark x1="38148" y1="95818" x2="37704" y2="88807"/>
-                                <a14:foregroundMark x1="37704" y1="88807" x2="38148" y2="86224"/>
-                                <a14:foregroundMark x1="37926" y1="84625" x2="38222" y2="93481"/>
-                                <a14:foregroundMark x1="37926" y1="83272" x2="38444" y2="95449"/>
-                              </a14:backgroundRemoval>
-                            </a14:imgEffect>
-                            <a14:imgEffect>
-                              <a14:sharpenSoften amount="50000"/>
-                            </a14:imgEffect>
-                            <a14:imgEffect>
-                              <a14:colorTemperature colorTemp="4700"/>
-                            </a14:imgEffect>
-                            <a14:imgEffect>
-                              <a14:brightnessContrast bright="40000" contrast="40000"/>
-                            </a14:imgEffect>
-                          </a14:imgLayer>
-                        </a14:imgProps>
-                      </a:ext>
-                      <a:ext uri="{28A0092B-C50C-407E-A947-70E740481C1C}">
-                        <a14:useLocalDpi xmlns:a14="http://schemas.microsoft.com/office/drawing/2010/main" val="0"/>
-                      </a:ext>
-                    </a:extLst>
-                  </a:blip>
-                  <a:stretch>
-                    <a:fillRect/>
-                  </a:stretch>
-                </p:blipFill>
-                <p:spPr>
-                  <a:xfrm>
-                    <a:off x="665731" y="3499035"/>
-                    <a:ext cx="4852398" cy="2922223"/>
-                  </a:xfrm>
-                  <a:prstGeom prst="rect">
-                    <a:avLst/>
-                  </a:prstGeom>
-                </p:spPr>
-              </p:pic>
-              <p:grpSp>
-                <p:nvGrpSpPr>
-                  <p:cNvPr id="31" name="Group 30">
-                    <a:extLst>
-                      <a:ext uri="{FF2B5EF4-FFF2-40B4-BE49-F238E27FC236}">
-                        <a16:creationId xmlns:a16="http://schemas.microsoft.com/office/drawing/2014/main" id="{A7A10A9D-5DF9-C147-9348-5EBAA194C829}"/>
+                        <a16:creationId xmlns:a16="http://schemas.microsoft.com/office/drawing/2014/main" id="{FAAAFC43-77D2-5A4D-AEE6-07EBF506354B}"/>
                       </a:ext>
                     </a:extLst>
                   </p:cNvPr>
@@ -9711,108 +9800,358 @@
                 </p:nvGrpSpPr>
                 <p:grpSpPr>
                   <a:xfrm>
-                    <a:off x="1009792" y="3564446"/>
-                    <a:ext cx="4671133" cy="2813602"/>
-                    <a:chOff x="766119" y="3607657"/>
-                    <a:chExt cx="4671133" cy="2813602"/>
+                    <a:off x="912662" y="3425709"/>
+                    <a:ext cx="5639405" cy="3212377"/>
+                    <a:chOff x="990730" y="3564446"/>
+                    <a:chExt cx="5015195" cy="2856809"/>
                   </a:xfrm>
                 </p:grpSpPr>
-                <p:cxnSp>
-                  <p:nvCxnSpPr>
-                    <p:cNvPr id="28" name="Straight Connector 27">
+                <p:pic>
+                  <p:nvPicPr>
+                    <p:cNvPr id="25" name="Picture 24" descr="Chart, histogram&#10;&#10;Description automatically generated">
                       <a:extLst>
                         <a:ext uri="{FF2B5EF4-FFF2-40B4-BE49-F238E27FC236}">
-                          <a16:creationId xmlns:a16="http://schemas.microsoft.com/office/drawing/2014/main" id="{E20243C5-930B-934A-A46B-54A60CDC3390}"/>
+                          <a16:creationId xmlns:a16="http://schemas.microsoft.com/office/drawing/2014/main" id="{C848EEDB-44A4-EA40-BCA7-814457002E11}"/>
                         </a:ext>
                       </a:extLst>
                     </p:cNvPr>
-                    <p:cNvCxnSpPr/>
+                    <p:cNvPicPr>
+                      <a:picLocks noChangeAspect="1"/>
+                    </p:cNvPicPr>
                     <p:nvPr/>
-                  </p:nvCxnSpPr>
+                  </p:nvPicPr>
+                  <p:blipFill>
+                    <a:blip r:embed="rId3">
+                      <a:duotone>
+                        <a:prstClr val="black"/>
+                        <a:schemeClr val="tx1">
+                          <a:tint val="45000"/>
+                          <a:satMod val="400000"/>
+                        </a:schemeClr>
+                      </a:duotone>
+                      <a:extLst>
+                        <a:ext uri="{BEBA8EAE-BF5A-486C-A8C5-ECC9F3942E4B}">
+                          <a14:imgProps xmlns:a14="http://schemas.microsoft.com/office/drawing/2010/main">
+                            <a14:imgLayer r:embed="rId4">
+                              <a14:imgEffect>
+                                <a14:backgroundRemoval t="9717" b="95818" l="10000" r="94000">
+                                  <a14:foregroundMark x1="13630" y1="95572" x2="13630" y2="95572"/>
+                                  <a14:foregroundMark x1="17481" y1="95572" x2="17481" y2="95572"/>
+                                  <a14:foregroundMark x1="23630" y1="95572" x2="23630" y2="95572"/>
+                                  <a14:foregroundMark x1="28148" y1="93604" x2="28148" y2="93604"/>
+                                  <a14:foregroundMark x1="46593" y1="89791" x2="46593" y2="89791"/>
+                                  <a14:foregroundMark x1="62889" y1="86839" x2="62889" y2="86839"/>
+                                  <a14:foregroundMark x1="68296" y1="84871" x2="68296" y2="84871"/>
+                                  <a14:foregroundMark x1="81630" y1="82411" x2="81630" y2="82411"/>
+                                  <a14:foregroundMark x1="94000" y1="81919" x2="94000" y2="81919"/>
+                                  <a14:foregroundMark x1="88963" y1="80197" x2="88963" y2="80197"/>
+                                  <a14:foregroundMark x1="73630" y1="82903" x2="73630" y2="82903"/>
+                                  <a14:foregroundMark x1="77407" y1="82657" x2="77407" y2="82657"/>
+                                  <a14:foregroundMark x1="46000" y1="90898" x2="46000" y2="90898"/>
+                                  <a14:foregroundMark x1="36148" y1="84133" x2="36148" y2="84133"/>
+                                  <a14:foregroundMark x1="39481" y1="82657" x2="39481" y2="82657"/>
+                                  <a14:foregroundMark x1="37852" y1="81181" x2="37704" y2="81919"/>
+                                  <a14:foregroundMark x1="37778" y1="83641" x2="38370" y2="94957"/>
+                                  <a14:foregroundMark x1="38148" y1="95818" x2="37704" y2="88807"/>
+                                  <a14:foregroundMark x1="37704" y1="88807" x2="38148" y2="86224"/>
+                                  <a14:foregroundMark x1="37926" y1="84625" x2="38222" y2="93481"/>
+                                  <a14:foregroundMark x1="37926" y1="83272" x2="38444" y2="95449"/>
+                                </a14:backgroundRemoval>
+                              </a14:imgEffect>
+                              <a14:imgEffect>
+                                <a14:sharpenSoften amount="50000"/>
+                              </a14:imgEffect>
+                              <a14:imgEffect>
+                                <a14:colorTemperature colorTemp="4700"/>
+                              </a14:imgEffect>
+                              <a14:imgEffect>
+                                <a14:brightnessContrast bright="40000" contrast="40000"/>
+                              </a14:imgEffect>
+                            </a14:imgLayer>
+                          </a14:imgProps>
+                        </a:ext>
+                        <a:ext uri="{28A0092B-C50C-407E-A947-70E740481C1C}">
+                          <a14:useLocalDpi xmlns:a14="http://schemas.microsoft.com/office/drawing/2010/main" val="0"/>
+                        </a:ext>
+                      </a:extLst>
+                    </a:blip>
+                    <a:stretch>
+                      <a:fillRect/>
+                    </a:stretch>
+                  </p:blipFill>
                   <p:spPr>
                     <a:xfrm>
-                      <a:off x="766119" y="3607657"/>
-                      <a:ext cx="0" cy="2813602"/>
+                      <a:off x="990730" y="4270491"/>
+                      <a:ext cx="4852398" cy="2150764"/>
                     </a:xfrm>
-                    <a:prstGeom prst="line">
+                    <a:prstGeom prst="rect">
                       <a:avLst/>
                     </a:prstGeom>
-                    <a:ln w="38100">
-                      <a:solidFill>
-                        <a:schemeClr val="tx1">
-                          <a:lumMod val="65000"/>
-                        </a:schemeClr>
-                      </a:solidFill>
-                    </a:ln>
                   </p:spPr>
-                  <p:style>
-                    <a:lnRef idx="1">
-                      <a:schemeClr val="accent1"/>
-                    </a:lnRef>
-                    <a:fillRef idx="0">
-                      <a:schemeClr val="accent1"/>
-                    </a:fillRef>
-                    <a:effectRef idx="0">
-                      <a:schemeClr val="accent1"/>
-                    </a:effectRef>
-                    <a:fontRef idx="minor">
-                      <a:schemeClr val="tx1"/>
-                    </a:fontRef>
-                  </p:style>
-                </p:cxnSp>
-                <p:cxnSp>
-                  <p:nvCxnSpPr>
-                    <p:cNvPr id="29" name="Straight Connector 28">
+                </p:pic>
+                <p:grpSp>
+                  <p:nvGrpSpPr>
+                    <p:cNvPr id="31" name="Group 30">
                       <a:extLst>
                         <a:ext uri="{FF2B5EF4-FFF2-40B4-BE49-F238E27FC236}">
-                          <a16:creationId xmlns:a16="http://schemas.microsoft.com/office/drawing/2014/main" id="{17B4B564-C177-8F4F-8507-5D5E92859149}"/>
+                          <a16:creationId xmlns:a16="http://schemas.microsoft.com/office/drawing/2014/main" id="{A7A10A9D-5DF9-C147-9348-5EBAA194C829}"/>
                         </a:ext>
                       </a:extLst>
                     </p:cNvPr>
-                    <p:cNvCxnSpPr>
-                      <a:cxnSpLocks/>
-                    </p:cNvCxnSpPr>
+                    <p:cNvGrpSpPr/>
                     <p:nvPr/>
-                  </p:nvCxnSpPr>
-                  <p:spPr>
-                    <a:xfrm flipH="1">
-                      <a:off x="766119" y="6421259"/>
-                      <a:ext cx="4671133" cy="0"/>
+                  </p:nvGrpSpPr>
+                  <p:grpSpPr>
+                    <a:xfrm>
+                      <a:off x="1009792" y="3564446"/>
+                      <a:ext cx="4996133" cy="2813602"/>
+                      <a:chOff x="766119" y="3607657"/>
+                      <a:chExt cx="4996133" cy="2813602"/>
                     </a:xfrm>
-                    <a:prstGeom prst="line">
-                      <a:avLst/>
-                    </a:prstGeom>
-                    <a:ln w="38100">
-                      <a:solidFill>
-                        <a:schemeClr val="tx1">
-                          <a:lumMod val="65000"/>
-                        </a:schemeClr>
-                      </a:solidFill>
-                    </a:ln>
-                  </p:spPr>
-                  <p:style>
-                    <a:lnRef idx="1">
-                      <a:schemeClr val="accent1"/>
-                    </a:lnRef>
-                    <a:fillRef idx="0">
-                      <a:schemeClr val="accent1"/>
-                    </a:fillRef>
-                    <a:effectRef idx="0">
-                      <a:schemeClr val="accent1"/>
-                    </a:effectRef>
-                    <a:fontRef idx="minor">
-                      <a:schemeClr val="tx1"/>
-                    </a:fontRef>
-                  </p:style>
-                </p:cxnSp>
+                  </p:grpSpPr>
+                  <p:cxnSp>
+                    <p:nvCxnSpPr>
+                      <p:cNvPr id="28" name="Straight Connector 27">
+                        <a:extLst>
+                          <a:ext uri="{FF2B5EF4-FFF2-40B4-BE49-F238E27FC236}">
+                            <a16:creationId xmlns:a16="http://schemas.microsoft.com/office/drawing/2014/main" id="{E20243C5-930B-934A-A46B-54A60CDC3390}"/>
+                          </a:ext>
+                        </a:extLst>
+                      </p:cNvPr>
+                      <p:cNvCxnSpPr>
+                        <a:cxnSpLocks/>
+                      </p:cNvCxnSpPr>
+                      <p:nvPr/>
+                    </p:nvCxnSpPr>
+                    <p:spPr>
+                      <a:xfrm>
+                        <a:off x="766119" y="3607657"/>
+                        <a:ext cx="0" cy="2812736"/>
+                      </a:xfrm>
+                      <a:prstGeom prst="line">
+                        <a:avLst/>
+                      </a:prstGeom>
+                      <a:ln w="38100">
+                        <a:solidFill>
+                          <a:schemeClr val="tx1">
+                            <a:lumMod val="65000"/>
+                          </a:schemeClr>
+                        </a:solidFill>
+                      </a:ln>
+                    </p:spPr>
+                    <p:style>
+                      <a:lnRef idx="1">
+                        <a:schemeClr val="accent1"/>
+                      </a:lnRef>
+                      <a:fillRef idx="0">
+                        <a:schemeClr val="accent1"/>
+                      </a:fillRef>
+                      <a:effectRef idx="0">
+                        <a:schemeClr val="accent1"/>
+                      </a:effectRef>
+                      <a:fontRef idx="minor">
+                        <a:schemeClr val="tx1"/>
+                      </a:fontRef>
+                    </p:style>
+                  </p:cxnSp>
+                  <p:cxnSp>
+                    <p:nvCxnSpPr>
+                      <p:cNvPr id="29" name="Straight Connector 28">
+                        <a:extLst>
+                          <a:ext uri="{FF2B5EF4-FFF2-40B4-BE49-F238E27FC236}">
+                            <a16:creationId xmlns:a16="http://schemas.microsoft.com/office/drawing/2014/main" id="{17B4B564-C177-8F4F-8507-5D5E92859149}"/>
+                          </a:ext>
+                        </a:extLst>
+                      </p:cNvPr>
+                      <p:cNvCxnSpPr>
+                        <a:cxnSpLocks/>
+                      </p:cNvCxnSpPr>
+                      <p:nvPr/>
+                    </p:nvCxnSpPr>
+                    <p:spPr>
+                      <a:xfrm flipH="1">
+                        <a:off x="766119" y="6421259"/>
+                        <a:ext cx="4996133" cy="0"/>
+                      </a:xfrm>
+                      <a:prstGeom prst="line">
+                        <a:avLst/>
+                      </a:prstGeom>
+                      <a:ln w="38100">
+                        <a:solidFill>
+                          <a:schemeClr val="tx1">
+                            <a:lumMod val="65000"/>
+                          </a:schemeClr>
+                        </a:solidFill>
+                      </a:ln>
+                    </p:spPr>
+                    <p:style>
+                      <a:lnRef idx="1">
+                        <a:schemeClr val="accent1"/>
+                      </a:lnRef>
+                      <a:fillRef idx="0">
+                        <a:schemeClr val="accent1"/>
+                      </a:fillRef>
+                      <a:effectRef idx="0">
+                        <a:schemeClr val="accent1"/>
+                      </a:effectRef>
+                      <a:fontRef idx="minor">
+                        <a:schemeClr val="tx1"/>
+                      </a:fontRef>
+                    </p:style>
+                  </p:cxnSp>
+                </p:grpSp>
               </p:grpSp>
+              <p:sp>
+                <p:nvSpPr>
+                  <p:cNvPr id="33" name="TextBox 32">
+                    <a:extLst>
+                      <a:ext uri="{FF2B5EF4-FFF2-40B4-BE49-F238E27FC236}">
+                        <a16:creationId xmlns:a16="http://schemas.microsoft.com/office/drawing/2014/main" id="{DA23A61C-9B07-6A49-8186-51ED942A3198}"/>
+                      </a:ext>
+                    </a:extLst>
+                  </p:cNvPr>
+                  <p:cNvSpPr txBox="1"/>
+                  <p:nvPr/>
+                </p:nvSpPr>
+                <p:spPr>
+                  <a:xfrm rot="16200000">
+                    <a:off x="-579052" y="4601792"/>
+                    <a:ext cx="1681177" cy="307777"/>
+                  </a:xfrm>
+                  <a:prstGeom prst="rect">
+                    <a:avLst/>
+                  </a:prstGeom>
+                  <a:noFill/>
+                </p:spPr>
+                <p:txBody>
+                  <a:bodyPr wrap="square" rtlCol="0">
+                    <a:spAutoFit/>
+                  </a:bodyPr>
+                  <a:lstStyle/>
+                  <a:p>
+                    <a:pPr algn="ctr"/>
+                    <a:r>
+                      <a:rPr lang="en-US" sz="1400" dirty="0"/>
+                      <a:t>Well Count</a:t>
+                    </a:r>
+                  </a:p>
+                </p:txBody>
+              </p:sp>
+              <p:sp>
+                <p:nvSpPr>
+                  <p:cNvPr id="34" name="TextBox 33">
+                    <a:extLst>
+                      <a:ext uri="{FF2B5EF4-FFF2-40B4-BE49-F238E27FC236}">
+                        <a16:creationId xmlns:a16="http://schemas.microsoft.com/office/drawing/2014/main" id="{4F620CF3-E3B0-244D-B9DB-8BF05E572A40}"/>
+                      </a:ext>
+                    </a:extLst>
+                  </p:cNvPr>
+                  <p:cNvSpPr txBox="1"/>
+                  <p:nvPr/>
+                </p:nvSpPr>
+                <p:spPr>
+                  <a:xfrm>
+                    <a:off x="1457967" y="6588530"/>
+                    <a:ext cx="482123" cy="246221"/>
+                  </a:xfrm>
+                  <a:prstGeom prst="rect">
+                    <a:avLst/>
+                  </a:prstGeom>
+                  <a:noFill/>
+                </p:spPr>
+                <p:txBody>
+                  <a:bodyPr wrap="square" rtlCol="0">
+                    <a:spAutoFit/>
+                  </a:bodyPr>
+                  <a:lstStyle/>
+                  <a:p>
+                    <a:pPr algn="ctr"/>
+                    <a:r>
+                      <a:rPr lang="en-US" sz="1000" dirty="0"/>
+                      <a:t>1955</a:t>
+                    </a:r>
+                  </a:p>
+                </p:txBody>
+              </p:sp>
+              <p:sp>
+                <p:nvSpPr>
+                  <p:cNvPr id="35" name="TextBox 34">
+                    <a:extLst>
+                      <a:ext uri="{FF2B5EF4-FFF2-40B4-BE49-F238E27FC236}">
+                        <a16:creationId xmlns:a16="http://schemas.microsoft.com/office/drawing/2014/main" id="{5FC0F3FB-51EC-1941-970D-58B73C1CF2AA}"/>
+                      </a:ext>
+                    </a:extLst>
+                  </p:cNvPr>
+                  <p:cNvSpPr txBox="1"/>
+                  <p:nvPr/>
+                </p:nvSpPr>
+                <p:spPr>
+                  <a:xfrm>
+                    <a:off x="6016412" y="6588529"/>
+                    <a:ext cx="482123" cy="246221"/>
+                  </a:xfrm>
+                  <a:prstGeom prst="rect">
+                    <a:avLst/>
+                  </a:prstGeom>
+                  <a:noFill/>
+                </p:spPr>
+                <p:txBody>
+                  <a:bodyPr wrap="square" rtlCol="0">
+                    <a:spAutoFit/>
+                  </a:bodyPr>
+                  <a:lstStyle/>
+                  <a:p>
+                    <a:pPr algn="ctr"/>
+                    <a:r>
+                      <a:rPr lang="en-US" sz="1000" dirty="0"/>
+                      <a:t>2015</a:t>
+                    </a:r>
+                  </a:p>
+                </p:txBody>
+              </p:sp>
+              <p:sp>
+                <p:nvSpPr>
+                  <p:cNvPr id="39" name="TextBox 38">
+                    <a:extLst>
+                      <a:ext uri="{FF2B5EF4-FFF2-40B4-BE49-F238E27FC236}">
+                        <a16:creationId xmlns:a16="http://schemas.microsoft.com/office/drawing/2014/main" id="{5B333B4C-340D-A74F-A24E-33C8D7BE9705}"/>
+                      </a:ext>
+                    </a:extLst>
+                  </p:cNvPr>
+                  <p:cNvSpPr txBox="1"/>
+                  <p:nvPr/>
+                </p:nvSpPr>
+                <p:spPr>
+                  <a:xfrm>
+                    <a:off x="4769358" y="6588527"/>
+                    <a:ext cx="482123" cy="246221"/>
+                  </a:xfrm>
+                  <a:prstGeom prst="rect">
+                    <a:avLst/>
+                  </a:prstGeom>
+                  <a:noFill/>
+                </p:spPr>
+                <p:txBody>
+                  <a:bodyPr wrap="square" rtlCol="0">
+                    <a:spAutoFit/>
+                  </a:bodyPr>
+                  <a:lstStyle/>
+                  <a:p>
+                    <a:pPr algn="ctr"/>
+                    <a:r>
+                      <a:rPr lang="en-US" sz="1000" dirty="0"/>
+                      <a:t>2000</a:t>
+                    </a:r>
+                  </a:p>
+                </p:txBody>
+              </p:sp>
             </p:grpSp>
             <p:sp>
               <p:nvSpPr>
-                <p:cNvPr id="33" name="TextBox 32">
+                <p:cNvPr id="41" name="TextBox 40">
                   <a:extLst>
                     <a:ext uri="{FF2B5EF4-FFF2-40B4-BE49-F238E27FC236}">
-                      <a16:creationId xmlns:a16="http://schemas.microsoft.com/office/drawing/2014/main" id="{DA23A61C-9B07-6A49-8186-51ED942A3198}"/>
+                      <a16:creationId xmlns:a16="http://schemas.microsoft.com/office/drawing/2014/main" id="{F69B3E57-206C-9342-86A3-CEBE98825808}"/>
                     </a:ext>
                   </a:extLst>
                 </p:cNvPr>
@@ -9820,9 +10159,9 @@
                 <p:nvPr/>
               </p:nvSpPr>
               <p:spPr>
-                <a:xfrm rot="16200000">
-                  <a:off x="-443537" y="4833525"/>
-                  <a:ext cx="1681177" cy="307777"/>
+                <a:xfrm>
+                  <a:off x="364155" y="4447904"/>
+                  <a:ext cx="594756" cy="307777"/>
                 </a:xfrm>
                 <a:prstGeom prst="rect">
                   <a:avLst/>
@@ -9838,17 +10177,17 @@
                   <a:pPr algn="ctr"/>
                   <a:r>
                     <a:rPr lang="en-US" sz="1400" dirty="0"/>
-                    <a:t>Well Count</a:t>
+                    <a:t>12.5k</a:t>
                   </a:r>
                 </a:p>
               </p:txBody>
             </p:sp>
             <p:sp>
               <p:nvSpPr>
-                <p:cNvPr id="34" name="TextBox 33">
+                <p:cNvPr id="50" name="TextBox 49">
                   <a:extLst>
                     <a:ext uri="{FF2B5EF4-FFF2-40B4-BE49-F238E27FC236}">
-                      <a16:creationId xmlns:a16="http://schemas.microsoft.com/office/drawing/2014/main" id="{4F620CF3-E3B0-244D-B9DB-8BF05E572A40}"/>
+                      <a16:creationId xmlns:a16="http://schemas.microsoft.com/office/drawing/2014/main" id="{4D44C588-A155-0248-A5EB-028F2F7ABB42}"/>
                     </a:ext>
                   </a:extLst>
                 </p:cNvPr>
@@ -9857,8 +10196,8 @@
               </p:nvSpPr>
               <p:spPr>
                 <a:xfrm>
-                  <a:off x="871738" y="6588530"/>
-                  <a:ext cx="482123" cy="246221"/>
+                  <a:off x="438308" y="5658785"/>
+                  <a:ext cx="594756" cy="307777"/>
                 </a:xfrm>
                 <a:prstGeom prst="rect">
                   <a:avLst/>
@@ -9873,80 +10212,8 @@
                 <a:p>
                   <a:pPr algn="ctr"/>
                   <a:r>
-                    <a:rPr lang="en-US" sz="1000" dirty="0"/>
-                    <a:t>1955</a:t>
-                  </a:r>
-                </a:p>
-              </p:txBody>
-            </p:sp>
-            <p:sp>
-              <p:nvSpPr>
-                <p:cNvPr id="35" name="TextBox 34">
-                  <a:extLst>
-                    <a:ext uri="{FF2B5EF4-FFF2-40B4-BE49-F238E27FC236}">
-                      <a16:creationId xmlns:a16="http://schemas.microsoft.com/office/drawing/2014/main" id="{5FC0F3FB-51EC-1941-970D-58B73C1CF2AA}"/>
-                    </a:ext>
-                  </a:extLst>
-                </p:cNvPr>
-                <p:cNvSpPr txBox="1"/>
-                <p:nvPr/>
-              </p:nvSpPr>
-              <p:spPr>
-                <a:xfrm>
-                  <a:off x="5650962" y="6588529"/>
-                  <a:ext cx="482123" cy="246221"/>
-                </a:xfrm>
-                <a:prstGeom prst="rect">
-                  <a:avLst/>
-                </a:prstGeom>
-                <a:noFill/>
-              </p:spPr>
-              <p:txBody>
-                <a:bodyPr wrap="square" rtlCol="0">
-                  <a:spAutoFit/>
-                </a:bodyPr>
-                <a:lstStyle/>
-                <a:p>
-                  <a:pPr algn="ctr"/>
-                  <a:r>
-                    <a:rPr lang="en-US" sz="1000" dirty="0"/>
-                    <a:t>2015</a:t>
-                  </a:r>
-                </a:p>
-              </p:txBody>
-            </p:sp>
-            <p:sp>
-              <p:nvSpPr>
-                <p:cNvPr id="39" name="TextBox 38">
-                  <a:extLst>
-                    <a:ext uri="{FF2B5EF4-FFF2-40B4-BE49-F238E27FC236}">
-                      <a16:creationId xmlns:a16="http://schemas.microsoft.com/office/drawing/2014/main" id="{5B333B4C-340D-A74F-A24E-33C8D7BE9705}"/>
-                    </a:ext>
-                  </a:extLst>
-                </p:cNvPr>
-                <p:cNvSpPr txBox="1"/>
-                <p:nvPr/>
-              </p:nvSpPr>
-              <p:spPr>
-                <a:xfrm>
-                  <a:off x="4403908" y="6588527"/>
-                  <a:ext cx="482123" cy="246221"/>
-                </a:xfrm>
-                <a:prstGeom prst="rect">
-                  <a:avLst/>
-                </a:prstGeom>
-                <a:noFill/>
-              </p:spPr>
-              <p:txBody>
-                <a:bodyPr wrap="square" rtlCol="0">
-                  <a:spAutoFit/>
-                </a:bodyPr>
-                <a:lstStyle/>
-                <a:p>
-                  <a:pPr algn="ctr"/>
-                  <a:r>
-                    <a:rPr lang="en-US" sz="1000" dirty="0"/>
-                    <a:t>2000</a:t>
+                    <a:rPr lang="en-US" sz="1400" dirty="0"/>
+                    <a:t>5k</a:t>
                   </a:r>
                 </a:p>
               </p:txBody>
@@ -9954,10 +10221,10 @@
           </p:grpSp>
           <p:sp>
             <p:nvSpPr>
-              <p:cNvPr id="41" name="TextBox 40">
+              <p:cNvPr id="52" name="TextBox 51">
                 <a:extLst>
                   <a:ext uri="{FF2B5EF4-FFF2-40B4-BE49-F238E27FC236}">
-                    <a16:creationId xmlns:a16="http://schemas.microsoft.com/office/drawing/2014/main" id="{F69B3E57-206C-9342-86A3-CEBE98825808}"/>
+                    <a16:creationId xmlns:a16="http://schemas.microsoft.com/office/drawing/2014/main" id="{ADCE6E01-DB17-484A-A4AD-40F43C41F311}"/>
                   </a:ext>
                 </a:extLst>
               </p:cNvPr>
@@ -9966,8 +10233,8 @@
             </p:nvSpPr>
             <p:spPr>
               <a:xfrm>
-                <a:off x="364155" y="3630642"/>
-                <a:ext cx="594756" cy="307777"/>
+                <a:off x="1789032" y="3123571"/>
+                <a:ext cx="3334762" cy="307777"/>
               </a:xfrm>
               <a:prstGeom prst="rect">
                 <a:avLst/>
@@ -9983,43 +10250,7 @@
                 <a:pPr algn="ctr"/>
                 <a:r>
                   <a:rPr lang="en-US" sz="1400" dirty="0"/>
-                  <a:t>12.5k</a:t>
-                </a:r>
-              </a:p>
-            </p:txBody>
-          </p:sp>
-          <p:sp>
-            <p:nvSpPr>
-              <p:cNvPr id="50" name="TextBox 49">
-                <a:extLst>
-                  <a:ext uri="{FF2B5EF4-FFF2-40B4-BE49-F238E27FC236}">
-                    <a16:creationId xmlns:a16="http://schemas.microsoft.com/office/drawing/2014/main" id="{4D44C588-A155-0248-A5EB-028F2F7ABB42}"/>
-                  </a:ext>
-                </a:extLst>
-              </p:cNvPr>
-              <p:cNvSpPr txBox="1"/>
-              <p:nvPr/>
-            </p:nvSpPr>
-            <p:spPr>
-              <a:xfrm>
-                <a:off x="438308" y="5307315"/>
-                <a:ext cx="594756" cy="307777"/>
-              </a:xfrm>
-              <a:prstGeom prst="rect">
-                <a:avLst/>
-              </a:prstGeom>
-              <a:noFill/>
-            </p:spPr>
-            <p:txBody>
-              <a:bodyPr wrap="square" rtlCol="0">
-                <a:spAutoFit/>
-              </a:bodyPr>
-              <a:lstStyle/>
-              <a:p>
-                <a:pPr algn="ctr"/>
-                <a:r>
-                  <a:rPr lang="en-US" sz="1400" dirty="0"/>
-                  <a:t>5k</a:t>
+                  <a:t>Distribution of Well Construction Year</a:t>
                 </a:r>
               </a:p>
             </p:txBody>
@@ -10027,10 +10258,64 @@
         </p:grpSp>
         <p:sp>
           <p:nvSpPr>
-            <p:cNvPr id="52" name="TextBox 51">
+            <p:cNvPr id="43" name="Rectangle 42">
               <a:extLst>
                 <a:ext uri="{FF2B5EF4-FFF2-40B4-BE49-F238E27FC236}">
-                  <a16:creationId xmlns:a16="http://schemas.microsoft.com/office/drawing/2014/main" id="{ADCE6E01-DB17-484A-A4AD-40F43C41F311}"/>
+                  <a16:creationId xmlns:a16="http://schemas.microsoft.com/office/drawing/2014/main" id="{2807E2F0-2D88-7C40-A693-A940F3CDF252}"/>
+                </a:ext>
+              </a:extLst>
+            </p:cNvPr>
+            <p:cNvSpPr/>
+            <p:nvPr/>
+          </p:nvSpPr>
+          <p:spPr>
+            <a:xfrm rot="16200000">
+              <a:off x="-466703" y="4870807"/>
+              <a:ext cx="3162819" cy="209828"/>
+            </a:xfrm>
+            <a:prstGeom prst="rect">
+              <a:avLst/>
+            </a:prstGeom>
+            <a:solidFill>
+              <a:srgbClr val="C00000"/>
+            </a:solidFill>
+            <a:ln>
+              <a:solidFill>
+                <a:srgbClr val="C00000"/>
+              </a:solidFill>
+            </a:ln>
+          </p:spPr>
+          <p:style>
+            <a:lnRef idx="2">
+              <a:schemeClr val="accent1">
+                <a:shade val="50000"/>
+              </a:schemeClr>
+            </a:lnRef>
+            <a:fillRef idx="1">
+              <a:schemeClr val="accent1"/>
+            </a:fillRef>
+            <a:effectRef idx="0">
+              <a:schemeClr val="accent1"/>
+            </a:effectRef>
+            <a:fontRef idx="minor">
+              <a:schemeClr val="lt1"/>
+            </a:fontRef>
+          </p:style>
+          <p:txBody>
+            <a:bodyPr rtlCol="0" anchor="ctr"/>
+            <a:lstStyle/>
+            <a:p>
+              <a:pPr algn="ctr"/>
+              <a:endParaRPr lang="en-US" dirty="0"/>
+            </a:p>
+          </p:txBody>
+        </p:sp>
+        <p:sp>
+          <p:nvSpPr>
+            <p:cNvPr id="54" name="TextBox 53">
+              <a:extLst>
+                <a:ext uri="{FF2B5EF4-FFF2-40B4-BE49-F238E27FC236}">
+                  <a16:creationId xmlns:a16="http://schemas.microsoft.com/office/drawing/2014/main" id="{F43B70BB-1D38-4245-AFB0-7F4623CCC541}"/>
                 </a:ext>
               </a:extLst>
             </p:cNvPr>
@@ -10039,7 +10324,129 @@
           </p:nvSpPr>
           <p:spPr>
             <a:xfrm>
-              <a:off x="1789032" y="3372765"/>
+              <a:off x="857725" y="6594955"/>
+              <a:ext cx="482123" cy="246221"/>
+            </a:xfrm>
+            <a:prstGeom prst="rect">
+              <a:avLst/>
+            </a:prstGeom>
+            <a:noFill/>
+          </p:spPr>
+          <p:txBody>
+            <a:bodyPr wrap="square" rtlCol="0">
+              <a:spAutoFit/>
+            </a:bodyPr>
+            <a:lstStyle/>
+            <a:p>
+              <a:pPr algn="ctr"/>
+              <a:r>
+                <a:rPr lang="en-US" sz="1000" dirty="0"/>
+                <a:t>0</a:t>
+              </a:r>
+            </a:p>
+          </p:txBody>
+        </p:sp>
+        <p:sp>
+          <p:nvSpPr>
+            <p:cNvPr id="56" name="TextBox 55">
+              <a:extLst>
+                <a:ext uri="{FF2B5EF4-FFF2-40B4-BE49-F238E27FC236}">
+                  <a16:creationId xmlns:a16="http://schemas.microsoft.com/office/drawing/2014/main" id="{EF774E28-2C85-794F-A333-344D78394CCD}"/>
+                </a:ext>
+              </a:extLst>
+            </p:cNvPr>
+            <p:cNvSpPr txBox="1"/>
+            <p:nvPr/>
+          </p:nvSpPr>
+          <p:spPr>
+            <a:xfrm>
+              <a:off x="817328" y="3120306"/>
+              <a:ext cx="594756" cy="307777"/>
+            </a:xfrm>
+            <a:prstGeom prst="rect">
+              <a:avLst/>
+            </a:prstGeom>
+            <a:noFill/>
+          </p:spPr>
+          <p:txBody>
+            <a:bodyPr wrap="square" rtlCol="0">
+              <a:spAutoFit/>
+            </a:bodyPr>
+            <a:lstStyle/>
+            <a:p>
+              <a:pPr algn="ctr"/>
+              <a:r>
+                <a:rPr lang="en-US" sz="1400" dirty="0"/>
+                <a:t>19k</a:t>
+              </a:r>
+            </a:p>
+          </p:txBody>
+        </p:sp>
+        <p:sp>
+          <p:nvSpPr>
+            <p:cNvPr id="59" name="Bent Arrow 58">
+              <a:extLst>
+                <a:ext uri="{FF2B5EF4-FFF2-40B4-BE49-F238E27FC236}">
+                  <a16:creationId xmlns:a16="http://schemas.microsoft.com/office/drawing/2014/main" id="{82435AE5-B065-6048-9CB7-F49AB5CA1103}"/>
+                </a:ext>
+              </a:extLst>
+            </p:cNvPr>
+            <p:cNvSpPr/>
+            <p:nvPr/>
+          </p:nvSpPr>
+          <p:spPr>
+            <a:xfrm rot="5400000">
+              <a:off x="2401277" y="3121590"/>
+              <a:ext cx="922716" cy="2908367"/>
+            </a:xfrm>
+            <a:prstGeom prst="bentArrow">
+              <a:avLst/>
+            </a:prstGeom>
+          </p:spPr>
+          <p:style>
+            <a:lnRef idx="2">
+              <a:schemeClr val="accent1">
+                <a:shade val="50000"/>
+              </a:schemeClr>
+            </a:lnRef>
+            <a:fillRef idx="1">
+              <a:schemeClr val="accent1"/>
+            </a:fillRef>
+            <a:effectRef idx="0">
+              <a:schemeClr val="accent1"/>
+            </a:effectRef>
+            <a:fontRef idx="minor">
+              <a:schemeClr val="lt1"/>
+            </a:fontRef>
+          </p:style>
+          <p:txBody>
+            <a:bodyPr rtlCol="0" anchor="ctr"/>
+            <a:lstStyle/>
+            <a:p>
+              <a:pPr algn="ctr"/>
+              <a:endParaRPr lang="en-US">
+                <a:solidFill>
+                  <a:schemeClr val="tx1"/>
+                </a:solidFill>
+              </a:endParaRPr>
+            </a:p>
+          </p:txBody>
+        </p:sp>
+        <p:sp>
+          <p:nvSpPr>
+            <p:cNvPr id="60" name="TextBox 59">
+              <a:extLst>
+                <a:ext uri="{FF2B5EF4-FFF2-40B4-BE49-F238E27FC236}">
+                  <a16:creationId xmlns:a16="http://schemas.microsoft.com/office/drawing/2014/main" id="{9ABAD41B-607C-304D-965C-0A42FB361FAE}"/>
+                </a:ext>
+              </a:extLst>
+            </p:cNvPr>
+            <p:cNvSpPr txBox="1"/>
+            <p:nvPr/>
+          </p:nvSpPr>
+          <p:spPr>
+            <a:xfrm>
+              <a:off x="989035" y="4065831"/>
               <a:ext cx="3334762" cy="307777"/>
             </a:xfrm>
             <a:prstGeom prst="rect">
@@ -10056,7 +10463,7 @@
               <a:pPr algn="ctr"/>
               <a:r>
                 <a:rPr lang="en-US" sz="1400" dirty="0"/>
-                <a:t>Distribution of Well Construction Year</a:t>
+                <a:t>Random Imputation</a:t>
               </a:r>
             </a:p>
           </p:txBody>
@@ -11979,7 +12386,7 @@
           </p:nvSpPr>
           <p:spPr>
             <a:xfrm>
-              <a:off x="595558" y="2682473"/>
+              <a:off x="595558" y="4048192"/>
               <a:ext cx="2521839" cy="400110"/>
             </a:xfrm>
             <a:prstGeom prst="rect">
@@ -12019,7 +12426,7 @@
           </p:nvSpPr>
           <p:spPr>
             <a:xfrm>
-              <a:off x="606540" y="3368273"/>
+              <a:off x="606540" y="2680963"/>
               <a:ext cx="2521839" cy="400110"/>
             </a:xfrm>
             <a:prstGeom prst="rect">
@@ -12055,7 +12462,7 @@
           </p:nvSpPr>
           <p:spPr>
             <a:xfrm>
-              <a:off x="606540" y="4074982"/>
+              <a:off x="606540" y="3347056"/>
               <a:ext cx="2521839" cy="400110"/>
             </a:xfrm>
             <a:prstGeom prst="rect">
@@ -12091,7 +12498,7 @@
           </p:nvSpPr>
           <p:spPr>
             <a:xfrm>
-              <a:off x="595559" y="4766526"/>
+              <a:off x="595559" y="4724191"/>
               <a:ext cx="2521839" cy="400110"/>
             </a:xfrm>
             <a:prstGeom prst="rect">
@@ -13080,7 +13487,7 @@
                 <a:pPr algn="ctr"/>
                 <a:r>
                   <a:rPr lang="en-US" sz="2500" dirty="0"/>
-                  <a:t>475 FH</a:t>
+                  <a:t>31 FH</a:t>
                 </a:r>
               </a:p>
             </p:txBody>
@@ -13116,7 +13523,7 @@
                 <a:pPr algn="ctr"/>
                 <a:r>
                   <a:rPr lang="en-US" sz="2500" dirty="0"/>
-                  <a:t>150 FH</a:t>
+                  <a:t>23 FH</a:t>
                 </a:r>
               </a:p>
             </p:txBody>
@@ -13516,7 +13923,7 @@
               <a:pPr algn="r"/>
               <a:r>
                 <a:rPr lang="en-US" sz="2000" dirty="0"/>
-                <a:t>Dry</a:t>
+                <a:t>Seasonal</a:t>
               </a:r>
             </a:p>
           </p:txBody>
@@ -13552,7 +13959,7 @@
               <a:pPr algn="r"/>
               <a:r>
                 <a:rPr lang="en-US" sz="2000" dirty="0"/>
-                <a:t>Seasonal</a:t>
+                <a:t>Dry</a:t>
               </a:r>
             </a:p>
           </p:txBody>
@@ -13660,7 +14067,7 @@
               <a:pPr algn="ctr"/>
               <a:r>
                 <a:rPr lang="en-US" sz="2000" dirty="0"/>
-                <a:t>426 FH</a:t>
+                <a:t>30 FH</a:t>
               </a:r>
             </a:p>
           </p:txBody>
@@ -13696,7 +14103,7 @@
               <a:pPr algn="ctr"/>
               <a:r>
                 <a:rPr lang="en-US" sz="2000" dirty="0"/>
-                <a:t>260 FH</a:t>
+                <a:t>28 FH</a:t>
               </a:r>
             </a:p>
           </p:txBody>
@@ -13732,7 +14139,7 @@
               <a:pPr algn="ctr"/>
               <a:r>
                 <a:rPr lang="en-US" sz="2000" dirty="0"/>
-                <a:t>135 FH</a:t>
+                <a:t>22 FH</a:t>
               </a:r>
             </a:p>
           </p:txBody>
@@ -13768,7 +14175,7 @@
               <a:pPr algn="ctr"/>
               <a:r>
                 <a:rPr lang="en-US" sz="2000" dirty="0"/>
-                <a:t>116 FH</a:t>
+                <a:t>18 FH</a:t>
               </a:r>
             </a:p>
           </p:txBody>
@@ -13804,7 +14211,7 @@
               <a:pPr algn="ctr"/>
               <a:r>
                 <a:rPr lang="en-US" sz="2000" dirty="0"/>
-                <a:t>68 FH</a:t>
+                <a:t>16 FH</a:t>
               </a:r>
             </a:p>
           </p:txBody>

--- a/Stakeholder Presentation.pptx
+++ b/Stakeholder Presentation.pptx
@@ -6039,10 +6039,10 @@
       </p:grpSpPr>
       <p:grpSp>
         <p:nvGrpSpPr>
-          <p:cNvPr id="2" name="Group 1">
+          <p:cNvPr id="3" name="Group 2">
             <a:extLst>
               <a:ext uri="{FF2B5EF4-FFF2-40B4-BE49-F238E27FC236}">
-                <a16:creationId xmlns:a16="http://schemas.microsoft.com/office/drawing/2014/main" id="{E6CD0DAF-D43F-7346-8986-06411BD66942}"/>
+                <a16:creationId xmlns:a16="http://schemas.microsoft.com/office/drawing/2014/main" id="{FC463654-649C-D24A-B40F-2725B40CFE2D}"/>
               </a:ext>
             </a:extLst>
           </p:cNvPr>
@@ -6051,18 +6051,18 @@
         </p:nvGrpSpPr>
         <p:grpSpPr>
           <a:xfrm>
-            <a:off x="1731145" y="461639"/>
-            <a:ext cx="6473131" cy="6071595"/>
-            <a:chOff x="2372241" y="497883"/>
-            <a:chExt cx="6473131" cy="6071595"/>
+            <a:off x="1765890" y="779015"/>
+            <a:ext cx="5536261" cy="5299969"/>
+            <a:chOff x="2458349" y="461639"/>
+            <a:chExt cx="5536261" cy="5299969"/>
           </a:xfrm>
         </p:grpSpPr>
         <p:grpSp>
           <p:nvGrpSpPr>
-            <p:cNvPr id="9" name="Group 8">
+            <p:cNvPr id="2" name="Group 1">
               <a:extLst>
                 <a:ext uri="{FF2B5EF4-FFF2-40B4-BE49-F238E27FC236}">
-                  <a16:creationId xmlns:a16="http://schemas.microsoft.com/office/drawing/2014/main" id="{32ED4B0D-4263-C54B-A529-D836767813CA}"/>
+                  <a16:creationId xmlns:a16="http://schemas.microsoft.com/office/drawing/2014/main" id="{E6CD0DAF-D43F-7346-8986-06411BD66942}"/>
                 </a:ext>
               </a:extLst>
             </p:cNvPr>
@@ -6071,453 +6071,395 @@
           </p:nvGrpSpPr>
           <p:grpSpPr>
             <a:xfrm>
-              <a:off x="2372241" y="1029809"/>
-              <a:ext cx="6473131" cy="5539669"/>
-              <a:chOff x="264486" y="1214175"/>
-              <a:chExt cx="6473131" cy="5539669"/>
+              <a:off x="2458349" y="461639"/>
+              <a:ext cx="4847026" cy="5094905"/>
+              <a:chOff x="3099445" y="497883"/>
+              <a:chExt cx="4847026" cy="5094905"/>
             </a:xfrm>
           </p:grpSpPr>
-          <p:pic>
-            <p:nvPicPr>
-              <p:cNvPr id="10" name="Picture 9" descr="Chart, bar chart&#10;&#10;Description automatically generated">
+          <p:grpSp>
+            <p:nvGrpSpPr>
+              <p:cNvPr id="9" name="Group 8">
                 <a:extLst>
                   <a:ext uri="{FF2B5EF4-FFF2-40B4-BE49-F238E27FC236}">
-                    <a16:creationId xmlns:a16="http://schemas.microsoft.com/office/drawing/2014/main" id="{876264D6-CF8A-4146-A802-F3B52CBC17DD}"/>
+                    <a16:creationId xmlns:a16="http://schemas.microsoft.com/office/drawing/2014/main" id="{32ED4B0D-4263-C54B-A529-D836767813CA}"/>
                   </a:ext>
                 </a:extLst>
               </p:cNvPr>
-              <p:cNvPicPr>
-                <a:picLocks noChangeAspect="1"/>
-              </p:cNvPicPr>
+              <p:cNvGrpSpPr/>
               <p:nvPr/>
-            </p:nvPicPr>
-            <p:blipFill rotWithShape="1">
-              <a:blip r:embed="rId2">
+            </p:nvGrpSpPr>
+            <p:grpSpPr>
+              <a:xfrm>
+                <a:off x="3099445" y="1337700"/>
+                <a:ext cx="2563393" cy="4255088"/>
+                <a:chOff x="991690" y="1522066"/>
+                <a:chExt cx="2563393" cy="4255088"/>
+              </a:xfrm>
+            </p:grpSpPr>
+            <p:sp>
+              <p:nvSpPr>
+                <p:cNvPr id="11" name="TextBox 10">
+                  <a:extLst>
+                    <a:ext uri="{FF2B5EF4-FFF2-40B4-BE49-F238E27FC236}">
+                      <a16:creationId xmlns:a16="http://schemas.microsoft.com/office/drawing/2014/main" id="{61FB6A73-5C25-6843-B683-21ECBC9EBF00}"/>
+                    </a:ext>
+                  </a:extLst>
+                </p:cNvPr>
+                <p:cNvSpPr txBox="1"/>
+                <p:nvPr/>
+              </p:nvSpPr>
+              <p:spPr>
+                <a:xfrm>
+                  <a:off x="1033244" y="1522066"/>
+                  <a:ext cx="2521839" cy="307777"/>
+                </a:xfrm>
+                <a:prstGeom prst="rect">
+                  <a:avLst/>
+                </a:prstGeom>
+                <a:noFill/>
+              </p:spPr>
+              <p:txBody>
+                <a:bodyPr wrap="square" rtlCol="0">
+                  <a:spAutoFit/>
+                </a:bodyPr>
+                <a:lstStyle/>
+                <a:p>
+                  <a:pPr algn="r"/>
+                  <a:r>
+                    <a:rPr lang="en-US" sz="1400" dirty="0">
+                      <a:solidFill>
+                        <a:schemeClr val="bg1"/>
+                      </a:solidFill>
+                    </a:rPr>
+                    <a:t>Longitude</a:t>
+                  </a:r>
+                </a:p>
+              </p:txBody>
+            </p:sp>
+            <p:sp>
+              <p:nvSpPr>
+                <p:cNvPr id="12" name="TextBox 11">
+                  <a:extLst>
+                    <a:ext uri="{FF2B5EF4-FFF2-40B4-BE49-F238E27FC236}">
+                      <a16:creationId xmlns:a16="http://schemas.microsoft.com/office/drawing/2014/main" id="{8C584AD5-19A6-3A49-8F5C-665FAE3EF65C}"/>
+                    </a:ext>
+                  </a:extLst>
+                </p:cNvPr>
+                <p:cNvSpPr txBox="1"/>
+                <p:nvPr/>
+              </p:nvSpPr>
+              <p:spPr>
+                <a:xfrm>
+                  <a:off x="1033244" y="2298706"/>
+                  <a:ext cx="2521839" cy="307777"/>
+                </a:xfrm>
+                <a:prstGeom prst="rect">
+                  <a:avLst/>
+                </a:prstGeom>
+                <a:noFill/>
+              </p:spPr>
+              <p:txBody>
+                <a:bodyPr wrap="square" rtlCol="0">
+                  <a:spAutoFit/>
+                </a:bodyPr>
+                <a:lstStyle/>
+                <a:p>
+                  <a:pPr algn="r"/>
+                  <a:r>
+                    <a:rPr lang="en-US" sz="1400" dirty="0">
+                      <a:solidFill>
+                        <a:schemeClr val="bg1"/>
+                      </a:solidFill>
+                    </a:rPr>
+                    <a:t>Latitude</a:t>
+                  </a:r>
+                </a:p>
+              </p:txBody>
+            </p:sp>
+            <p:sp>
+              <p:nvSpPr>
+                <p:cNvPr id="13" name="TextBox 12">
+                  <a:extLst>
+                    <a:ext uri="{FF2B5EF4-FFF2-40B4-BE49-F238E27FC236}">
+                      <a16:creationId xmlns:a16="http://schemas.microsoft.com/office/drawing/2014/main" id="{629E6503-C787-0143-95B0-EE428C13C82D}"/>
+                    </a:ext>
+                  </a:extLst>
+                </p:cNvPr>
+                <p:cNvSpPr txBox="1"/>
+                <p:nvPr/>
+              </p:nvSpPr>
+              <p:spPr>
+                <a:xfrm>
+                  <a:off x="1033244" y="3107401"/>
+                  <a:ext cx="2521839" cy="307777"/>
+                </a:xfrm>
+                <a:prstGeom prst="rect">
+                  <a:avLst/>
+                </a:prstGeom>
+                <a:noFill/>
+              </p:spPr>
+              <p:txBody>
+                <a:bodyPr wrap="square" rtlCol="0">
+                  <a:spAutoFit/>
+                </a:bodyPr>
+                <a:lstStyle/>
+                <a:p>
+                  <a:pPr algn="r"/>
+                  <a:r>
+                    <a:rPr lang="en-US" sz="1400" dirty="0">
+                      <a:solidFill>
+                        <a:schemeClr val="bg1"/>
+                      </a:solidFill>
+                    </a:rPr>
+                    <a:t>Well Elevation</a:t>
+                  </a:r>
+                </a:p>
+              </p:txBody>
+            </p:sp>
+            <p:sp>
+              <p:nvSpPr>
+                <p:cNvPr id="14" name="TextBox 13">
+                  <a:extLst>
+                    <a:ext uri="{FF2B5EF4-FFF2-40B4-BE49-F238E27FC236}">
+                      <a16:creationId xmlns:a16="http://schemas.microsoft.com/office/drawing/2014/main" id="{50A63EEF-56C3-1D41-A772-44C90D844BAD}"/>
+                    </a:ext>
+                  </a:extLst>
+                </p:cNvPr>
+                <p:cNvSpPr txBox="1"/>
+                <p:nvPr/>
+              </p:nvSpPr>
+              <p:spPr>
+                <a:xfrm>
+                  <a:off x="1033244" y="3916097"/>
+                  <a:ext cx="2521839" cy="307777"/>
+                </a:xfrm>
+                <a:prstGeom prst="rect">
+                  <a:avLst/>
+                </a:prstGeom>
+                <a:noFill/>
+              </p:spPr>
+              <p:txBody>
+                <a:bodyPr wrap="square" rtlCol="0">
+                  <a:spAutoFit/>
+                </a:bodyPr>
+                <a:lstStyle/>
+                <a:p>
+                  <a:pPr algn="r"/>
+                  <a:r>
+                    <a:rPr lang="en-US" sz="1400" dirty="0">
+                      <a:solidFill>
+                        <a:schemeClr val="bg1"/>
+                      </a:solidFill>
+                    </a:rPr>
+                    <a:t>Population</a:t>
+                  </a:r>
+                </a:p>
+              </p:txBody>
+            </p:sp>
+            <p:sp>
+              <p:nvSpPr>
+                <p:cNvPr id="15" name="TextBox 14">
+                  <a:extLst>
+                    <a:ext uri="{FF2B5EF4-FFF2-40B4-BE49-F238E27FC236}">
+                      <a16:creationId xmlns:a16="http://schemas.microsoft.com/office/drawing/2014/main" id="{258CA95B-EF84-FF47-A247-F0C2673D9521}"/>
+                    </a:ext>
+                  </a:extLst>
+                </p:cNvPr>
+                <p:cNvSpPr txBox="1"/>
+                <p:nvPr/>
+              </p:nvSpPr>
+              <p:spPr>
+                <a:xfrm>
+                  <a:off x="1033244" y="4692737"/>
+                  <a:ext cx="2521839" cy="307777"/>
+                </a:xfrm>
+                <a:prstGeom prst="rect">
+                  <a:avLst/>
+                </a:prstGeom>
+                <a:noFill/>
+              </p:spPr>
+              <p:txBody>
+                <a:bodyPr wrap="square" rtlCol="0">
+                  <a:spAutoFit/>
+                </a:bodyPr>
+                <a:lstStyle/>
+                <a:p>
+                  <a:pPr algn="r"/>
+                  <a:r>
+                    <a:rPr lang="en-US" sz="1400" dirty="0">
+                      <a:solidFill>
+                        <a:schemeClr val="bg1"/>
+                      </a:solidFill>
+                    </a:rPr>
+                    <a:t>Well Age</a:t>
+                  </a:r>
+                </a:p>
+              </p:txBody>
+            </p:sp>
+            <p:sp>
+              <p:nvSpPr>
+                <p:cNvPr id="16" name="TextBox 15">
+                  <a:extLst>
+                    <a:ext uri="{FF2B5EF4-FFF2-40B4-BE49-F238E27FC236}">
+                      <a16:creationId xmlns:a16="http://schemas.microsoft.com/office/drawing/2014/main" id="{B6007404-8D0A-7A4F-9A7C-A4555CEC853F}"/>
+                    </a:ext>
+                  </a:extLst>
+                </p:cNvPr>
+                <p:cNvSpPr txBox="1"/>
+                <p:nvPr/>
+              </p:nvSpPr>
+              <p:spPr>
+                <a:xfrm>
+                  <a:off x="991690" y="5469377"/>
+                  <a:ext cx="2521839" cy="307777"/>
+                </a:xfrm>
+                <a:prstGeom prst="rect">
+                  <a:avLst/>
+                </a:prstGeom>
+                <a:noFill/>
+              </p:spPr>
+              <p:txBody>
+                <a:bodyPr wrap="square" rtlCol="0">
+                  <a:spAutoFit/>
+                </a:bodyPr>
+                <a:lstStyle/>
+                <a:p>
+                  <a:pPr algn="r"/>
+                  <a:r>
+                    <a:rPr lang="en-US" sz="1400" dirty="0">
+                      <a:solidFill>
+                        <a:schemeClr val="bg1"/>
+                      </a:solidFill>
+                    </a:rPr>
+                    <a:t>Head</a:t>
+                  </a:r>
+                </a:p>
+              </p:txBody>
+            </p:sp>
+          </p:grpSp>
+          <p:sp>
+            <p:nvSpPr>
+              <p:cNvPr id="19" name="Title 12">
                 <a:extLst>
-                  <a:ext uri="{BEBA8EAE-BF5A-486C-A8C5-ECC9F3942E4B}">
-                    <a14:imgProps xmlns:a14="http://schemas.microsoft.com/office/drawing/2010/main">
-                      <a14:imgLayer r:embed="rId3">
-                        <a14:imgEffect>
-                          <a14:backgroundRemoval t="9861" b="94185" l="7879" r="89899">
-                            <a14:foregroundMark x1="7879" y1="21365" x2="7879" y2="21365"/>
-                            <a14:foregroundMark x1="17239" y1="22503" x2="17239" y2="22503"/>
-                            <a14:foregroundMark x1="28013" y1="40708" x2="28013" y2="40708"/>
-                            <a14:foregroundMark x1="36768" y1="46903" x2="36768" y2="46903"/>
-                            <a14:foregroundMark x1="48418" y1="65613" x2="48418" y2="65613"/>
-                            <a14:foregroundMark x1="54815" y1="78129" x2="54815" y2="78129"/>
-                            <a14:foregroundMark x1="65051" y1="86346" x2="65051" y2="86346"/>
-                            <a14:foregroundMark x1="73401" y1="90013" x2="73401" y2="90013"/>
-                            <a14:foregroundMark x1="35421" y1="69912" x2="35421" y2="69912"/>
-                            <a14:foregroundMark x1="27138" y1="66498" x2="27138" y2="66498"/>
-                            <a14:foregroundMark x1="27475" y1="41340" x2="27407" y2="69153"/>
-                            <a14:foregroundMark x1="27407" y1="69153" x2="27407" y2="69153"/>
-                            <a14:foregroundMark x1="36633" y1="51833" x2="37172" y2="72566"/>
-                            <a14:backgroundMark x1="85387" y1="94690" x2="85387" y2="94058"/>
-                          </a14:backgroundRemoval>
-                        </a14:imgEffect>
-                        <a14:imgEffect>
-                          <a14:sharpenSoften amount="50000"/>
-                        </a14:imgEffect>
-                      </a14:imgLayer>
-                    </a14:imgProps>
-                  </a:ext>
-                  <a:ext uri="{28A0092B-C50C-407E-A947-70E740481C1C}">
-                    <a14:useLocalDpi xmlns:a14="http://schemas.microsoft.com/office/drawing/2010/main" val="0"/>
+                  <a:ext uri="{FF2B5EF4-FFF2-40B4-BE49-F238E27FC236}">
+                    <a16:creationId xmlns:a16="http://schemas.microsoft.com/office/drawing/2014/main" id="{29A6769B-5E6C-3648-95BF-ABABB62DFA9C}"/>
                   </a:ext>
                 </a:extLst>
-              </a:blip>
-              <a:srcRect l="4616" r="19706"/>
-              <a:stretch/>
-            </p:blipFill>
+              </p:cNvPr>
+              <p:cNvSpPr txBox="1">
+                <a:spLocks/>
+              </p:cNvSpPr>
+              <p:nvPr/>
+            </p:nvSpPr>
             <p:spPr>
-              <a:xfrm rot="5400000">
-                <a:off x="2018247" y="2034474"/>
-                <a:ext cx="5539669" cy="3899071"/>
+              <a:xfrm>
+                <a:off x="3970222" y="497883"/>
+                <a:ext cx="3976249" cy="448090"/>
               </a:xfrm>
               <a:prstGeom prst="rect">
                 <a:avLst/>
               </a:prstGeom>
             </p:spPr>
-          </p:pic>
-          <p:sp>
-            <p:nvSpPr>
-              <p:cNvPr id="11" name="TextBox 10">
-                <a:extLst>
-                  <a:ext uri="{FF2B5EF4-FFF2-40B4-BE49-F238E27FC236}">
-                    <a16:creationId xmlns:a16="http://schemas.microsoft.com/office/drawing/2014/main" id="{61FB6A73-5C25-6843-B683-21ECBC9EBF00}"/>
-                  </a:ext>
-                </a:extLst>
-              </p:cNvPr>
-              <p:cNvSpPr txBox="1"/>
-              <p:nvPr/>
-            </p:nvSpPr>
-            <p:spPr>
-              <a:xfrm>
-                <a:off x="591055" y="1352971"/>
-                <a:ext cx="2521839" cy="307777"/>
-              </a:xfrm>
-              <a:prstGeom prst="rect">
-                <a:avLst/>
-              </a:prstGeom>
-              <a:noFill/>
-            </p:spPr>
             <p:txBody>
-              <a:bodyPr wrap="square" rtlCol="0">
-                <a:spAutoFit/>
+              <a:bodyPr vert="horz" lIns="91440" tIns="45720" rIns="91440" bIns="45720" rtlCol="0" anchor="b">
+                <a:normAutofit/>
               </a:bodyPr>
-              <a:lstStyle/>
+              <a:lstStyle>
+                <a:lvl1pPr algn="l" defTabSz="914400" rtl="0" eaLnBrk="1" latinLnBrk="0" hangingPunct="1">
+                  <a:lnSpc>
+                    <a:spcPct val="90000"/>
+                  </a:lnSpc>
+                  <a:spcBef>
+                    <a:spcPct val="0"/>
+                  </a:spcBef>
+                  <a:buNone/>
+                  <a:defRPr sz="3600" kern="1200" spc="100" baseline="0">
+                    <a:solidFill>
+                      <a:schemeClr val="tx1"/>
+                    </a:solidFill>
+                    <a:latin typeface="+mj-lt"/>
+                    <a:ea typeface="+mj-ea"/>
+                    <a:cs typeface="+mj-cs"/>
+                  </a:defRPr>
+                </a:lvl1pPr>
+              </a:lstStyle>
               <a:p>
-                <a:pPr algn="r"/>
                 <a:r>
-                  <a:rPr lang="en-US" sz="1400" dirty="0">
+                  <a:rPr lang="en-US" sz="2000" dirty="0">
                     <a:solidFill>
                       <a:schemeClr val="bg1"/>
                     </a:solidFill>
                   </a:rPr>
-                  <a:t>Longitude</a:t>
-                </a:r>
-              </a:p>
-            </p:txBody>
-          </p:sp>
-          <p:sp>
-            <p:nvSpPr>
-              <p:cNvPr id="12" name="TextBox 11">
-                <a:extLst>
-                  <a:ext uri="{FF2B5EF4-FFF2-40B4-BE49-F238E27FC236}">
-                    <a16:creationId xmlns:a16="http://schemas.microsoft.com/office/drawing/2014/main" id="{8C584AD5-19A6-3A49-8F5C-665FAE3EF65C}"/>
-                  </a:ext>
-                </a:extLst>
-              </p:cNvPr>
-              <p:cNvSpPr txBox="1"/>
-              <p:nvPr/>
-            </p:nvSpPr>
-            <p:spPr>
-              <a:xfrm>
-                <a:off x="591056" y="2052097"/>
-                <a:ext cx="2521839" cy="307777"/>
-              </a:xfrm>
-              <a:prstGeom prst="rect">
-                <a:avLst/>
-              </a:prstGeom>
-              <a:noFill/>
-            </p:spPr>
-            <p:txBody>
-              <a:bodyPr wrap="square" rtlCol="0">
-                <a:spAutoFit/>
-              </a:bodyPr>
-              <a:lstStyle/>
-              <a:p>
-                <a:pPr algn="r"/>
-                <a:r>
-                  <a:rPr lang="en-US" sz="1400" dirty="0">
-                    <a:solidFill>
-                      <a:schemeClr val="bg1"/>
-                    </a:solidFill>
-                  </a:rPr>
-                  <a:t>Latitude</a:t>
-                </a:r>
-              </a:p>
-            </p:txBody>
-          </p:sp>
-          <p:sp>
-            <p:nvSpPr>
-              <p:cNvPr id="13" name="TextBox 12">
-                <a:extLst>
-                  <a:ext uri="{FF2B5EF4-FFF2-40B4-BE49-F238E27FC236}">
-                    <a16:creationId xmlns:a16="http://schemas.microsoft.com/office/drawing/2014/main" id="{629E6503-C787-0143-95B0-EE428C13C82D}"/>
-                  </a:ext>
-                </a:extLst>
-              </p:cNvPr>
-              <p:cNvSpPr txBox="1"/>
-              <p:nvPr/>
-            </p:nvSpPr>
-            <p:spPr>
-              <a:xfrm>
-                <a:off x="595558" y="2682473"/>
-                <a:ext cx="2521839" cy="307777"/>
-              </a:xfrm>
-              <a:prstGeom prst="rect">
-                <a:avLst/>
-              </a:prstGeom>
-              <a:noFill/>
-            </p:spPr>
-            <p:txBody>
-              <a:bodyPr wrap="square" rtlCol="0">
-                <a:spAutoFit/>
-              </a:bodyPr>
-              <a:lstStyle/>
-              <a:p>
-                <a:pPr algn="r"/>
-                <a:r>
-                  <a:rPr lang="en-US" sz="1400" dirty="0">
-                    <a:solidFill>
-                      <a:schemeClr val="bg1"/>
-                    </a:solidFill>
-                  </a:rPr>
-                  <a:t>Well Age</a:t>
-                </a:r>
-              </a:p>
-            </p:txBody>
-          </p:sp>
-          <p:sp>
-            <p:nvSpPr>
-              <p:cNvPr id="14" name="TextBox 13">
-                <a:extLst>
-                  <a:ext uri="{FF2B5EF4-FFF2-40B4-BE49-F238E27FC236}">
-                    <a16:creationId xmlns:a16="http://schemas.microsoft.com/office/drawing/2014/main" id="{50A63EEF-56C3-1D41-A772-44C90D844BAD}"/>
-                  </a:ext>
-                </a:extLst>
-              </p:cNvPr>
-              <p:cNvSpPr txBox="1"/>
-              <p:nvPr/>
-            </p:nvSpPr>
-            <p:spPr>
-              <a:xfrm>
-                <a:off x="606540" y="3368273"/>
-                <a:ext cx="2521839" cy="307777"/>
-              </a:xfrm>
-              <a:prstGeom prst="rect">
-                <a:avLst/>
-              </a:prstGeom>
-              <a:noFill/>
-            </p:spPr>
-            <p:txBody>
-              <a:bodyPr wrap="square" rtlCol="0">
-                <a:spAutoFit/>
-              </a:bodyPr>
-              <a:lstStyle/>
-              <a:p>
-                <a:pPr algn="r"/>
-                <a:r>
-                  <a:rPr lang="en-US" sz="1400" dirty="0">
-                    <a:solidFill>
-                      <a:schemeClr val="bg1"/>
-                    </a:solidFill>
-                  </a:rPr>
-                  <a:t>Well Elevation</a:t>
-                </a:r>
-              </a:p>
-            </p:txBody>
-          </p:sp>
-          <p:sp>
-            <p:nvSpPr>
-              <p:cNvPr id="15" name="TextBox 14">
-                <a:extLst>
-                  <a:ext uri="{FF2B5EF4-FFF2-40B4-BE49-F238E27FC236}">
-                    <a16:creationId xmlns:a16="http://schemas.microsoft.com/office/drawing/2014/main" id="{258CA95B-EF84-FF47-A247-F0C2673D9521}"/>
-                  </a:ext>
-                </a:extLst>
-              </p:cNvPr>
-              <p:cNvSpPr txBox="1"/>
-              <p:nvPr/>
-            </p:nvSpPr>
-            <p:spPr>
-              <a:xfrm>
-                <a:off x="606540" y="4074982"/>
-                <a:ext cx="2521839" cy="307777"/>
-              </a:xfrm>
-              <a:prstGeom prst="rect">
-                <a:avLst/>
-              </a:prstGeom>
-              <a:noFill/>
-            </p:spPr>
-            <p:txBody>
-              <a:bodyPr wrap="square" rtlCol="0">
-                <a:spAutoFit/>
-              </a:bodyPr>
-              <a:lstStyle/>
-              <a:p>
-                <a:pPr algn="r"/>
-                <a:r>
-                  <a:rPr lang="en-US" sz="1400" dirty="0">
-                    <a:solidFill>
-                      <a:schemeClr val="bg1"/>
-                    </a:solidFill>
-                  </a:rPr>
-                  <a:t>Population</a:t>
-                </a:r>
-              </a:p>
-            </p:txBody>
-          </p:sp>
-          <p:sp>
-            <p:nvSpPr>
-              <p:cNvPr id="16" name="TextBox 15">
-                <a:extLst>
-                  <a:ext uri="{FF2B5EF4-FFF2-40B4-BE49-F238E27FC236}">
-                    <a16:creationId xmlns:a16="http://schemas.microsoft.com/office/drawing/2014/main" id="{B6007404-8D0A-7A4F-9A7C-A4555CEC853F}"/>
-                  </a:ext>
-                </a:extLst>
-              </p:cNvPr>
-              <p:cNvSpPr txBox="1"/>
-              <p:nvPr/>
-            </p:nvSpPr>
-            <p:spPr>
-              <a:xfrm>
-                <a:off x="595559" y="4766526"/>
-                <a:ext cx="2521839" cy="307777"/>
-              </a:xfrm>
-              <a:prstGeom prst="rect">
-                <a:avLst/>
-              </a:prstGeom>
-              <a:noFill/>
-            </p:spPr>
-            <p:txBody>
-              <a:bodyPr wrap="square" rtlCol="0">
-                <a:spAutoFit/>
-              </a:bodyPr>
-              <a:lstStyle/>
-              <a:p>
-                <a:pPr algn="r"/>
-                <a:r>
-                  <a:rPr lang="en-US" sz="1400" dirty="0">
-                    <a:solidFill>
-                      <a:schemeClr val="bg1"/>
-                    </a:solidFill>
-                  </a:rPr>
-                  <a:t>Head</a:t>
-                </a:r>
-              </a:p>
-            </p:txBody>
-          </p:sp>
-          <p:sp>
-            <p:nvSpPr>
-              <p:cNvPr id="17" name="TextBox 16">
-                <a:extLst>
-                  <a:ext uri="{FF2B5EF4-FFF2-40B4-BE49-F238E27FC236}">
-                    <a16:creationId xmlns:a16="http://schemas.microsoft.com/office/drawing/2014/main" id="{6E3A0B89-DDF8-3B4B-B8E5-A51D060BD30B}"/>
-                  </a:ext>
-                </a:extLst>
-              </p:cNvPr>
-              <p:cNvSpPr txBox="1"/>
-              <p:nvPr/>
-            </p:nvSpPr>
-            <p:spPr>
-              <a:xfrm>
-                <a:off x="823780" y="5402974"/>
-                <a:ext cx="2304600" cy="307777"/>
-              </a:xfrm>
-              <a:prstGeom prst="rect">
-                <a:avLst/>
-              </a:prstGeom>
-              <a:noFill/>
-            </p:spPr>
-            <p:txBody>
-              <a:bodyPr wrap="square" rtlCol="0">
-                <a:spAutoFit/>
-              </a:bodyPr>
-              <a:lstStyle/>
-              <a:p>
-                <a:pPr algn="r"/>
-                <a:r>
-                  <a:rPr lang="en-US" sz="1400" dirty="0">
-                    <a:solidFill>
-                      <a:schemeClr val="bg1"/>
-                    </a:solidFill>
-                  </a:rPr>
-                  <a:t>Communal Standpipe</a:t>
-                </a:r>
-              </a:p>
-            </p:txBody>
-          </p:sp>
-          <p:sp>
-            <p:nvSpPr>
-              <p:cNvPr id="18" name="TextBox 17">
-                <a:extLst>
-                  <a:ext uri="{FF2B5EF4-FFF2-40B4-BE49-F238E27FC236}">
-                    <a16:creationId xmlns:a16="http://schemas.microsoft.com/office/drawing/2014/main" id="{F334B395-F6A8-5348-ACD1-B52FDA2224A5}"/>
-                  </a:ext>
-                </a:extLst>
-              </p:cNvPr>
-              <p:cNvSpPr txBox="1"/>
-              <p:nvPr/>
-            </p:nvSpPr>
-            <p:spPr>
-              <a:xfrm>
-                <a:off x="264486" y="6094518"/>
-                <a:ext cx="2852913" cy="307777"/>
-              </a:xfrm>
-              <a:prstGeom prst="rect">
-                <a:avLst/>
-              </a:prstGeom>
-              <a:noFill/>
-            </p:spPr>
-            <p:txBody>
-              <a:bodyPr wrap="square" rtlCol="0">
-                <a:spAutoFit/>
-              </a:bodyPr>
-              <a:lstStyle/>
-              <a:p>
-                <a:pPr algn="r"/>
-                <a:r>
-                  <a:rPr lang="en-US" sz="1400" dirty="0">
-                    <a:solidFill>
-                      <a:schemeClr val="bg1"/>
-                    </a:solidFill>
-                  </a:rPr>
-                  <a:t>Multiple Communal Standpipe</a:t>
+                  <a:t>Most Important Model Features</a:t>
                 </a:r>
               </a:p>
             </p:txBody>
           </p:sp>
         </p:grpSp>
-        <p:sp>
-          <p:nvSpPr>
-            <p:cNvPr id="19" name="Title 12">
+        <p:pic>
+          <p:nvPicPr>
+            <p:cNvPr id="20" name="Picture 19" descr="Chart, bar chart&#10;&#10;Description automatically generated">
               <a:extLst>
                 <a:ext uri="{FF2B5EF4-FFF2-40B4-BE49-F238E27FC236}">
-                  <a16:creationId xmlns:a16="http://schemas.microsoft.com/office/drawing/2014/main" id="{29A6769B-5E6C-3648-95BF-ABABB62DFA9C}"/>
+                  <a16:creationId xmlns:a16="http://schemas.microsoft.com/office/drawing/2014/main" id="{3700A153-5605-2647-9132-711CA6C0DFF3}"/>
                 </a:ext>
               </a:extLst>
             </p:cNvPr>
-            <p:cNvSpPr txBox="1">
-              <a:spLocks/>
-            </p:cNvSpPr>
+            <p:cNvPicPr>
+              <a:picLocks noChangeAspect="1"/>
+            </p:cNvPicPr>
             <p:nvPr/>
-          </p:nvSpPr>
+          </p:nvPicPr>
+          <p:blipFill>
+            <a:blip r:embed="rId2">
+              <a:extLst>
+                <a:ext uri="{BEBA8EAE-BF5A-486C-A8C5-ECC9F3942E4B}">
+                  <a14:imgProps xmlns:a14="http://schemas.microsoft.com/office/drawing/2010/main">
+                    <a14:imgLayer r:embed="rId3">
+                      <a14:imgEffect>
+                        <a14:backgroundRemoval t="4000" b="96690" l="5628" r="95022">
+                          <a14:foregroundMark x1="13203" y1="7586" x2="30519" y2="8276"/>
+                          <a14:foregroundMark x1="30519" y1="8276" x2="65801" y2="6069"/>
+                          <a14:foregroundMark x1="8442" y1="5931" x2="28139" y2="5931"/>
+                          <a14:foregroundMark x1="28139" y1="5931" x2="62554" y2="6207"/>
+                          <a14:foregroundMark x1="62554" y1="6207" x2="74892" y2="5931"/>
+                          <a14:foregroundMark x1="74892" y1="5931" x2="83766" y2="6345"/>
+                          <a14:foregroundMark x1="5844" y1="4000" x2="7143" y2="8690"/>
+                          <a14:foregroundMark x1="95022" y1="6483" x2="95022" y2="6483"/>
+                          <a14:foregroundMark x1="86580" y1="21931" x2="86580" y2="21931"/>
+                          <a14:foregroundMark x1="41775" y1="39310" x2="41775" y2="39310"/>
+                          <a14:foregroundMark x1="47835" y1="42897" x2="17532" y2="41793"/>
+                          <a14:foregroundMark x1="17316" y1="57931" x2="35281" y2="58207"/>
+                          <a14:foregroundMark x1="23593" y1="74897" x2="14286" y2="75310"/>
+                          <a14:foregroundMark x1="10390" y1="89655" x2="17532" y2="90897"/>
+                          <a14:foregroundMark x1="14069" y1="95862" x2="9307" y2="96690"/>
+                          <a14:foregroundMark x1="31385" y1="24000" x2="43074" y2="24966"/>
+                          <a14:foregroundMark x1="43074" y1="24966" x2="53247" y2="24690"/>
+                        </a14:backgroundRemoval>
+                      </a14:imgEffect>
+                    </a14:imgLayer>
+                  </a14:imgProps>
+                </a:ext>
+                <a:ext uri="{28A0092B-C50C-407E-A947-70E740481C1C}">
+                  <a14:useLocalDpi xmlns:a14="http://schemas.microsoft.com/office/drawing/2010/main" val="0"/>
+                </a:ext>
+              </a:extLst>
+            </a:blip>
+            <a:stretch>
+              <a:fillRect/>
+            </a:stretch>
+          </p:blipFill>
           <p:spPr>
             <a:xfrm>
-              <a:off x="2372241" y="497883"/>
-              <a:ext cx="3976249" cy="448090"/>
+              <a:off x="5021742" y="1096392"/>
+              <a:ext cx="2972868" cy="4665216"/>
             </a:xfrm>
             <a:prstGeom prst="rect">
               <a:avLst/>
             </a:prstGeom>
           </p:spPr>
-          <p:txBody>
-            <a:bodyPr vert="horz" lIns="91440" tIns="45720" rIns="91440" bIns="45720" rtlCol="0" anchor="b">
-              <a:normAutofit/>
-            </a:bodyPr>
-            <a:lstStyle>
-              <a:lvl1pPr algn="l" defTabSz="914400" rtl="0" eaLnBrk="1" latinLnBrk="0" hangingPunct="1">
-                <a:lnSpc>
-                  <a:spcPct val="90000"/>
-                </a:lnSpc>
-                <a:spcBef>
-                  <a:spcPct val="0"/>
-                </a:spcBef>
-                <a:buNone/>
-                <a:defRPr sz="3600" kern="1200" spc="100" baseline="0">
-                  <a:solidFill>
-                    <a:schemeClr val="tx1"/>
-                  </a:solidFill>
-                  <a:latin typeface="+mj-lt"/>
-                  <a:ea typeface="+mj-ea"/>
-                  <a:cs typeface="+mj-cs"/>
-                </a:defRPr>
-              </a:lvl1pPr>
-            </a:lstStyle>
-            <a:p>
-              <a:r>
-                <a:rPr lang="en-US" sz="2000" dirty="0">
-                  <a:solidFill>
-                    <a:schemeClr val="bg1"/>
-                  </a:solidFill>
-                </a:rPr>
-                <a:t>Most Important Model Features</a:t>
-              </a:r>
-            </a:p>
-          </p:txBody>
-        </p:sp>
+        </p:pic>
       </p:grpSp>
     </p:spTree>
     <p:extLst>
@@ -6734,10 +6676,10 @@
       </p:grpSpPr>
       <p:grpSp>
         <p:nvGrpSpPr>
-          <p:cNvPr id="2" name="Group 1">
+          <p:cNvPr id="3" name="Group 2">
             <a:extLst>
               <a:ext uri="{FF2B5EF4-FFF2-40B4-BE49-F238E27FC236}">
-                <a16:creationId xmlns:a16="http://schemas.microsoft.com/office/drawing/2014/main" id="{1F6D8D00-DED3-8B4E-9F64-E7FD76A885D1}"/>
+                <a16:creationId xmlns:a16="http://schemas.microsoft.com/office/drawing/2014/main" id="{FEF4FA55-294A-2A4E-B8B3-2F8FF765000B}"/>
               </a:ext>
             </a:extLst>
           </p:cNvPr>
@@ -6747,17 +6689,17 @@
         <p:grpSpPr>
           <a:xfrm>
             <a:off x="307250" y="735377"/>
-            <a:ext cx="7736835" cy="5277798"/>
+            <a:ext cx="8179640" cy="5312897"/>
             <a:chOff x="307250" y="735377"/>
-            <a:chExt cx="7736835" cy="5277798"/>
+            <a:chExt cx="8179640" cy="5312897"/>
           </a:xfrm>
         </p:grpSpPr>
         <p:grpSp>
           <p:nvGrpSpPr>
-            <p:cNvPr id="5" name="Group 4">
+            <p:cNvPr id="2" name="Group 1">
               <a:extLst>
                 <a:ext uri="{FF2B5EF4-FFF2-40B4-BE49-F238E27FC236}">
-                  <a16:creationId xmlns:a16="http://schemas.microsoft.com/office/drawing/2014/main" id="{86202FF3-0F00-D041-9CE7-736B3E4825B1}"/>
+                  <a16:creationId xmlns:a16="http://schemas.microsoft.com/office/drawing/2014/main" id="{1F6D8D00-DED3-8B4E-9F64-E7FD76A885D1}"/>
                 </a:ext>
               </a:extLst>
             </p:cNvPr>
@@ -6765,59 +6707,297 @@
             <p:nvPr/>
           </p:nvGrpSpPr>
           <p:grpSpPr>
-            <a:xfrm rot="5400000">
-              <a:off x="2600409" y="-1082935"/>
-              <a:ext cx="2265418" cy="5902042"/>
-              <a:chOff x="568269" y="943249"/>
-              <a:chExt cx="2842144" cy="7404575"/>
+            <a:xfrm>
+              <a:off x="307250" y="735377"/>
+              <a:ext cx="6563247" cy="5265793"/>
+              <a:chOff x="307250" y="735377"/>
+              <a:chExt cx="6563247" cy="5265793"/>
             </a:xfrm>
           </p:grpSpPr>
-          <p:sp>
-            <p:nvSpPr>
-              <p:cNvPr id="6" name="TextBox 5">
+          <p:grpSp>
+            <p:nvGrpSpPr>
+              <p:cNvPr id="5" name="Group 4">
                 <a:extLst>
                   <a:ext uri="{FF2B5EF4-FFF2-40B4-BE49-F238E27FC236}">
-                    <a16:creationId xmlns:a16="http://schemas.microsoft.com/office/drawing/2014/main" id="{C1346DF5-6103-574D-BAA3-7A082C18A1DD}"/>
+                    <a16:creationId xmlns:a16="http://schemas.microsoft.com/office/drawing/2014/main" id="{86202FF3-0F00-D041-9CE7-736B3E4825B1}"/>
                   </a:ext>
                 </a:extLst>
               </p:cNvPr>
-              <p:cNvSpPr txBox="1"/>
+              <p:cNvGrpSpPr/>
               <p:nvPr/>
-            </p:nvSpPr>
-            <p:spPr>
-              <a:xfrm rot="16200000">
-                <a:off x="-2405119" y="4872466"/>
-                <a:ext cx="6448746" cy="501969"/>
+            </p:nvGrpSpPr>
+            <p:grpSpPr>
+              <a:xfrm rot="5400000">
+                <a:off x="2219473" y="-701999"/>
+                <a:ext cx="2265418" cy="5140169"/>
+                <a:chOff x="568269" y="1899078"/>
+                <a:chExt cx="2842144" cy="6448746"/>
               </a:xfrm>
-              <a:prstGeom prst="rect">
-                <a:avLst/>
-              </a:prstGeom>
-              <a:noFill/>
-            </p:spPr>
-            <p:txBody>
-              <a:bodyPr wrap="square" rtlCol="0">
-                <a:spAutoFit/>
-              </a:bodyPr>
-              <a:lstStyle/>
-              <a:p>
-                <a:pPr algn="ctr"/>
-                <a:r>
-                  <a:rPr lang="en-US" sz="2000" u="sng" dirty="0">
+            </p:grpSpPr>
+            <p:sp>
+              <p:nvSpPr>
+                <p:cNvPr id="6" name="TextBox 5">
+                  <a:extLst>
+                    <a:ext uri="{FF2B5EF4-FFF2-40B4-BE49-F238E27FC236}">
+                      <a16:creationId xmlns:a16="http://schemas.microsoft.com/office/drawing/2014/main" id="{C1346DF5-6103-574D-BAA3-7A082C18A1DD}"/>
+                    </a:ext>
+                  </a:extLst>
+                </p:cNvPr>
+                <p:cNvSpPr txBox="1"/>
+                <p:nvPr/>
+              </p:nvSpPr>
+              <p:spPr>
+                <a:xfrm rot="16200000">
+                  <a:off x="-2405119" y="4872466"/>
+                  <a:ext cx="6448746" cy="501969"/>
+                </a:xfrm>
+                <a:prstGeom prst="rect">
+                  <a:avLst/>
+                </a:prstGeom>
+                <a:noFill/>
+              </p:spPr>
+              <p:txBody>
+                <a:bodyPr wrap="square" rtlCol="0">
+                  <a:spAutoFit/>
+                </a:bodyPr>
+                <a:lstStyle/>
+                <a:p>
+                  <a:pPr algn="ctr"/>
+                  <a:r>
+                    <a:rPr lang="en-US" sz="2000" u="sng" dirty="0">
+                      <a:solidFill>
+                        <a:schemeClr val="bg1"/>
+                      </a:solidFill>
+                    </a:rPr>
+                    <a:t>Amount of Static Head by Well Status</a:t>
+                  </a:r>
+                </a:p>
+              </p:txBody>
+            </p:sp>
+            <p:grpSp>
+              <p:nvGrpSpPr>
+                <p:cNvPr id="7" name="Group 6">
+                  <a:extLst>
+                    <a:ext uri="{FF2B5EF4-FFF2-40B4-BE49-F238E27FC236}">
+                      <a16:creationId xmlns:a16="http://schemas.microsoft.com/office/drawing/2014/main" id="{CD0FC541-3C6C-D844-808C-7799C20FD131}"/>
+                    </a:ext>
+                  </a:extLst>
+                </p:cNvPr>
+                <p:cNvGrpSpPr/>
+                <p:nvPr/>
+              </p:nvGrpSpPr>
+              <p:grpSpPr>
+                <a:xfrm>
+                  <a:off x="1054442" y="2879757"/>
+                  <a:ext cx="2355971" cy="4946088"/>
+                  <a:chOff x="479906" y="4051716"/>
+                  <a:chExt cx="2014992" cy="4230244"/>
+                </a:xfrm>
+              </p:grpSpPr>
+              <p:sp>
+                <p:nvSpPr>
+                  <p:cNvPr id="8" name="Rectangle 7">
+                    <a:extLst>
+                      <a:ext uri="{FF2B5EF4-FFF2-40B4-BE49-F238E27FC236}">
+                        <a16:creationId xmlns:a16="http://schemas.microsoft.com/office/drawing/2014/main" id="{C52CCD97-C696-4C4A-AAC2-B8C65BBCBAEA}"/>
+                      </a:ext>
+                    </a:extLst>
+                  </p:cNvPr>
+                  <p:cNvSpPr/>
+                  <p:nvPr/>
+                </p:nvSpPr>
+                <p:spPr>
+                  <a:xfrm rot="16200000">
+                    <a:off x="-127620" y="4659242"/>
+                    <a:ext cx="2145503" cy="930452"/>
+                  </a:xfrm>
+                  <a:prstGeom prst="rect">
+                    <a:avLst/>
+                  </a:prstGeom>
+                  <a:solidFill>
+                    <a:srgbClr val="00B050"/>
+                  </a:solidFill>
+                  <a:ln>
                     <a:solidFill>
-                      <a:schemeClr val="bg1"/>
+                      <a:srgbClr val="00B050"/>
                     </a:solidFill>
-                  </a:rPr>
-                  <a:t>Amount of Static Head by Well Status</a:t>
-                </a:r>
-              </a:p>
-            </p:txBody>
-          </p:sp>
+                  </a:ln>
+                </p:spPr>
+                <p:style>
+                  <a:lnRef idx="2">
+                    <a:schemeClr val="accent1">
+                      <a:shade val="50000"/>
+                    </a:schemeClr>
+                  </a:lnRef>
+                  <a:fillRef idx="1">
+                    <a:schemeClr val="accent1"/>
+                  </a:fillRef>
+                  <a:effectRef idx="0">
+                    <a:schemeClr val="accent1"/>
+                  </a:effectRef>
+                  <a:fontRef idx="minor">
+                    <a:schemeClr val="lt1"/>
+                  </a:fontRef>
+                </p:style>
+                <p:txBody>
+                  <a:bodyPr rtlCol="0" anchor="ctr"/>
+                  <a:lstStyle/>
+                  <a:p>
+                    <a:pPr algn="ctr"/>
+                    <a:endParaRPr lang="en-US" dirty="0">
+                      <a:solidFill>
+                        <a:schemeClr val="bg1"/>
+                      </a:solidFill>
+                    </a:endParaRPr>
+                  </a:p>
+                </p:txBody>
+              </p:sp>
+              <p:sp>
+                <p:nvSpPr>
+                  <p:cNvPr id="9" name="Rectangle 8">
+                    <a:extLst>
+                      <a:ext uri="{FF2B5EF4-FFF2-40B4-BE49-F238E27FC236}">
+                        <a16:creationId xmlns:a16="http://schemas.microsoft.com/office/drawing/2014/main" id="{28C60A55-29B1-8E41-8612-6687F0C7BA31}"/>
+                      </a:ext>
+                    </a:extLst>
+                  </p:cNvPr>
+                  <p:cNvSpPr/>
+                  <p:nvPr/>
+                </p:nvSpPr>
+                <p:spPr>
+                  <a:xfrm rot="16200000">
+                    <a:off x="1652400" y="5354720"/>
+                    <a:ext cx="754544" cy="930452"/>
+                  </a:xfrm>
+                  <a:prstGeom prst="rect">
+                    <a:avLst/>
+                  </a:prstGeom>
+                  <a:solidFill>
+                    <a:srgbClr val="C00000"/>
+                  </a:solidFill>
+                  <a:ln>
+                    <a:solidFill>
+                      <a:srgbClr val="C00000"/>
+                    </a:solidFill>
+                  </a:ln>
+                </p:spPr>
+                <p:style>
+                  <a:lnRef idx="2">
+                    <a:schemeClr val="accent1">
+                      <a:shade val="50000"/>
+                    </a:schemeClr>
+                  </a:lnRef>
+                  <a:fillRef idx="1">
+                    <a:schemeClr val="accent1"/>
+                  </a:fillRef>
+                  <a:effectRef idx="0">
+                    <a:schemeClr val="accent1"/>
+                  </a:effectRef>
+                  <a:fontRef idx="minor">
+                    <a:schemeClr val="lt1"/>
+                  </a:fontRef>
+                </p:style>
+                <p:txBody>
+                  <a:bodyPr rtlCol="0" anchor="ctr"/>
+                  <a:lstStyle/>
+                  <a:p>
+                    <a:pPr algn="ctr"/>
+                    <a:endParaRPr lang="en-US" dirty="0">
+                      <a:solidFill>
+                        <a:schemeClr val="bg1"/>
+                      </a:solidFill>
+                    </a:endParaRPr>
+                  </a:p>
+                </p:txBody>
+              </p:sp>
+              <p:sp>
+                <p:nvSpPr>
+                  <p:cNvPr id="10" name="TextBox 9">
+                    <a:extLst>
+                      <a:ext uri="{FF2B5EF4-FFF2-40B4-BE49-F238E27FC236}">
+                        <a16:creationId xmlns:a16="http://schemas.microsoft.com/office/drawing/2014/main" id="{F4B7BA13-E195-2D4E-9F69-533CD6394595}"/>
+                      </a:ext>
+                    </a:extLst>
+                  </p:cNvPr>
+                  <p:cNvSpPr txBox="1"/>
+                  <p:nvPr/>
+                </p:nvSpPr>
+                <p:spPr>
+                  <a:xfrm rot="16200000">
+                    <a:off x="-372633" y="6606022"/>
+                    <a:ext cx="2567139" cy="363270"/>
+                  </a:xfrm>
+                  <a:prstGeom prst="rect">
+                    <a:avLst/>
+                  </a:prstGeom>
+                  <a:noFill/>
+                </p:spPr>
+                <p:txBody>
+                  <a:bodyPr wrap="square" rtlCol="0">
+                    <a:spAutoFit/>
+                  </a:bodyPr>
+                  <a:lstStyle/>
+                  <a:p>
+                    <a:pPr algn="ctr"/>
+                    <a:r>
+                      <a:rPr lang="en-US" sz="1600" dirty="0">
+                        <a:solidFill>
+                          <a:schemeClr val="bg1"/>
+                        </a:solidFill>
+                      </a:rPr>
+                      <a:t>Functional</a:t>
+                    </a:r>
+                  </a:p>
+                </p:txBody>
+              </p:sp>
+              <p:sp>
+                <p:nvSpPr>
+                  <p:cNvPr id="11" name="TextBox 10">
+                    <a:extLst>
+                      <a:ext uri="{FF2B5EF4-FFF2-40B4-BE49-F238E27FC236}">
+                        <a16:creationId xmlns:a16="http://schemas.microsoft.com/office/drawing/2014/main" id="{CBBBA5C0-CC89-8F47-BCD1-C1EDFBD0BB7A}"/>
+                      </a:ext>
+                    </a:extLst>
+                  </p:cNvPr>
+                  <p:cNvSpPr txBox="1"/>
+                  <p:nvPr/>
+                </p:nvSpPr>
+                <p:spPr>
+                  <a:xfrm rot="16200000">
+                    <a:off x="681303" y="6816756"/>
+                    <a:ext cx="2567139" cy="363270"/>
+                  </a:xfrm>
+                  <a:prstGeom prst="rect">
+                    <a:avLst/>
+                  </a:prstGeom>
+                  <a:noFill/>
+                </p:spPr>
+                <p:txBody>
+                  <a:bodyPr wrap="square" rtlCol="0">
+                    <a:spAutoFit/>
+                  </a:bodyPr>
+                  <a:lstStyle/>
+                  <a:p>
+                    <a:pPr algn="ctr"/>
+                    <a:r>
+                      <a:rPr lang="en-US" sz="1600" dirty="0">
+                        <a:solidFill>
+                          <a:schemeClr val="bg1"/>
+                        </a:solidFill>
+                      </a:rPr>
+                      <a:t>Non Functional</a:t>
+                    </a:r>
+                  </a:p>
+                </p:txBody>
+              </p:sp>
+            </p:grpSp>
+          </p:grpSp>
           <p:grpSp>
             <p:nvGrpSpPr>
-              <p:cNvPr id="7" name="Group 6">
+              <p:cNvPr id="14" name="Group 13">
                 <a:extLst>
                   <a:ext uri="{FF2B5EF4-FFF2-40B4-BE49-F238E27FC236}">
-                    <a16:creationId xmlns:a16="http://schemas.microsoft.com/office/drawing/2014/main" id="{CD0FC541-3C6C-D844-808C-7799C20FD131}"/>
+                    <a16:creationId xmlns:a16="http://schemas.microsoft.com/office/drawing/2014/main" id="{947973A6-E225-4447-9954-8BD85EB2790D}"/>
                   </a:ext>
                 </a:extLst>
               </p:cNvPr>
@@ -6826,18 +7006,18 @@
             </p:nvGrpSpPr>
             <p:grpSpPr>
               <a:xfrm>
-                <a:off x="1054442" y="943249"/>
-                <a:ext cx="2355971" cy="6882595"/>
-                <a:chOff x="479906" y="2395478"/>
-                <a:chExt cx="2014992" cy="5886482"/>
+                <a:off x="307250" y="3429000"/>
+                <a:ext cx="6563247" cy="2572170"/>
+                <a:chOff x="-310728" y="3789149"/>
+                <a:chExt cx="6563247" cy="2572170"/>
               </a:xfrm>
             </p:grpSpPr>
             <p:sp>
               <p:nvSpPr>
-                <p:cNvPr id="8" name="Rectangle 7">
+                <p:cNvPr id="15" name="Rectangle 14">
                   <a:extLst>
                     <a:ext uri="{FF2B5EF4-FFF2-40B4-BE49-F238E27FC236}">
-                      <a16:creationId xmlns:a16="http://schemas.microsoft.com/office/drawing/2014/main" id="{C52CCD97-C696-4C4A-AAC2-B8C65BBCBAEA}"/>
+                      <a16:creationId xmlns:a16="http://schemas.microsoft.com/office/drawing/2014/main" id="{90A56903-341A-D44D-BEC3-CEEA1CF9D550}"/>
                     </a:ext>
                   </a:extLst>
                 </p:cNvPr>
@@ -6845,9 +7025,9 @@
                 <p:nvPr/>
               </p:nvSpPr>
               <p:spPr>
-                <a:xfrm rot="16200000">
-                  <a:off x="-127620" y="4659242"/>
-                  <a:ext cx="2145503" cy="930452"/>
+                <a:xfrm>
+                  <a:off x="2081750" y="4181957"/>
+                  <a:ext cx="4170769" cy="314542"/>
                 </a:xfrm>
                 <a:prstGeom prst="rect">
                   <a:avLst/>
@@ -6892,10 +7072,50 @@
             </p:sp>
             <p:sp>
               <p:nvSpPr>
-                <p:cNvPr id="9" name="Rectangle 8">
+                <p:cNvPr id="16" name="TextBox 15">
                   <a:extLst>
                     <a:ext uri="{FF2B5EF4-FFF2-40B4-BE49-F238E27FC236}">
-                      <a16:creationId xmlns:a16="http://schemas.microsoft.com/office/drawing/2014/main" id="{28C60A55-29B1-8E41-8612-6687F0C7BA31}"/>
+                      <a16:creationId xmlns:a16="http://schemas.microsoft.com/office/drawing/2014/main" id="{4F85B660-AE62-C84B-9A84-D082A25DEE90}"/>
+                    </a:ext>
+                  </a:extLst>
+                </p:cNvPr>
+                <p:cNvSpPr txBox="1"/>
+                <p:nvPr/>
+              </p:nvSpPr>
+              <p:spPr>
+                <a:xfrm>
+                  <a:off x="-310728" y="4143498"/>
+                  <a:ext cx="2392478" cy="338554"/>
+                </a:xfrm>
+                <a:prstGeom prst="rect">
+                  <a:avLst/>
+                </a:prstGeom>
+                <a:noFill/>
+              </p:spPr>
+              <p:txBody>
+                <a:bodyPr wrap="square" rtlCol="0">
+                  <a:spAutoFit/>
+                </a:bodyPr>
+                <a:lstStyle/>
+                <a:p>
+                  <a:pPr algn="r"/>
+                  <a:r>
+                    <a:rPr lang="en-US" sz="1600" dirty="0">
+                      <a:solidFill>
+                        <a:schemeClr val="bg1"/>
+                      </a:solidFill>
+                    </a:rPr>
+                    <a:t>Enough</a:t>
+                  </a:r>
+                </a:p>
+              </p:txBody>
+            </p:sp>
+            <p:sp>
+              <p:nvSpPr>
+                <p:cNvPr id="17" name="Rectangle 16">
+                  <a:extLst>
+                    <a:ext uri="{FF2B5EF4-FFF2-40B4-BE49-F238E27FC236}">
+                      <a16:creationId xmlns:a16="http://schemas.microsoft.com/office/drawing/2014/main" id="{07E32D39-BE53-D64E-9C9D-C10B2BC5DB1A}"/>
                     </a:ext>
                   </a:extLst>
                 </p:cNvPr>
@@ -6903,9 +7123,9 @@
                 <p:nvPr/>
               </p:nvSpPr>
               <p:spPr>
-                <a:xfrm rot="16200000">
-                  <a:off x="1652400" y="5354720"/>
-                  <a:ext cx="754544" cy="930452"/>
+                <a:xfrm>
+                  <a:off x="2081751" y="4653240"/>
+                  <a:ext cx="2613818" cy="314543"/>
                 </a:xfrm>
                 <a:prstGeom prst="rect">
                   <a:avLst/>
@@ -6950,10 +7170,184 @@
             </p:sp>
             <p:sp>
               <p:nvSpPr>
-                <p:cNvPr id="10" name="TextBox 9">
+                <p:cNvPr id="18" name="Rectangle 17">
                   <a:extLst>
                     <a:ext uri="{FF2B5EF4-FFF2-40B4-BE49-F238E27FC236}">
-                      <a16:creationId xmlns:a16="http://schemas.microsoft.com/office/drawing/2014/main" id="{F4B7BA13-E195-2D4E-9F69-533CD6394595}"/>
+                      <a16:creationId xmlns:a16="http://schemas.microsoft.com/office/drawing/2014/main" id="{F976BEDE-225E-9B4C-BC0F-1E60DF0C67FD}"/>
+                    </a:ext>
+                  </a:extLst>
+                </p:cNvPr>
+                <p:cNvSpPr/>
+                <p:nvPr/>
+              </p:nvSpPr>
+              <p:spPr>
+                <a:xfrm>
+                  <a:off x="2081750" y="5117752"/>
+                  <a:ext cx="1394618" cy="314543"/>
+                </a:xfrm>
+                <a:prstGeom prst="rect">
+                  <a:avLst/>
+                </a:prstGeom>
+                <a:solidFill>
+                  <a:srgbClr val="C00000"/>
+                </a:solidFill>
+                <a:ln>
+                  <a:solidFill>
+                    <a:srgbClr val="C00000"/>
+                  </a:solidFill>
+                </a:ln>
+              </p:spPr>
+              <p:style>
+                <a:lnRef idx="2">
+                  <a:schemeClr val="accent1">
+                    <a:shade val="50000"/>
+                  </a:schemeClr>
+                </a:lnRef>
+                <a:fillRef idx="1">
+                  <a:schemeClr val="accent1"/>
+                </a:fillRef>
+                <a:effectRef idx="0">
+                  <a:schemeClr val="accent1"/>
+                </a:effectRef>
+                <a:fontRef idx="minor">
+                  <a:schemeClr val="lt1"/>
+                </a:fontRef>
+              </p:style>
+              <p:txBody>
+                <a:bodyPr rtlCol="0" anchor="ctr"/>
+                <a:lstStyle/>
+                <a:p>
+                  <a:pPr algn="ctr"/>
+                  <a:endParaRPr lang="en-US" dirty="0">
+                    <a:solidFill>
+                      <a:schemeClr val="bg1"/>
+                    </a:solidFill>
+                  </a:endParaRPr>
+                </a:p>
+              </p:txBody>
+            </p:sp>
+            <p:sp>
+              <p:nvSpPr>
+                <p:cNvPr id="19" name="Rectangle 18">
+                  <a:extLst>
+                    <a:ext uri="{FF2B5EF4-FFF2-40B4-BE49-F238E27FC236}">
+                      <a16:creationId xmlns:a16="http://schemas.microsoft.com/office/drawing/2014/main" id="{D0D0DC87-9D69-FA40-BBA2-05637B3CDF38}"/>
+                    </a:ext>
+                  </a:extLst>
+                </p:cNvPr>
+                <p:cNvSpPr/>
+                <p:nvPr/>
+              </p:nvSpPr>
+              <p:spPr>
+                <a:xfrm>
+                  <a:off x="2081750" y="5582264"/>
+                  <a:ext cx="1163958" cy="314543"/>
+                </a:xfrm>
+                <a:prstGeom prst="rect">
+                  <a:avLst/>
+                </a:prstGeom>
+                <a:solidFill>
+                  <a:srgbClr val="C00000"/>
+                </a:solidFill>
+                <a:ln>
+                  <a:solidFill>
+                    <a:srgbClr val="C00000"/>
+                  </a:solidFill>
+                </a:ln>
+              </p:spPr>
+              <p:style>
+                <a:lnRef idx="2">
+                  <a:schemeClr val="accent1">
+                    <a:shade val="50000"/>
+                  </a:schemeClr>
+                </a:lnRef>
+                <a:fillRef idx="1">
+                  <a:schemeClr val="accent1"/>
+                </a:fillRef>
+                <a:effectRef idx="0">
+                  <a:schemeClr val="accent1"/>
+                </a:effectRef>
+                <a:fontRef idx="minor">
+                  <a:schemeClr val="lt1"/>
+                </a:fontRef>
+              </p:style>
+              <p:txBody>
+                <a:bodyPr rtlCol="0" anchor="ctr"/>
+                <a:lstStyle/>
+                <a:p>
+                  <a:pPr algn="ctr"/>
+                  <a:endParaRPr lang="en-US" dirty="0">
+                    <a:solidFill>
+                      <a:schemeClr val="bg1"/>
+                    </a:solidFill>
+                  </a:endParaRPr>
+                </a:p>
+              </p:txBody>
+            </p:sp>
+            <p:sp>
+              <p:nvSpPr>
+                <p:cNvPr id="22" name="Rectangle 21">
+                  <a:extLst>
+                    <a:ext uri="{FF2B5EF4-FFF2-40B4-BE49-F238E27FC236}">
+                      <a16:creationId xmlns:a16="http://schemas.microsoft.com/office/drawing/2014/main" id="{E1CD4354-4763-C147-A9A4-EA162C36D420}"/>
+                    </a:ext>
+                  </a:extLst>
+                </p:cNvPr>
+                <p:cNvSpPr/>
+                <p:nvPr/>
+              </p:nvSpPr>
+              <p:spPr>
+                <a:xfrm>
+                  <a:off x="2081750" y="6046776"/>
+                  <a:ext cx="513169" cy="314543"/>
+                </a:xfrm>
+                <a:prstGeom prst="rect">
+                  <a:avLst/>
+                </a:prstGeom>
+                <a:solidFill>
+                  <a:srgbClr val="C00000"/>
+                </a:solidFill>
+                <a:ln>
+                  <a:solidFill>
+                    <a:srgbClr val="C00000"/>
+                  </a:solidFill>
+                </a:ln>
+              </p:spPr>
+              <p:style>
+                <a:lnRef idx="2">
+                  <a:schemeClr val="accent1">
+                    <a:shade val="50000"/>
+                  </a:schemeClr>
+                </a:lnRef>
+                <a:fillRef idx="1">
+                  <a:schemeClr val="accent1"/>
+                </a:fillRef>
+                <a:effectRef idx="0">
+                  <a:schemeClr val="accent1"/>
+                </a:effectRef>
+                <a:fontRef idx="minor">
+                  <a:schemeClr val="lt1"/>
+                </a:fontRef>
+              </p:style>
+              <p:txBody>
+                <a:bodyPr rtlCol="0" anchor="ctr"/>
+                <a:lstStyle/>
+                <a:p>
+                  <a:pPr algn="ctr"/>
+                  <a:endParaRPr lang="en-US" dirty="0">
+                    <a:solidFill>
+                      <a:schemeClr val="bg1"/>
+                    </a:solidFill>
+                  </a:endParaRPr>
+                </a:p>
+              </p:txBody>
+            </p:sp>
+            <p:sp>
+              <p:nvSpPr>
+                <p:cNvPr id="23" name="TextBox 22">
+                  <a:extLst>
+                    <a:ext uri="{FF2B5EF4-FFF2-40B4-BE49-F238E27FC236}">
+                      <a16:creationId xmlns:a16="http://schemas.microsoft.com/office/drawing/2014/main" id="{16614BEA-E63C-7D44-B2D4-ED326DB65036}"/>
                     </a:ext>
                   </a:extLst>
                 </p:cNvPr>
@@ -6961,9 +7355,169 @@
                 <p:nvPr/>
               </p:nvSpPr>
               <p:spPr>
-                <a:xfrm rot="16200000">
-                  <a:off x="-372633" y="6606022"/>
-                  <a:ext cx="2567139" cy="363270"/>
+                <a:xfrm>
+                  <a:off x="-310728" y="4607070"/>
+                  <a:ext cx="2392478" cy="338554"/>
+                </a:xfrm>
+                <a:prstGeom prst="rect">
+                  <a:avLst/>
+                </a:prstGeom>
+                <a:noFill/>
+              </p:spPr>
+              <p:txBody>
+                <a:bodyPr wrap="square" rtlCol="0">
+                  <a:spAutoFit/>
+                </a:bodyPr>
+                <a:lstStyle/>
+                <a:p>
+                  <a:pPr algn="r"/>
+                  <a:r>
+                    <a:rPr lang="en-US" sz="1600" dirty="0">
+                      <a:solidFill>
+                        <a:schemeClr val="bg1"/>
+                      </a:solidFill>
+                    </a:rPr>
+                    <a:t>Insufficient</a:t>
+                  </a:r>
+                </a:p>
+              </p:txBody>
+            </p:sp>
+            <p:sp>
+              <p:nvSpPr>
+                <p:cNvPr id="24" name="TextBox 23">
+                  <a:extLst>
+                    <a:ext uri="{FF2B5EF4-FFF2-40B4-BE49-F238E27FC236}">
+                      <a16:creationId xmlns:a16="http://schemas.microsoft.com/office/drawing/2014/main" id="{2C421175-9CD8-744A-986A-973E8B69FADC}"/>
+                    </a:ext>
+                  </a:extLst>
+                </p:cNvPr>
+                <p:cNvSpPr txBox="1"/>
+                <p:nvPr/>
+              </p:nvSpPr>
+              <p:spPr>
+                <a:xfrm>
+                  <a:off x="-310728" y="5067834"/>
+                  <a:ext cx="2392478" cy="338554"/>
+                </a:xfrm>
+                <a:prstGeom prst="rect">
+                  <a:avLst/>
+                </a:prstGeom>
+                <a:noFill/>
+              </p:spPr>
+              <p:txBody>
+                <a:bodyPr wrap="square" rtlCol="0">
+                  <a:spAutoFit/>
+                </a:bodyPr>
+                <a:lstStyle/>
+                <a:p>
+                  <a:pPr algn="r"/>
+                  <a:r>
+                    <a:rPr lang="en-US" sz="1600" dirty="0">
+                      <a:solidFill>
+                        <a:schemeClr val="bg1"/>
+                      </a:solidFill>
+                    </a:rPr>
+                    <a:t>Dry</a:t>
+                  </a:r>
+                </a:p>
+              </p:txBody>
+            </p:sp>
+            <p:sp>
+              <p:nvSpPr>
+                <p:cNvPr id="25" name="TextBox 24">
+                  <a:extLst>
+                    <a:ext uri="{FF2B5EF4-FFF2-40B4-BE49-F238E27FC236}">
+                      <a16:creationId xmlns:a16="http://schemas.microsoft.com/office/drawing/2014/main" id="{A23E87F1-EE11-394E-802F-1C2C22677C42}"/>
+                    </a:ext>
+                  </a:extLst>
+                </p:cNvPr>
+                <p:cNvSpPr txBox="1"/>
+                <p:nvPr/>
+              </p:nvSpPr>
+              <p:spPr>
+                <a:xfrm>
+                  <a:off x="-310728" y="5536543"/>
+                  <a:ext cx="2392478" cy="338554"/>
+                </a:xfrm>
+                <a:prstGeom prst="rect">
+                  <a:avLst/>
+                </a:prstGeom>
+                <a:noFill/>
+              </p:spPr>
+              <p:txBody>
+                <a:bodyPr wrap="square" rtlCol="0">
+                  <a:spAutoFit/>
+                </a:bodyPr>
+                <a:lstStyle/>
+                <a:p>
+                  <a:pPr algn="r"/>
+                  <a:r>
+                    <a:rPr lang="en-US" sz="1600" dirty="0">
+                      <a:solidFill>
+                        <a:schemeClr val="bg1"/>
+                      </a:solidFill>
+                    </a:rPr>
+                    <a:t>Seasonal</a:t>
+                  </a:r>
+                </a:p>
+              </p:txBody>
+            </p:sp>
+            <p:sp>
+              <p:nvSpPr>
+                <p:cNvPr id="26" name="TextBox 25">
+                  <a:extLst>
+                    <a:ext uri="{FF2B5EF4-FFF2-40B4-BE49-F238E27FC236}">
+                      <a16:creationId xmlns:a16="http://schemas.microsoft.com/office/drawing/2014/main" id="{F8446089-7B7D-594F-AD37-EDF1DF46F9E8}"/>
+                    </a:ext>
+                  </a:extLst>
+                </p:cNvPr>
+                <p:cNvSpPr txBox="1"/>
+                <p:nvPr/>
+              </p:nvSpPr>
+              <p:spPr>
+                <a:xfrm>
+                  <a:off x="-304844" y="5995874"/>
+                  <a:ext cx="2392478" cy="338554"/>
+                </a:xfrm>
+                <a:prstGeom prst="rect">
+                  <a:avLst/>
+                </a:prstGeom>
+                <a:noFill/>
+              </p:spPr>
+              <p:txBody>
+                <a:bodyPr wrap="square" rtlCol="0">
+                  <a:spAutoFit/>
+                </a:bodyPr>
+                <a:lstStyle/>
+                <a:p>
+                  <a:pPr algn="r"/>
+                  <a:r>
+                    <a:rPr lang="en-US" sz="1600" dirty="0">
+                      <a:solidFill>
+                        <a:schemeClr val="bg1"/>
+                      </a:solidFill>
+                    </a:rPr>
+                    <a:t>Unknown</a:t>
+                  </a:r>
+                </a:p>
+              </p:txBody>
+            </p:sp>
+            <p:sp>
+              <p:nvSpPr>
+                <p:cNvPr id="27" name="TextBox 26">
+                  <a:extLst>
+                    <a:ext uri="{FF2B5EF4-FFF2-40B4-BE49-F238E27FC236}">
+                      <a16:creationId xmlns:a16="http://schemas.microsoft.com/office/drawing/2014/main" id="{1136782A-D666-8348-90E0-E3265900B884}"/>
+                    </a:ext>
+                  </a:extLst>
+                </p:cNvPr>
+                <p:cNvSpPr txBox="1"/>
+                <p:nvPr/>
+              </p:nvSpPr>
+              <p:spPr>
+                <a:xfrm>
+                  <a:off x="341820" y="3789149"/>
+                  <a:ext cx="5344357" cy="400110"/>
                 </a:xfrm>
                 <a:prstGeom prst="rect">
                   <a:avLst/>
@@ -6978,889 +7532,298 @@
                 <a:p>
                   <a:pPr algn="ctr"/>
                   <a:r>
-                    <a:rPr lang="en-US" sz="1600" dirty="0">
+                    <a:rPr lang="en-US" sz="2000" u="sng" dirty="0">
                       <a:solidFill>
                         <a:schemeClr val="bg1"/>
                       </a:solidFill>
                     </a:rPr>
-                    <a:t>Functional</a:t>
-                  </a:r>
-                </a:p>
-              </p:txBody>
-            </p:sp>
-            <p:sp>
-              <p:nvSpPr>
-                <p:cNvPr id="11" name="TextBox 10">
-                  <a:extLst>
-                    <a:ext uri="{FF2B5EF4-FFF2-40B4-BE49-F238E27FC236}">
-                      <a16:creationId xmlns:a16="http://schemas.microsoft.com/office/drawing/2014/main" id="{CBBBA5C0-CC89-8F47-BCD1-C1EDFBD0BB7A}"/>
-                    </a:ext>
-                  </a:extLst>
-                </p:cNvPr>
-                <p:cNvSpPr txBox="1"/>
-                <p:nvPr/>
-              </p:nvSpPr>
-              <p:spPr>
-                <a:xfrm rot="16200000">
-                  <a:off x="681303" y="6816756"/>
-                  <a:ext cx="2567139" cy="363270"/>
-                </a:xfrm>
-                <a:prstGeom prst="rect">
-                  <a:avLst/>
-                </a:prstGeom>
-                <a:noFill/>
-              </p:spPr>
-              <p:txBody>
-                <a:bodyPr wrap="square" rtlCol="0">
-                  <a:spAutoFit/>
-                </a:bodyPr>
-                <a:lstStyle/>
-                <a:p>
-                  <a:pPr algn="ctr"/>
-                  <a:r>
-                    <a:rPr lang="en-US" sz="1600" dirty="0">
-                      <a:solidFill>
-                        <a:schemeClr val="bg1"/>
-                      </a:solidFill>
-                    </a:rPr>
-                    <a:t>Non Functional</a:t>
-                  </a:r>
-                </a:p>
-              </p:txBody>
-            </p:sp>
-            <p:sp>
-              <p:nvSpPr>
-                <p:cNvPr id="12" name="TextBox 11">
-                  <a:extLst>
-                    <a:ext uri="{FF2B5EF4-FFF2-40B4-BE49-F238E27FC236}">
-                      <a16:creationId xmlns:a16="http://schemas.microsoft.com/office/drawing/2014/main" id="{2F1412FD-BDEC-9E43-8FEA-97CBDB86E20D}"/>
-                    </a:ext>
-                  </a:extLst>
-                </p:cNvPr>
-                <p:cNvSpPr txBox="1"/>
-                <p:nvPr/>
-              </p:nvSpPr>
-              <p:spPr>
-                <a:xfrm rot="16200000">
-                  <a:off x="-414576" y="3497413"/>
-                  <a:ext cx="2567139" cy="363270"/>
-                </a:xfrm>
-                <a:prstGeom prst="rect">
-                  <a:avLst/>
-                </a:prstGeom>
-                <a:noFill/>
-              </p:spPr>
-              <p:txBody>
-                <a:bodyPr wrap="square" rtlCol="0">
-                  <a:spAutoFit/>
-                </a:bodyPr>
-                <a:lstStyle/>
-                <a:p>
-                  <a:pPr algn="ctr"/>
-                  <a:r>
-                    <a:rPr lang="en-US" sz="1600" dirty="0">
-                      <a:solidFill>
-                        <a:schemeClr val="bg1"/>
-                      </a:solidFill>
-                    </a:rPr>
-                    <a:t>475 FH</a:t>
-                  </a:r>
-                </a:p>
-              </p:txBody>
-            </p:sp>
-            <p:sp>
-              <p:nvSpPr>
-                <p:cNvPr id="13" name="TextBox 12">
-                  <a:extLst>
-                    <a:ext uri="{FF2B5EF4-FFF2-40B4-BE49-F238E27FC236}">
-                      <a16:creationId xmlns:a16="http://schemas.microsoft.com/office/drawing/2014/main" id="{BAA51E26-5831-3A4D-95D2-7E8DEE89B93B}"/>
-                    </a:ext>
-                  </a:extLst>
-                </p:cNvPr>
-                <p:cNvSpPr txBox="1"/>
-                <p:nvPr/>
-              </p:nvSpPr>
-              <p:spPr>
-                <a:xfrm rot="16200000">
-                  <a:off x="722570" y="4922050"/>
-                  <a:ext cx="2567138" cy="363270"/>
-                </a:xfrm>
-                <a:prstGeom prst="rect">
-                  <a:avLst/>
-                </a:prstGeom>
-                <a:noFill/>
-              </p:spPr>
-              <p:txBody>
-                <a:bodyPr wrap="square" rtlCol="0">
-                  <a:spAutoFit/>
-                </a:bodyPr>
-                <a:lstStyle/>
-                <a:p>
-                  <a:pPr algn="ctr"/>
-                  <a:r>
-                    <a:rPr lang="en-US" sz="1600" dirty="0">
-                      <a:solidFill>
-                        <a:schemeClr val="bg1"/>
-                      </a:solidFill>
-                    </a:rPr>
-                    <a:t>150 FH</a:t>
+                    <a:t>Amount of Static Head by Water Quantity</a:t>
                   </a:r>
                 </a:p>
               </p:txBody>
             </p:sp>
           </p:grpSp>
         </p:grpSp>
-        <p:grpSp>
-          <p:nvGrpSpPr>
-            <p:cNvPr id="14" name="Group 13">
+        <p:sp>
+          <p:nvSpPr>
+            <p:cNvPr id="33" name="TextBox 32">
               <a:extLst>
                 <a:ext uri="{FF2B5EF4-FFF2-40B4-BE49-F238E27FC236}">
-                  <a16:creationId xmlns:a16="http://schemas.microsoft.com/office/drawing/2014/main" id="{947973A6-E225-4447-9954-8BD85EB2790D}"/>
+                  <a16:creationId xmlns:a16="http://schemas.microsoft.com/office/drawing/2014/main" id="{150F3F15-64C7-5645-B989-3F5E1B4020F1}"/>
                 </a:ext>
               </a:extLst>
             </p:cNvPr>
-            <p:cNvGrpSpPr/>
+            <p:cNvSpPr txBox="1"/>
             <p:nvPr/>
-          </p:nvGrpSpPr>
-          <p:grpSpPr>
+          </p:nvSpPr>
+          <p:spPr>
             <a:xfrm>
-              <a:off x="307250" y="3429000"/>
-              <a:ext cx="7736835" cy="2584175"/>
-              <a:chOff x="-310728" y="3789149"/>
-              <a:chExt cx="7736835" cy="2584175"/>
+              <a:off x="6094412" y="3748247"/>
+              <a:ext cx="2392478" cy="400110"/>
             </a:xfrm>
-          </p:grpSpPr>
-          <p:sp>
-            <p:nvSpPr>
-              <p:cNvPr id="15" name="Rectangle 14">
-                <a:extLst>
-                  <a:ext uri="{FF2B5EF4-FFF2-40B4-BE49-F238E27FC236}">
-                    <a16:creationId xmlns:a16="http://schemas.microsoft.com/office/drawing/2014/main" id="{90A56903-341A-D44D-BEC3-CEEA1CF9D550}"/>
-                  </a:ext>
-                </a:extLst>
-              </p:cNvPr>
-              <p:cNvSpPr/>
-              <p:nvPr/>
-            </p:nvSpPr>
-            <p:spPr>
-              <a:xfrm>
-                <a:off x="2081750" y="4181957"/>
-                <a:ext cx="4170769" cy="314542"/>
-              </a:xfrm>
-              <a:prstGeom prst="rect">
-                <a:avLst/>
-              </a:prstGeom>
-              <a:solidFill>
-                <a:srgbClr val="00B050"/>
-              </a:solidFill>
-              <a:ln>
-                <a:solidFill>
-                  <a:srgbClr val="00B050"/>
-                </a:solidFill>
-              </a:ln>
-            </p:spPr>
-            <p:style>
-              <a:lnRef idx="2">
-                <a:schemeClr val="accent1">
-                  <a:shade val="50000"/>
-                </a:schemeClr>
-              </a:lnRef>
-              <a:fillRef idx="1">
-                <a:schemeClr val="accent1"/>
-              </a:fillRef>
-              <a:effectRef idx="0">
-                <a:schemeClr val="accent1"/>
-              </a:effectRef>
-              <a:fontRef idx="minor">
-                <a:schemeClr val="lt1"/>
-              </a:fontRef>
-            </p:style>
-            <p:txBody>
-              <a:bodyPr rtlCol="0" anchor="ctr"/>
-              <a:lstStyle/>
-              <a:p>
-                <a:pPr algn="ctr"/>
-                <a:endParaRPr lang="en-US" dirty="0">
+            <a:prstGeom prst="rect">
+              <a:avLst/>
+            </a:prstGeom>
+            <a:noFill/>
+          </p:spPr>
+          <p:txBody>
+            <a:bodyPr wrap="square" rtlCol="0">
+              <a:spAutoFit/>
+            </a:bodyPr>
+            <a:lstStyle/>
+            <a:p>
+              <a:pPr algn="ctr"/>
+              <a:r>
+                <a:rPr lang="en-US" sz="2000" dirty="0">
                   <a:solidFill>
                     <a:schemeClr val="bg1"/>
                   </a:solidFill>
-                </a:endParaRPr>
-              </a:p>
-            </p:txBody>
-          </p:sp>
-          <p:sp>
-            <p:nvSpPr>
-              <p:cNvPr id="16" name="TextBox 15">
-                <a:extLst>
-                  <a:ext uri="{FF2B5EF4-FFF2-40B4-BE49-F238E27FC236}">
-                    <a16:creationId xmlns:a16="http://schemas.microsoft.com/office/drawing/2014/main" id="{4F85B660-AE62-C84B-9A84-D082A25DEE90}"/>
-                  </a:ext>
-                </a:extLst>
-              </p:cNvPr>
-              <p:cNvSpPr txBox="1"/>
-              <p:nvPr/>
-            </p:nvSpPr>
-            <p:spPr>
-              <a:xfrm>
-                <a:off x="-310728" y="4143498"/>
-                <a:ext cx="2392478" cy="338554"/>
-              </a:xfrm>
-              <a:prstGeom prst="rect">
-                <a:avLst/>
-              </a:prstGeom>
-              <a:noFill/>
-            </p:spPr>
-            <p:txBody>
-              <a:bodyPr wrap="square" rtlCol="0">
-                <a:spAutoFit/>
-              </a:bodyPr>
-              <a:lstStyle/>
-              <a:p>
-                <a:pPr algn="r"/>
-                <a:r>
-                  <a:rPr lang="en-US" sz="1600" dirty="0">
-                    <a:solidFill>
-                      <a:schemeClr val="bg1"/>
-                    </a:solidFill>
-                  </a:rPr>
-                  <a:t>Enough</a:t>
-                </a:r>
-              </a:p>
-            </p:txBody>
-          </p:sp>
-          <p:sp>
-            <p:nvSpPr>
-              <p:cNvPr id="17" name="Rectangle 16">
-                <a:extLst>
-                  <a:ext uri="{FF2B5EF4-FFF2-40B4-BE49-F238E27FC236}">
-                    <a16:creationId xmlns:a16="http://schemas.microsoft.com/office/drawing/2014/main" id="{07E32D39-BE53-D64E-9C9D-C10B2BC5DB1A}"/>
-                  </a:ext>
-                </a:extLst>
-              </p:cNvPr>
-              <p:cNvSpPr/>
-              <p:nvPr/>
-            </p:nvSpPr>
-            <p:spPr>
-              <a:xfrm>
-                <a:off x="2081751" y="4653240"/>
-                <a:ext cx="2613818" cy="314543"/>
-              </a:xfrm>
-              <a:prstGeom prst="rect">
-                <a:avLst/>
-              </a:prstGeom>
-              <a:solidFill>
-                <a:srgbClr val="C00000"/>
-              </a:solidFill>
-              <a:ln>
-                <a:solidFill>
-                  <a:srgbClr val="C00000"/>
-                </a:solidFill>
-              </a:ln>
-            </p:spPr>
-            <p:style>
-              <a:lnRef idx="2">
-                <a:schemeClr val="accent1">
-                  <a:shade val="50000"/>
-                </a:schemeClr>
-              </a:lnRef>
-              <a:fillRef idx="1">
-                <a:schemeClr val="accent1"/>
-              </a:fillRef>
-              <a:effectRef idx="0">
-                <a:schemeClr val="accent1"/>
-              </a:effectRef>
-              <a:fontRef idx="minor">
-                <a:schemeClr val="lt1"/>
-              </a:fontRef>
-            </p:style>
-            <p:txBody>
-              <a:bodyPr rtlCol="0" anchor="ctr"/>
-              <a:lstStyle/>
-              <a:p>
-                <a:pPr algn="ctr"/>
-                <a:endParaRPr lang="en-US" dirty="0">
+                </a:rPr>
+                <a:t>30 FH</a:t>
+              </a:r>
+            </a:p>
+          </p:txBody>
+        </p:sp>
+        <p:sp>
+          <p:nvSpPr>
+            <p:cNvPr id="34" name="TextBox 33">
+              <a:extLst>
+                <a:ext uri="{FF2B5EF4-FFF2-40B4-BE49-F238E27FC236}">
+                  <a16:creationId xmlns:a16="http://schemas.microsoft.com/office/drawing/2014/main" id="{782D1014-A676-DB49-9A56-54D56F9BFAF5}"/>
+                </a:ext>
+              </a:extLst>
+            </p:cNvPr>
+            <p:cNvSpPr txBox="1"/>
+            <p:nvPr/>
+          </p:nvSpPr>
+          <p:spPr>
+            <a:xfrm>
+              <a:off x="4491767" y="4243017"/>
+              <a:ext cx="2392478" cy="400110"/>
+            </a:xfrm>
+            <a:prstGeom prst="rect">
+              <a:avLst/>
+            </a:prstGeom>
+            <a:noFill/>
+          </p:spPr>
+          <p:txBody>
+            <a:bodyPr wrap="square" rtlCol="0">
+              <a:spAutoFit/>
+            </a:bodyPr>
+            <a:lstStyle/>
+            <a:p>
+              <a:pPr algn="ctr"/>
+              <a:r>
+                <a:rPr lang="en-US" sz="2000" dirty="0">
                   <a:solidFill>
                     <a:schemeClr val="bg1"/>
                   </a:solidFill>
-                </a:endParaRPr>
-              </a:p>
-            </p:txBody>
-          </p:sp>
-          <p:sp>
-            <p:nvSpPr>
-              <p:cNvPr id="18" name="Rectangle 17">
-                <a:extLst>
-                  <a:ext uri="{FF2B5EF4-FFF2-40B4-BE49-F238E27FC236}">
-                    <a16:creationId xmlns:a16="http://schemas.microsoft.com/office/drawing/2014/main" id="{F976BEDE-225E-9B4C-BC0F-1E60DF0C67FD}"/>
-                  </a:ext>
-                </a:extLst>
-              </p:cNvPr>
-              <p:cNvSpPr/>
-              <p:nvPr/>
-            </p:nvSpPr>
-            <p:spPr>
-              <a:xfrm>
-                <a:off x="2081750" y="5117752"/>
-                <a:ext cx="1394618" cy="314543"/>
-              </a:xfrm>
-              <a:prstGeom prst="rect">
-                <a:avLst/>
-              </a:prstGeom>
-              <a:solidFill>
-                <a:srgbClr val="C00000"/>
-              </a:solidFill>
-              <a:ln>
-                <a:solidFill>
-                  <a:srgbClr val="C00000"/>
-                </a:solidFill>
-              </a:ln>
-            </p:spPr>
-            <p:style>
-              <a:lnRef idx="2">
-                <a:schemeClr val="accent1">
-                  <a:shade val="50000"/>
-                </a:schemeClr>
-              </a:lnRef>
-              <a:fillRef idx="1">
-                <a:schemeClr val="accent1"/>
-              </a:fillRef>
-              <a:effectRef idx="0">
-                <a:schemeClr val="accent1"/>
-              </a:effectRef>
-              <a:fontRef idx="minor">
-                <a:schemeClr val="lt1"/>
-              </a:fontRef>
-            </p:style>
-            <p:txBody>
-              <a:bodyPr rtlCol="0" anchor="ctr"/>
-              <a:lstStyle/>
-              <a:p>
-                <a:pPr algn="ctr"/>
-                <a:endParaRPr lang="en-US" dirty="0">
+                </a:rPr>
+                <a:t>28 FH</a:t>
+              </a:r>
+            </a:p>
+          </p:txBody>
+        </p:sp>
+        <p:sp>
+          <p:nvSpPr>
+            <p:cNvPr id="35" name="TextBox 34">
+              <a:extLst>
+                <a:ext uri="{FF2B5EF4-FFF2-40B4-BE49-F238E27FC236}">
+                  <a16:creationId xmlns:a16="http://schemas.microsoft.com/office/drawing/2014/main" id="{DEF0AE6F-B55D-A44E-9A07-EF79F10664B6}"/>
+                </a:ext>
+              </a:extLst>
+            </p:cNvPr>
+            <p:cNvSpPr txBox="1"/>
+            <p:nvPr/>
+          </p:nvSpPr>
+          <p:spPr>
+            <a:xfrm>
+              <a:off x="3281707" y="4693694"/>
+              <a:ext cx="2392478" cy="400110"/>
+            </a:xfrm>
+            <a:prstGeom prst="rect">
+              <a:avLst/>
+            </a:prstGeom>
+            <a:noFill/>
+          </p:spPr>
+          <p:txBody>
+            <a:bodyPr wrap="square" rtlCol="0">
+              <a:spAutoFit/>
+            </a:bodyPr>
+            <a:lstStyle/>
+            <a:p>
+              <a:pPr algn="ctr"/>
+              <a:r>
+                <a:rPr lang="en-US" sz="2000" dirty="0">
                   <a:solidFill>
                     <a:schemeClr val="bg1"/>
                   </a:solidFill>
-                </a:endParaRPr>
-              </a:p>
-            </p:txBody>
-          </p:sp>
-          <p:sp>
-            <p:nvSpPr>
-              <p:cNvPr id="19" name="Rectangle 18">
-                <a:extLst>
-                  <a:ext uri="{FF2B5EF4-FFF2-40B4-BE49-F238E27FC236}">
-                    <a16:creationId xmlns:a16="http://schemas.microsoft.com/office/drawing/2014/main" id="{D0D0DC87-9D69-FA40-BBA2-05637B3CDF38}"/>
-                  </a:ext>
-                </a:extLst>
-              </p:cNvPr>
-              <p:cNvSpPr/>
-              <p:nvPr/>
-            </p:nvSpPr>
-            <p:spPr>
-              <a:xfrm>
-                <a:off x="2081750" y="5582264"/>
-                <a:ext cx="1163958" cy="314543"/>
-              </a:xfrm>
-              <a:prstGeom prst="rect">
-                <a:avLst/>
-              </a:prstGeom>
-              <a:solidFill>
-                <a:srgbClr val="C00000"/>
-              </a:solidFill>
-              <a:ln>
-                <a:solidFill>
-                  <a:srgbClr val="C00000"/>
-                </a:solidFill>
-              </a:ln>
-            </p:spPr>
-            <p:style>
-              <a:lnRef idx="2">
-                <a:schemeClr val="accent1">
-                  <a:shade val="50000"/>
-                </a:schemeClr>
-              </a:lnRef>
-              <a:fillRef idx="1">
-                <a:schemeClr val="accent1"/>
-              </a:fillRef>
-              <a:effectRef idx="0">
-                <a:schemeClr val="accent1"/>
-              </a:effectRef>
-              <a:fontRef idx="minor">
-                <a:schemeClr val="lt1"/>
-              </a:fontRef>
-            </p:style>
-            <p:txBody>
-              <a:bodyPr rtlCol="0" anchor="ctr"/>
-              <a:lstStyle/>
-              <a:p>
-                <a:pPr algn="ctr"/>
-                <a:endParaRPr lang="en-US" dirty="0">
+                </a:rPr>
+                <a:t>22 FH</a:t>
+              </a:r>
+            </a:p>
+          </p:txBody>
+        </p:sp>
+        <p:sp>
+          <p:nvSpPr>
+            <p:cNvPr id="36" name="TextBox 35">
+              <a:extLst>
+                <a:ext uri="{FF2B5EF4-FFF2-40B4-BE49-F238E27FC236}">
+                  <a16:creationId xmlns:a16="http://schemas.microsoft.com/office/drawing/2014/main" id="{2B0B1ED1-9213-B742-851E-9EDD81C9E9CA}"/>
+                </a:ext>
+              </a:extLst>
+            </p:cNvPr>
+            <p:cNvSpPr txBox="1"/>
+            <p:nvPr/>
+          </p:nvSpPr>
+          <p:spPr>
+            <a:xfrm>
+              <a:off x="3077333" y="5175978"/>
+              <a:ext cx="2392478" cy="400110"/>
+            </a:xfrm>
+            <a:prstGeom prst="rect">
+              <a:avLst/>
+            </a:prstGeom>
+            <a:noFill/>
+          </p:spPr>
+          <p:txBody>
+            <a:bodyPr wrap="square" rtlCol="0">
+              <a:spAutoFit/>
+            </a:bodyPr>
+            <a:lstStyle/>
+            <a:p>
+              <a:pPr algn="ctr"/>
+              <a:r>
+                <a:rPr lang="en-US" sz="2000" dirty="0">
                   <a:solidFill>
                     <a:schemeClr val="bg1"/>
                   </a:solidFill>
-                </a:endParaRPr>
-              </a:p>
-            </p:txBody>
-          </p:sp>
-          <p:sp>
-            <p:nvSpPr>
-              <p:cNvPr id="22" name="Rectangle 21">
-                <a:extLst>
-                  <a:ext uri="{FF2B5EF4-FFF2-40B4-BE49-F238E27FC236}">
-                    <a16:creationId xmlns:a16="http://schemas.microsoft.com/office/drawing/2014/main" id="{E1CD4354-4763-C147-A9A4-EA162C36D420}"/>
-                  </a:ext>
-                </a:extLst>
-              </p:cNvPr>
-              <p:cNvSpPr/>
-              <p:nvPr/>
-            </p:nvSpPr>
-            <p:spPr>
-              <a:xfrm>
-                <a:off x="2081750" y="6046776"/>
-                <a:ext cx="513169" cy="314543"/>
-              </a:xfrm>
-              <a:prstGeom prst="rect">
-                <a:avLst/>
-              </a:prstGeom>
-              <a:solidFill>
-                <a:srgbClr val="C00000"/>
-              </a:solidFill>
-              <a:ln>
-                <a:solidFill>
-                  <a:srgbClr val="C00000"/>
-                </a:solidFill>
-              </a:ln>
-            </p:spPr>
-            <p:style>
-              <a:lnRef idx="2">
-                <a:schemeClr val="accent1">
-                  <a:shade val="50000"/>
-                </a:schemeClr>
-              </a:lnRef>
-              <a:fillRef idx="1">
-                <a:schemeClr val="accent1"/>
-              </a:fillRef>
-              <a:effectRef idx="0">
-                <a:schemeClr val="accent1"/>
-              </a:effectRef>
-              <a:fontRef idx="minor">
-                <a:schemeClr val="lt1"/>
-              </a:fontRef>
-            </p:style>
-            <p:txBody>
-              <a:bodyPr rtlCol="0" anchor="ctr"/>
-              <a:lstStyle/>
-              <a:p>
-                <a:pPr algn="ctr"/>
-                <a:endParaRPr lang="en-US" dirty="0">
+                </a:rPr>
+                <a:t>18 FH</a:t>
+              </a:r>
+            </a:p>
+          </p:txBody>
+        </p:sp>
+        <p:sp>
+          <p:nvSpPr>
+            <p:cNvPr id="37" name="TextBox 36">
+              <a:extLst>
+                <a:ext uri="{FF2B5EF4-FFF2-40B4-BE49-F238E27FC236}">
+                  <a16:creationId xmlns:a16="http://schemas.microsoft.com/office/drawing/2014/main" id="{CA60A923-8211-7240-89AC-3D47CDBB82C0}"/>
+                </a:ext>
+              </a:extLst>
+            </p:cNvPr>
+            <p:cNvSpPr txBox="1"/>
+            <p:nvPr/>
+          </p:nvSpPr>
+          <p:spPr>
+            <a:xfrm>
+              <a:off x="2396296" y="5648164"/>
+              <a:ext cx="2392478" cy="400110"/>
+            </a:xfrm>
+            <a:prstGeom prst="rect">
+              <a:avLst/>
+            </a:prstGeom>
+            <a:noFill/>
+          </p:spPr>
+          <p:txBody>
+            <a:bodyPr wrap="square" rtlCol="0">
+              <a:spAutoFit/>
+            </a:bodyPr>
+            <a:lstStyle/>
+            <a:p>
+              <a:pPr algn="ctr"/>
+              <a:r>
+                <a:rPr lang="en-US" sz="2000" dirty="0">
                   <a:solidFill>
                     <a:schemeClr val="bg1"/>
                   </a:solidFill>
-                </a:endParaRPr>
-              </a:p>
-            </p:txBody>
-          </p:sp>
-          <p:sp>
-            <p:nvSpPr>
-              <p:cNvPr id="23" name="TextBox 22">
-                <a:extLst>
-                  <a:ext uri="{FF2B5EF4-FFF2-40B4-BE49-F238E27FC236}">
-                    <a16:creationId xmlns:a16="http://schemas.microsoft.com/office/drawing/2014/main" id="{16614BEA-E63C-7D44-B2D4-ED326DB65036}"/>
-                  </a:ext>
-                </a:extLst>
-              </p:cNvPr>
-              <p:cNvSpPr txBox="1"/>
-              <p:nvPr/>
-            </p:nvSpPr>
-            <p:spPr>
-              <a:xfrm>
-                <a:off x="-310728" y="4607070"/>
-                <a:ext cx="2392478" cy="338554"/>
-              </a:xfrm>
-              <a:prstGeom prst="rect">
-                <a:avLst/>
-              </a:prstGeom>
-              <a:noFill/>
-            </p:spPr>
-            <p:txBody>
-              <a:bodyPr wrap="square" rtlCol="0">
-                <a:spAutoFit/>
-              </a:bodyPr>
-              <a:lstStyle/>
-              <a:p>
-                <a:pPr algn="r"/>
-                <a:r>
-                  <a:rPr lang="en-US" sz="1600" dirty="0">
-                    <a:solidFill>
-                      <a:schemeClr val="bg1"/>
-                    </a:solidFill>
-                  </a:rPr>
-                  <a:t>Insufficient</a:t>
-                </a:r>
-              </a:p>
-            </p:txBody>
-          </p:sp>
-          <p:sp>
-            <p:nvSpPr>
-              <p:cNvPr id="24" name="TextBox 23">
-                <a:extLst>
-                  <a:ext uri="{FF2B5EF4-FFF2-40B4-BE49-F238E27FC236}">
-                    <a16:creationId xmlns:a16="http://schemas.microsoft.com/office/drawing/2014/main" id="{2C421175-9CD8-744A-986A-973E8B69FADC}"/>
-                  </a:ext>
-                </a:extLst>
-              </p:cNvPr>
-              <p:cNvSpPr txBox="1"/>
-              <p:nvPr/>
-            </p:nvSpPr>
-            <p:spPr>
-              <a:xfrm>
-                <a:off x="-310728" y="5067834"/>
-                <a:ext cx="2392478" cy="338554"/>
-              </a:xfrm>
-              <a:prstGeom prst="rect">
-                <a:avLst/>
-              </a:prstGeom>
-              <a:noFill/>
-            </p:spPr>
-            <p:txBody>
-              <a:bodyPr wrap="square" rtlCol="0">
-                <a:spAutoFit/>
-              </a:bodyPr>
-              <a:lstStyle/>
-              <a:p>
-                <a:pPr algn="r"/>
-                <a:r>
-                  <a:rPr lang="en-US" sz="1600" dirty="0">
-                    <a:solidFill>
-                      <a:schemeClr val="bg1"/>
-                    </a:solidFill>
-                  </a:rPr>
-                  <a:t>Dry</a:t>
-                </a:r>
-              </a:p>
-            </p:txBody>
-          </p:sp>
-          <p:sp>
-            <p:nvSpPr>
-              <p:cNvPr id="25" name="TextBox 24">
-                <a:extLst>
-                  <a:ext uri="{FF2B5EF4-FFF2-40B4-BE49-F238E27FC236}">
-                    <a16:creationId xmlns:a16="http://schemas.microsoft.com/office/drawing/2014/main" id="{A23E87F1-EE11-394E-802F-1C2C22677C42}"/>
-                  </a:ext>
-                </a:extLst>
-              </p:cNvPr>
-              <p:cNvSpPr txBox="1"/>
-              <p:nvPr/>
-            </p:nvSpPr>
-            <p:spPr>
-              <a:xfrm>
-                <a:off x="-310728" y="5536543"/>
-                <a:ext cx="2392478" cy="338554"/>
-              </a:xfrm>
-              <a:prstGeom prst="rect">
-                <a:avLst/>
-              </a:prstGeom>
-              <a:noFill/>
-            </p:spPr>
-            <p:txBody>
-              <a:bodyPr wrap="square" rtlCol="0">
-                <a:spAutoFit/>
-              </a:bodyPr>
-              <a:lstStyle/>
-              <a:p>
-                <a:pPr algn="r"/>
-                <a:r>
-                  <a:rPr lang="en-US" sz="1600" dirty="0">
-                    <a:solidFill>
-                      <a:schemeClr val="bg1"/>
-                    </a:solidFill>
-                  </a:rPr>
-                  <a:t>Seasonal</a:t>
-                </a:r>
-              </a:p>
-            </p:txBody>
-          </p:sp>
-          <p:sp>
-            <p:nvSpPr>
-              <p:cNvPr id="26" name="TextBox 25">
-                <a:extLst>
-                  <a:ext uri="{FF2B5EF4-FFF2-40B4-BE49-F238E27FC236}">
-                    <a16:creationId xmlns:a16="http://schemas.microsoft.com/office/drawing/2014/main" id="{F8446089-7B7D-594F-AD37-EDF1DF46F9E8}"/>
-                  </a:ext>
-                </a:extLst>
-              </p:cNvPr>
-              <p:cNvSpPr txBox="1"/>
-              <p:nvPr/>
-            </p:nvSpPr>
-            <p:spPr>
-              <a:xfrm>
-                <a:off x="-304844" y="5995874"/>
-                <a:ext cx="2392478" cy="338554"/>
-              </a:xfrm>
-              <a:prstGeom prst="rect">
-                <a:avLst/>
-              </a:prstGeom>
-              <a:noFill/>
-            </p:spPr>
-            <p:txBody>
-              <a:bodyPr wrap="square" rtlCol="0">
-                <a:spAutoFit/>
-              </a:bodyPr>
-              <a:lstStyle/>
-              <a:p>
-                <a:pPr algn="r"/>
-                <a:r>
-                  <a:rPr lang="en-US" sz="1600" dirty="0">
-                    <a:solidFill>
-                      <a:schemeClr val="bg1"/>
-                    </a:solidFill>
-                  </a:rPr>
-                  <a:t>Unknown</a:t>
-                </a:r>
-              </a:p>
-            </p:txBody>
-          </p:sp>
-          <p:sp>
-            <p:nvSpPr>
-              <p:cNvPr id="27" name="TextBox 26">
-                <a:extLst>
-                  <a:ext uri="{FF2B5EF4-FFF2-40B4-BE49-F238E27FC236}">
-                    <a16:creationId xmlns:a16="http://schemas.microsoft.com/office/drawing/2014/main" id="{1136782A-D666-8348-90E0-E3265900B884}"/>
-                  </a:ext>
-                </a:extLst>
-              </p:cNvPr>
-              <p:cNvSpPr txBox="1"/>
-              <p:nvPr/>
-            </p:nvSpPr>
-            <p:spPr>
-              <a:xfrm>
-                <a:off x="341820" y="3789149"/>
-                <a:ext cx="5344357" cy="400110"/>
-              </a:xfrm>
-              <a:prstGeom prst="rect">
-                <a:avLst/>
-              </a:prstGeom>
-              <a:noFill/>
-            </p:spPr>
-            <p:txBody>
-              <a:bodyPr wrap="square" rtlCol="0">
-                <a:spAutoFit/>
-              </a:bodyPr>
-              <a:lstStyle/>
-              <a:p>
-                <a:pPr algn="ctr"/>
-                <a:r>
-                  <a:rPr lang="en-US" sz="2000" u="sng" dirty="0">
-                    <a:solidFill>
-                      <a:schemeClr val="bg1"/>
-                    </a:solidFill>
-                  </a:rPr>
-                  <a:t>Amount of Static Head by Water Quantity</a:t>
-                </a:r>
-              </a:p>
-            </p:txBody>
-          </p:sp>
-          <p:sp>
-            <p:nvSpPr>
-              <p:cNvPr id="28" name="TextBox 27">
-                <a:extLst>
-                  <a:ext uri="{FF2B5EF4-FFF2-40B4-BE49-F238E27FC236}">
-                    <a16:creationId xmlns:a16="http://schemas.microsoft.com/office/drawing/2014/main" id="{484F1665-3C28-264B-83CA-4CEFB0AA2DF8}"/>
-                  </a:ext>
-                </a:extLst>
-              </p:cNvPr>
-              <p:cNvSpPr txBox="1"/>
-              <p:nvPr/>
-            </p:nvSpPr>
-            <p:spPr>
-              <a:xfrm>
-                <a:off x="5815696" y="4139173"/>
-                <a:ext cx="1610411" cy="338554"/>
-              </a:xfrm>
-              <a:prstGeom prst="rect">
-                <a:avLst/>
-              </a:prstGeom>
-              <a:noFill/>
-            </p:spPr>
-            <p:txBody>
-              <a:bodyPr wrap="square" rtlCol="0">
-                <a:spAutoFit/>
-              </a:bodyPr>
-              <a:lstStyle/>
-              <a:p>
-                <a:pPr algn="ctr"/>
-                <a:r>
-                  <a:rPr lang="en-US" sz="1600" dirty="0">
-                    <a:solidFill>
-                      <a:schemeClr val="bg1"/>
-                    </a:solidFill>
-                  </a:rPr>
-                  <a:t>426 FH</a:t>
-                </a:r>
-              </a:p>
-            </p:txBody>
-          </p:sp>
-          <p:sp>
-            <p:nvSpPr>
-              <p:cNvPr id="29" name="TextBox 28">
-                <a:extLst>
-                  <a:ext uri="{FF2B5EF4-FFF2-40B4-BE49-F238E27FC236}">
-                    <a16:creationId xmlns:a16="http://schemas.microsoft.com/office/drawing/2014/main" id="{F6D6F797-A4AE-1A46-AB69-A1363800D07D}"/>
-                  </a:ext>
-                </a:extLst>
-              </p:cNvPr>
-              <p:cNvSpPr txBox="1"/>
-              <p:nvPr/>
-            </p:nvSpPr>
-            <p:spPr>
-              <a:xfrm>
-                <a:off x="3874783" y="4641234"/>
-                <a:ext cx="2392478" cy="338554"/>
-              </a:xfrm>
-              <a:prstGeom prst="rect">
-                <a:avLst/>
-              </a:prstGeom>
-              <a:noFill/>
-            </p:spPr>
-            <p:txBody>
-              <a:bodyPr wrap="square" rtlCol="0">
-                <a:spAutoFit/>
-              </a:bodyPr>
-              <a:lstStyle/>
-              <a:p>
-                <a:pPr algn="ctr"/>
-                <a:r>
-                  <a:rPr lang="en-US" sz="1600" dirty="0">
-                    <a:solidFill>
-                      <a:schemeClr val="bg1"/>
-                    </a:solidFill>
-                  </a:rPr>
-                  <a:t>260 FH</a:t>
-                </a:r>
-              </a:p>
-            </p:txBody>
-          </p:sp>
-          <p:sp>
-            <p:nvSpPr>
-              <p:cNvPr id="30" name="TextBox 29">
-                <a:extLst>
-                  <a:ext uri="{FF2B5EF4-FFF2-40B4-BE49-F238E27FC236}">
-                    <a16:creationId xmlns:a16="http://schemas.microsoft.com/office/drawing/2014/main" id="{B0861D3F-B019-964B-8FCE-924E7B5495A6}"/>
-                  </a:ext>
-                </a:extLst>
-              </p:cNvPr>
-              <p:cNvSpPr txBox="1"/>
-              <p:nvPr/>
-            </p:nvSpPr>
-            <p:spPr>
-              <a:xfrm>
-                <a:off x="2678544" y="5030800"/>
-                <a:ext cx="2392478" cy="338554"/>
-              </a:xfrm>
-              <a:prstGeom prst="rect">
-                <a:avLst/>
-              </a:prstGeom>
-              <a:noFill/>
-            </p:spPr>
-            <p:txBody>
-              <a:bodyPr wrap="square" rtlCol="0">
-                <a:spAutoFit/>
-              </a:bodyPr>
-              <a:lstStyle/>
-              <a:p>
-                <a:pPr algn="ctr"/>
-                <a:r>
-                  <a:rPr lang="en-US" sz="1600" dirty="0">
-                    <a:solidFill>
-                      <a:schemeClr val="bg1"/>
-                    </a:solidFill>
-                  </a:rPr>
-                  <a:t>135 FH</a:t>
-                </a:r>
-              </a:p>
-            </p:txBody>
-          </p:sp>
-          <p:sp>
-            <p:nvSpPr>
-              <p:cNvPr id="31" name="TextBox 30">
-                <a:extLst>
-                  <a:ext uri="{FF2B5EF4-FFF2-40B4-BE49-F238E27FC236}">
-                    <a16:creationId xmlns:a16="http://schemas.microsoft.com/office/drawing/2014/main" id="{FFC74EDC-064D-3C41-9A17-08FA0DA10FE3}"/>
-                  </a:ext>
-                </a:extLst>
-              </p:cNvPr>
-              <p:cNvSpPr txBox="1"/>
-              <p:nvPr/>
-            </p:nvSpPr>
-            <p:spPr>
-              <a:xfrm>
-                <a:off x="2469226" y="5564255"/>
-                <a:ext cx="2392478" cy="338554"/>
-              </a:xfrm>
-              <a:prstGeom prst="rect">
-                <a:avLst/>
-              </a:prstGeom>
-              <a:noFill/>
-            </p:spPr>
-            <p:txBody>
-              <a:bodyPr wrap="square" rtlCol="0">
-                <a:spAutoFit/>
-              </a:bodyPr>
-              <a:lstStyle/>
-              <a:p>
-                <a:pPr algn="ctr"/>
-                <a:r>
-                  <a:rPr lang="en-US" sz="1600" dirty="0">
-                    <a:solidFill>
-                      <a:schemeClr val="bg1"/>
-                    </a:solidFill>
-                  </a:rPr>
-                  <a:t>116 FH</a:t>
-                </a:r>
-              </a:p>
-            </p:txBody>
-          </p:sp>
-          <p:sp>
-            <p:nvSpPr>
-              <p:cNvPr id="32" name="TextBox 31">
-                <a:extLst>
-                  <a:ext uri="{FF2B5EF4-FFF2-40B4-BE49-F238E27FC236}">
-                    <a16:creationId xmlns:a16="http://schemas.microsoft.com/office/drawing/2014/main" id="{9432C451-194A-DC45-8E87-57BFC013F9AC}"/>
-                  </a:ext>
-                </a:extLst>
-              </p:cNvPr>
-              <p:cNvSpPr txBox="1"/>
-              <p:nvPr/>
-            </p:nvSpPr>
-            <p:spPr>
-              <a:xfrm>
-                <a:off x="1774656" y="6034770"/>
-                <a:ext cx="2392478" cy="338554"/>
-              </a:xfrm>
-              <a:prstGeom prst="rect">
-                <a:avLst/>
-              </a:prstGeom>
-              <a:noFill/>
-            </p:spPr>
-            <p:txBody>
-              <a:bodyPr wrap="square" rtlCol="0">
-                <a:spAutoFit/>
-              </a:bodyPr>
-              <a:lstStyle/>
-              <a:p>
-                <a:pPr algn="ctr"/>
-                <a:r>
-                  <a:rPr lang="en-US" sz="1600" dirty="0">
-                    <a:solidFill>
-                      <a:schemeClr val="bg1"/>
-                    </a:solidFill>
-                  </a:rPr>
-                  <a:t>68 FH</a:t>
-                </a:r>
-              </a:p>
-            </p:txBody>
-          </p:sp>
-        </p:grpSp>
+                </a:rPr>
+                <a:t>16 FH</a:t>
+              </a:r>
+            </a:p>
+          </p:txBody>
+        </p:sp>
+        <p:sp>
+          <p:nvSpPr>
+            <p:cNvPr id="38" name="TextBox 37">
+              <a:extLst>
+                <a:ext uri="{FF2B5EF4-FFF2-40B4-BE49-F238E27FC236}">
+                  <a16:creationId xmlns:a16="http://schemas.microsoft.com/office/drawing/2014/main" id="{3D017FE7-7446-A047-B4B1-425889E8F0D0}"/>
+                </a:ext>
+              </a:extLst>
+            </p:cNvPr>
+            <p:cNvSpPr txBox="1"/>
+            <p:nvPr/>
+          </p:nvSpPr>
+          <p:spPr>
+            <a:xfrm>
+              <a:off x="4413749" y="1229838"/>
+              <a:ext cx="2392478" cy="477054"/>
+            </a:xfrm>
+            <a:prstGeom prst="rect">
+              <a:avLst/>
+            </a:prstGeom>
+            <a:noFill/>
+          </p:spPr>
+          <p:txBody>
+            <a:bodyPr wrap="square" rtlCol="0">
+              <a:spAutoFit/>
+            </a:bodyPr>
+            <a:lstStyle/>
+            <a:p>
+              <a:pPr algn="ctr"/>
+              <a:r>
+                <a:rPr lang="en-US" sz="2500" dirty="0">
+                  <a:solidFill>
+                    <a:schemeClr val="bg1"/>
+                  </a:solidFill>
+                </a:rPr>
+                <a:t>31 FH</a:t>
+              </a:r>
+            </a:p>
+          </p:txBody>
+        </p:sp>
+        <p:sp>
+          <p:nvSpPr>
+            <p:cNvPr id="39" name="TextBox 38">
+              <a:extLst>
+                <a:ext uri="{FF2B5EF4-FFF2-40B4-BE49-F238E27FC236}">
+                  <a16:creationId xmlns:a16="http://schemas.microsoft.com/office/drawing/2014/main" id="{58F61A06-48F3-ED48-9B67-7F034891B2D4}"/>
+                </a:ext>
+              </a:extLst>
+            </p:cNvPr>
+            <p:cNvSpPr txBox="1"/>
+            <p:nvPr/>
+          </p:nvSpPr>
+          <p:spPr>
+            <a:xfrm>
+              <a:off x="3141057" y="2285200"/>
+              <a:ext cx="2392477" cy="477054"/>
+            </a:xfrm>
+            <a:prstGeom prst="rect">
+              <a:avLst/>
+            </a:prstGeom>
+            <a:noFill/>
+          </p:spPr>
+          <p:txBody>
+            <a:bodyPr wrap="square" rtlCol="0">
+              <a:spAutoFit/>
+            </a:bodyPr>
+            <a:lstStyle/>
+            <a:p>
+              <a:pPr algn="ctr"/>
+              <a:r>
+                <a:rPr lang="en-US" sz="2500" dirty="0">
+                  <a:solidFill>
+                    <a:schemeClr val="bg1"/>
+                  </a:solidFill>
+                </a:rPr>
+                <a:t>23 FH</a:t>
+              </a:r>
+            </a:p>
+          </p:txBody>
+        </p:sp>
       </p:grpSp>
     </p:spTree>
     <p:extLst>
@@ -12223,75 +12186,12 @@
         </p:nvGrpSpPr>
         <p:grpSpPr>
           <a:xfrm>
-            <a:off x="0" y="727446"/>
-            <a:ext cx="6146562" cy="7320000"/>
-            <a:chOff x="591055" y="876301"/>
-            <a:chExt cx="6146562" cy="7320000"/>
+            <a:off x="0" y="1665755"/>
+            <a:ext cx="2537324" cy="4347561"/>
+            <a:chOff x="591055" y="1352971"/>
+            <a:chExt cx="2537324" cy="4347561"/>
           </a:xfrm>
         </p:grpSpPr>
-        <p:pic>
-          <p:nvPicPr>
-            <p:cNvPr id="6" name="Picture 5" descr="Chart, bar chart&#10;&#10;Description automatically generated">
-              <a:extLst>
-                <a:ext uri="{FF2B5EF4-FFF2-40B4-BE49-F238E27FC236}">
-                  <a16:creationId xmlns:a16="http://schemas.microsoft.com/office/drawing/2014/main" id="{00A47BB2-C758-9D49-BC64-0D0A5B1FD261}"/>
-                </a:ext>
-              </a:extLst>
-            </p:cNvPr>
-            <p:cNvPicPr>
-              <a:picLocks noChangeAspect="1"/>
-            </p:cNvPicPr>
-            <p:nvPr/>
-          </p:nvPicPr>
-          <p:blipFill>
-            <a:blip r:embed="rId2">
-              <a:extLst>
-                <a:ext uri="{BEBA8EAE-BF5A-486C-A8C5-ECC9F3942E4B}">
-                  <a14:imgProps xmlns:a14="http://schemas.microsoft.com/office/drawing/2010/main">
-                    <a14:imgLayer r:embed="rId3">
-                      <a14:imgEffect>
-                        <a14:backgroundRemoval t="9861" b="94185" l="7879" r="89899">
-                          <a14:foregroundMark x1="7879" y1="21365" x2="7879" y2="21365"/>
-                          <a14:foregroundMark x1="17239" y1="22503" x2="17239" y2="22503"/>
-                          <a14:foregroundMark x1="28013" y1="40708" x2="28013" y2="40708"/>
-                          <a14:foregroundMark x1="36768" y1="46903" x2="36768" y2="46903"/>
-                          <a14:foregroundMark x1="48418" y1="65613" x2="48418" y2="65613"/>
-                          <a14:foregroundMark x1="54815" y1="78129" x2="54815" y2="78129"/>
-                          <a14:foregroundMark x1="65051" y1="86346" x2="65051" y2="86346"/>
-                          <a14:foregroundMark x1="73401" y1="90013" x2="73401" y2="90013"/>
-                          <a14:foregroundMark x1="35421" y1="69912" x2="35421" y2="69912"/>
-                          <a14:foregroundMark x1="27138" y1="66498" x2="27138" y2="66498"/>
-                          <a14:foregroundMark x1="27475" y1="41340" x2="27407" y2="69153"/>
-                          <a14:foregroundMark x1="27407" y1="69153" x2="27407" y2="69153"/>
-                          <a14:foregroundMark x1="36633" y1="51833" x2="37172" y2="72566"/>
-                          <a14:backgroundMark x1="85387" y1="94690" x2="85387" y2="94058"/>
-                        </a14:backgroundRemoval>
-                      </a14:imgEffect>
-                      <a14:imgEffect>
-                        <a14:sharpenSoften amount="50000"/>
-                      </a14:imgEffect>
-                    </a14:imgLayer>
-                  </a14:imgProps>
-                </a:ext>
-                <a:ext uri="{28A0092B-C50C-407E-A947-70E740481C1C}">
-                  <a14:useLocalDpi xmlns:a14="http://schemas.microsoft.com/office/drawing/2010/main" val="0"/>
-                </a:ext>
-              </a:extLst>
-            </a:blip>
-            <a:stretch>
-              <a:fillRect/>
-            </a:stretch>
-          </p:blipFill>
-          <p:spPr>
-            <a:xfrm rot="5400000">
-              <a:off x="1128082" y="2586765"/>
-              <a:ext cx="7320000" cy="3899071"/>
-            </a:xfrm>
-            <a:prstGeom prst="rect">
-              <a:avLst/>
-            </a:prstGeom>
-          </p:spPr>
-        </p:pic>
         <p:sp>
           <p:nvSpPr>
             <p:cNvPr id="39" name="TextBox 38">
@@ -12346,7 +12246,7 @@
           </p:nvSpPr>
           <p:spPr>
             <a:xfrm>
-              <a:off x="591056" y="2052097"/>
+              <a:off x="591056" y="2169976"/>
               <a:ext cx="2521839" cy="400110"/>
             </a:xfrm>
             <a:prstGeom prst="rect">
@@ -12386,7 +12286,7 @@
           </p:nvSpPr>
           <p:spPr>
             <a:xfrm>
-              <a:off x="595558" y="4048192"/>
+              <a:off x="595558" y="4499366"/>
               <a:ext cx="2521839" cy="400110"/>
             </a:xfrm>
             <a:prstGeom prst="rect">
@@ -12426,7 +12326,7 @@
           </p:nvSpPr>
           <p:spPr>
             <a:xfrm>
-              <a:off x="606540" y="2680963"/>
+              <a:off x="606540" y="2943234"/>
               <a:ext cx="2521839" cy="400110"/>
             </a:xfrm>
             <a:prstGeom prst="rect">
@@ -12462,7 +12362,7 @@
           </p:nvSpPr>
           <p:spPr>
             <a:xfrm>
-              <a:off x="606540" y="3347056"/>
+              <a:off x="606540" y="3744290"/>
               <a:ext cx="2521839" cy="400110"/>
             </a:xfrm>
             <a:prstGeom prst="rect">
@@ -12498,7 +12398,7 @@
           </p:nvSpPr>
           <p:spPr>
             <a:xfrm>
-              <a:off x="595559" y="4724191"/>
+              <a:off x="595559" y="5300422"/>
               <a:ext cx="2521839" cy="400110"/>
             </a:xfrm>
             <a:prstGeom prst="rect">
@@ -12524,79 +12424,70 @@
             </a:p>
           </p:txBody>
         </p:sp>
-        <p:sp>
-          <p:nvSpPr>
-            <p:cNvPr id="50" name="TextBox 49">
-              <a:extLst>
-                <a:ext uri="{FF2B5EF4-FFF2-40B4-BE49-F238E27FC236}">
-                  <a16:creationId xmlns:a16="http://schemas.microsoft.com/office/drawing/2014/main" id="{5E2AFAB7-4E6C-1B40-A517-5E286400307A}"/>
-                </a:ext>
-              </a:extLst>
-            </p:cNvPr>
-            <p:cNvSpPr txBox="1"/>
-            <p:nvPr/>
-          </p:nvSpPr>
-          <p:spPr>
-            <a:xfrm>
-              <a:off x="606540" y="5402974"/>
-              <a:ext cx="2521839" cy="400110"/>
-            </a:xfrm>
-            <a:prstGeom prst="rect">
-              <a:avLst/>
-            </a:prstGeom>
-            <a:noFill/>
-          </p:spPr>
-          <p:txBody>
-            <a:bodyPr wrap="square" rtlCol="0">
-              <a:spAutoFit/>
-            </a:bodyPr>
-            <a:lstStyle/>
-            <a:p>
-              <a:pPr algn="r"/>
-              <a:r>
-                <a:rPr lang="en-US" sz="2000" dirty="0"/>
-                <a:t>Communal Standpipe</a:t>
-              </a:r>
-            </a:p>
-          </p:txBody>
-        </p:sp>
-        <p:sp>
-          <p:nvSpPr>
-            <p:cNvPr id="51" name="TextBox 50">
-              <a:extLst>
-                <a:ext uri="{FF2B5EF4-FFF2-40B4-BE49-F238E27FC236}">
-                  <a16:creationId xmlns:a16="http://schemas.microsoft.com/office/drawing/2014/main" id="{AB76A425-F87E-1F4E-A7CB-7659BF230E22}"/>
-                </a:ext>
-              </a:extLst>
-            </p:cNvPr>
-            <p:cNvSpPr txBox="1"/>
-            <p:nvPr/>
-          </p:nvSpPr>
-          <p:spPr>
-            <a:xfrm>
-              <a:off x="595560" y="5949110"/>
-              <a:ext cx="2521839" cy="707886"/>
-            </a:xfrm>
-            <a:prstGeom prst="rect">
-              <a:avLst/>
-            </a:prstGeom>
-            <a:noFill/>
-          </p:spPr>
-          <p:txBody>
-            <a:bodyPr wrap="square" rtlCol="0">
-              <a:spAutoFit/>
-            </a:bodyPr>
-            <a:lstStyle/>
-            <a:p>
-              <a:pPr algn="r"/>
-              <a:r>
-                <a:rPr lang="en-US" sz="2000" dirty="0"/>
-                <a:t>Multiple Communal Standpipe</a:t>
-              </a:r>
-            </a:p>
-          </p:txBody>
-        </p:sp>
       </p:grpSp>
+      <p:pic>
+        <p:nvPicPr>
+          <p:cNvPr id="3" name="Picture 2" descr="Chart, bar chart&#10;&#10;Description automatically generated">
+            <a:extLst>
+              <a:ext uri="{FF2B5EF4-FFF2-40B4-BE49-F238E27FC236}">
+                <a16:creationId xmlns:a16="http://schemas.microsoft.com/office/drawing/2014/main" id="{D390A5AA-AE4D-C745-BB3D-169488CC4346}"/>
+              </a:ext>
+            </a:extLst>
+          </p:cNvPr>
+          <p:cNvPicPr>
+            <a:picLocks noChangeAspect="1"/>
+          </p:cNvPicPr>
+          <p:nvPr/>
+        </p:nvPicPr>
+        <p:blipFill>
+          <a:blip r:embed="rId2">
+            <a:extLst>
+              <a:ext uri="{BEBA8EAE-BF5A-486C-A8C5-ECC9F3942E4B}">
+                <a14:imgProps xmlns:a14="http://schemas.microsoft.com/office/drawing/2010/main">
+                  <a14:imgLayer r:embed="rId3">
+                    <a14:imgEffect>
+                      <a14:backgroundRemoval t="4000" b="96690" l="5628" r="95022">
+                        <a14:foregroundMark x1="13203" y1="7586" x2="30519" y2="8276"/>
+                        <a14:foregroundMark x1="30519" y1="8276" x2="65801" y2="6069"/>
+                        <a14:foregroundMark x1="8442" y1="5931" x2="28139" y2="5931"/>
+                        <a14:foregroundMark x1="28139" y1="5931" x2="62554" y2="6207"/>
+                        <a14:foregroundMark x1="62554" y1="6207" x2="74892" y2="5931"/>
+                        <a14:foregroundMark x1="74892" y1="5931" x2="83766" y2="6345"/>
+                        <a14:foregroundMark x1="5844" y1="4000" x2="7143" y2="8690"/>
+                        <a14:foregroundMark x1="95022" y1="6483" x2="95022" y2="6483"/>
+                        <a14:foregroundMark x1="86580" y1="21931" x2="86580" y2="21931"/>
+                        <a14:foregroundMark x1="41775" y1="39310" x2="41775" y2="39310"/>
+                        <a14:foregroundMark x1="47835" y1="42897" x2="17532" y2="41793"/>
+                        <a14:foregroundMark x1="17316" y1="57931" x2="35281" y2="58207"/>
+                        <a14:foregroundMark x1="23593" y1="74897" x2="14286" y2="75310"/>
+                        <a14:foregroundMark x1="10390" y1="89655" x2="17532" y2="90897"/>
+                        <a14:foregroundMark x1="14069" y1="95862" x2="9307" y2="96690"/>
+                        <a14:foregroundMark x1="31385" y1="24000" x2="43074" y2="24966"/>
+                        <a14:foregroundMark x1="43074" y1="24966" x2="53247" y2="24690"/>
+                      </a14:backgroundRemoval>
+                    </a14:imgEffect>
+                  </a14:imgLayer>
+                </a14:imgProps>
+              </a:ext>
+              <a:ext uri="{28A0092B-C50C-407E-A947-70E740481C1C}">
+                <a14:useLocalDpi xmlns:a14="http://schemas.microsoft.com/office/drawing/2010/main" val="0"/>
+              </a:ext>
+            </a:extLst>
+          </a:blip>
+          <a:stretch>
+            <a:fillRect/>
+          </a:stretch>
+        </p:blipFill>
+        <p:spPr>
+          <a:xfrm>
+            <a:off x="2537324" y="1510420"/>
+            <a:ext cx="2972868" cy="4665216"/>
+          </a:xfrm>
+          <a:prstGeom prst="rect">
+            <a:avLst/>
+          </a:prstGeom>
+        </p:spPr>
+      </p:pic>
     </p:spTree>
     <p:extLst>
       <p:ext uri="{BB962C8B-B14F-4D97-AF65-F5344CB8AC3E}">
